--- a/Slides/Lesson 5.2 Evaluating Tests.pptx
+++ b/Slides/Lesson 5.2 Evaluating Tests.pptx
@@ -2410,7 +2410,7 @@
           <a:p>
             <a:fld id="{7C7E5181-6CF5-45F7-A87A-E0E0B1FD7549}" type="datetimeFigureOut">
               <a:rPr lang="en-US" smtClean="0"/>
-              <a:t>2/12/2022</a:t>
+              <a:t>2/13/2022</a:t>
             </a:fld>
             <a:endParaRPr lang="en-US"/>
           </a:p>
@@ -3995,7 +3995,7 @@
           <a:p>
             <a:fld id="{5D2A64DE-480B-420F-9649-4F8E696E08E0}" type="datetime1">
               <a:rPr lang="en-US" smtClean="0"/>
-              <a:t>2/12/2022</a:t>
+              <a:t>2/13/2022</a:t>
             </a:fld>
             <a:endParaRPr lang="en-US"/>
           </a:p>
@@ -4229,7 +4229,7 @@
           <a:p>
             <a:fld id="{0D3616D0-8311-4107-9726-6B805E7D05BA}" type="datetime1">
               <a:rPr lang="en-US" smtClean="0"/>
-              <a:t>2/12/2022</a:t>
+              <a:t>2/13/2022</a:t>
             </a:fld>
             <a:endParaRPr lang="en-US"/>
           </a:p>
@@ -4437,7 +4437,7 @@
           <a:p>
             <a:fld id="{3BC2557A-5C88-417A-A763-5AC779462A5F}" type="datetime1">
               <a:rPr lang="en-US" smtClean="0"/>
-              <a:t>2/12/2022</a:t>
+              <a:t>2/13/2022</a:t>
             </a:fld>
             <a:endParaRPr lang="en-US"/>
           </a:p>
@@ -6123,7 +6123,7 @@
           <a:p>
             <a:fld id="{07C7BFD4-467E-4EDE-93EA-052F5B39A4E5}" type="datetime1">
               <a:rPr lang="en-US" smtClean="0"/>
-              <a:t>2/12/2022</a:t>
+              <a:t>2/13/2022</a:t>
             </a:fld>
             <a:endParaRPr lang="en-US"/>
           </a:p>
@@ -7885,7 +7885,7 @@
           <a:p>
             <a:fld id="{A533CBE2-D5BE-47AC-ADC2-9CDFC1D0CF90}" type="datetime1">
               <a:rPr lang="en-US" smtClean="0"/>
-              <a:t>2/12/2022</a:t>
+              <a:t>2/13/2022</a:t>
             </a:fld>
             <a:endParaRPr lang="en-US"/>
           </a:p>
@@ -8188,7 +8188,7 @@
           <a:p>
             <a:fld id="{39B7EDB1-CE74-4951-85A2-0B01C2128E28}" type="datetime1">
               <a:rPr lang="en-US" smtClean="0"/>
-              <a:t>2/12/2022</a:t>
+              <a:t>2/13/2022</a:t>
             </a:fld>
             <a:endParaRPr lang="en-US"/>
           </a:p>
@@ -8637,7 +8637,7 @@
           <a:p>
             <a:fld id="{2BC7EB92-A5C2-4807-A9DC-9EDE6CBFB241}" type="datetime1">
               <a:rPr lang="en-US" smtClean="0"/>
-              <a:t>2/12/2022</a:t>
+              <a:t>2/13/2022</a:t>
             </a:fld>
             <a:endParaRPr lang="en-US"/>
           </a:p>
@@ -8784,7 +8784,7 @@
           <a:p>
             <a:fld id="{109E55A0-C911-4F03-82FC-7E5926047D46}" type="datetime1">
               <a:rPr lang="en-US" smtClean="0"/>
-              <a:t>2/12/2022</a:t>
+              <a:t>2/13/2022</a:t>
             </a:fld>
             <a:endParaRPr lang="en-US"/>
           </a:p>
@@ -8933,7 +8933,7 @@
           <a:p>
             <a:fld id="{2B7B7EE0-7771-4CD5-9B2B-3550753A54A1}" type="datetime1">
               <a:rPr lang="en-US" smtClean="0"/>
-              <a:t>2/12/2022</a:t>
+              <a:t>2/13/2022</a:t>
             </a:fld>
             <a:endParaRPr lang="en-US"/>
           </a:p>
@@ -9244,7 +9244,7 @@
           <a:p>
             <a:fld id="{F8B318B3-0E87-4416-A9B8-D891968C2727}" type="datetime1">
               <a:rPr lang="en-US" smtClean="0"/>
-              <a:t>2/12/2022</a:t>
+              <a:t>2/13/2022</a:t>
             </a:fld>
             <a:endParaRPr lang="en-US"/>
           </a:p>
@@ -9535,7 +9535,7 @@
           <a:p>
             <a:fld id="{EA476A42-A091-4468-A075-64A31BE59948}" type="datetime1">
               <a:rPr lang="en-US" smtClean="0"/>
-              <a:t>2/12/2022</a:t>
+              <a:t>2/13/2022</a:t>
             </a:fld>
             <a:endParaRPr lang="en-US"/>
           </a:p>
@@ -9778,7 +9778,7 @@
           <a:p>
             <a:fld id="{54D997E8-DDEE-43F1-8D9B-F8A1E11DE488}" type="datetime1">
               <a:rPr lang="en-US" smtClean="0"/>
-              <a:t>2/12/2022</a:t>
+              <a:t>2/13/2022</a:t>
             </a:fld>
             <a:endParaRPr lang="en-US"/>
           </a:p>
@@ -13445,27 +13445,20 @@
           <a:p>
             <a:r>
               <a:rPr lang="en-US" dirty="0"/>
-              <a:t>Coverage is computed automatically while the program executes</a:t>
+              <a:t>Coverage is computed automatically while the tests execute</a:t>
             </a:r>
           </a:p>
           <a:p>
             <a:r>
               <a:rPr lang="en-US" dirty="0"/>
-              <a:t>The Istanbul/NYC tool measure code coverage for TypeScript programs</a:t>
+              <a:t>jest --coverage </a:t>
             </a:r>
           </a:p>
           <a:p>
             <a:pPr lvl="1"/>
             <a:r>
               <a:rPr lang="en-US" dirty="0"/>
-              <a:t>supports several coverage criteria (statements, branches, lines, functions)</a:t>
-            </a:r>
-          </a:p>
-          <a:p>
-            <a:pPr lvl="1"/>
-            <a:r>
-              <a:rPr lang="en-US" dirty="0"/>
-              <a:t>integrates with Mocha</a:t>
+              <a:t>Does it all for you</a:t>
             </a:r>
           </a:p>
         </p:txBody>
@@ -13513,8 +13506,8 @@
         </p:nvGrpSpPr>
         <p:grpSpPr>
           <a:xfrm>
-            <a:off x="6096000" y="3751557"/>
-            <a:ext cx="5256536" cy="2667850"/>
+            <a:off x="4546600" y="2565254"/>
+            <a:ext cx="6807200" cy="3581545"/>
             <a:chOff x="0" y="0"/>
             <a:chExt cx="7475960" cy="3794273"/>
           </a:xfrm>
@@ -13599,7 +13592,7 @@
         </p:nvSpPr>
         <p:spPr>
           <a:xfrm>
-            <a:off x="5280024" y="6454542"/>
+            <a:off x="4352924" y="6118109"/>
             <a:ext cx="6655220" cy="266933"/>
           </a:xfrm>
           <a:prstGeom prst="rect">
@@ -13628,7 +13621,7 @@
               <a:defRPr sz="1800"/>
             </a:pPr>
             <a:r>
-              <a:rPr sz="1266"/>
+              <a:rPr sz="1266" dirty="0"/>
               <a:t>*see example at https://github.com/philipbeel/example-typescript-nyc-mocha-coverage</a:t>
             </a:r>
           </a:p>
@@ -41099,7 +41092,7 @@
           <a:p>
             <a:r>
               <a:rPr lang="en-US" dirty="0"/>
-              <a:t>Structural Test Criteria</a:t>
+              <a:t>There are many other ways to judge the Adequacy of Structural Tests</a:t>
             </a:r>
           </a:p>
         </p:txBody>
@@ -41134,20 +41127,6 @@
             <a:r>
               <a:rPr lang="en-US" dirty="0"/>
               <a:t>Path coverage (usually impossible) </a:t>
-            </a:r>
-            <a:r>
-              <a:rPr lang="en-US" i="1" dirty="0"/>
-              <a:t>implies</a:t>
-            </a:r>
-          </a:p>
-          <a:p>
-            <a:pPr marL="514350" indent="-514350">
-              <a:buFont typeface="+mj-lt"/>
-              <a:buAutoNum type="arabicPeriod"/>
-            </a:pPr>
-            <a:r>
-              <a:rPr lang="en-US" dirty="0"/>
-              <a:t>Repetition-Free Path Coverage </a:t>
             </a:r>
             <a:r>
               <a:rPr lang="en-US" i="1" dirty="0"/>
@@ -41393,7 +41372,7 @@
             <a:pPr lvl="2"/>
             <a:r>
               <a:rPr lang="en-US" dirty="0"/>
-              <a:t>E.g., Users may assume that a hash result is non-negative;</a:t>
+              <a:t>e.g., Users may assume that a hash result is non-negative;</a:t>
             </a:r>
           </a:p>
           <a:p>
@@ -44447,7 +44426,7 @@
               <a:buNone/>
             </a:pPr>
             <a:r>
-              <a:rPr lang="en-US" sz="1800" b="0" dirty="0">
+              <a:rPr lang="en-US" sz="1600" b="0" dirty="0">
                 <a:solidFill>
                   <a:srgbClr val="000000"/>
                 </a:solidFill>
@@ -44457,7 +44436,7 @@
               <a:t>it(‘removes max’, ()</a:t>
             </a:r>
             <a:r>
-              <a:rPr lang="en-US" sz="1800" b="0" dirty="0">
+              <a:rPr lang="en-US" sz="1600" b="0" dirty="0">
                 <a:solidFill>
                   <a:srgbClr val="0000FF"/>
                 </a:solidFill>
@@ -44467,7 +44446,7 @@
               <a:t>=&gt;</a:t>
             </a:r>
             <a:r>
-              <a:rPr lang="en-US" sz="1800" b="0" dirty="0">
+              <a:rPr lang="en-US" sz="1600" b="0" dirty="0">
                 <a:solidFill>
                   <a:srgbClr val="000000"/>
                 </a:solidFill>
@@ -44482,7 +44461,7 @@
               <a:buNone/>
             </a:pPr>
             <a:r>
-              <a:rPr lang="en-US" sz="1800" b="0" dirty="0">
+              <a:rPr lang="en-US" sz="1600" b="0" dirty="0">
                 <a:solidFill>
                   <a:srgbClr val="000000"/>
                 </a:solidFill>
@@ -44492,7 +44471,7 @@
               <a:t>    </a:t>
             </a:r>
             <a:r>
-              <a:rPr lang="en-US" sz="1800" b="0" dirty="0" err="1">
+              <a:rPr lang="en-US" sz="1600" b="0" dirty="0" err="1">
                 <a:solidFill>
                   <a:srgbClr val="000000"/>
                 </a:solidFill>
@@ -44502,7 +44481,7 @@
               <a:t>tree.remove</a:t>
             </a:r>
             <a:r>
-              <a:rPr lang="en-US" sz="1800" b="0" dirty="0">
+              <a:rPr lang="en-US" sz="1600" b="0" dirty="0">
                 <a:solidFill>
                   <a:srgbClr val="000000"/>
                 </a:solidFill>
@@ -44512,7 +44491,7 @@
               <a:t>(</a:t>
             </a:r>
             <a:r>
-              <a:rPr lang="en-US" sz="1800" b="0" dirty="0">
+              <a:rPr lang="en-US" sz="1600" b="0" dirty="0">
                 <a:solidFill>
                   <a:srgbClr val="098658"/>
                 </a:solidFill>
@@ -44522,7 +44501,7 @@
               <a:t>31</a:t>
             </a:r>
             <a:r>
-              <a:rPr lang="en-US" sz="1800" b="0" dirty="0">
+              <a:rPr lang="en-US" sz="1600" b="0" dirty="0">
                 <a:solidFill>
                   <a:srgbClr val="000000"/>
                 </a:solidFill>
@@ -44537,7 +44516,7 @@
               <a:buNone/>
             </a:pPr>
             <a:r>
-              <a:rPr lang="en-US" sz="1800" b="0" dirty="0">
+              <a:rPr lang="en-US" sz="1600" b="0" dirty="0">
                 <a:solidFill>
                   <a:srgbClr val="000000"/>
                 </a:solidFill>
@@ -44547,7 +44526,7 @@
               <a:t>    expect(</a:t>
             </a:r>
             <a:r>
-              <a:rPr lang="en-US" sz="1800" b="0" dirty="0" err="1">
+              <a:rPr lang="en-US" sz="1600" b="0" dirty="0" err="1">
                 <a:solidFill>
                   <a:srgbClr val="000000"/>
                 </a:solidFill>
@@ -44557,7 +44536,7 @@
               <a:t>tree.size</a:t>
             </a:r>
             <a:r>
-              <a:rPr lang="en-US" sz="1800" b="0" dirty="0">
+              <a:rPr lang="en-US" sz="1600" b="0" dirty="0">
                 <a:solidFill>
                   <a:srgbClr val="000000"/>
                 </a:solidFill>
@@ -44572,7 +44551,7 @@
               <a:buNone/>
             </a:pPr>
             <a:r>
-              <a:rPr lang="en-US" sz="1800" b="0" dirty="0">
+              <a:rPr lang="en-US" sz="1600" b="0" dirty="0">
                 <a:solidFill>
                   <a:srgbClr val="000000"/>
                 </a:solidFill>
@@ -44582,7 +44561,7 @@
               <a:t>      </a:t>
             </a:r>
             <a:r>
-              <a:rPr lang="en-US" sz="1800" b="0" dirty="0" err="1">
+              <a:rPr lang="en-US" sz="1600" b="0" dirty="0" err="1">
                 <a:solidFill>
                   <a:srgbClr val="000000"/>
                 </a:solidFill>
@@ -44592,7 +44571,7 @@
               <a:t>toBe</a:t>
             </a:r>
             <a:r>
-              <a:rPr lang="en-US" sz="1800" b="0" dirty="0">
+              <a:rPr lang="en-US" sz="1600" b="0" dirty="0">
                 <a:solidFill>
                   <a:srgbClr val="000000"/>
                 </a:solidFill>
@@ -44602,7 +44581,7 @@
               <a:t>(</a:t>
             </a:r>
             <a:r>
-              <a:rPr lang="en-US" sz="1800" b="0" dirty="0">
+              <a:rPr lang="en-US" sz="1600" b="0" dirty="0">
                 <a:solidFill>
                   <a:srgbClr val="098658"/>
                 </a:solidFill>
@@ -44612,7 +44591,7 @@
               <a:t>4</a:t>
             </a:r>
             <a:r>
-              <a:rPr lang="en-US" sz="1800" b="0" dirty="0">
+              <a:rPr lang="en-US" sz="1600" b="0" dirty="0">
                 <a:solidFill>
                   <a:srgbClr val="000000"/>
                 </a:solidFill>
@@ -44627,7 +44606,7 @@
               <a:buNone/>
             </a:pPr>
             <a:r>
-              <a:rPr lang="en-US" sz="1800" b="0" dirty="0">
+              <a:rPr lang="en-US" sz="1600" b="0" dirty="0">
                 <a:solidFill>
                   <a:srgbClr val="000000"/>
                 </a:solidFill>

--- a/Slides/Lesson 5.2 Evaluating Tests.pptx
+++ b/Slides/Lesson 5.2 Evaluating Tests.pptx
@@ -6,7 +6,7 @@
     <p:sldMasterId id="2147483661" r:id="rId2"/>
   </p:sldMasterIdLst>
   <p:notesMasterIdLst>
-    <p:notesMasterId r:id="rId37"/>
+    <p:notesMasterId r:id="rId38"/>
   </p:notesMasterIdLst>
   <p:sldIdLst>
     <p:sldId id="330" r:id="rId3"/>
@@ -42,7 +42,8 @@
     <p:sldId id="309" r:id="rId33"/>
     <p:sldId id="316" r:id="rId34"/>
     <p:sldId id="317" r:id="rId35"/>
-    <p:sldId id="305" r:id="rId36"/>
+    <p:sldId id="343" r:id="rId36"/>
+    <p:sldId id="305" r:id="rId37"/>
   </p:sldIdLst>
   <p:sldSz cx="12192000" cy="6858000"/>
   <p:notesSz cx="6858000" cy="9144000"/>
@@ -2754,7 +2755,7 @@
             </a:pPr>
             <a:r>
               <a:rPr lang="en-US" dirty="0"/>
-              <a:t>Now, how we do evaluate testing itself? We will have to study two things:</a:t>
+              <a:t>Now, how do we evaluate testing itself? We will have to study two things:</a:t>
             </a:r>
             <a:br>
               <a:rPr lang="en-US" dirty="0"/>
@@ -2834,7 +2835,7 @@
       </p:grpSpPr>
       <p:sp>
         <p:nvSpPr>
-          <p:cNvPr id="488" name="Shape 488"/>
+          <p:cNvPr id="2" name="Slide Image Placeholder 1"/>
           <p:cNvSpPr>
             <a:spLocks noGrp="1" noRot="1" noChangeAspect="1"/>
           </p:cNvSpPr>
@@ -2842,66 +2843,93 @@
             <p:ph type="sldImg"/>
           </p:nvPr>
         </p:nvSpPr>
-        <p:spPr>
-          <a:prstGeom prst="rect">
-            <a:avLst/>
-          </a:prstGeom>
-        </p:spPr>
-        <p:txBody>
-          <a:bodyPr/>
-          <a:lstStyle/>
-          <a:p>
-            <a:endParaRPr/>
-          </a:p>
-        </p:txBody>
-      </p:sp>
-      <p:sp>
-        <p:nvSpPr>
-          <p:cNvPr id="489" name="Shape 489"/>
+        <p:spPr/>
+      </p:sp>
+      <p:sp>
+        <p:nvSpPr>
+          <p:cNvPr id="3" name="Notes Placeholder 2"/>
           <p:cNvSpPr>
             <a:spLocks noGrp="1"/>
           </p:cNvSpPr>
           <p:nvPr>
-            <p:ph type="body" sz="quarter" idx="1"/>
+            <p:ph type="body" idx="1"/>
           </p:nvPr>
         </p:nvSpPr>
-        <p:spPr>
-          <a:prstGeom prst="rect">
-            <a:avLst/>
-          </a:prstGeom>
-        </p:spPr>
+        <p:spPr/>
         <p:txBody>
           <a:bodyPr/>
-          <a:lstStyle>
-            <a:lvl1pPr>
-              <a:lnSpc>
-                <a:spcPct val="100000"/>
-              </a:lnSpc>
-              <a:defRPr sz="1200">
-                <a:latin typeface="Helvetica"/>
-                <a:ea typeface="Helvetica"/>
-                <a:cs typeface="Helvetica"/>
-                <a:sym typeface="Helvetica"/>
-              </a:defRPr>
-            </a:lvl1pPr>
-          </a:lstStyle>
-          <a:p>
-            <a:r>
-              <a:rPr dirty="0"/>
-              <a:t>If we another test case, such as “</a:t>
-            </a:r>
-            <a:r>
-              <a:rPr dirty="0" err="1"/>
-              <a:t>abc</a:t>
-            </a:r>
-            <a:r>
-              <a:rPr dirty="0"/>
-              <a:t>”, we can cover this remaining branch – and find the defect.</a:t>
-            </a:r>
+          <a:lstStyle/>
+          <a:p>
+            <a:pPr marL="0" indent="0">
+              <a:buSzPct val="100000"/>
+              <a:buNone/>
+              <a:defRPr sz="1800"/>
+            </a:pPr>
+            <a:r>
+              <a:rPr lang="en-US" dirty="0"/>
+              <a:t>Statement coverage criterion states that each statement (or CFG node) should be covered.</a:t>
+            </a:r>
+          </a:p>
+          <a:p>
+            <a:pPr marL="0" indent="0">
+              <a:buSzPct val="100000"/>
+              <a:buNone/>
+              <a:defRPr sz="1800"/>
+            </a:pPr>
+            <a:r>
+              <a:rPr lang="en-US" dirty="0"/>
+              <a:t>The rationale for this criterion is that a defect in a given statement can only be discovered if that statement is executed</a:t>
+            </a:r>
+          </a:p>
+          <a:p>
+            <a:pPr marL="0" indent="0">
+              <a:buSzPct val="100000"/>
+              <a:buNone/>
+              <a:defRPr sz="1800"/>
+            </a:pPr>
+            <a:r>
+              <a:rPr lang="en-US" dirty="0"/>
+              <a:t>You can express statement coverage as a percentage: &lt;…&gt;</a:t>
+            </a:r>
+          </a:p>
+          <a:p>
+            <a:pPr marL="0" indent="0">
+              <a:buFont typeface="Arial" panose="020B0604020202020204" pitchFamily="34" charset="0"/>
+              <a:buNone/>
+            </a:pPr>
+            <a:endParaRPr lang="en-US" dirty="0"/>
+          </a:p>
+        </p:txBody>
+      </p:sp>
+      <p:sp>
+        <p:nvSpPr>
+          <p:cNvPr id="4" name="Slide Number Placeholder 3"/>
+          <p:cNvSpPr>
+            <a:spLocks noGrp="1"/>
+          </p:cNvSpPr>
+          <p:nvPr>
+            <p:ph type="sldNum" sz="quarter" idx="5"/>
+          </p:nvPr>
+        </p:nvSpPr>
+        <p:spPr/>
+        <p:txBody>
+          <a:bodyPr/>
+          <a:lstStyle/>
+          <a:p>
+            <a:fld id="{07937F07-1250-4CCE-B198-1B2887014F41}" type="slidenum">
+              <a:rPr lang="en-US" smtClean="0"/>
+              <a:t>17</a:t>
+            </a:fld>
+            <a:endParaRPr lang="en-US"/>
           </a:p>
         </p:txBody>
       </p:sp>
     </p:spTree>
+    <p:extLst>
+      <p:ext uri="{BB962C8B-B14F-4D97-AF65-F5344CB8AC3E}">
+        <p14:creationId xmlns:p14="http://schemas.microsoft.com/office/powerpoint/2010/main" val="2446755175"/>
+      </p:ext>
+    </p:extLst>
   </p:cSld>
   <p:clrMapOvr>
     <a:masterClrMapping/>
@@ -2928,6 +2956,398 @@
       </p:grpSpPr>
       <p:sp>
         <p:nvSpPr>
+          <p:cNvPr id="576" name="Shape 576"/>
+          <p:cNvSpPr>
+            <a:spLocks noGrp="1" noRot="1" noChangeAspect="1"/>
+          </p:cNvSpPr>
+          <p:nvPr>
+            <p:ph type="sldImg"/>
+          </p:nvPr>
+        </p:nvSpPr>
+        <p:spPr>
+          <a:prstGeom prst="rect">
+            <a:avLst/>
+          </a:prstGeom>
+        </p:spPr>
+        <p:txBody>
+          <a:bodyPr/>
+          <a:lstStyle/>
+          <a:p>
+            <a:endParaRPr/>
+          </a:p>
+        </p:txBody>
+      </p:sp>
+      <p:sp>
+        <p:nvSpPr>
+          <p:cNvPr id="577" name="Shape 577"/>
+          <p:cNvSpPr>
+            <a:spLocks noGrp="1"/>
+          </p:cNvSpPr>
+          <p:nvPr>
+            <p:ph type="body" sz="quarter" idx="1"/>
+          </p:nvPr>
+        </p:nvSpPr>
+        <p:spPr>
+          <a:prstGeom prst="rect">
+            <a:avLst/>
+          </a:prstGeom>
+        </p:spPr>
+        <p:txBody>
+          <a:bodyPr/>
+          <a:lstStyle/>
+          <a:p>
+            <a:pPr marL="228600" indent="-228600">
+              <a:lnSpc>
+                <a:spcPct val="100000"/>
+              </a:lnSpc>
+              <a:buSzPct val="100000"/>
+              <a:buChar char="•"/>
+              <a:defRPr sz="1200">
+                <a:latin typeface="Helvetica"/>
+                <a:ea typeface="Helvetica"/>
+                <a:cs typeface="Helvetica"/>
+                <a:sym typeface="Helvetica"/>
+              </a:defRPr>
+            </a:pPr>
+            <a:r>
+              <a:t>Let’s apply this to the cgi_decode example</a:t>
+            </a:r>
+          </a:p>
+          <a:p>
+            <a:pPr marL="228600" indent="-228600">
+              <a:lnSpc>
+                <a:spcPct val="100000"/>
+              </a:lnSpc>
+              <a:buSzPct val="100000"/>
+              <a:buChar char="•"/>
+              <a:defRPr sz="1200">
+                <a:latin typeface="Helvetica"/>
+                <a:ea typeface="Helvetica"/>
+                <a:cs typeface="Helvetica"/>
+                <a:sym typeface="Helvetica"/>
+              </a:defRPr>
+            </a:pPr>
+            <a:r>
+              <a:t>The initial coverage is 7/11 blocks = 63%.  </a:t>
+            </a:r>
+          </a:p>
+          <a:p>
+            <a:pPr marL="228600" indent="-228600">
+              <a:lnSpc>
+                <a:spcPct val="100000"/>
+              </a:lnSpc>
+              <a:buSzPct val="100000"/>
+              <a:buChar char="•"/>
+              <a:defRPr sz="1200">
+                <a:latin typeface="Helvetica"/>
+                <a:ea typeface="Helvetica"/>
+                <a:cs typeface="Helvetica"/>
+                <a:sym typeface="Helvetica"/>
+              </a:defRPr>
+            </a:pPr>
+            <a:r>
+              <a:t>(We could also count the statements instead (here: 14/20 = 70%), but conceptually, this makes no difference)</a:t>
+            </a:r>
+          </a:p>
+        </p:txBody>
+      </p:sp>
+    </p:spTree>
+  </p:cSld>
+  <p:clrMapOvr>
+    <a:masterClrMapping/>
+  </p:clrMapOvr>
+</p:notes>
+</file>
+
+<file path=ppt/notesSlides/notesSlide12.xml><?xml version="1.0" encoding="utf-8"?>
+<p:notes xmlns:a="http://schemas.openxmlformats.org/drawingml/2006/main" xmlns:r="http://schemas.openxmlformats.org/officeDocument/2006/relationships" xmlns:p="http://schemas.openxmlformats.org/presentationml/2006/main">
+  <p:cSld>
+    <p:spTree>
+      <p:nvGrpSpPr>
+        <p:cNvPr id="1" name=""/>
+        <p:cNvGrpSpPr/>
+        <p:nvPr/>
+      </p:nvGrpSpPr>
+      <p:grpSpPr>
+        <a:xfrm>
+          <a:off x="0" y="0"/>
+          <a:ext cx="0" cy="0"/>
+          <a:chOff x="0" y="0"/>
+          <a:chExt cx="0" cy="0"/>
+        </a:xfrm>
+      </p:grpSpPr>
+      <p:sp>
+        <p:nvSpPr>
+          <p:cNvPr id="616" name="Shape 616"/>
+          <p:cNvSpPr>
+            <a:spLocks noGrp="1" noRot="1" noChangeAspect="1"/>
+          </p:cNvSpPr>
+          <p:nvPr>
+            <p:ph type="sldImg"/>
+          </p:nvPr>
+        </p:nvSpPr>
+        <p:spPr>
+          <a:prstGeom prst="rect">
+            <a:avLst/>
+          </a:prstGeom>
+        </p:spPr>
+        <p:txBody>
+          <a:bodyPr/>
+          <a:lstStyle/>
+          <a:p>
+            <a:endParaRPr/>
+          </a:p>
+        </p:txBody>
+      </p:sp>
+      <p:sp>
+        <p:nvSpPr>
+          <p:cNvPr id="617" name="Shape 617"/>
+          <p:cNvSpPr>
+            <a:spLocks noGrp="1"/>
+          </p:cNvSpPr>
+          <p:nvPr>
+            <p:ph type="body" sz="quarter" idx="1"/>
+          </p:nvPr>
+        </p:nvSpPr>
+        <p:spPr>
+          <a:prstGeom prst="rect">
+            <a:avLst/>
+          </a:prstGeom>
+        </p:spPr>
+        <p:txBody>
+          <a:bodyPr/>
+          <a:lstStyle/>
+          <a:p>
+            <a:pPr>
+              <a:lnSpc>
+                <a:spcPct val="100000"/>
+              </a:lnSpc>
+              <a:defRPr sz="1200">
+                <a:latin typeface="Helvetica"/>
+                <a:ea typeface="Helvetica"/>
+                <a:cs typeface="Helvetica"/>
+                <a:sym typeface="Helvetica"/>
+              </a:defRPr>
+            </a:pPr>
+            <a:r>
+              <a:t>and the coverage increases with each additionally executed statement…</a:t>
+            </a:r>
+          </a:p>
+          <a:p>
+            <a:pPr>
+              <a:lnSpc>
+                <a:spcPct val="100000"/>
+              </a:lnSpc>
+              <a:defRPr sz="1200">
+                <a:latin typeface="Helvetica"/>
+                <a:ea typeface="Helvetica"/>
+                <a:cs typeface="Helvetica"/>
+                <a:sym typeface="Helvetica"/>
+              </a:defRPr>
+            </a:pPr>
+            <a:r>
+              <a:t>if we add the second test, coverage increases to 72%</a:t>
+            </a:r>
+          </a:p>
+        </p:txBody>
+      </p:sp>
+    </p:spTree>
+  </p:cSld>
+  <p:clrMapOvr>
+    <a:masterClrMapping/>
+  </p:clrMapOvr>
+</p:notes>
+</file>
+
+<file path=ppt/notesSlides/notesSlide13.xml><?xml version="1.0" encoding="utf-8"?>
+<p:notes xmlns:a="http://schemas.openxmlformats.org/drawingml/2006/main" xmlns:r="http://schemas.openxmlformats.org/officeDocument/2006/relationships" xmlns:p="http://schemas.openxmlformats.org/presentationml/2006/main">
+  <p:cSld>
+    <p:spTree>
+      <p:nvGrpSpPr>
+        <p:cNvPr id="1" name=""/>
+        <p:cNvGrpSpPr/>
+        <p:nvPr/>
+      </p:nvGrpSpPr>
+      <p:grpSpPr>
+        <a:xfrm>
+          <a:off x="0" y="0"/>
+          <a:ext cx="0" cy="0"/>
+          <a:chOff x="0" y="0"/>
+          <a:chExt cx="0" cy="0"/>
+        </a:xfrm>
+      </p:grpSpPr>
+      <p:sp>
+        <p:nvSpPr>
+          <p:cNvPr id="659" name="Shape 659"/>
+          <p:cNvSpPr>
+            <a:spLocks noGrp="1" noRot="1" noChangeAspect="1"/>
+          </p:cNvSpPr>
+          <p:nvPr>
+            <p:ph type="sldImg"/>
+          </p:nvPr>
+        </p:nvSpPr>
+        <p:spPr>
+          <a:prstGeom prst="rect">
+            <a:avLst/>
+          </a:prstGeom>
+        </p:spPr>
+        <p:txBody>
+          <a:bodyPr/>
+          <a:lstStyle/>
+          <a:p>
+            <a:endParaRPr/>
+          </a:p>
+        </p:txBody>
+      </p:sp>
+      <p:sp>
+        <p:nvSpPr>
+          <p:cNvPr id="660" name="Shape 660"/>
+          <p:cNvSpPr>
+            <a:spLocks noGrp="1"/>
+          </p:cNvSpPr>
+          <p:nvPr>
+            <p:ph type="body" sz="quarter" idx="1"/>
+          </p:nvPr>
+        </p:nvSpPr>
+        <p:spPr>
+          <a:prstGeom prst="rect">
+            <a:avLst/>
+          </a:prstGeom>
+        </p:spPr>
+        <p:txBody>
+          <a:bodyPr/>
+          <a:lstStyle>
+            <a:lvl1pPr defTabSz="584200">
+              <a:lnSpc>
+                <a:spcPct val="100000"/>
+              </a:lnSpc>
+              <a:defRPr>
+                <a:latin typeface="Lucida Grande"/>
+                <a:ea typeface="Lucida Grande"/>
+                <a:cs typeface="Lucida Grande"/>
+                <a:sym typeface="Lucida Grande"/>
+              </a:defRPr>
+            </a:lvl1pPr>
+          </a:lstStyle>
+          <a:p>
+            <a:r>
+              <a:t>Adding the third test increases coverage to 91%</a:t>
+            </a:r>
+          </a:p>
+        </p:txBody>
+      </p:sp>
+    </p:spTree>
+  </p:cSld>
+  <p:clrMapOvr>
+    <a:masterClrMapping/>
+  </p:clrMapOvr>
+</p:notes>
+</file>
+
+<file path=ppt/notesSlides/notesSlide14.xml><?xml version="1.0" encoding="utf-8"?>
+<p:notes xmlns:a="http://schemas.openxmlformats.org/drawingml/2006/main" xmlns:r="http://schemas.openxmlformats.org/officeDocument/2006/relationships" xmlns:p="http://schemas.openxmlformats.org/presentationml/2006/main">
+  <p:cSld>
+    <p:spTree>
+      <p:nvGrpSpPr>
+        <p:cNvPr id="1" name=""/>
+        <p:cNvGrpSpPr/>
+        <p:nvPr/>
+      </p:nvGrpSpPr>
+      <p:grpSpPr>
+        <a:xfrm>
+          <a:off x="0" y="0"/>
+          <a:ext cx="0" cy="0"/>
+          <a:chOff x="0" y="0"/>
+          <a:chExt cx="0" cy="0"/>
+        </a:xfrm>
+      </p:grpSpPr>
+      <p:sp>
+        <p:nvSpPr>
+          <p:cNvPr id="705" name="Shape 705"/>
+          <p:cNvSpPr>
+            <a:spLocks noGrp="1" noRot="1" noChangeAspect="1"/>
+          </p:cNvSpPr>
+          <p:nvPr>
+            <p:ph type="sldImg"/>
+          </p:nvPr>
+        </p:nvSpPr>
+        <p:spPr>
+          <a:prstGeom prst="rect">
+            <a:avLst/>
+          </a:prstGeom>
+        </p:spPr>
+        <p:txBody>
+          <a:bodyPr/>
+          <a:lstStyle/>
+          <a:p>
+            <a:endParaRPr/>
+          </a:p>
+        </p:txBody>
+      </p:sp>
+      <p:sp>
+        <p:nvSpPr>
+          <p:cNvPr id="706" name="Shape 706"/>
+          <p:cNvSpPr>
+            <a:spLocks noGrp="1"/>
+          </p:cNvSpPr>
+          <p:nvPr>
+            <p:ph type="body" sz="quarter" idx="1"/>
+          </p:nvPr>
+        </p:nvSpPr>
+        <p:spPr>
+          <a:prstGeom prst="rect">
+            <a:avLst/>
+          </a:prstGeom>
+        </p:spPr>
+        <p:txBody>
+          <a:bodyPr/>
+          <a:lstStyle>
+            <a:lvl1pPr>
+              <a:lnSpc>
+                <a:spcPct val="100000"/>
+              </a:lnSpc>
+              <a:defRPr sz="1200">
+                <a:latin typeface="Helvetica"/>
+                <a:ea typeface="Helvetica"/>
+                <a:cs typeface="Helvetica"/>
+                <a:sym typeface="Helvetica"/>
+              </a:defRPr>
+            </a:lvl1pPr>
+          </a:lstStyle>
+          <a:p>
+            <a:r>
+              <a:t>And with adding the last test, we reach 100% block coverage (which is 100% statement coverage, too).</a:t>
+            </a:r>
+          </a:p>
+        </p:txBody>
+      </p:sp>
+    </p:spTree>
+  </p:cSld>
+  <p:clrMapOvr>
+    <a:masterClrMapping/>
+  </p:clrMapOvr>
+</p:notes>
+</file>
+
+<file path=ppt/notesSlides/notesSlide15.xml><?xml version="1.0" encoding="utf-8"?>
+<p:notes xmlns:a="http://schemas.openxmlformats.org/drawingml/2006/main" xmlns:r="http://schemas.openxmlformats.org/officeDocument/2006/relationships" xmlns:p="http://schemas.openxmlformats.org/presentationml/2006/main">
+  <p:cSld>
+    <p:spTree>
+      <p:nvGrpSpPr>
+        <p:cNvPr id="1" name=""/>
+        <p:cNvGrpSpPr/>
+        <p:nvPr/>
+      </p:nvGrpSpPr>
+      <p:grpSpPr>
+        <a:xfrm>
+          <a:off x="0" y="0"/>
+          <a:ext cx="0" cy="0"/>
+          <a:chOff x="0" y="0"/>
+          <a:chExt cx="0" cy="0"/>
+        </a:xfrm>
+      </p:grpSpPr>
+      <p:sp>
+        <p:nvSpPr>
           <p:cNvPr id="2" name="Slide Image Placeholder 1"/>
           <p:cNvSpPr>
             <a:spLocks noGrp="1" noRot="1" noChangeAspect="1"/>
@@ -2953,29 +3373,59 @@
           <a:bodyPr/>
           <a:lstStyle/>
           <a:p>
-            <a:pPr marL="0" marR="0" lvl="0" indent="0" algn="l" defTabSz="914400" rtl="0" eaLnBrk="1" fontAlgn="auto" latinLnBrk="0" hangingPunct="1">
-              <a:lnSpc>
-                <a:spcPct val="100000"/>
-              </a:lnSpc>
-              <a:spcBef>
-                <a:spcPts val="0"/>
-              </a:spcBef>
-              <a:spcAft>
-                <a:spcPts val="0"/>
-              </a:spcAft>
-              <a:buClrTx/>
-              <a:buSzTx/>
-              <a:buFontTx/>
+            <a:pPr marL="0" indent="0">
+              <a:buSzPct val="100000"/>
               <a:buNone/>
-              <a:tabLst/>
-              <a:defRPr/>
+              <a:defRPr sz="1500"/>
             </a:pPr>
             <a:r>
               <a:rPr lang="en-US" dirty="0"/>
-              <a:t>Cyclomatic Complexity can be used to limit the number of paths to cover. It measures the number of linearly-independent paths.</a:t>
-            </a:r>
-          </a:p>
-          <a:p>
+              <a:t>Another testing criterion is the </a:t>
+            </a:r>
+            <a:r>
+              <a:rPr lang="en-US" u="sng" dirty="0"/>
+              <a:t>branch testing criterion</a:t>
+            </a:r>
+            <a:r>
+              <a:rPr lang="en-US" dirty="0"/>
+              <a:t>, which states that each branch in the CFG should be executed at least once.</a:t>
+            </a:r>
+          </a:p>
+          <a:p>
+            <a:pPr marL="0" indent="0">
+              <a:buSzPct val="100000"/>
+              <a:buNone/>
+              <a:defRPr sz="1500"/>
+            </a:pPr>
+            <a:r>
+              <a:rPr lang="en-US" dirty="0"/>
+              <a:t>We say that the branch testing criterion </a:t>
+            </a:r>
+            <a:r>
+              <a:rPr lang="en-US" u="sng" dirty="0"/>
+              <a:t>subsumes</a:t>
+            </a:r>
+            <a:r>
+              <a:rPr lang="en-US" dirty="0"/>
+              <a:t> the statement testing criterion </a:t>
+            </a:r>
+          </a:p>
+          <a:p>
+            <a:pPr marL="0" indent="0">
+              <a:buSzPct val="100000"/>
+              <a:buNone/>
+              <a:defRPr sz="1500"/>
+            </a:pPr>
+            <a:r>
+              <a:rPr lang="en-US" dirty="0"/>
+              <a:t>…because if a test suite satisfies the branch testing criterion for a given program, then it also satisfies the statement testing criterion for that program</a:t>
+            </a:r>
+          </a:p>
+          <a:p>
+            <a:pPr marL="0" indent="0">
+              <a:buFont typeface="Arial" panose="020B0604020202020204" pitchFamily="34" charset="0"/>
+              <a:buNone/>
+            </a:pPr>
             <a:endParaRPr lang="en-US" dirty="0"/>
           </a:p>
         </p:txBody>
@@ -2997,7 +3447,7 @@
           <a:p>
             <a:fld id="{07937F07-1250-4CCE-B198-1B2887014F41}" type="slidenum">
               <a:rPr lang="en-US" smtClean="0"/>
-              <a:t>27</a:t>
+              <a:t>22</a:t>
             </a:fld>
             <a:endParaRPr lang="en-US"/>
           </a:p>
@@ -3006,9 +3456,447 @@
     </p:spTree>
     <p:extLst>
       <p:ext uri="{BB962C8B-B14F-4D97-AF65-F5344CB8AC3E}">
-        <p14:creationId xmlns:p14="http://schemas.microsoft.com/office/powerpoint/2010/main" val="767474752"/>
+        <p14:creationId xmlns:p14="http://schemas.microsoft.com/office/powerpoint/2010/main" val="2783336607"/>
       </p:ext>
     </p:extLst>
+  </p:cSld>
+  <p:clrMapOvr>
+    <a:masterClrMapping/>
+  </p:clrMapOvr>
+</p:notes>
+</file>
+
+<file path=ppt/notesSlides/notesSlide16.xml><?xml version="1.0" encoding="utf-8"?>
+<p:notes xmlns:a="http://schemas.openxmlformats.org/drawingml/2006/main" xmlns:r="http://schemas.openxmlformats.org/officeDocument/2006/relationships" xmlns:p="http://schemas.openxmlformats.org/presentationml/2006/main">
+  <p:cSld>
+    <p:spTree>
+      <p:nvGrpSpPr>
+        <p:cNvPr id="1" name=""/>
+        <p:cNvGrpSpPr/>
+        <p:nvPr/>
+      </p:nvGrpSpPr>
+      <p:grpSpPr>
+        <a:xfrm>
+          <a:off x="0" y="0"/>
+          <a:ext cx="0" cy="0"/>
+          <a:chOff x="0" y="0"/>
+          <a:chExt cx="0" cy="0"/>
+        </a:xfrm>
+      </p:grpSpPr>
+      <p:sp>
+        <p:nvSpPr>
+          <p:cNvPr id="310" name="Shape 310"/>
+          <p:cNvSpPr>
+            <a:spLocks noGrp="1" noRot="1" noChangeAspect="1"/>
+          </p:cNvSpPr>
+          <p:nvPr>
+            <p:ph type="sldImg"/>
+          </p:nvPr>
+        </p:nvSpPr>
+        <p:spPr>
+          <a:prstGeom prst="rect">
+            <a:avLst/>
+          </a:prstGeom>
+        </p:spPr>
+        <p:txBody>
+          <a:bodyPr/>
+          <a:lstStyle/>
+          <a:p>
+            <a:endParaRPr/>
+          </a:p>
+        </p:txBody>
+      </p:sp>
+      <p:sp>
+        <p:nvSpPr>
+          <p:cNvPr id="311" name="Shape 311"/>
+          <p:cNvSpPr>
+            <a:spLocks noGrp="1"/>
+          </p:cNvSpPr>
+          <p:nvPr>
+            <p:ph type="body" sz="quarter" idx="1"/>
+          </p:nvPr>
+        </p:nvSpPr>
+        <p:spPr>
+          <a:prstGeom prst="rect">
+            <a:avLst/>
+          </a:prstGeom>
+        </p:spPr>
+        <p:txBody>
+          <a:bodyPr/>
+          <a:lstStyle/>
+          <a:p>
+            <a:pPr marL="228600" indent="-228600">
+              <a:lnSpc>
+                <a:spcPct val="100000"/>
+              </a:lnSpc>
+              <a:buSzPct val="100000"/>
+              <a:buChar char="•"/>
+              <a:defRPr sz="1200">
+                <a:latin typeface="Helvetica"/>
+                <a:ea typeface="Helvetica"/>
+                <a:cs typeface="Helvetica"/>
+                <a:sym typeface="Helvetica"/>
+              </a:defRPr>
+            </a:pPr>
+            <a:r>
+              <a:t>Why is branch testing useful?  </a:t>
+            </a:r>
+          </a:p>
+          <a:p>
+            <a:pPr marL="228600" indent="-228600">
+              <a:lnSpc>
+                <a:spcPct val="100000"/>
+              </a:lnSpc>
+              <a:buSzPct val="100000"/>
+              <a:buChar char="•"/>
+              <a:defRPr sz="1200">
+                <a:latin typeface="Helvetica"/>
+                <a:ea typeface="Helvetica"/>
+                <a:cs typeface="Helvetica"/>
+                <a:sym typeface="Helvetica"/>
+              </a:defRPr>
+            </a:pPr>
+            <a:r>
+              <a:t>Let’s consider a buggy version of the same cgi_decode program where block F is missing (CLICK)</a:t>
+            </a:r>
+          </a:p>
+          <a:p>
+            <a:pPr marL="228600" indent="-228600">
+              <a:lnSpc>
+                <a:spcPct val="100000"/>
+              </a:lnSpc>
+              <a:buSzPct val="100000"/>
+              <a:buChar char="•"/>
+              <a:defRPr sz="1200">
+                <a:latin typeface="Helvetica"/>
+                <a:ea typeface="Helvetica"/>
+                <a:cs typeface="Helvetica"/>
+                <a:sym typeface="Helvetica"/>
+              </a:defRPr>
+            </a:pPr>
+            <a:r>
+              <a:t>Then, the input you see here would achieve 100% statement coverage without ever triggering the defect (CLICK until 100% is displayed</a:t>
+            </a:r>
+          </a:p>
+          <a:p>
+            <a:pPr marL="228600" indent="-228600">
+              <a:lnSpc>
+                <a:spcPct val="100000"/>
+              </a:lnSpc>
+              <a:buSzPct val="100000"/>
+              <a:buChar char="•"/>
+              <a:defRPr sz="1200">
+                <a:latin typeface="Helvetica"/>
+                <a:ea typeface="Helvetica"/>
+                <a:cs typeface="Helvetica"/>
+                <a:sym typeface="Helvetica"/>
+              </a:defRPr>
+            </a:pPr>
+            <a:r>
+              <a:t>However, if the conditional evaluates to false, we would execute buggy code, so having 100% statement coverage does not mean that the program is free of errors</a:t>
+            </a:r>
+          </a:p>
+        </p:txBody>
+      </p:sp>
+    </p:spTree>
+  </p:cSld>
+  <p:clrMapOvr>
+    <a:masterClrMapping/>
+  </p:clrMapOvr>
+</p:notes>
+</file>
+
+<file path=ppt/notesSlides/notesSlide17.xml><?xml version="1.0" encoding="utf-8"?>
+<p:notes xmlns:a="http://schemas.openxmlformats.org/drawingml/2006/main" xmlns:r="http://schemas.openxmlformats.org/officeDocument/2006/relationships" xmlns:p="http://schemas.openxmlformats.org/presentationml/2006/main">
+  <p:cSld>
+    <p:spTree>
+      <p:nvGrpSpPr>
+        <p:cNvPr id="1" name=""/>
+        <p:cNvGrpSpPr/>
+        <p:nvPr/>
+      </p:nvGrpSpPr>
+      <p:grpSpPr>
+        <a:xfrm>
+          <a:off x="0" y="0"/>
+          <a:ext cx="0" cy="0"/>
+          <a:chOff x="0" y="0"/>
+          <a:chExt cx="0" cy="0"/>
+        </a:xfrm>
+      </p:grpSpPr>
+      <p:sp>
+        <p:nvSpPr>
+          <p:cNvPr id="351" name="Shape 351"/>
+          <p:cNvSpPr>
+            <a:spLocks noGrp="1" noRot="1" noChangeAspect="1"/>
+          </p:cNvSpPr>
+          <p:nvPr>
+            <p:ph type="sldImg"/>
+          </p:nvPr>
+        </p:nvSpPr>
+        <p:spPr>
+          <a:prstGeom prst="rect">
+            <a:avLst/>
+          </a:prstGeom>
+        </p:spPr>
+        <p:txBody>
+          <a:bodyPr/>
+          <a:lstStyle/>
+          <a:p>
+            <a:endParaRPr/>
+          </a:p>
+        </p:txBody>
+      </p:sp>
+      <p:sp>
+        <p:nvSpPr>
+          <p:cNvPr id="352" name="Shape 352"/>
+          <p:cNvSpPr>
+            <a:spLocks noGrp="1"/>
+          </p:cNvSpPr>
+          <p:nvPr>
+            <p:ph type="body" sz="quarter" idx="1"/>
+          </p:nvPr>
+        </p:nvSpPr>
+        <p:spPr>
+          <a:prstGeom prst="rect">
+            <a:avLst/>
+          </a:prstGeom>
+        </p:spPr>
+        <p:txBody>
+          <a:bodyPr/>
+          <a:lstStyle/>
+          <a:p>
+            <a:pPr>
+              <a:lnSpc>
+                <a:spcPct val="100000"/>
+              </a:lnSpc>
+              <a:defRPr sz="1500">
+                <a:latin typeface="Helvetica"/>
+                <a:ea typeface="Helvetica"/>
+                <a:cs typeface="Helvetica"/>
+                <a:sym typeface="Helvetica"/>
+              </a:defRPr>
+            </a:pPr>
+            <a:r>
+              <a:rPr dirty="0"/>
+              <a:t>However, if we focus on whether branches have been taken, though, we get a different picture.</a:t>
+            </a:r>
+          </a:p>
+          <a:p>
+            <a:pPr>
+              <a:lnSpc>
+                <a:spcPct val="100000"/>
+              </a:lnSpc>
+              <a:defRPr sz="1200">
+                <a:latin typeface="Helvetica"/>
+                <a:ea typeface="Helvetica"/>
+                <a:cs typeface="Helvetica"/>
+                <a:sym typeface="Helvetica"/>
+              </a:defRPr>
+            </a:pPr>
+            <a:r>
+              <a:rPr dirty="0"/>
+              <a:t>Here, we label each branch with “true” or “false”</a:t>
+            </a:r>
+          </a:p>
+        </p:txBody>
+      </p:sp>
+    </p:spTree>
+  </p:cSld>
+  <p:clrMapOvr>
+    <a:masterClrMapping/>
+  </p:clrMapOvr>
+</p:notes>
+</file>
+
+<file path=ppt/notesSlides/notesSlide18.xml><?xml version="1.0" encoding="utf-8"?>
+<p:notes xmlns:a="http://schemas.openxmlformats.org/drawingml/2006/main" xmlns:r="http://schemas.openxmlformats.org/officeDocument/2006/relationships" xmlns:p="http://schemas.openxmlformats.org/presentationml/2006/main">
+  <p:cSld>
+    <p:spTree>
+      <p:nvGrpSpPr>
+        <p:cNvPr id="1" name=""/>
+        <p:cNvGrpSpPr/>
+        <p:nvPr/>
+      </p:nvGrpSpPr>
+      <p:grpSpPr>
+        <a:xfrm>
+          <a:off x="0" y="0"/>
+          <a:ext cx="0" cy="0"/>
+          <a:chOff x="0" y="0"/>
+          <a:chExt cx="0" cy="0"/>
+        </a:xfrm>
+      </p:grpSpPr>
+      <p:sp>
+        <p:nvSpPr>
+          <p:cNvPr id="416" name="Shape 416"/>
+          <p:cNvSpPr>
+            <a:spLocks noGrp="1" noRot="1" noChangeAspect="1"/>
+          </p:cNvSpPr>
+          <p:nvPr>
+            <p:ph type="sldImg"/>
+          </p:nvPr>
+        </p:nvSpPr>
+        <p:spPr>
+          <a:prstGeom prst="rect">
+            <a:avLst/>
+          </a:prstGeom>
+        </p:spPr>
+        <p:txBody>
+          <a:bodyPr/>
+          <a:lstStyle/>
+          <a:p>
+            <a:endParaRPr/>
+          </a:p>
+        </p:txBody>
+      </p:sp>
+      <p:sp>
+        <p:nvSpPr>
+          <p:cNvPr id="417" name="Shape 417"/>
+          <p:cNvSpPr>
+            <a:spLocks noGrp="1"/>
+          </p:cNvSpPr>
+          <p:nvPr>
+            <p:ph type="body" sz="quarter" idx="1"/>
+          </p:nvPr>
+        </p:nvSpPr>
+        <p:spPr>
+          <a:prstGeom prst="rect">
+            <a:avLst/>
+          </a:prstGeom>
+        </p:spPr>
+        <p:txBody>
+          <a:bodyPr/>
+          <a:lstStyle/>
+          <a:p>
+            <a:pPr>
+              <a:lnSpc>
+                <a:spcPct val="100000"/>
+              </a:lnSpc>
+              <a:defRPr sz="1400">
+                <a:latin typeface="Helvetica"/>
+                <a:ea typeface="Helvetica"/>
+                <a:cs typeface="Helvetica"/>
+                <a:sym typeface="Helvetica"/>
+              </a:defRPr>
+            </a:pPr>
+            <a:r>
+              <a:rPr dirty="0"/>
+              <a:t>And if we track which branches are executed, we find that the test case executes only 7 out of 8 branches</a:t>
+            </a:r>
+          </a:p>
+          <a:p>
+            <a:pPr>
+              <a:lnSpc>
+                <a:spcPct val="100000"/>
+              </a:lnSpc>
+              <a:defRPr sz="1400">
+                <a:latin typeface="Helvetica"/>
+                <a:ea typeface="Helvetica"/>
+                <a:cs typeface="Helvetica"/>
+                <a:sym typeface="Helvetica"/>
+              </a:defRPr>
+            </a:pPr>
+            <a:r>
+              <a:rPr dirty="0"/>
+              <a:t>In other words, branch coverage is 7/8 or 87%.</a:t>
+            </a:r>
+          </a:p>
+        </p:txBody>
+      </p:sp>
+    </p:spTree>
+  </p:cSld>
+  <p:clrMapOvr>
+    <a:masterClrMapping/>
+  </p:clrMapOvr>
+</p:notes>
+</file>
+
+<file path=ppt/notesSlides/notesSlide19.xml><?xml version="1.0" encoding="utf-8"?>
+<p:notes xmlns:a="http://schemas.openxmlformats.org/drawingml/2006/main" xmlns:r="http://schemas.openxmlformats.org/officeDocument/2006/relationships" xmlns:p="http://schemas.openxmlformats.org/presentationml/2006/main">
+  <p:cSld>
+    <p:spTree>
+      <p:nvGrpSpPr>
+        <p:cNvPr id="1" name=""/>
+        <p:cNvGrpSpPr/>
+        <p:nvPr/>
+      </p:nvGrpSpPr>
+      <p:grpSpPr>
+        <a:xfrm>
+          <a:off x="0" y="0"/>
+          <a:ext cx="0" cy="0"/>
+          <a:chOff x="0" y="0"/>
+          <a:chExt cx="0" cy="0"/>
+        </a:xfrm>
+      </p:grpSpPr>
+      <p:sp>
+        <p:nvSpPr>
+          <p:cNvPr id="488" name="Shape 488"/>
+          <p:cNvSpPr>
+            <a:spLocks noGrp="1" noRot="1" noChangeAspect="1"/>
+          </p:cNvSpPr>
+          <p:nvPr>
+            <p:ph type="sldImg"/>
+          </p:nvPr>
+        </p:nvSpPr>
+        <p:spPr>
+          <a:prstGeom prst="rect">
+            <a:avLst/>
+          </a:prstGeom>
+        </p:spPr>
+        <p:txBody>
+          <a:bodyPr/>
+          <a:lstStyle/>
+          <a:p>
+            <a:endParaRPr/>
+          </a:p>
+        </p:txBody>
+      </p:sp>
+      <p:sp>
+        <p:nvSpPr>
+          <p:cNvPr id="489" name="Shape 489"/>
+          <p:cNvSpPr>
+            <a:spLocks noGrp="1"/>
+          </p:cNvSpPr>
+          <p:nvPr>
+            <p:ph type="body" sz="quarter" idx="1"/>
+          </p:nvPr>
+        </p:nvSpPr>
+        <p:spPr>
+          <a:prstGeom prst="rect">
+            <a:avLst/>
+          </a:prstGeom>
+        </p:spPr>
+        <p:txBody>
+          <a:bodyPr/>
+          <a:lstStyle>
+            <a:lvl1pPr>
+              <a:lnSpc>
+                <a:spcPct val="100000"/>
+              </a:lnSpc>
+              <a:defRPr sz="1200">
+                <a:latin typeface="Helvetica"/>
+                <a:ea typeface="Helvetica"/>
+                <a:cs typeface="Helvetica"/>
+                <a:sym typeface="Helvetica"/>
+              </a:defRPr>
+            </a:lvl1pPr>
+          </a:lstStyle>
+          <a:p>
+            <a:r>
+              <a:rPr dirty="0"/>
+              <a:t>If we another test case, such as “</a:t>
+            </a:r>
+            <a:r>
+              <a:rPr dirty="0" err="1"/>
+              <a:t>abc</a:t>
+            </a:r>
+            <a:r>
+              <a:rPr dirty="0"/>
+              <a:t>”, we can cover this remaining branch – and find the defect.</a:t>
+            </a:r>
+          </a:p>
+        </p:txBody>
+      </p:sp>
+    </p:spTree>
   </p:cSld>
   <p:clrMapOvr>
     <a:masterClrMapping/>
@@ -3062,7 +3950,7 @@
           <a:p>
             <a:r>
               <a:rPr lang="en-US" dirty="0"/>
-              <a:t>There is a famous Dykstra's law which basically states that when you are testing your program, testing can be used to show the presence of bugs but it can never show the absence of those bugs. This comes from the fact that you cannot spend all your life on testing, you only have a finite amount of time for you to be able to test the program. So, every time you are going to provide a certain input to the system you are going to observe its behavior, and you only can do it a limited number of times. So that's why you can't run infinite tests.</a:t>
+              <a:t>&lt;read slide&gt;</a:t>
             </a:r>
           </a:p>
         </p:txBody>
@@ -3084,7 +3972,7 @@
           <a:p>
             <a:fld id="{07937F07-1250-4CCE-B198-1B2887014F41}" type="slidenum">
               <a:rPr lang="en-US" smtClean="0"/>
-              <a:t>11</a:t>
+              <a:t>3</a:t>
             </a:fld>
             <a:endParaRPr lang="en-US"/>
           </a:p>
@@ -3093,7 +3981,870 @@
     </p:spTree>
     <p:extLst>
       <p:ext uri="{BB962C8B-B14F-4D97-AF65-F5344CB8AC3E}">
-        <p14:creationId xmlns:p14="http://schemas.microsoft.com/office/powerpoint/2010/main" val="614742616"/>
+        <p14:creationId xmlns:p14="http://schemas.microsoft.com/office/powerpoint/2010/main" val="1959818259"/>
+      </p:ext>
+    </p:extLst>
+  </p:cSld>
+  <p:clrMapOvr>
+    <a:masterClrMapping/>
+  </p:clrMapOvr>
+</p:notes>
+</file>
+
+<file path=ppt/notesSlides/notesSlide20.xml><?xml version="1.0" encoding="utf-8"?>
+<p:notes xmlns:a="http://schemas.openxmlformats.org/drawingml/2006/main" xmlns:r="http://schemas.openxmlformats.org/officeDocument/2006/relationships" xmlns:p="http://schemas.openxmlformats.org/presentationml/2006/main">
+  <p:cSld>
+    <p:spTree>
+      <p:nvGrpSpPr>
+        <p:cNvPr id="1" name=""/>
+        <p:cNvGrpSpPr/>
+        <p:nvPr/>
+      </p:nvGrpSpPr>
+      <p:grpSpPr>
+        <a:xfrm>
+          <a:off x="0" y="0"/>
+          <a:ext cx="0" cy="0"/>
+          <a:chOff x="0" y="0"/>
+          <a:chExt cx="0" cy="0"/>
+        </a:xfrm>
+      </p:grpSpPr>
+      <p:sp>
+        <p:nvSpPr>
+          <p:cNvPr id="2" name="Slide Image Placeholder 1"/>
+          <p:cNvSpPr>
+            <a:spLocks noGrp="1" noRot="1" noChangeAspect="1"/>
+          </p:cNvSpPr>
+          <p:nvPr>
+            <p:ph type="sldImg"/>
+          </p:nvPr>
+        </p:nvSpPr>
+        <p:spPr/>
+      </p:sp>
+      <p:sp>
+        <p:nvSpPr>
+          <p:cNvPr id="3" name="Notes Placeholder 2"/>
+          <p:cNvSpPr>
+            <a:spLocks noGrp="1"/>
+          </p:cNvSpPr>
+          <p:nvPr>
+            <p:ph type="body" idx="1"/>
+          </p:nvPr>
+        </p:nvSpPr>
+        <p:spPr/>
+        <p:txBody>
+          <a:bodyPr/>
+          <a:lstStyle/>
+          <a:p>
+            <a:pPr marL="0" indent="0">
+              <a:buSzPct val="100000"/>
+              <a:buNone/>
+            </a:pPr>
+            <a:r>
+              <a:rPr lang="en-US" dirty="0"/>
+              <a:t>The next testing criterion we consider is path testing</a:t>
+            </a:r>
+          </a:p>
+          <a:p>
+            <a:pPr marL="0" indent="0">
+              <a:buSzPct val="100000"/>
+              <a:buNone/>
+            </a:pPr>
+            <a:r>
+              <a:rPr lang="en-US" dirty="0"/>
+              <a:t>This criterion is </a:t>
+            </a:r>
+            <a:r>
+              <a:rPr lang="en-US" u="sng" dirty="0"/>
+              <a:t>not practical</a:t>
+            </a:r>
+            <a:r>
+              <a:rPr lang="en-US" dirty="0"/>
+              <a:t> because, in the presence of loops, the number of paths may be infinite</a:t>
+            </a:r>
+          </a:p>
+          <a:p>
+            <a:pPr marL="0" marR="0" lvl="0" indent="0" algn="l" defTabSz="914400" rtl="0" eaLnBrk="1" fontAlgn="auto" latinLnBrk="0" hangingPunct="1">
+              <a:lnSpc>
+                <a:spcPct val="100000"/>
+              </a:lnSpc>
+              <a:spcBef>
+                <a:spcPts val="0"/>
+              </a:spcBef>
+              <a:spcAft>
+                <a:spcPts val="0"/>
+              </a:spcAft>
+              <a:buClrTx/>
+              <a:buSzTx/>
+              <a:buFontTx/>
+              <a:buNone/>
+              <a:tabLst/>
+              <a:defRPr/>
+            </a:pPr>
+            <a:r>
+              <a:rPr lang="en-US" dirty="0"/>
+              <a:t>Cyclomatic Complexity can be used to limit the number of paths to cover. It measures the number of linearly-independent paths.</a:t>
+            </a:r>
+          </a:p>
+          <a:p>
+            <a:endParaRPr lang="en-US" dirty="0"/>
+          </a:p>
+        </p:txBody>
+      </p:sp>
+      <p:sp>
+        <p:nvSpPr>
+          <p:cNvPr id="4" name="Slide Number Placeholder 3"/>
+          <p:cNvSpPr>
+            <a:spLocks noGrp="1"/>
+          </p:cNvSpPr>
+          <p:nvPr>
+            <p:ph type="sldNum" sz="quarter" idx="5"/>
+          </p:nvPr>
+        </p:nvSpPr>
+        <p:spPr/>
+        <p:txBody>
+          <a:bodyPr/>
+          <a:lstStyle/>
+          <a:p>
+            <a:fld id="{07937F07-1250-4CCE-B198-1B2887014F41}" type="slidenum">
+              <a:rPr lang="en-US" smtClean="0"/>
+              <a:t>27</a:t>
+            </a:fld>
+            <a:endParaRPr lang="en-US"/>
+          </a:p>
+        </p:txBody>
+      </p:sp>
+    </p:spTree>
+    <p:extLst>
+      <p:ext uri="{BB962C8B-B14F-4D97-AF65-F5344CB8AC3E}">
+        <p14:creationId xmlns:p14="http://schemas.microsoft.com/office/powerpoint/2010/main" val="767474752"/>
+      </p:ext>
+    </p:extLst>
+  </p:cSld>
+  <p:clrMapOvr>
+    <a:masterClrMapping/>
+  </p:clrMapOvr>
+</p:notes>
+</file>
+
+<file path=ppt/notesSlides/notesSlide21.xml><?xml version="1.0" encoding="utf-8"?>
+<p:notes xmlns:a="http://schemas.openxmlformats.org/drawingml/2006/main" xmlns:r="http://schemas.openxmlformats.org/officeDocument/2006/relationships" xmlns:p="http://schemas.openxmlformats.org/presentationml/2006/main">
+  <p:cSld>
+    <p:spTree>
+      <p:nvGrpSpPr>
+        <p:cNvPr id="1" name=""/>
+        <p:cNvGrpSpPr/>
+        <p:nvPr/>
+      </p:nvGrpSpPr>
+      <p:grpSpPr>
+        <a:xfrm>
+          <a:off x="0" y="0"/>
+          <a:ext cx="0" cy="0"/>
+          <a:chOff x="0" y="0"/>
+          <a:chExt cx="0" cy="0"/>
+        </a:xfrm>
+      </p:grpSpPr>
+      <p:sp>
+        <p:nvSpPr>
+          <p:cNvPr id="2" name="Slide Image Placeholder 1"/>
+          <p:cNvSpPr>
+            <a:spLocks noGrp="1" noRot="1" noChangeAspect="1"/>
+          </p:cNvSpPr>
+          <p:nvPr>
+            <p:ph type="sldImg"/>
+          </p:nvPr>
+        </p:nvSpPr>
+        <p:spPr/>
+      </p:sp>
+      <p:sp>
+        <p:nvSpPr>
+          <p:cNvPr id="3" name="Notes Placeholder 2"/>
+          <p:cNvSpPr>
+            <a:spLocks noGrp="1"/>
+          </p:cNvSpPr>
+          <p:nvPr>
+            <p:ph type="body" idx="1"/>
+          </p:nvPr>
+        </p:nvSpPr>
+        <p:spPr/>
+        <p:txBody>
+          <a:bodyPr/>
+          <a:lstStyle/>
+          <a:p>
+            <a:r>
+              <a:rPr lang="en-US" dirty="0"/>
+              <a:t>&lt;read slide&gt;</a:t>
+            </a:r>
+          </a:p>
+        </p:txBody>
+      </p:sp>
+      <p:sp>
+        <p:nvSpPr>
+          <p:cNvPr id="4" name="Slide Number Placeholder 3"/>
+          <p:cNvSpPr>
+            <a:spLocks noGrp="1"/>
+          </p:cNvSpPr>
+          <p:nvPr>
+            <p:ph type="sldNum" sz="quarter" idx="5"/>
+          </p:nvPr>
+        </p:nvSpPr>
+        <p:spPr/>
+        <p:txBody>
+          <a:bodyPr/>
+          <a:lstStyle/>
+          <a:p>
+            <a:fld id="{07937F07-1250-4CCE-B198-1B2887014F41}" type="slidenum">
+              <a:rPr lang="en-US" smtClean="0"/>
+              <a:t>28</a:t>
+            </a:fld>
+            <a:endParaRPr lang="en-US"/>
+          </a:p>
+        </p:txBody>
+      </p:sp>
+    </p:spTree>
+    <p:extLst>
+      <p:ext uri="{BB962C8B-B14F-4D97-AF65-F5344CB8AC3E}">
+        <p14:creationId xmlns:p14="http://schemas.microsoft.com/office/powerpoint/2010/main" val="2969339103"/>
+      </p:ext>
+    </p:extLst>
+  </p:cSld>
+  <p:clrMapOvr>
+    <a:masterClrMapping/>
+  </p:clrMapOvr>
+</p:notes>
+</file>
+
+<file path=ppt/notesSlides/notesSlide22.xml><?xml version="1.0" encoding="utf-8"?>
+<p:notes xmlns:a="http://schemas.openxmlformats.org/drawingml/2006/main" xmlns:r="http://schemas.openxmlformats.org/officeDocument/2006/relationships" xmlns:p="http://schemas.openxmlformats.org/presentationml/2006/main">
+  <p:cSld>
+    <p:spTree>
+      <p:nvGrpSpPr>
+        <p:cNvPr id="1" name=""/>
+        <p:cNvGrpSpPr/>
+        <p:nvPr/>
+      </p:nvGrpSpPr>
+      <p:grpSpPr>
+        <a:xfrm>
+          <a:off x="0" y="0"/>
+          <a:ext cx="0" cy="0"/>
+          <a:chOff x="0" y="0"/>
+          <a:chExt cx="0" cy="0"/>
+        </a:xfrm>
+      </p:grpSpPr>
+      <p:sp>
+        <p:nvSpPr>
+          <p:cNvPr id="2" name="Slide Image Placeholder 1"/>
+          <p:cNvSpPr>
+            <a:spLocks noGrp="1" noRot="1" noChangeAspect="1"/>
+          </p:cNvSpPr>
+          <p:nvPr>
+            <p:ph type="sldImg"/>
+          </p:nvPr>
+        </p:nvSpPr>
+        <p:spPr/>
+      </p:sp>
+      <p:sp>
+        <p:nvSpPr>
+          <p:cNvPr id="3" name="Notes Placeholder 2"/>
+          <p:cNvSpPr>
+            <a:spLocks noGrp="1"/>
+          </p:cNvSpPr>
+          <p:nvPr>
+            <p:ph type="body" idx="1"/>
+          </p:nvPr>
+        </p:nvSpPr>
+        <p:spPr/>
+        <p:txBody>
+          <a:bodyPr/>
+          <a:lstStyle/>
+          <a:p>
+            <a:r>
+              <a:rPr lang="en-US" dirty="0"/>
+              <a:t>&lt;read slide&gt;</a:t>
+            </a:r>
+          </a:p>
+        </p:txBody>
+      </p:sp>
+      <p:sp>
+        <p:nvSpPr>
+          <p:cNvPr id="4" name="Slide Number Placeholder 3"/>
+          <p:cNvSpPr>
+            <a:spLocks noGrp="1"/>
+          </p:cNvSpPr>
+          <p:nvPr>
+            <p:ph type="sldNum" sz="quarter" idx="5"/>
+          </p:nvPr>
+        </p:nvSpPr>
+        <p:spPr/>
+        <p:txBody>
+          <a:bodyPr/>
+          <a:lstStyle/>
+          <a:p>
+            <a:fld id="{07937F07-1250-4CCE-B198-1B2887014F41}" type="slidenum">
+              <a:rPr lang="en-US" smtClean="0"/>
+              <a:t>29</a:t>
+            </a:fld>
+            <a:endParaRPr lang="en-US"/>
+          </a:p>
+        </p:txBody>
+      </p:sp>
+    </p:spTree>
+    <p:extLst>
+      <p:ext uri="{BB962C8B-B14F-4D97-AF65-F5344CB8AC3E}">
+        <p14:creationId xmlns:p14="http://schemas.microsoft.com/office/powerpoint/2010/main" val="2427063407"/>
+      </p:ext>
+    </p:extLst>
+  </p:cSld>
+  <p:clrMapOvr>
+    <a:masterClrMapping/>
+  </p:clrMapOvr>
+</p:notes>
+</file>
+
+<file path=ppt/notesSlides/notesSlide23.xml><?xml version="1.0" encoding="utf-8"?>
+<p:notes xmlns:a="http://schemas.openxmlformats.org/drawingml/2006/main" xmlns:r="http://schemas.openxmlformats.org/officeDocument/2006/relationships" xmlns:p="http://schemas.openxmlformats.org/presentationml/2006/main">
+  <p:cSld>
+    <p:spTree>
+      <p:nvGrpSpPr>
+        <p:cNvPr id="1" name=""/>
+        <p:cNvGrpSpPr/>
+        <p:nvPr/>
+      </p:nvGrpSpPr>
+      <p:grpSpPr>
+        <a:xfrm>
+          <a:off x="0" y="0"/>
+          <a:ext cx="0" cy="0"/>
+          <a:chOff x="0" y="0"/>
+          <a:chExt cx="0" cy="0"/>
+        </a:xfrm>
+      </p:grpSpPr>
+      <p:sp>
+        <p:nvSpPr>
+          <p:cNvPr id="2" name="Slide Image Placeholder 1"/>
+          <p:cNvSpPr>
+            <a:spLocks noGrp="1" noRot="1" noChangeAspect="1"/>
+          </p:cNvSpPr>
+          <p:nvPr>
+            <p:ph type="sldImg"/>
+          </p:nvPr>
+        </p:nvSpPr>
+        <p:spPr/>
+      </p:sp>
+      <p:sp>
+        <p:nvSpPr>
+          <p:cNvPr id="3" name="Notes Placeholder 2"/>
+          <p:cNvSpPr>
+            <a:spLocks noGrp="1"/>
+          </p:cNvSpPr>
+          <p:nvPr>
+            <p:ph type="body" idx="1"/>
+          </p:nvPr>
+        </p:nvSpPr>
+        <p:spPr/>
+        <p:txBody>
+          <a:bodyPr/>
+          <a:lstStyle/>
+          <a:p>
+            <a:r>
+              <a:rPr lang="en-US" dirty="0"/>
+              <a:t>&lt;read slide&gt;</a:t>
+            </a:r>
+          </a:p>
+        </p:txBody>
+      </p:sp>
+      <p:sp>
+        <p:nvSpPr>
+          <p:cNvPr id="4" name="Slide Number Placeholder 3"/>
+          <p:cNvSpPr>
+            <a:spLocks noGrp="1"/>
+          </p:cNvSpPr>
+          <p:nvPr>
+            <p:ph type="sldNum" sz="quarter" idx="5"/>
+          </p:nvPr>
+        </p:nvSpPr>
+        <p:spPr/>
+        <p:txBody>
+          <a:bodyPr/>
+          <a:lstStyle/>
+          <a:p>
+            <a:fld id="{07937F07-1250-4CCE-B198-1B2887014F41}" type="slidenum">
+              <a:rPr lang="en-US" smtClean="0"/>
+              <a:t>30</a:t>
+            </a:fld>
+            <a:endParaRPr lang="en-US"/>
+          </a:p>
+        </p:txBody>
+      </p:sp>
+    </p:spTree>
+    <p:extLst>
+      <p:ext uri="{BB962C8B-B14F-4D97-AF65-F5344CB8AC3E}">
+        <p14:creationId xmlns:p14="http://schemas.microsoft.com/office/powerpoint/2010/main" val="920744137"/>
+      </p:ext>
+    </p:extLst>
+  </p:cSld>
+  <p:clrMapOvr>
+    <a:masterClrMapping/>
+  </p:clrMapOvr>
+</p:notes>
+</file>
+
+<file path=ppt/notesSlides/notesSlide24.xml><?xml version="1.0" encoding="utf-8"?>
+<p:notes xmlns:a="http://schemas.openxmlformats.org/drawingml/2006/main" xmlns:r="http://schemas.openxmlformats.org/officeDocument/2006/relationships" xmlns:p="http://schemas.openxmlformats.org/presentationml/2006/main">
+  <p:cSld>
+    <p:spTree>
+      <p:nvGrpSpPr>
+        <p:cNvPr id="1" name=""/>
+        <p:cNvGrpSpPr/>
+        <p:nvPr/>
+      </p:nvGrpSpPr>
+      <p:grpSpPr>
+        <a:xfrm>
+          <a:off x="0" y="0"/>
+          <a:ext cx="0" cy="0"/>
+          <a:chOff x="0" y="0"/>
+          <a:chExt cx="0" cy="0"/>
+        </a:xfrm>
+      </p:grpSpPr>
+      <p:sp>
+        <p:nvSpPr>
+          <p:cNvPr id="2" name="Slide Image Placeholder 1"/>
+          <p:cNvSpPr>
+            <a:spLocks noGrp="1" noRot="1" noChangeAspect="1"/>
+          </p:cNvSpPr>
+          <p:nvPr>
+            <p:ph type="sldImg"/>
+          </p:nvPr>
+        </p:nvSpPr>
+        <p:spPr/>
+      </p:sp>
+      <p:sp>
+        <p:nvSpPr>
+          <p:cNvPr id="3" name="Notes Placeholder 2"/>
+          <p:cNvSpPr>
+            <a:spLocks noGrp="1"/>
+          </p:cNvSpPr>
+          <p:nvPr>
+            <p:ph type="body" idx="1"/>
+          </p:nvPr>
+        </p:nvSpPr>
+        <p:spPr/>
+        <p:txBody>
+          <a:bodyPr/>
+          <a:lstStyle/>
+          <a:p>
+            <a:r>
+              <a:rPr lang="en-US" dirty="0"/>
+              <a:t>&lt;read slide&gt;</a:t>
+            </a:r>
+          </a:p>
+        </p:txBody>
+      </p:sp>
+      <p:sp>
+        <p:nvSpPr>
+          <p:cNvPr id="4" name="Slide Number Placeholder 3"/>
+          <p:cNvSpPr>
+            <a:spLocks noGrp="1"/>
+          </p:cNvSpPr>
+          <p:nvPr>
+            <p:ph type="sldNum" sz="quarter" idx="5"/>
+          </p:nvPr>
+        </p:nvSpPr>
+        <p:spPr/>
+        <p:txBody>
+          <a:bodyPr/>
+          <a:lstStyle/>
+          <a:p>
+            <a:fld id="{07937F07-1250-4CCE-B198-1B2887014F41}" type="slidenum">
+              <a:rPr lang="en-US" smtClean="0"/>
+              <a:t>31</a:t>
+            </a:fld>
+            <a:endParaRPr lang="en-US"/>
+          </a:p>
+        </p:txBody>
+      </p:sp>
+    </p:spTree>
+    <p:extLst>
+      <p:ext uri="{BB962C8B-B14F-4D97-AF65-F5344CB8AC3E}">
+        <p14:creationId xmlns:p14="http://schemas.microsoft.com/office/powerpoint/2010/main" val="1439674124"/>
+      </p:ext>
+    </p:extLst>
+  </p:cSld>
+  <p:clrMapOvr>
+    <a:masterClrMapping/>
+  </p:clrMapOvr>
+</p:notes>
+</file>
+
+<file path=ppt/notesSlides/notesSlide25.xml><?xml version="1.0" encoding="utf-8"?>
+<p:notes xmlns:a="http://schemas.openxmlformats.org/drawingml/2006/main" xmlns:r="http://schemas.openxmlformats.org/officeDocument/2006/relationships" xmlns:p="http://schemas.openxmlformats.org/presentationml/2006/main">
+  <p:cSld>
+    <p:spTree>
+      <p:nvGrpSpPr>
+        <p:cNvPr id="1" name=""/>
+        <p:cNvGrpSpPr/>
+        <p:nvPr/>
+      </p:nvGrpSpPr>
+      <p:grpSpPr>
+        <a:xfrm>
+          <a:off x="0" y="0"/>
+          <a:ext cx="0" cy="0"/>
+          <a:chOff x="0" y="0"/>
+          <a:chExt cx="0" cy="0"/>
+        </a:xfrm>
+      </p:grpSpPr>
+      <p:sp>
+        <p:nvSpPr>
+          <p:cNvPr id="2" name="Slide Image Placeholder 1"/>
+          <p:cNvSpPr>
+            <a:spLocks noGrp="1" noRot="1" noChangeAspect="1"/>
+          </p:cNvSpPr>
+          <p:nvPr>
+            <p:ph type="sldImg"/>
+          </p:nvPr>
+        </p:nvSpPr>
+        <p:spPr/>
+      </p:sp>
+      <p:sp>
+        <p:nvSpPr>
+          <p:cNvPr id="3" name="Notes Placeholder 2"/>
+          <p:cNvSpPr>
+            <a:spLocks noGrp="1"/>
+          </p:cNvSpPr>
+          <p:nvPr>
+            <p:ph type="body" idx="1"/>
+          </p:nvPr>
+        </p:nvSpPr>
+        <p:spPr/>
+        <p:txBody>
+          <a:bodyPr/>
+          <a:lstStyle/>
+          <a:p>
+            <a:r>
+              <a:rPr lang="en-US" dirty="0"/>
+              <a:t>&lt;read slide&gt;</a:t>
+            </a:r>
+          </a:p>
+        </p:txBody>
+      </p:sp>
+      <p:sp>
+        <p:nvSpPr>
+          <p:cNvPr id="4" name="Slide Number Placeholder 3"/>
+          <p:cNvSpPr>
+            <a:spLocks noGrp="1"/>
+          </p:cNvSpPr>
+          <p:nvPr>
+            <p:ph type="sldNum" sz="quarter" idx="5"/>
+          </p:nvPr>
+        </p:nvSpPr>
+        <p:spPr/>
+        <p:txBody>
+          <a:bodyPr/>
+          <a:lstStyle/>
+          <a:p>
+            <a:fld id="{07937F07-1250-4CCE-B198-1B2887014F41}" type="slidenum">
+              <a:rPr lang="en-US" smtClean="0"/>
+              <a:t>32</a:t>
+            </a:fld>
+            <a:endParaRPr lang="en-US"/>
+          </a:p>
+        </p:txBody>
+      </p:sp>
+    </p:spTree>
+    <p:extLst>
+      <p:ext uri="{BB962C8B-B14F-4D97-AF65-F5344CB8AC3E}">
+        <p14:creationId xmlns:p14="http://schemas.microsoft.com/office/powerpoint/2010/main" val="329651169"/>
+      </p:ext>
+    </p:extLst>
+  </p:cSld>
+  <p:clrMapOvr>
+    <a:masterClrMapping/>
+  </p:clrMapOvr>
+</p:notes>
+</file>
+
+<file path=ppt/notesSlides/notesSlide26.xml><?xml version="1.0" encoding="utf-8"?>
+<p:notes xmlns:a="http://schemas.openxmlformats.org/drawingml/2006/main" xmlns:r="http://schemas.openxmlformats.org/officeDocument/2006/relationships" xmlns:p="http://schemas.openxmlformats.org/presentationml/2006/main">
+  <p:cSld>
+    <p:spTree>
+      <p:nvGrpSpPr>
+        <p:cNvPr id="1" name=""/>
+        <p:cNvGrpSpPr/>
+        <p:nvPr/>
+      </p:nvGrpSpPr>
+      <p:grpSpPr>
+        <a:xfrm>
+          <a:off x="0" y="0"/>
+          <a:ext cx="0" cy="0"/>
+          <a:chOff x="0" y="0"/>
+          <a:chExt cx="0" cy="0"/>
+        </a:xfrm>
+      </p:grpSpPr>
+      <p:sp>
+        <p:nvSpPr>
+          <p:cNvPr id="2" name="Slide Image Placeholder 1"/>
+          <p:cNvSpPr>
+            <a:spLocks noGrp="1" noRot="1" noChangeAspect="1"/>
+          </p:cNvSpPr>
+          <p:nvPr>
+            <p:ph type="sldImg"/>
+          </p:nvPr>
+        </p:nvSpPr>
+        <p:spPr/>
+      </p:sp>
+      <p:sp>
+        <p:nvSpPr>
+          <p:cNvPr id="3" name="Notes Placeholder 2"/>
+          <p:cNvSpPr>
+            <a:spLocks noGrp="1"/>
+          </p:cNvSpPr>
+          <p:nvPr>
+            <p:ph type="body" idx="1"/>
+          </p:nvPr>
+        </p:nvSpPr>
+        <p:spPr/>
+        <p:txBody>
+          <a:bodyPr/>
+          <a:lstStyle/>
+          <a:p>
+            <a:r>
+              <a:rPr lang="en-US" dirty="0"/>
+              <a:t>&lt;read slide&gt;</a:t>
+            </a:r>
+          </a:p>
+        </p:txBody>
+      </p:sp>
+      <p:sp>
+        <p:nvSpPr>
+          <p:cNvPr id="4" name="Slide Number Placeholder 3"/>
+          <p:cNvSpPr>
+            <a:spLocks noGrp="1"/>
+          </p:cNvSpPr>
+          <p:nvPr>
+            <p:ph type="sldNum" sz="quarter" idx="5"/>
+          </p:nvPr>
+        </p:nvSpPr>
+        <p:spPr/>
+        <p:txBody>
+          <a:bodyPr/>
+          <a:lstStyle/>
+          <a:p>
+            <a:fld id="{07937F07-1250-4CCE-B198-1B2887014F41}" type="slidenum">
+              <a:rPr lang="en-US" smtClean="0"/>
+              <a:t>33</a:t>
+            </a:fld>
+            <a:endParaRPr lang="en-US"/>
+          </a:p>
+        </p:txBody>
+      </p:sp>
+    </p:spTree>
+    <p:extLst>
+      <p:ext uri="{BB962C8B-B14F-4D97-AF65-F5344CB8AC3E}">
+        <p14:creationId xmlns:p14="http://schemas.microsoft.com/office/powerpoint/2010/main" val="971139133"/>
+      </p:ext>
+    </p:extLst>
+  </p:cSld>
+  <p:clrMapOvr>
+    <a:masterClrMapping/>
+  </p:clrMapOvr>
+</p:notes>
+</file>
+
+<file path=ppt/notesSlides/notesSlide27.xml><?xml version="1.0" encoding="utf-8"?>
+<p:notes xmlns:a="http://schemas.openxmlformats.org/drawingml/2006/main" xmlns:r="http://schemas.openxmlformats.org/officeDocument/2006/relationships" xmlns:p="http://schemas.openxmlformats.org/presentationml/2006/main">
+  <p:cSld>
+    <p:spTree>
+      <p:nvGrpSpPr>
+        <p:cNvPr id="1" name=""/>
+        <p:cNvGrpSpPr/>
+        <p:nvPr/>
+      </p:nvGrpSpPr>
+      <p:grpSpPr>
+        <a:xfrm>
+          <a:off x="0" y="0"/>
+          <a:ext cx="0" cy="0"/>
+          <a:chOff x="0" y="0"/>
+          <a:chExt cx="0" cy="0"/>
+        </a:xfrm>
+      </p:grpSpPr>
+      <p:sp>
+        <p:nvSpPr>
+          <p:cNvPr id="2" name="Slide Image Placeholder 1"/>
+          <p:cNvSpPr>
+            <a:spLocks noGrp="1" noRot="1" noChangeAspect="1"/>
+          </p:cNvSpPr>
+          <p:nvPr>
+            <p:ph type="sldImg"/>
+          </p:nvPr>
+        </p:nvSpPr>
+        <p:spPr/>
+      </p:sp>
+      <p:sp>
+        <p:nvSpPr>
+          <p:cNvPr id="3" name="Notes Placeholder 2"/>
+          <p:cNvSpPr>
+            <a:spLocks noGrp="1"/>
+          </p:cNvSpPr>
+          <p:nvPr>
+            <p:ph type="body" idx="1"/>
+          </p:nvPr>
+        </p:nvSpPr>
+        <p:spPr/>
+        <p:txBody>
+          <a:bodyPr/>
+          <a:lstStyle/>
+          <a:p>
+            <a:pPr marL="0" indent="0">
+              <a:lnSpc>
+                <a:spcPct val="100000"/>
+              </a:lnSpc>
+              <a:buSzPct val="100000"/>
+              <a:buNone/>
+              <a:defRPr sz="1200">
+                <a:latin typeface="Helvetica"/>
+                <a:ea typeface="Helvetica"/>
+                <a:cs typeface="Helvetica"/>
+                <a:sym typeface="Helvetica"/>
+              </a:defRPr>
+            </a:pPr>
+            <a:r>
+              <a:rPr lang="en-US" dirty="0"/>
+              <a:t>The diagram relates to a principle coined by the Italian economist Vilfredo Pareto in the year 1896 that says “roughly 80% of consequences come from 20% of the causes” </a:t>
+            </a:r>
+          </a:p>
+          <a:p>
+            <a:pPr marL="0" indent="0">
+              <a:lnSpc>
+                <a:spcPct val="100000"/>
+              </a:lnSpc>
+              <a:buSzPct val="100000"/>
+              <a:buNone/>
+              <a:defRPr sz="1200">
+                <a:latin typeface="Helvetica"/>
+                <a:ea typeface="Helvetica"/>
+                <a:cs typeface="Helvetica"/>
+                <a:sym typeface="Helvetica"/>
+              </a:defRPr>
+            </a:pPr>
+            <a:r>
+              <a:rPr lang="en-US" dirty="0"/>
+              <a:t>In the scenario of software engineering, Pareto’s Law can be interpreted to say that approximately 80% of defects originates from 20% of modules</a:t>
+            </a:r>
+          </a:p>
+          <a:p>
+            <a:endParaRPr lang="en-US" dirty="0"/>
+          </a:p>
+        </p:txBody>
+      </p:sp>
+      <p:sp>
+        <p:nvSpPr>
+          <p:cNvPr id="4" name="Slide Number Placeholder 3"/>
+          <p:cNvSpPr>
+            <a:spLocks noGrp="1"/>
+          </p:cNvSpPr>
+          <p:nvPr>
+            <p:ph type="sldNum" sz="quarter" idx="5"/>
+          </p:nvPr>
+        </p:nvSpPr>
+        <p:spPr/>
+        <p:txBody>
+          <a:bodyPr/>
+          <a:lstStyle/>
+          <a:p>
+            <a:fld id="{07937F07-1250-4CCE-B198-1B2887014F41}" type="slidenum">
+              <a:rPr lang="en-US" smtClean="0"/>
+              <a:t>34</a:t>
+            </a:fld>
+            <a:endParaRPr lang="en-US"/>
+          </a:p>
+        </p:txBody>
+      </p:sp>
+    </p:spTree>
+    <p:extLst>
+      <p:ext uri="{BB962C8B-B14F-4D97-AF65-F5344CB8AC3E}">
+        <p14:creationId xmlns:p14="http://schemas.microsoft.com/office/powerpoint/2010/main" val="839338052"/>
+      </p:ext>
+    </p:extLst>
+  </p:cSld>
+  <p:clrMapOvr>
+    <a:masterClrMapping/>
+  </p:clrMapOvr>
+</p:notes>
+</file>
+
+<file path=ppt/notesSlides/notesSlide28.xml><?xml version="1.0" encoding="utf-8"?>
+<p:notes xmlns:a="http://schemas.openxmlformats.org/drawingml/2006/main" xmlns:r="http://schemas.openxmlformats.org/officeDocument/2006/relationships" xmlns:p="http://schemas.openxmlformats.org/presentationml/2006/main">
+  <p:cSld>
+    <p:spTree>
+      <p:nvGrpSpPr>
+        <p:cNvPr id="1" name=""/>
+        <p:cNvGrpSpPr/>
+        <p:nvPr/>
+      </p:nvGrpSpPr>
+      <p:grpSpPr>
+        <a:xfrm>
+          <a:off x="0" y="0"/>
+          <a:ext cx="0" cy="0"/>
+          <a:chOff x="0" y="0"/>
+          <a:chExt cx="0" cy="0"/>
+        </a:xfrm>
+      </p:grpSpPr>
+      <p:sp>
+        <p:nvSpPr>
+          <p:cNvPr id="2" name="Slide Image Placeholder 1"/>
+          <p:cNvSpPr>
+            <a:spLocks noGrp="1" noRot="1" noChangeAspect="1"/>
+          </p:cNvSpPr>
+          <p:nvPr>
+            <p:ph type="sldImg"/>
+          </p:nvPr>
+        </p:nvSpPr>
+        <p:spPr/>
+      </p:sp>
+      <p:sp>
+        <p:nvSpPr>
+          <p:cNvPr id="3" name="Notes Placeholder 2"/>
+          <p:cNvSpPr>
+            <a:spLocks noGrp="1"/>
+          </p:cNvSpPr>
+          <p:nvPr>
+            <p:ph type="body" idx="1"/>
+          </p:nvPr>
+        </p:nvSpPr>
+        <p:spPr/>
+        <p:txBody>
+          <a:bodyPr/>
+          <a:lstStyle/>
+          <a:p>
+            <a:endParaRPr lang="en-US"/>
+          </a:p>
+        </p:txBody>
+      </p:sp>
+      <p:sp>
+        <p:nvSpPr>
+          <p:cNvPr id="4" name="Slide Number Placeholder 3"/>
+          <p:cNvSpPr>
+            <a:spLocks noGrp="1"/>
+          </p:cNvSpPr>
+          <p:nvPr>
+            <p:ph type="sldNum" sz="quarter" idx="5"/>
+          </p:nvPr>
+        </p:nvSpPr>
+        <p:spPr/>
+        <p:txBody>
+          <a:bodyPr/>
+          <a:lstStyle/>
+          <a:p>
+            <a:fld id="{07937F07-1250-4CCE-B198-1B2887014F41}" type="slidenum">
+              <a:rPr lang="en-US" smtClean="0"/>
+              <a:t>35</a:t>
+            </a:fld>
+            <a:endParaRPr lang="en-US"/>
+          </a:p>
+        </p:txBody>
+      </p:sp>
+    </p:spTree>
+    <p:extLst>
+      <p:ext uri="{BB962C8B-B14F-4D97-AF65-F5344CB8AC3E}">
+        <p14:creationId xmlns:p14="http://schemas.microsoft.com/office/powerpoint/2010/main" val="3231362291"/>
       </p:ext>
     </p:extLst>
   </p:cSld>
@@ -3122,7 +4873,7 @@
       </p:grpSpPr>
       <p:sp>
         <p:nvSpPr>
-          <p:cNvPr id="576" name="Shape 576"/>
+          <p:cNvPr id="2" name="Slide Image Placeholder 1"/>
           <p:cNvSpPr>
             <a:spLocks noGrp="1" noRot="1" noChangeAspect="1"/>
           </p:cNvSpPr>
@@ -3130,94 +4881,56 @@
             <p:ph type="sldImg"/>
           </p:nvPr>
         </p:nvSpPr>
-        <p:spPr>
-          <a:prstGeom prst="rect">
-            <a:avLst/>
-          </a:prstGeom>
-        </p:spPr>
-        <p:txBody>
-          <a:bodyPr/>
-          <a:lstStyle/>
-          <a:p>
-            <a:endParaRPr/>
-          </a:p>
-        </p:txBody>
-      </p:sp>
-      <p:sp>
-        <p:nvSpPr>
-          <p:cNvPr id="577" name="Shape 577"/>
+        <p:spPr/>
+      </p:sp>
+      <p:sp>
+        <p:nvSpPr>
+          <p:cNvPr id="3" name="Notes Placeholder 2"/>
           <p:cNvSpPr>
             <a:spLocks noGrp="1"/>
           </p:cNvSpPr>
           <p:nvPr>
-            <p:ph type="body" sz="quarter" idx="1"/>
+            <p:ph type="body" idx="1"/>
           </p:nvPr>
         </p:nvSpPr>
-        <p:spPr>
-          <a:prstGeom prst="rect">
-            <a:avLst/>
-          </a:prstGeom>
-        </p:spPr>
+        <p:spPr/>
         <p:txBody>
           <a:bodyPr/>
           <a:lstStyle/>
           <a:p>
-            <a:pPr marL="228600" indent="-228600">
-              <a:lnSpc>
-                <a:spcPct val="100000"/>
-              </a:lnSpc>
-              <a:buSzPct val="100000"/>
-              <a:buChar char="•"/>
-              <a:defRPr sz="1200">
-                <a:latin typeface="Helvetica"/>
-                <a:ea typeface="Helvetica"/>
-                <a:cs typeface="Helvetica"/>
-                <a:sym typeface="Helvetica"/>
-              </a:defRPr>
-            </a:pPr>
-            <a:r>
-              <a:t>Let’s apply this to the cgi_decode example</a:t>
-            </a:r>
-          </a:p>
-          <a:p>
-            <a:pPr marL="228600" indent="-228600">
-              <a:lnSpc>
-                <a:spcPct val="100000"/>
-              </a:lnSpc>
-              <a:buSzPct val="100000"/>
-              <a:buChar char="•"/>
-              <a:defRPr sz="1200">
-                <a:latin typeface="Helvetica"/>
-                <a:ea typeface="Helvetica"/>
-                <a:cs typeface="Helvetica"/>
-                <a:sym typeface="Helvetica"/>
-              </a:defRPr>
-            </a:pPr>
-            <a:r>
-              <a:t>The initial coverage is 7/11 blocks = 63%.  </a:t>
-            </a:r>
-          </a:p>
-          <a:p>
-            <a:pPr marL="228600" indent="-228600">
-              <a:lnSpc>
-                <a:spcPct val="100000"/>
-              </a:lnSpc>
-              <a:buSzPct val="100000"/>
-              <a:buChar char="•"/>
-              <a:defRPr sz="1200">
-                <a:latin typeface="Helvetica"/>
-                <a:ea typeface="Helvetica"/>
-                <a:cs typeface="Helvetica"/>
-                <a:sym typeface="Helvetica"/>
-              </a:defRPr>
-            </a:pPr>
-            <a:r>
-              <a:t>(We could also count the statements instead (here: 14/20 = 70%), but conceptually, this makes no difference)</a:t>
-            </a:r>
+            <a:endParaRPr lang="en-US" dirty="0"/>
+          </a:p>
+        </p:txBody>
+      </p:sp>
+      <p:sp>
+        <p:nvSpPr>
+          <p:cNvPr id="4" name="Slide Number Placeholder 3"/>
+          <p:cNvSpPr>
+            <a:spLocks noGrp="1"/>
+          </p:cNvSpPr>
+          <p:nvPr>
+            <p:ph type="sldNum" sz="quarter" idx="5"/>
+          </p:nvPr>
+        </p:nvSpPr>
+        <p:spPr/>
+        <p:txBody>
+          <a:bodyPr/>
+          <a:lstStyle/>
+          <a:p>
+            <a:fld id="{07937F07-1250-4CCE-B198-1B2887014F41}" type="slidenum">
+              <a:rPr lang="en-US" smtClean="0"/>
+              <a:t>4</a:t>
+            </a:fld>
+            <a:endParaRPr lang="en-US"/>
           </a:p>
         </p:txBody>
       </p:sp>
     </p:spTree>
+    <p:extLst>
+      <p:ext uri="{BB962C8B-B14F-4D97-AF65-F5344CB8AC3E}">
+        <p14:creationId xmlns:p14="http://schemas.microsoft.com/office/powerpoint/2010/main" val="4276167392"/>
+      </p:ext>
+    </p:extLst>
   </p:cSld>
   <p:clrMapOvr>
     <a:masterClrMapping/>
@@ -3244,7 +4957,7 @@
       </p:grpSpPr>
       <p:sp>
         <p:nvSpPr>
-          <p:cNvPr id="616" name="Shape 616"/>
+          <p:cNvPr id="2" name="Slide Image Placeholder 1"/>
           <p:cNvSpPr>
             <a:spLocks noGrp="1" noRot="1" noChangeAspect="1"/>
           </p:cNvSpPr>
@@ -3252,72 +4965,59 @@
             <p:ph type="sldImg"/>
           </p:nvPr>
         </p:nvSpPr>
-        <p:spPr>
-          <a:prstGeom prst="rect">
-            <a:avLst/>
-          </a:prstGeom>
-        </p:spPr>
-        <p:txBody>
-          <a:bodyPr/>
-          <a:lstStyle/>
-          <a:p>
-            <a:endParaRPr/>
-          </a:p>
-        </p:txBody>
-      </p:sp>
-      <p:sp>
-        <p:nvSpPr>
-          <p:cNvPr id="617" name="Shape 617"/>
+        <p:spPr/>
+      </p:sp>
+      <p:sp>
+        <p:nvSpPr>
+          <p:cNvPr id="3" name="Notes Placeholder 2"/>
           <p:cNvSpPr>
             <a:spLocks noGrp="1"/>
           </p:cNvSpPr>
           <p:nvPr>
-            <p:ph type="body" sz="quarter" idx="1"/>
+            <p:ph type="body" idx="1"/>
           </p:nvPr>
         </p:nvSpPr>
-        <p:spPr>
-          <a:prstGeom prst="rect">
-            <a:avLst/>
-          </a:prstGeom>
-        </p:spPr>
+        <p:spPr/>
         <p:txBody>
           <a:bodyPr/>
           <a:lstStyle/>
           <a:p>
-            <a:pPr>
-              <a:lnSpc>
-                <a:spcPct val="100000"/>
-              </a:lnSpc>
-              <a:defRPr sz="1200">
-                <a:latin typeface="Helvetica"/>
-                <a:ea typeface="Helvetica"/>
-                <a:cs typeface="Helvetica"/>
-                <a:sym typeface="Helvetica"/>
-              </a:defRPr>
-            </a:pPr>
-            <a:r>
-              <a:t>and the coverage increases with each additionally executed statement…</a:t>
-            </a:r>
-          </a:p>
-          <a:p>
-            <a:pPr>
-              <a:lnSpc>
-                <a:spcPct val="100000"/>
-              </a:lnSpc>
-              <a:defRPr sz="1200">
-                <a:latin typeface="Helvetica"/>
-                <a:ea typeface="Helvetica"/>
-                <a:cs typeface="Helvetica"/>
-                <a:sym typeface="Helvetica"/>
-              </a:defRPr>
-            </a:pPr>
-            <a:r>
-              <a:t>if we add the second test, coverage increases to 72%</a:t>
-            </a:r>
+            <a:r>
+              <a:rPr lang="en-US" dirty="0"/>
+              <a:t>There is a famous Dykstra's law which basically states that when you are testing your program, testing can be used to show the presence of bugs but it can never show the absence of those bugs. This comes from the fact that you cannot spend all your life on testing, you only have a finite amount of time for you to be able to test the program. So, every time you are going to provide a certain input to the system you are going to observe its behavior, and you only can do it a limited number of times. So that's why you can't run infinite tests.</a:t>
+            </a:r>
+          </a:p>
+        </p:txBody>
+      </p:sp>
+      <p:sp>
+        <p:nvSpPr>
+          <p:cNvPr id="4" name="Slide Number Placeholder 3"/>
+          <p:cNvSpPr>
+            <a:spLocks noGrp="1"/>
+          </p:cNvSpPr>
+          <p:nvPr>
+            <p:ph type="sldNum" sz="quarter" idx="5"/>
+          </p:nvPr>
+        </p:nvSpPr>
+        <p:spPr/>
+        <p:txBody>
+          <a:bodyPr/>
+          <a:lstStyle/>
+          <a:p>
+            <a:fld id="{07937F07-1250-4CCE-B198-1B2887014F41}" type="slidenum">
+              <a:rPr lang="en-US" smtClean="0"/>
+              <a:t>11</a:t>
+            </a:fld>
+            <a:endParaRPr lang="en-US"/>
           </a:p>
         </p:txBody>
       </p:sp>
     </p:spTree>
+    <p:extLst>
+      <p:ext uri="{BB962C8B-B14F-4D97-AF65-F5344CB8AC3E}">
+        <p14:creationId xmlns:p14="http://schemas.microsoft.com/office/powerpoint/2010/main" val="614742616"/>
+      </p:ext>
+    </p:extLst>
   </p:cSld>
   <p:clrMapOvr>
     <a:masterClrMapping/>
@@ -3344,7 +5044,7 @@
       </p:grpSpPr>
       <p:sp>
         <p:nvSpPr>
-          <p:cNvPr id="659" name="Shape 659"/>
+          <p:cNvPr id="2" name="Slide Image Placeholder 1"/>
           <p:cNvSpPr>
             <a:spLocks noGrp="1" noRot="1" noChangeAspect="1"/>
           </p:cNvSpPr>
@@ -3352,57 +5052,78 @@
             <p:ph type="sldImg"/>
           </p:nvPr>
         </p:nvSpPr>
-        <p:spPr>
-          <a:prstGeom prst="rect">
-            <a:avLst/>
-          </a:prstGeom>
-        </p:spPr>
-        <p:txBody>
-          <a:bodyPr/>
-          <a:lstStyle/>
-          <a:p>
-            <a:endParaRPr/>
-          </a:p>
-        </p:txBody>
-      </p:sp>
-      <p:sp>
-        <p:nvSpPr>
-          <p:cNvPr id="660" name="Shape 660"/>
+        <p:spPr/>
+      </p:sp>
+      <p:sp>
+        <p:nvSpPr>
+          <p:cNvPr id="3" name="Notes Placeholder 2"/>
           <p:cNvSpPr>
             <a:spLocks noGrp="1"/>
           </p:cNvSpPr>
           <p:nvPr>
-            <p:ph type="body" sz="quarter" idx="1"/>
+            <p:ph type="body" idx="1"/>
           </p:nvPr>
         </p:nvSpPr>
-        <p:spPr>
-          <a:prstGeom prst="rect">
-            <a:avLst/>
-          </a:prstGeom>
-        </p:spPr>
+        <p:spPr/>
         <p:txBody>
           <a:bodyPr/>
-          <a:lstStyle>
-            <a:lvl1pPr defTabSz="584200">
-              <a:lnSpc>
-                <a:spcPct val="100000"/>
-              </a:lnSpc>
-              <a:defRPr>
-                <a:latin typeface="Lucida Grande"/>
-                <a:ea typeface="Lucida Grande"/>
-                <a:cs typeface="Lucida Grande"/>
-                <a:sym typeface="Lucida Grande"/>
-              </a:defRPr>
-            </a:lvl1pPr>
-          </a:lstStyle>
-          <a:p>
-            <a:r>
-              <a:t>Adding the third test increases coverage to 91%</a:t>
-            </a:r>
+          <a:lstStyle/>
+          <a:p>
+            <a:pPr marL="0" indent="0">
+              <a:buSzPct val="100000"/>
+              <a:buNone/>
+              <a:defRPr sz="1900"/>
+            </a:pPr>
+            <a:r>
+              <a:rPr lang="en-US" dirty="0"/>
+              <a:t>You can think of systematic testing as a smart way to find needles in a haystack.</a:t>
+            </a:r>
+          </a:p>
+          <a:p>
+            <a:pPr marL="0" indent="0">
+              <a:buSzPct val="100000"/>
+              <a:buNone/>
+              <a:defRPr sz="1900"/>
+            </a:pPr>
+            <a:r>
+              <a:rPr lang="en-US" dirty="0"/>
+              <a:t>We want to search systematically for needles, and to do that we need to understand what makes needles special</a:t>
+            </a:r>
+          </a:p>
+          <a:p>
+            <a:endParaRPr lang="en-US" dirty="0"/>
+          </a:p>
+        </p:txBody>
+      </p:sp>
+      <p:sp>
+        <p:nvSpPr>
+          <p:cNvPr id="4" name="Slide Number Placeholder 3"/>
+          <p:cNvSpPr>
+            <a:spLocks noGrp="1"/>
+          </p:cNvSpPr>
+          <p:nvPr>
+            <p:ph type="sldNum" sz="quarter" idx="5"/>
+          </p:nvPr>
+        </p:nvSpPr>
+        <p:spPr/>
+        <p:txBody>
+          <a:bodyPr/>
+          <a:lstStyle/>
+          <a:p>
+            <a:fld id="{07937F07-1250-4CCE-B198-1B2887014F41}" type="slidenum">
+              <a:rPr lang="en-US" smtClean="0"/>
+              <a:t>12</a:t>
+            </a:fld>
+            <a:endParaRPr lang="en-US"/>
           </a:p>
         </p:txBody>
       </p:sp>
     </p:spTree>
+    <p:extLst>
+      <p:ext uri="{BB962C8B-B14F-4D97-AF65-F5344CB8AC3E}">
+        <p14:creationId xmlns:p14="http://schemas.microsoft.com/office/powerpoint/2010/main" val="330944183"/>
+      </p:ext>
+    </p:extLst>
   </p:cSld>
   <p:clrMapOvr>
     <a:masterClrMapping/>
@@ -3429,7 +5150,7 @@
       </p:grpSpPr>
       <p:sp>
         <p:nvSpPr>
-          <p:cNvPr id="705" name="Shape 705"/>
+          <p:cNvPr id="2" name="Slide Image Placeholder 1"/>
           <p:cNvSpPr>
             <a:spLocks noGrp="1" noRot="1" noChangeAspect="1"/>
           </p:cNvSpPr>
@@ -3437,57 +5158,152 @@
             <p:ph type="sldImg"/>
           </p:nvPr>
         </p:nvSpPr>
-        <p:spPr>
-          <a:prstGeom prst="rect">
-            <a:avLst/>
-          </a:prstGeom>
-        </p:spPr>
-        <p:txBody>
-          <a:bodyPr/>
-          <a:lstStyle/>
-          <a:p>
-            <a:endParaRPr/>
-          </a:p>
-        </p:txBody>
-      </p:sp>
-      <p:sp>
-        <p:nvSpPr>
-          <p:cNvPr id="706" name="Shape 706"/>
+        <p:spPr/>
+      </p:sp>
+      <p:sp>
+        <p:nvSpPr>
+          <p:cNvPr id="3" name="Notes Placeholder 2"/>
           <p:cNvSpPr>
             <a:spLocks noGrp="1"/>
           </p:cNvSpPr>
           <p:nvPr>
-            <p:ph type="body" sz="quarter" idx="1"/>
+            <p:ph type="body" idx="1"/>
           </p:nvPr>
         </p:nvSpPr>
-        <p:spPr>
-          <a:prstGeom prst="rect">
-            <a:avLst/>
-          </a:prstGeom>
-        </p:spPr>
+        <p:spPr/>
         <p:txBody>
           <a:bodyPr/>
-          <a:lstStyle>
-            <a:lvl1pPr>
+          <a:lstStyle/>
+          <a:p>
+            <a:pPr marL="0" indent="0">
               <a:lnSpc>
                 <a:spcPct val="100000"/>
               </a:lnSpc>
+              <a:buSzPct val="100000"/>
+              <a:buNone/>
               <a:defRPr sz="1200">
                 <a:latin typeface="Helvetica"/>
                 <a:ea typeface="Helvetica"/>
                 <a:cs typeface="Helvetica"/>
                 <a:sym typeface="Helvetica"/>
               </a:defRPr>
-            </a:lvl1pPr>
-          </a:lstStyle>
-          <a:p>
-            <a:r>
-              <a:t>And with adding the last test, we reach 100% block coverage (which is 100% statement coverage, too).</a:t>
-            </a:r>
+            </a:pPr>
+            <a:r>
+              <a:rPr lang="en-US" dirty="0"/>
+              <a:t>So how do we choose equivalence classes?  The key is to identify </a:t>
+            </a:r>
+            <a:r>
+              <a:rPr lang="en-US" b="1" dirty="0"/>
+              <a:t>input conditions</a:t>
+            </a:r>
+            <a:r>
+              <a:rPr lang="en-US" dirty="0"/>
+              <a:t> from the spec.  Each input condition induces an equivalence class – valid and invalid inputs. </a:t>
+            </a:r>
+          </a:p>
+          <a:p>
+            <a:pPr marL="0" indent="0">
+              <a:lnSpc>
+                <a:spcPct val="100000"/>
+              </a:lnSpc>
+              <a:buSzPct val="100000"/>
+              <a:buNone/>
+              <a:defRPr sz="1200">
+                <a:latin typeface="Helvetica"/>
+                <a:ea typeface="Helvetica"/>
+                <a:cs typeface="Helvetica"/>
+                <a:sym typeface="Helvetica"/>
+              </a:defRPr>
+            </a:pPr>
+            <a:r>
+              <a:rPr lang="en-US" dirty="0"/>
+              <a:t>For example, an input condition that specifies a range of values induces three equivalence classes: one containing values smaller than the lower bound of the range, one with values within the range, and one containing values larger than the upper bound of the range</a:t>
+            </a:r>
+          </a:p>
+          <a:p>
+            <a:pPr marL="0" indent="0">
+              <a:lnSpc>
+                <a:spcPct val="100000"/>
+              </a:lnSpc>
+              <a:buSzPct val="100000"/>
+              <a:buNone/>
+              <a:defRPr sz="1200">
+                <a:latin typeface="Helvetica"/>
+                <a:ea typeface="Helvetica"/>
+                <a:cs typeface="Helvetica"/>
+                <a:sym typeface="Helvetica"/>
+              </a:defRPr>
+            </a:pPr>
+            <a:r>
+              <a:rPr lang="en-US" dirty="0"/>
+              <a:t>Similarly, an input condition that specifies a specific value, …</a:t>
+            </a:r>
+          </a:p>
+          <a:p>
+            <a:pPr marL="0" indent="0">
+              <a:lnSpc>
+                <a:spcPct val="100000"/>
+              </a:lnSpc>
+              <a:buSzPct val="100000"/>
+              <a:buNone/>
+              <a:defRPr sz="1200">
+                <a:latin typeface="Helvetica"/>
+                <a:ea typeface="Helvetica"/>
+                <a:cs typeface="Helvetica"/>
+                <a:sym typeface="Helvetica"/>
+              </a:defRPr>
+            </a:pPr>
+            <a:r>
+              <a:rPr lang="en-US" dirty="0"/>
+              <a:t>Likewise, set membership and conditions that correspond to </a:t>
+            </a:r>
+            <a:r>
+              <a:rPr lang="en-US" dirty="0" err="1"/>
+              <a:t>boolean</a:t>
+            </a:r>
+            <a:r>
+              <a:rPr lang="en-US" dirty="0"/>
+              <a:t> predicates can be represented using two equivalence classes</a:t>
+            </a:r>
+          </a:p>
+          <a:p>
+            <a:pPr marL="0" indent="0">
+              <a:buFont typeface="Arial" panose="020B0604020202020204" pitchFamily="34" charset="0"/>
+              <a:buNone/>
+            </a:pPr>
+            <a:endParaRPr lang="en-US" dirty="0"/>
+          </a:p>
+        </p:txBody>
+      </p:sp>
+      <p:sp>
+        <p:nvSpPr>
+          <p:cNvPr id="4" name="Slide Number Placeholder 3"/>
+          <p:cNvSpPr>
+            <a:spLocks noGrp="1"/>
+          </p:cNvSpPr>
+          <p:nvPr>
+            <p:ph type="sldNum" sz="quarter" idx="5"/>
+          </p:nvPr>
+        </p:nvSpPr>
+        <p:spPr/>
+        <p:txBody>
+          <a:bodyPr/>
+          <a:lstStyle/>
+          <a:p>
+            <a:fld id="{07937F07-1250-4CCE-B198-1B2887014F41}" type="slidenum">
+              <a:rPr lang="en-US" smtClean="0"/>
+              <a:t>13</a:t>
+            </a:fld>
+            <a:endParaRPr lang="en-US"/>
           </a:p>
         </p:txBody>
       </p:sp>
     </p:spTree>
+    <p:extLst>
+      <p:ext uri="{BB962C8B-B14F-4D97-AF65-F5344CB8AC3E}">
+        <p14:creationId xmlns:p14="http://schemas.microsoft.com/office/powerpoint/2010/main" val="1175260848"/>
+      </p:ext>
+    </p:extLst>
   </p:cSld>
   <p:clrMapOvr>
     <a:masterClrMapping/>
@@ -3514,7 +5330,7 @@
       </p:grpSpPr>
       <p:sp>
         <p:nvSpPr>
-          <p:cNvPr id="310" name="Shape 310"/>
+          <p:cNvPr id="2" name="Slide Image Placeholder 1"/>
           <p:cNvSpPr>
             <a:spLocks noGrp="1" noRot="1" noChangeAspect="1"/>
           </p:cNvSpPr>
@@ -3522,45 +5338,30 @@
             <p:ph type="sldImg"/>
           </p:nvPr>
         </p:nvSpPr>
-        <p:spPr>
-          <a:prstGeom prst="rect">
-            <a:avLst/>
-          </a:prstGeom>
-        </p:spPr>
-        <p:txBody>
-          <a:bodyPr/>
-          <a:lstStyle/>
-          <a:p>
-            <a:endParaRPr/>
-          </a:p>
-        </p:txBody>
-      </p:sp>
-      <p:sp>
-        <p:nvSpPr>
-          <p:cNvPr id="311" name="Shape 311"/>
+        <p:spPr/>
+      </p:sp>
+      <p:sp>
+        <p:nvSpPr>
+          <p:cNvPr id="3" name="Notes Placeholder 2"/>
           <p:cNvSpPr>
             <a:spLocks noGrp="1"/>
           </p:cNvSpPr>
           <p:nvPr>
-            <p:ph type="body" sz="quarter" idx="1"/>
+            <p:ph type="body" idx="1"/>
           </p:nvPr>
         </p:nvSpPr>
-        <p:spPr>
-          <a:prstGeom prst="rect">
-            <a:avLst/>
-          </a:prstGeom>
-        </p:spPr>
+        <p:spPr/>
         <p:txBody>
           <a:bodyPr/>
           <a:lstStyle/>
           <a:p>
-            <a:pPr marL="228600" indent="-228600">
+            <a:pPr marL="0" indent="0" defTabSz="647700">
               <a:lnSpc>
                 <a:spcPct val="100000"/>
               </a:lnSpc>
               <a:buSzPct val="100000"/>
-              <a:buChar char="•"/>
-              <a:defRPr sz="1200">
+              <a:buNone/>
+              <a:defRPr sz="1600">
                 <a:latin typeface="Helvetica"/>
                 <a:ea typeface="Helvetica"/>
                 <a:cs typeface="Helvetica"/>
@@ -3568,17 +5369,18 @@
               </a:defRPr>
             </a:pPr>
             <a:r>
-              <a:t>Why is branch testing useful?  </a:t>
-            </a:r>
-          </a:p>
-          <a:p>
-            <a:pPr marL="228600" indent="-228600">
+              <a:rPr lang="en-US" dirty="0"/>
+              <a:t>Typically, a greater number of errors occurs at the boundaries of an equivalence class rather than at the “center”.  </a:t>
+            </a:r>
+          </a:p>
+          <a:p>
+            <a:pPr marL="0" indent="0" defTabSz="647700">
               <a:lnSpc>
                 <a:spcPct val="100000"/>
               </a:lnSpc>
               <a:buSzPct val="100000"/>
-              <a:buChar char="•"/>
-              <a:defRPr sz="1200">
+              <a:buNone/>
+              <a:defRPr sz="1600">
                 <a:latin typeface="Helvetica"/>
                 <a:ea typeface="Helvetica"/>
                 <a:cs typeface="Helvetica"/>
@@ -3586,17 +5388,18 @@
               </a:defRPr>
             </a:pPr>
             <a:r>
-              <a:t>Let’s consider a buggy version of the same cgi_decode program where block F is missing (CLICK)</a:t>
-            </a:r>
-          </a:p>
-          <a:p>
-            <a:pPr marL="228600" indent="-228600">
+              <a:rPr lang="en-US" dirty="0"/>
+              <a:t>Therefore, we specifically look for values that are at the boundaries. </a:t>
+            </a:r>
+          </a:p>
+          <a:p>
+            <a:pPr marL="0" indent="0" defTabSz="647700">
               <a:lnSpc>
                 <a:spcPct val="100000"/>
               </a:lnSpc>
               <a:buSzPct val="100000"/>
-              <a:buChar char="•"/>
-              <a:defRPr sz="1200">
+              <a:buNone/>
+              <a:defRPr sz="1600">
                 <a:latin typeface="Helvetica"/>
                 <a:ea typeface="Helvetica"/>
                 <a:cs typeface="Helvetica"/>
@@ -3604,17 +5407,18 @@
               </a:defRPr>
             </a:pPr>
             <a:r>
-              <a:t>Then, the input you see here would achieve 100% statement coverage without ever triggering the defect (CLICK until 100% is displayed</a:t>
-            </a:r>
-          </a:p>
-          <a:p>
-            <a:pPr marL="228600" indent="-228600">
+              <a:rPr lang="en-US" dirty="0"/>
+              <a:t>In the example you see here, we could select a value just outside of the lower end of the range, just inside the lower end of the range, …</a:t>
+            </a:r>
+          </a:p>
+          <a:p>
+            <a:pPr marL="0" indent="0" defTabSz="647700">
               <a:lnSpc>
                 <a:spcPct val="100000"/>
               </a:lnSpc>
               <a:buSzPct val="100000"/>
-              <a:buChar char="•"/>
-              <a:defRPr sz="1200">
+              <a:buNone/>
+              <a:defRPr sz="1600">
                 <a:latin typeface="Helvetica"/>
                 <a:ea typeface="Helvetica"/>
                 <a:cs typeface="Helvetica"/>
@@ -3622,12 +5426,48 @@
               </a:defRPr>
             </a:pPr>
             <a:r>
-              <a:t>However, if the conditional evaluates to false, we would execute buggy code, so having 100% statement coverage does not mean that the program is free of errors</a:t>
-            </a:r>
+              <a:rPr lang="en-US" dirty="0"/>
+              <a:t>If your system has well-defined inputs and outputs, you can apply this technique both to the input domain and the output domain.</a:t>
+            </a:r>
+          </a:p>
+          <a:p>
+            <a:pPr marL="0" indent="0">
+              <a:buFont typeface="Arial" panose="020B0604020202020204" pitchFamily="34" charset="0"/>
+              <a:buNone/>
+            </a:pPr>
+            <a:endParaRPr lang="en-US" dirty="0"/>
+          </a:p>
+        </p:txBody>
+      </p:sp>
+      <p:sp>
+        <p:nvSpPr>
+          <p:cNvPr id="4" name="Slide Number Placeholder 3"/>
+          <p:cNvSpPr>
+            <a:spLocks noGrp="1"/>
+          </p:cNvSpPr>
+          <p:nvPr>
+            <p:ph type="sldNum" sz="quarter" idx="5"/>
+          </p:nvPr>
+        </p:nvSpPr>
+        <p:spPr/>
+        <p:txBody>
+          <a:bodyPr/>
+          <a:lstStyle/>
+          <a:p>
+            <a:fld id="{07937F07-1250-4CCE-B198-1B2887014F41}" type="slidenum">
+              <a:rPr lang="en-US" smtClean="0"/>
+              <a:t>14</a:t>
+            </a:fld>
+            <a:endParaRPr lang="en-US"/>
           </a:p>
         </p:txBody>
       </p:sp>
     </p:spTree>
+    <p:extLst>
+      <p:ext uri="{BB962C8B-B14F-4D97-AF65-F5344CB8AC3E}">
+        <p14:creationId xmlns:p14="http://schemas.microsoft.com/office/powerpoint/2010/main" val="1233382233"/>
+      </p:ext>
+    </p:extLst>
   </p:cSld>
   <p:clrMapOvr>
     <a:masterClrMapping/>
@@ -3654,7 +5494,7 @@
       </p:grpSpPr>
       <p:sp>
         <p:nvSpPr>
-          <p:cNvPr id="351" name="Shape 351"/>
+          <p:cNvPr id="2" name="Slide Image Placeholder 1"/>
           <p:cNvSpPr>
             <a:spLocks noGrp="1" noRot="1" noChangeAspect="1"/>
           </p:cNvSpPr>
@@ -3662,74 +5502,70 @@
             <p:ph type="sldImg"/>
           </p:nvPr>
         </p:nvSpPr>
-        <p:spPr>
-          <a:prstGeom prst="rect">
-            <a:avLst/>
-          </a:prstGeom>
-        </p:spPr>
-        <p:txBody>
-          <a:bodyPr/>
-          <a:lstStyle/>
-          <a:p>
-            <a:endParaRPr/>
-          </a:p>
-        </p:txBody>
-      </p:sp>
-      <p:sp>
-        <p:nvSpPr>
-          <p:cNvPr id="352" name="Shape 352"/>
+        <p:spPr/>
+      </p:sp>
+      <p:sp>
+        <p:nvSpPr>
+          <p:cNvPr id="3" name="Notes Placeholder 2"/>
           <p:cNvSpPr>
             <a:spLocks noGrp="1"/>
           </p:cNvSpPr>
           <p:nvPr>
-            <p:ph type="body" sz="quarter" idx="1"/>
+            <p:ph type="body" idx="1"/>
           </p:nvPr>
         </p:nvSpPr>
-        <p:spPr>
-          <a:prstGeom prst="rect">
-            <a:avLst/>
-          </a:prstGeom>
-        </p:spPr>
+        <p:spPr/>
         <p:txBody>
           <a:bodyPr/>
           <a:lstStyle/>
           <a:p>
-            <a:pPr>
-              <a:lnSpc>
-                <a:spcPct val="100000"/>
-              </a:lnSpc>
-              <a:defRPr sz="1500">
-                <a:latin typeface="Helvetica"/>
-                <a:ea typeface="Helvetica"/>
-                <a:cs typeface="Helvetica"/>
-                <a:sym typeface="Helvetica"/>
-              </a:defRPr>
+            <a:pPr marL="0" indent="0">
+              <a:buFont typeface="Arial" panose="020B0604020202020204" pitchFamily="34" charset="0"/>
+              <a:buNone/>
             </a:pPr>
             <a:r>
-              <a:rPr dirty="0"/>
-              <a:t>However, if we focus on whether branches have been taken, though, we get a different picture.</a:t>
-            </a:r>
-          </a:p>
-          <a:p>
-            <a:pPr>
-              <a:lnSpc>
-                <a:spcPct val="100000"/>
-              </a:lnSpc>
-              <a:defRPr sz="1200">
-                <a:latin typeface="Helvetica"/>
-                <a:ea typeface="Helvetica"/>
-                <a:cs typeface="Helvetica"/>
-                <a:sym typeface="Helvetica"/>
-              </a:defRPr>
+              <a:rPr lang="en-US" dirty="0"/>
+              <a:t>&lt;read slide&gt;</a:t>
+            </a:r>
+          </a:p>
+          <a:p>
+            <a:pPr marL="0" indent="0">
+              <a:buFont typeface="Arial" panose="020B0604020202020204" pitchFamily="34" charset="0"/>
+              <a:buNone/>
             </a:pPr>
-            <a:r>
-              <a:rPr dirty="0"/>
-              <a:t>Here, we label each branch with “true” or “false”</a:t>
-            </a:r>
+            <a:endParaRPr lang="en-US" dirty="0"/>
+          </a:p>
+        </p:txBody>
+      </p:sp>
+      <p:sp>
+        <p:nvSpPr>
+          <p:cNvPr id="4" name="Slide Number Placeholder 3"/>
+          <p:cNvSpPr>
+            <a:spLocks noGrp="1"/>
+          </p:cNvSpPr>
+          <p:nvPr>
+            <p:ph type="sldNum" sz="quarter" idx="5"/>
+          </p:nvPr>
+        </p:nvSpPr>
+        <p:spPr/>
+        <p:txBody>
+          <a:bodyPr/>
+          <a:lstStyle/>
+          <a:p>
+            <a:fld id="{07937F07-1250-4CCE-B198-1B2887014F41}" type="slidenum">
+              <a:rPr lang="en-US" smtClean="0"/>
+              <a:t>15</a:t>
+            </a:fld>
+            <a:endParaRPr lang="en-US"/>
           </a:p>
         </p:txBody>
       </p:sp>
     </p:spTree>
+    <p:extLst>
+      <p:ext uri="{BB962C8B-B14F-4D97-AF65-F5344CB8AC3E}">
+        <p14:creationId xmlns:p14="http://schemas.microsoft.com/office/powerpoint/2010/main" val="1308004607"/>
+      </p:ext>
+    </p:extLst>
   </p:cSld>
   <p:clrMapOvr>
     <a:masterClrMapping/>
@@ -3756,7 +5592,7 @@
       </p:grpSpPr>
       <p:sp>
         <p:nvSpPr>
-          <p:cNvPr id="416" name="Shape 416"/>
+          <p:cNvPr id="2" name="Slide Image Placeholder 1"/>
           <p:cNvSpPr>
             <a:spLocks noGrp="1" noRot="1" noChangeAspect="1"/>
           </p:cNvSpPr>
@@ -3764,74 +5600,101 @@
             <p:ph type="sldImg"/>
           </p:nvPr>
         </p:nvSpPr>
-        <p:spPr>
-          <a:prstGeom prst="rect">
-            <a:avLst/>
-          </a:prstGeom>
-        </p:spPr>
-        <p:txBody>
-          <a:bodyPr/>
-          <a:lstStyle/>
-          <a:p>
-            <a:endParaRPr/>
-          </a:p>
-        </p:txBody>
-      </p:sp>
-      <p:sp>
-        <p:nvSpPr>
-          <p:cNvPr id="417" name="Shape 417"/>
+        <p:spPr/>
+      </p:sp>
+      <p:sp>
+        <p:nvSpPr>
+          <p:cNvPr id="3" name="Notes Placeholder 2"/>
           <p:cNvSpPr>
             <a:spLocks noGrp="1"/>
           </p:cNvSpPr>
           <p:nvPr>
-            <p:ph type="body" sz="quarter" idx="1"/>
+            <p:ph type="body" idx="1"/>
           </p:nvPr>
         </p:nvSpPr>
-        <p:spPr>
-          <a:prstGeom prst="rect">
-            <a:avLst/>
-          </a:prstGeom>
-        </p:spPr>
+        <p:spPr/>
         <p:txBody>
           <a:bodyPr/>
           <a:lstStyle/>
           <a:p>
-            <a:pPr>
-              <a:lnSpc>
-                <a:spcPct val="100000"/>
-              </a:lnSpc>
-              <a:defRPr sz="1400">
-                <a:latin typeface="Helvetica"/>
-                <a:ea typeface="Helvetica"/>
-                <a:cs typeface="Helvetica"/>
-                <a:sym typeface="Helvetica"/>
-              </a:defRPr>
+            <a:pPr marL="0" indent="0">
+              <a:buSzPct val="100000"/>
+              <a:buNone/>
+              <a:defRPr sz="1700"/>
             </a:pPr>
             <a:r>
-              <a:rPr dirty="0"/>
-              <a:t>And if we track which branches are executed, we find that the test case executes only 7 out of 8 branches</a:t>
-            </a:r>
-          </a:p>
-          <a:p>
-            <a:pPr>
-              <a:lnSpc>
-                <a:spcPct val="100000"/>
-              </a:lnSpc>
-              <a:defRPr sz="1400">
-                <a:latin typeface="Helvetica"/>
-                <a:ea typeface="Helvetica"/>
-                <a:cs typeface="Helvetica"/>
-                <a:sym typeface="Helvetica"/>
-              </a:defRPr>
+              <a:rPr lang="en-US" dirty="0"/>
+              <a:t>Many forms of coverage can be computed automatically using automated tools</a:t>
+            </a:r>
+          </a:p>
+          <a:p>
+            <a:pPr marL="0" indent="0">
+              <a:buSzPct val="100000"/>
+              <a:buNone/>
+              <a:defRPr sz="1700"/>
             </a:pPr>
             <a:r>
-              <a:rPr dirty="0"/>
-              <a:t>In other words, branch coverage is 7/8 or 87%.</a:t>
-            </a:r>
+              <a:rPr lang="en-US" dirty="0"/>
+              <a:t>This is typically done by instrumenting the program so that whenever a statement/block is executed, a corresponding counter is updated.</a:t>
+            </a:r>
+          </a:p>
+          <a:p>
+            <a:pPr marL="0" indent="0">
+              <a:buSzPct val="100000"/>
+              <a:buNone/>
+              <a:defRPr sz="1700"/>
+            </a:pPr>
+            <a:r>
+              <a:rPr lang="en-US" dirty="0"/>
+              <a:t>For JS/TS, the </a:t>
+            </a:r>
+            <a:r>
+              <a:rPr lang="en-US" dirty="0" err="1"/>
+              <a:t>Instanbul</a:t>
+            </a:r>
+            <a:r>
+              <a:rPr lang="en-US" dirty="0"/>
+              <a:t>/NYC tool can be used to compute coverage</a:t>
+            </a:r>
+          </a:p>
+          <a:p>
+            <a:pPr marL="0" indent="0">
+              <a:buFont typeface="Arial" panose="020B0604020202020204" pitchFamily="34" charset="0"/>
+              <a:buNone/>
+            </a:pPr>
+            <a:endParaRPr lang="en-US" dirty="0"/>
+          </a:p>
+        </p:txBody>
+      </p:sp>
+      <p:sp>
+        <p:nvSpPr>
+          <p:cNvPr id="4" name="Slide Number Placeholder 3"/>
+          <p:cNvSpPr>
+            <a:spLocks noGrp="1"/>
+          </p:cNvSpPr>
+          <p:nvPr>
+            <p:ph type="sldNum" sz="quarter" idx="5"/>
+          </p:nvPr>
+        </p:nvSpPr>
+        <p:spPr/>
+        <p:txBody>
+          <a:bodyPr/>
+          <a:lstStyle/>
+          <a:p>
+            <a:fld id="{07937F07-1250-4CCE-B198-1B2887014F41}" type="slidenum">
+              <a:rPr lang="en-US" smtClean="0"/>
+              <a:t>16</a:t>
+            </a:fld>
+            <a:endParaRPr lang="en-US"/>
           </a:p>
         </p:txBody>
       </p:sp>
     </p:spTree>
+    <p:extLst>
+      <p:ext uri="{BB962C8B-B14F-4D97-AF65-F5344CB8AC3E}">
+        <p14:creationId xmlns:p14="http://schemas.microsoft.com/office/powerpoint/2010/main" val="4220540279"/>
+      </p:ext>
+    </p:extLst>
   </p:cSld>
   <p:clrMapOvr>
     <a:masterClrMapping/>
@@ -10265,7 +12128,7 @@
           </a:ln>
           <a:extLst>
             <a:ext uri="{C572A759-6A51-4108-AA02-DFA0A04FC94B}">
-              <ma14:wrappingTextBoxFlag xmlns:ma14="http://schemas.microsoft.com/office/mac/drawingml/2011/main" xmlns:a14="http://schemas.microsoft.com/office/drawing/2010/main" xmlns:m="http://schemas.openxmlformats.org/officeDocument/2006/math" xmlns="" val="1"/>
+              <ma14:wrappingTextBoxFlag xmlns="" xmlns:m="http://schemas.openxmlformats.org/officeDocument/2006/math" xmlns:a14="http://schemas.microsoft.com/office/drawing/2010/main" xmlns:ma14="http://schemas.microsoft.com/office/mac/drawingml/2011/main" val="1"/>
             </a:ext>
           </a:extLst>
         </p:spPr>
@@ -10348,7 +12211,7 @@
           </a:ln>
           <a:extLst>
             <a:ext uri="{C572A759-6A51-4108-AA02-DFA0A04FC94B}">
-              <ma14:wrappingTextBoxFlag xmlns:ma14="http://schemas.microsoft.com/office/mac/drawingml/2011/main" xmlns:a14="http://schemas.microsoft.com/office/drawing/2010/main" xmlns:m="http://schemas.openxmlformats.org/officeDocument/2006/math" xmlns="" val="1"/>
+              <ma14:wrappingTextBoxFlag xmlns="" xmlns:m="http://schemas.openxmlformats.org/officeDocument/2006/math" xmlns:a14="http://schemas.microsoft.com/office/drawing/2010/main" xmlns:ma14="http://schemas.microsoft.com/office/mac/drawingml/2011/main" val="1"/>
             </a:ext>
           </a:extLst>
         </p:spPr>
@@ -12080,7 +13943,7 @@
           <p:nvPr/>
         </p:nvPicPr>
         <p:blipFill>
-          <a:blip r:embed="rId2"/>
+          <a:blip r:embed="rId3"/>
           <a:srcRect t="19227"/>
           <a:stretch>
             <a:fillRect/>
@@ -13018,7 +14881,7 @@
           <a:p>
             <a:r>
               <a:rPr lang="en-US" sz="2600" dirty="0">
-                <a:hlinkClick r:id="rId2"/>
+                <a:hlinkClick r:id="rId3"/>
               </a:rPr>
               <a:t>https://arstechnica.com/uncategorized/2004/12/4490-2/</a:t>
             </a:r>
@@ -13041,7 +14904,7 @@
           <p:nvPr/>
         </p:nvPicPr>
         <p:blipFill rotWithShape="1">
-          <a:blip r:embed="rId3">
+          <a:blip r:embed="rId4">
             <a:extLst>
               <a:ext uri="{28A0092B-C50C-407E-A947-70E740481C1C}">
                 <a14:useLocalDpi xmlns:a14="http://schemas.microsoft.com/office/drawing/2010/main" val="0"/>
@@ -13527,7 +15390,7 @@
             <p:nvPr/>
           </p:nvPicPr>
           <p:blipFill>
-            <a:blip r:embed="rId2"/>
+            <a:blip r:embed="rId3"/>
             <a:stretch>
               <a:fillRect/>
             </a:stretch>
@@ -13561,7 +15424,7 @@
             <p:nvPr/>
           </p:nvPicPr>
           <p:blipFill>
-            <a:blip r:embed="rId3"/>
+            <a:blip r:embed="rId4"/>
             <a:stretch>
               <a:fillRect/>
             </a:stretch>
@@ -13603,7 +15466,7 @@
           </a:ln>
           <a:extLst>
             <a:ext uri="{C572A759-6A51-4108-AA02-DFA0A04FC94B}">
-              <ma14:wrappingTextBoxFlag xmlns:ma14="http://schemas.microsoft.com/office/mac/drawingml/2011/main" xmlns:a14="http://schemas.microsoft.com/office/drawing/2010/main" xmlns:m="http://schemas.openxmlformats.org/officeDocument/2006/math" xmlns="" val="1"/>
+              <ma14:wrappingTextBoxFlag xmlns="" xmlns:m="http://schemas.openxmlformats.org/officeDocument/2006/math" xmlns:a14="http://schemas.microsoft.com/office/drawing/2010/main" xmlns:ma14="http://schemas.microsoft.com/office/mac/drawingml/2011/main" val="1"/>
             </a:ext>
           </a:extLst>
         </p:spPr>
@@ -14660,7 +16523,7 @@
           </a:effectLst>
           <a:extLst>
             <a:ext uri="{C572A759-6A51-4108-AA02-DFA0A04FC94B}">
-              <ma14:wrappingTextBoxFlag xmlns:ma14="http://schemas.microsoft.com/office/mac/drawingml/2011/main" xmlns:a14="http://schemas.microsoft.com/office/drawing/2010/main" xmlns:m="http://schemas.openxmlformats.org/officeDocument/2006/math" xmlns="" val="1"/>
+              <ma14:wrappingTextBoxFlag xmlns="" xmlns:m="http://schemas.openxmlformats.org/officeDocument/2006/math" xmlns:a14="http://schemas.microsoft.com/office/drawing/2010/main" xmlns:ma14="http://schemas.microsoft.com/office/mac/drawingml/2011/main" val="1"/>
             </a:ext>
           </a:extLst>
         </p:spPr>
@@ -14727,7 +16590,7 @@
           </a:effectLst>
           <a:extLst>
             <a:ext uri="{C572A759-6A51-4108-AA02-DFA0A04FC94B}">
-              <ma14:wrappingTextBoxFlag xmlns:ma14="http://schemas.microsoft.com/office/mac/drawingml/2011/main" xmlns:a14="http://schemas.microsoft.com/office/drawing/2010/main" xmlns:m="http://schemas.openxmlformats.org/officeDocument/2006/math" xmlns="" val="1"/>
+              <ma14:wrappingTextBoxFlag xmlns="" xmlns:m="http://schemas.openxmlformats.org/officeDocument/2006/math" xmlns:a14="http://schemas.microsoft.com/office/drawing/2010/main" xmlns:ma14="http://schemas.microsoft.com/office/mac/drawingml/2011/main" val="1"/>
             </a:ext>
           </a:extLst>
         </p:spPr>
@@ -14794,7 +16657,7 @@
           </a:effectLst>
           <a:extLst>
             <a:ext uri="{C572A759-6A51-4108-AA02-DFA0A04FC94B}">
-              <ma14:wrappingTextBoxFlag xmlns:ma14="http://schemas.microsoft.com/office/mac/drawingml/2011/main" xmlns:a14="http://schemas.microsoft.com/office/drawing/2010/main" xmlns:m="http://schemas.openxmlformats.org/officeDocument/2006/math" xmlns="" val="1"/>
+              <ma14:wrappingTextBoxFlag xmlns="" xmlns:m="http://schemas.openxmlformats.org/officeDocument/2006/math" xmlns:a14="http://schemas.microsoft.com/office/drawing/2010/main" xmlns:ma14="http://schemas.microsoft.com/office/mac/drawingml/2011/main" val="1"/>
             </a:ext>
           </a:extLst>
         </p:spPr>
@@ -14861,7 +16724,7 @@
           </a:effectLst>
           <a:extLst>
             <a:ext uri="{C572A759-6A51-4108-AA02-DFA0A04FC94B}">
-              <ma14:wrappingTextBoxFlag xmlns:ma14="http://schemas.microsoft.com/office/mac/drawingml/2011/main" xmlns:a14="http://schemas.microsoft.com/office/drawing/2010/main" xmlns:m="http://schemas.openxmlformats.org/officeDocument/2006/math" xmlns="" val="1"/>
+              <ma14:wrappingTextBoxFlag xmlns="" xmlns:m="http://schemas.openxmlformats.org/officeDocument/2006/math" xmlns:a14="http://schemas.microsoft.com/office/drawing/2010/main" xmlns:ma14="http://schemas.microsoft.com/office/mac/drawingml/2011/main" val="1"/>
             </a:ext>
           </a:extLst>
         </p:spPr>
@@ -14928,7 +16791,7 @@
           </a:effectLst>
           <a:extLst>
             <a:ext uri="{C572A759-6A51-4108-AA02-DFA0A04FC94B}">
-              <ma14:wrappingTextBoxFlag xmlns:ma14="http://schemas.microsoft.com/office/mac/drawingml/2011/main" xmlns:a14="http://schemas.microsoft.com/office/drawing/2010/main" xmlns:m="http://schemas.openxmlformats.org/officeDocument/2006/math" xmlns="" val="1"/>
+              <ma14:wrappingTextBoxFlag xmlns="" xmlns:m="http://schemas.openxmlformats.org/officeDocument/2006/math" xmlns:a14="http://schemas.microsoft.com/office/drawing/2010/main" xmlns:ma14="http://schemas.microsoft.com/office/mac/drawingml/2011/main" val="1"/>
             </a:ext>
           </a:extLst>
         </p:spPr>
@@ -14995,7 +16858,7 @@
           </a:effectLst>
           <a:extLst>
             <a:ext uri="{C572A759-6A51-4108-AA02-DFA0A04FC94B}">
-              <ma14:wrappingTextBoxFlag xmlns:ma14="http://schemas.microsoft.com/office/mac/drawingml/2011/main" xmlns:a14="http://schemas.microsoft.com/office/drawing/2010/main" xmlns:m="http://schemas.openxmlformats.org/officeDocument/2006/math" xmlns="" val="1"/>
+              <ma14:wrappingTextBoxFlag xmlns="" xmlns:m="http://schemas.openxmlformats.org/officeDocument/2006/math" xmlns:a14="http://schemas.microsoft.com/office/drawing/2010/main" xmlns:ma14="http://schemas.microsoft.com/office/mac/drawingml/2011/main" val="1"/>
             </a:ext>
           </a:extLst>
         </p:spPr>
@@ -15062,7 +16925,7 @@
           </a:effectLst>
           <a:extLst>
             <a:ext uri="{C572A759-6A51-4108-AA02-DFA0A04FC94B}">
-              <ma14:wrappingTextBoxFlag xmlns:ma14="http://schemas.microsoft.com/office/mac/drawingml/2011/main" xmlns:a14="http://schemas.microsoft.com/office/drawing/2010/main" xmlns:m="http://schemas.openxmlformats.org/officeDocument/2006/math" xmlns="" val="1"/>
+              <ma14:wrappingTextBoxFlag xmlns="" xmlns:m="http://schemas.openxmlformats.org/officeDocument/2006/math" xmlns:a14="http://schemas.microsoft.com/office/drawing/2010/main" xmlns:ma14="http://schemas.microsoft.com/office/mac/drawingml/2011/main" val="1"/>
             </a:ext>
           </a:extLst>
         </p:spPr>
@@ -15129,7 +16992,7 @@
           </a:effectLst>
           <a:extLst>
             <a:ext uri="{C572A759-6A51-4108-AA02-DFA0A04FC94B}">
-              <ma14:wrappingTextBoxFlag xmlns:ma14="http://schemas.microsoft.com/office/mac/drawingml/2011/main" xmlns:a14="http://schemas.microsoft.com/office/drawing/2010/main" xmlns:m="http://schemas.openxmlformats.org/officeDocument/2006/math" xmlns="" val="1"/>
+              <ma14:wrappingTextBoxFlag xmlns="" xmlns:m="http://schemas.openxmlformats.org/officeDocument/2006/math" xmlns:a14="http://schemas.microsoft.com/office/drawing/2010/main" xmlns:ma14="http://schemas.microsoft.com/office/mac/drawingml/2011/main" val="1"/>
             </a:ext>
           </a:extLst>
         </p:spPr>
@@ -15196,7 +17059,7 @@
           </a:effectLst>
           <a:extLst>
             <a:ext uri="{C572A759-6A51-4108-AA02-DFA0A04FC94B}">
-              <ma14:wrappingTextBoxFlag xmlns:ma14="http://schemas.microsoft.com/office/mac/drawingml/2011/main" xmlns:a14="http://schemas.microsoft.com/office/drawing/2010/main" xmlns:m="http://schemas.openxmlformats.org/officeDocument/2006/math" xmlns="" val="1"/>
+              <ma14:wrappingTextBoxFlag xmlns="" xmlns:m="http://schemas.openxmlformats.org/officeDocument/2006/math" xmlns:a14="http://schemas.microsoft.com/office/drawing/2010/main" xmlns:ma14="http://schemas.microsoft.com/office/mac/drawingml/2011/main" val="1"/>
             </a:ext>
           </a:extLst>
         </p:spPr>
@@ -15263,7 +17126,7 @@
           </a:effectLst>
           <a:extLst>
             <a:ext uri="{C572A759-6A51-4108-AA02-DFA0A04FC94B}">
-              <ma14:wrappingTextBoxFlag xmlns:ma14="http://schemas.microsoft.com/office/mac/drawingml/2011/main" xmlns:a14="http://schemas.microsoft.com/office/drawing/2010/main" xmlns:m="http://schemas.openxmlformats.org/officeDocument/2006/math" xmlns="" val="1"/>
+              <ma14:wrappingTextBoxFlag xmlns="" xmlns:m="http://schemas.openxmlformats.org/officeDocument/2006/math" xmlns:a14="http://schemas.microsoft.com/office/drawing/2010/main" xmlns:ma14="http://schemas.microsoft.com/office/mac/drawingml/2011/main" val="1"/>
             </a:ext>
           </a:extLst>
         </p:spPr>
@@ -15330,7 +17193,7 @@
           </a:effectLst>
           <a:extLst>
             <a:ext uri="{C572A759-6A51-4108-AA02-DFA0A04FC94B}">
-              <ma14:wrappingTextBoxFlag xmlns:ma14="http://schemas.microsoft.com/office/mac/drawingml/2011/main" xmlns:a14="http://schemas.microsoft.com/office/drawing/2010/main" xmlns:m="http://schemas.openxmlformats.org/officeDocument/2006/math" xmlns="" val="1"/>
+              <ma14:wrappingTextBoxFlag xmlns="" xmlns:m="http://schemas.openxmlformats.org/officeDocument/2006/math" xmlns:a14="http://schemas.microsoft.com/office/drawing/2010/main" xmlns:ma14="http://schemas.microsoft.com/office/mac/drawingml/2011/main" val="1"/>
             </a:ext>
           </a:extLst>
         </p:spPr>
@@ -15509,7 +17372,7 @@
           </a:effectLst>
           <a:extLst>
             <a:ext uri="{C572A759-6A51-4108-AA02-DFA0A04FC94B}">
-              <ma14:wrappingTextBoxFlag xmlns:ma14="http://schemas.microsoft.com/office/mac/drawingml/2011/main" xmlns:a14="http://schemas.microsoft.com/office/drawing/2010/main" xmlns:m="http://schemas.openxmlformats.org/officeDocument/2006/math" xmlns="" val="1"/>
+              <ma14:wrappingTextBoxFlag xmlns="" xmlns:m="http://schemas.openxmlformats.org/officeDocument/2006/math" xmlns:a14="http://schemas.microsoft.com/office/drawing/2010/main" xmlns:ma14="http://schemas.microsoft.com/office/mac/drawingml/2011/main" val="1"/>
             </a:ext>
           </a:extLst>
         </p:spPr>
@@ -15586,7 +17449,7 @@
           </a:effectLst>
           <a:extLst>
             <a:ext uri="{C572A759-6A51-4108-AA02-DFA0A04FC94B}">
-              <ma14:wrappingTextBoxFlag xmlns:ma14="http://schemas.microsoft.com/office/mac/drawingml/2011/main" xmlns:a14="http://schemas.microsoft.com/office/drawing/2010/main" xmlns:m="http://schemas.openxmlformats.org/officeDocument/2006/math" xmlns="" val="1"/>
+              <ma14:wrappingTextBoxFlag xmlns="" xmlns:m="http://schemas.openxmlformats.org/officeDocument/2006/math" xmlns:a14="http://schemas.microsoft.com/office/drawing/2010/main" xmlns:ma14="http://schemas.microsoft.com/office/mac/drawingml/2011/main" val="1"/>
             </a:ext>
           </a:extLst>
         </p:spPr>
@@ -15650,7 +17513,7 @@
           </a:effectLst>
           <a:extLst>
             <a:ext uri="{C572A759-6A51-4108-AA02-DFA0A04FC94B}">
-              <ma14:wrappingTextBoxFlag xmlns:ma14="http://schemas.microsoft.com/office/mac/drawingml/2011/main" xmlns:a14="http://schemas.microsoft.com/office/drawing/2010/main" xmlns:m="http://schemas.openxmlformats.org/officeDocument/2006/math" xmlns="" val="1"/>
+              <ma14:wrappingTextBoxFlag xmlns="" xmlns:m="http://schemas.openxmlformats.org/officeDocument/2006/math" xmlns:a14="http://schemas.microsoft.com/office/drawing/2010/main" xmlns:ma14="http://schemas.microsoft.com/office/mac/drawingml/2011/main" val="1"/>
             </a:ext>
           </a:extLst>
         </p:spPr>
@@ -15714,7 +17577,7 @@
           </a:effectLst>
           <a:extLst>
             <a:ext uri="{C572A759-6A51-4108-AA02-DFA0A04FC94B}">
-              <ma14:wrappingTextBoxFlag xmlns:ma14="http://schemas.microsoft.com/office/mac/drawingml/2011/main" xmlns:a14="http://schemas.microsoft.com/office/drawing/2010/main" xmlns:m="http://schemas.openxmlformats.org/officeDocument/2006/math" xmlns="" val="1"/>
+              <ma14:wrappingTextBoxFlag xmlns="" xmlns:m="http://schemas.openxmlformats.org/officeDocument/2006/math" xmlns:a14="http://schemas.microsoft.com/office/drawing/2010/main" xmlns:ma14="http://schemas.microsoft.com/office/mac/drawingml/2011/main" val="1"/>
             </a:ext>
           </a:extLst>
         </p:spPr>
@@ -15778,7 +17641,7 @@
           </a:effectLst>
           <a:extLst>
             <a:ext uri="{C572A759-6A51-4108-AA02-DFA0A04FC94B}">
-              <ma14:wrappingTextBoxFlag xmlns:ma14="http://schemas.microsoft.com/office/mac/drawingml/2011/main" xmlns:a14="http://schemas.microsoft.com/office/drawing/2010/main" xmlns:m="http://schemas.openxmlformats.org/officeDocument/2006/math" xmlns="" val="1"/>
+              <ma14:wrappingTextBoxFlag xmlns="" xmlns:m="http://schemas.openxmlformats.org/officeDocument/2006/math" xmlns:a14="http://schemas.microsoft.com/office/drawing/2010/main" xmlns:ma14="http://schemas.microsoft.com/office/mac/drawingml/2011/main" val="1"/>
             </a:ext>
           </a:extLst>
         </p:spPr>
@@ -15842,7 +17705,7 @@
           </a:effectLst>
           <a:extLst>
             <a:ext uri="{C572A759-6A51-4108-AA02-DFA0A04FC94B}">
-              <ma14:wrappingTextBoxFlag xmlns:ma14="http://schemas.microsoft.com/office/mac/drawingml/2011/main" xmlns:a14="http://schemas.microsoft.com/office/drawing/2010/main" xmlns:m="http://schemas.openxmlformats.org/officeDocument/2006/math" xmlns="" val="1"/>
+              <ma14:wrappingTextBoxFlag xmlns="" xmlns:m="http://schemas.openxmlformats.org/officeDocument/2006/math" xmlns:a14="http://schemas.microsoft.com/office/drawing/2010/main" xmlns:ma14="http://schemas.microsoft.com/office/mac/drawingml/2011/main" val="1"/>
             </a:ext>
           </a:extLst>
         </p:spPr>
@@ -15906,7 +17769,7 @@
           </a:effectLst>
           <a:extLst>
             <a:ext uri="{C572A759-6A51-4108-AA02-DFA0A04FC94B}">
-              <ma14:wrappingTextBoxFlag xmlns:ma14="http://schemas.microsoft.com/office/mac/drawingml/2011/main" xmlns:a14="http://schemas.microsoft.com/office/drawing/2010/main" xmlns:m="http://schemas.openxmlformats.org/officeDocument/2006/math" xmlns="" val="1"/>
+              <ma14:wrappingTextBoxFlag xmlns="" xmlns:m="http://schemas.openxmlformats.org/officeDocument/2006/math" xmlns:a14="http://schemas.microsoft.com/office/drawing/2010/main" xmlns:ma14="http://schemas.microsoft.com/office/mac/drawingml/2011/main" val="1"/>
             </a:ext>
           </a:extLst>
         </p:spPr>
@@ -15970,7 +17833,7 @@
           </a:effectLst>
           <a:extLst>
             <a:ext uri="{C572A759-6A51-4108-AA02-DFA0A04FC94B}">
-              <ma14:wrappingTextBoxFlag xmlns:ma14="http://schemas.microsoft.com/office/mac/drawingml/2011/main" xmlns:a14="http://schemas.microsoft.com/office/drawing/2010/main" xmlns:m="http://schemas.openxmlformats.org/officeDocument/2006/math" xmlns="" val="1"/>
+              <ma14:wrappingTextBoxFlag xmlns="" xmlns:m="http://schemas.openxmlformats.org/officeDocument/2006/math" xmlns:a14="http://schemas.microsoft.com/office/drawing/2010/main" xmlns:ma14="http://schemas.microsoft.com/office/mac/drawingml/2011/main" val="1"/>
             </a:ext>
           </a:extLst>
         </p:spPr>
@@ -17059,7 +18922,7 @@
           </a:effectLst>
           <a:extLst>
             <a:ext uri="{C572A759-6A51-4108-AA02-DFA0A04FC94B}">
-              <ma14:wrappingTextBoxFlag xmlns:ma14="http://schemas.microsoft.com/office/mac/drawingml/2011/main" xmlns:a14="http://schemas.microsoft.com/office/drawing/2010/main" xmlns:m="http://schemas.openxmlformats.org/officeDocument/2006/math" xmlns="" val="1"/>
+              <ma14:wrappingTextBoxFlag xmlns="" xmlns:m="http://schemas.openxmlformats.org/officeDocument/2006/math" xmlns:a14="http://schemas.microsoft.com/office/drawing/2010/main" xmlns:ma14="http://schemas.microsoft.com/office/mac/drawingml/2011/main" val="1"/>
             </a:ext>
           </a:extLst>
         </p:spPr>
@@ -17126,7 +18989,7 @@
           </a:effectLst>
           <a:extLst>
             <a:ext uri="{C572A759-6A51-4108-AA02-DFA0A04FC94B}">
-              <ma14:wrappingTextBoxFlag xmlns:ma14="http://schemas.microsoft.com/office/mac/drawingml/2011/main" xmlns:a14="http://schemas.microsoft.com/office/drawing/2010/main" xmlns:m="http://schemas.openxmlformats.org/officeDocument/2006/math" xmlns="" val="1"/>
+              <ma14:wrappingTextBoxFlag xmlns="" xmlns:m="http://schemas.openxmlformats.org/officeDocument/2006/math" xmlns:a14="http://schemas.microsoft.com/office/drawing/2010/main" xmlns:ma14="http://schemas.microsoft.com/office/mac/drawingml/2011/main" val="1"/>
             </a:ext>
           </a:extLst>
         </p:spPr>
@@ -17193,7 +19056,7 @@
           </a:effectLst>
           <a:extLst>
             <a:ext uri="{C572A759-6A51-4108-AA02-DFA0A04FC94B}">
-              <ma14:wrappingTextBoxFlag xmlns:ma14="http://schemas.microsoft.com/office/mac/drawingml/2011/main" xmlns:a14="http://schemas.microsoft.com/office/drawing/2010/main" xmlns:m="http://schemas.openxmlformats.org/officeDocument/2006/math" xmlns="" val="1"/>
+              <ma14:wrappingTextBoxFlag xmlns="" xmlns:m="http://schemas.openxmlformats.org/officeDocument/2006/math" xmlns:a14="http://schemas.microsoft.com/office/drawing/2010/main" xmlns:ma14="http://schemas.microsoft.com/office/mac/drawingml/2011/main" val="1"/>
             </a:ext>
           </a:extLst>
         </p:spPr>
@@ -17260,7 +19123,7 @@
           </a:effectLst>
           <a:extLst>
             <a:ext uri="{C572A759-6A51-4108-AA02-DFA0A04FC94B}">
-              <ma14:wrappingTextBoxFlag xmlns:ma14="http://schemas.microsoft.com/office/mac/drawingml/2011/main" xmlns:a14="http://schemas.microsoft.com/office/drawing/2010/main" xmlns:m="http://schemas.openxmlformats.org/officeDocument/2006/math" xmlns="" val="1"/>
+              <ma14:wrappingTextBoxFlag xmlns="" xmlns:m="http://schemas.openxmlformats.org/officeDocument/2006/math" xmlns:a14="http://schemas.microsoft.com/office/drawing/2010/main" xmlns:ma14="http://schemas.microsoft.com/office/mac/drawingml/2011/main" val="1"/>
             </a:ext>
           </a:extLst>
         </p:spPr>
@@ -17327,7 +19190,7 @@
           </a:effectLst>
           <a:extLst>
             <a:ext uri="{C572A759-6A51-4108-AA02-DFA0A04FC94B}">
-              <ma14:wrappingTextBoxFlag xmlns:ma14="http://schemas.microsoft.com/office/mac/drawingml/2011/main" xmlns:a14="http://schemas.microsoft.com/office/drawing/2010/main" xmlns:m="http://schemas.openxmlformats.org/officeDocument/2006/math" xmlns="" val="1"/>
+              <ma14:wrappingTextBoxFlag xmlns="" xmlns:m="http://schemas.openxmlformats.org/officeDocument/2006/math" xmlns:a14="http://schemas.microsoft.com/office/drawing/2010/main" xmlns:ma14="http://schemas.microsoft.com/office/mac/drawingml/2011/main" val="1"/>
             </a:ext>
           </a:extLst>
         </p:spPr>
@@ -17394,7 +19257,7 @@
           </a:effectLst>
           <a:extLst>
             <a:ext uri="{C572A759-6A51-4108-AA02-DFA0A04FC94B}">
-              <ma14:wrappingTextBoxFlag xmlns:ma14="http://schemas.microsoft.com/office/mac/drawingml/2011/main" xmlns:a14="http://schemas.microsoft.com/office/drawing/2010/main" xmlns:m="http://schemas.openxmlformats.org/officeDocument/2006/math" xmlns="" val="1"/>
+              <ma14:wrappingTextBoxFlag xmlns="" xmlns:m="http://schemas.openxmlformats.org/officeDocument/2006/math" xmlns:a14="http://schemas.microsoft.com/office/drawing/2010/main" xmlns:ma14="http://schemas.microsoft.com/office/mac/drawingml/2011/main" val="1"/>
             </a:ext>
           </a:extLst>
         </p:spPr>
@@ -17461,7 +19324,7 @@
           </a:effectLst>
           <a:extLst>
             <a:ext uri="{C572A759-6A51-4108-AA02-DFA0A04FC94B}">
-              <ma14:wrappingTextBoxFlag xmlns:ma14="http://schemas.microsoft.com/office/mac/drawingml/2011/main" xmlns:a14="http://schemas.microsoft.com/office/drawing/2010/main" xmlns:m="http://schemas.openxmlformats.org/officeDocument/2006/math" xmlns="" val="1"/>
+              <ma14:wrappingTextBoxFlag xmlns="" xmlns:m="http://schemas.openxmlformats.org/officeDocument/2006/math" xmlns:a14="http://schemas.microsoft.com/office/drawing/2010/main" xmlns:ma14="http://schemas.microsoft.com/office/mac/drawingml/2011/main" val="1"/>
             </a:ext>
           </a:extLst>
         </p:spPr>
@@ -17528,7 +19391,7 @@
           </a:effectLst>
           <a:extLst>
             <a:ext uri="{C572A759-6A51-4108-AA02-DFA0A04FC94B}">
-              <ma14:wrappingTextBoxFlag xmlns:ma14="http://schemas.microsoft.com/office/mac/drawingml/2011/main" xmlns:a14="http://schemas.microsoft.com/office/drawing/2010/main" xmlns:m="http://schemas.openxmlformats.org/officeDocument/2006/math" xmlns="" val="1"/>
+              <ma14:wrappingTextBoxFlag xmlns="" xmlns:m="http://schemas.openxmlformats.org/officeDocument/2006/math" xmlns:a14="http://schemas.microsoft.com/office/drawing/2010/main" xmlns:ma14="http://schemas.microsoft.com/office/mac/drawingml/2011/main" val="1"/>
             </a:ext>
           </a:extLst>
         </p:spPr>
@@ -17595,7 +19458,7 @@
           </a:effectLst>
           <a:extLst>
             <a:ext uri="{C572A759-6A51-4108-AA02-DFA0A04FC94B}">
-              <ma14:wrappingTextBoxFlag xmlns:ma14="http://schemas.microsoft.com/office/mac/drawingml/2011/main" xmlns:a14="http://schemas.microsoft.com/office/drawing/2010/main" xmlns:m="http://schemas.openxmlformats.org/officeDocument/2006/math" xmlns="" val="1"/>
+              <ma14:wrappingTextBoxFlag xmlns="" xmlns:m="http://schemas.openxmlformats.org/officeDocument/2006/math" xmlns:a14="http://schemas.microsoft.com/office/drawing/2010/main" xmlns:ma14="http://schemas.microsoft.com/office/mac/drawingml/2011/main" val="1"/>
             </a:ext>
           </a:extLst>
         </p:spPr>
@@ -17662,7 +19525,7 @@
           </a:effectLst>
           <a:extLst>
             <a:ext uri="{C572A759-6A51-4108-AA02-DFA0A04FC94B}">
-              <ma14:wrappingTextBoxFlag xmlns:ma14="http://schemas.microsoft.com/office/mac/drawingml/2011/main" xmlns:a14="http://schemas.microsoft.com/office/drawing/2010/main" xmlns:m="http://schemas.openxmlformats.org/officeDocument/2006/math" xmlns="" val="1"/>
+              <ma14:wrappingTextBoxFlag xmlns="" xmlns:m="http://schemas.openxmlformats.org/officeDocument/2006/math" xmlns:a14="http://schemas.microsoft.com/office/drawing/2010/main" xmlns:ma14="http://schemas.microsoft.com/office/mac/drawingml/2011/main" val="1"/>
             </a:ext>
           </a:extLst>
         </p:spPr>
@@ -17729,7 +19592,7 @@
           </a:effectLst>
           <a:extLst>
             <a:ext uri="{C572A759-6A51-4108-AA02-DFA0A04FC94B}">
-              <ma14:wrappingTextBoxFlag xmlns:ma14="http://schemas.microsoft.com/office/mac/drawingml/2011/main" xmlns:a14="http://schemas.microsoft.com/office/drawing/2010/main" xmlns:m="http://schemas.openxmlformats.org/officeDocument/2006/math" xmlns="" val="1"/>
+              <ma14:wrappingTextBoxFlag xmlns="" xmlns:m="http://schemas.openxmlformats.org/officeDocument/2006/math" xmlns:a14="http://schemas.microsoft.com/office/drawing/2010/main" xmlns:ma14="http://schemas.microsoft.com/office/mac/drawingml/2011/main" val="1"/>
             </a:ext>
           </a:extLst>
         </p:spPr>
@@ -17908,7 +19771,7 @@
           </a:effectLst>
           <a:extLst>
             <a:ext uri="{C572A759-6A51-4108-AA02-DFA0A04FC94B}">
-              <ma14:wrappingTextBoxFlag xmlns:ma14="http://schemas.microsoft.com/office/mac/drawingml/2011/main" xmlns:a14="http://schemas.microsoft.com/office/drawing/2010/main" xmlns:m="http://schemas.openxmlformats.org/officeDocument/2006/math" xmlns="" val="1"/>
+              <ma14:wrappingTextBoxFlag xmlns="" xmlns:m="http://schemas.openxmlformats.org/officeDocument/2006/math" xmlns:a14="http://schemas.microsoft.com/office/drawing/2010/main" xmlns:ma14="http://schemas.microsoft.com/office/mac/drawingml/2011/main" val="1"/>
             </a:ext>
           </a:extLst>
         </p:spPr>
@@ -17985,7 +19848,7 @@
           </a:effectLst>
           <a:extLst>
             <a:ext uri="{C572A759-6A51-4108-AA02-DFA0A04FC94B}">
-              <ma14:wrappingTextBoxFlag xmlns:ma14="http://schemas.microsoft.com/office/mac/drawingml/2011/main" xmlns:a14="http://schemas.microsoft.com/office/drawing/2010/main" xmlns:m="http://schemas.openxmlformats.org/officeDocument/2006/math" xmlns="" val="1"/>
+              <ma14:wrappingTextBoxFlag xmlns="" xmlns:m="http://schemas.openxmlformats.org/officeDocument/2006/math" xmlns:a14="http://schemas.microsoft.com/office/drawing/2010/main" xmlns:ma14="http://schemas.microsoft.com/office/mac/drawingml/2011/main" val="1"/>
             </a:ext>
           </a:extLst>
         </p:spPr>
@@ -18049,7 +19912,7 @@
           </a:effectLst>
           <a:extLst>
             <a:ext uri="{C572A759-6A51-4108-AA02-DFA0A04FC94B}">
-              <ma14:wrappingTextBoxFlag xmlns:ma14="http://schemas.microsoft.com/office/mac/drawingml/2011/main" xmlns:a14="http://schemas.microsoft.com/office/drawing/2010/main" xmlns:m="http://schemas.openxmlformats.org/officeDocument/2006/math" xmlns="" val="1"/>
+              <ma14:wrappingTextBoxFlag xmlns="" xmlns:m="http://schemas.openxmlformats.org/officeDocument/2006/math" xmlns:a14="http://schemas.microsoft.com/office/drawing/2010/main" xmlns:ma14="http://schemas.microsoft.com/office/mac/drawingml/2011/main" val="1"/>
             </a:ext>
           </a:extLst>
         </p:spPr>
@@ -18113,7 +19976,7 @@
           </a:effectLst>
           <a:extLst>
             <a:ext uri="{C572A759-6A51-4108-AA02-DFA0A04FC94B}">
-              <ma14:wrappingTextBoxFlag xmlns:ma14="http://schemas.microsoft.com/office/mac/drawingml/2011/main" xmlns:a14="http://schemas.microsoft.com/office/drawing/2010/main" xmlns:m="http://schemas.openxmlformats.org/officeDocument/2006/math" xmlns="" val="1"/>
+              <ma14:wrappingTextBoxFlag xmlns="" xmlns:m="http://schemas.openxmlformats.org/officeDocument/2006/math" xmlns:a14="http://schemas.microsoft.com/office/drawing/2010/main" xmlns:ma14="http://schemas.microsoft.com/office/mac/drawingml/2011/main" val="1"/>
             </a:ext>
           </a:extLst>
         </p:spPr>
@@ -18177,7 +20040,7 @@
           </a:effectLst>
           <a:extLst>
             <a:ext uri="{C572A759-6A51-4108-AA02-DFA0A04FC94B}">
-              <ma14:wrappingTextBoxFlag xmlns:ma14="http://schemas.microsoft.com/office/mac/drawingml/2011/main" xmlns:a14="http://schemas.microsoft.com/office/drawing/2010/main" xmlns:m="http://schemas.openxmlformats.org/officeDocument/2006/math" xmlns="" val="1"/>
+              <ma14:wrappingTextBoxFlag xmlns="" xmlns:m="http://schemas.openxmlformats.org/officeDocument/2006/math" xmlns:a14="http://schemas.microsoft.com/office/drawing/2010/main" xmlns:ma14="http://schemas.microsoft.com/office/mac/drawingml/2011/main" val="1"/>
             </a:ext>
           </a:extLst>
         </p:spPr>
@@ -18241,7 +20104,7 @@
           </a:effectLst>
           <a:extLst>
             <a:ext uri="{C572A759-6A51-4108-AA02-DFA0A04FC94B}">
-              <ma14:wrappingTextBoxFlag xmlns:ma14="http://schemas.microsoft.com/office/mac/drawingml/2011/main" xmlns:a14="http://schemas.microsoft.com/office/drawing/2010/main" xmlns:m="http://schemas.openxmlformats.org/officeDocument/2006/math" xmlns="" val="1"/>
+              <ma14:wrappingTextBoxFlag xmlns="" xmlns:m="http://schemas.openxmlformats.org/officeDocument/2006/math" xmlns:a14="http://schemas.microsoft.com/office/drawing/2010/main" xmlns:ma14="http://schemas.microsoft.com/office/mac/drawingml/2011/main" val="1"/>
             </a:ext>
           </a:extLst>
         </p:spPr>
@@ -18305,7 +20168,7 @@
           </a:effectLst>
           <a:extLst>
             <a:ext uri="{C572A759-6A51-4108-AA02-DFA0A04FC94B}">
-              <ma14:wrappingTextBoxFlag xmlns:ma14="http://schemas.microsoft.com/office/mac/drawingml/2011/main" xmlns:a14="http://schemas.microsoft.com/office/drawing/2010/main" xmlns:m="http://schemas.openxmlformats.org/officeDocument/2006/math" xmlns="" val="1"/>
+              <ma14:wrappingTextBoxFlag xmlns="" xmlns:m="http://schemas.openxmlformats.org/officeDocument/2006/math" xmlns:a14="http://schemas.microsoft.com/office/drawing/2010/main" xmlns:ma14="http://schemas.microsoft.com/office/mac/drawingml/2011/main" val="1"/>
             </a:ext>
           </a:extLst>
         </p:spPr>
@@ -18369,7 +20232,7 @@
           </a:effectLst>
           <a:extLst>
             <a:ext uri="{C572A759-6A51-4108-AA02-DFA0A04FC94B}">
-              <ma14:wrappingTextBoxFlag xmlns:ma14="http://schemas.microsoft.com/office/mac/drawingml/2011/main" xmlns:a14="http://schemas.microsoft.com/office/drawing/2010/main" xmlns:m="http://schemas.openxmlformats.org/officeDocument/2006/math" xmlns="" val="1"/>
+              <ma14:wrappingTextBoxFlag xmlns="" xmlns:m="http://schemas.openxmlformats.org/officeDocument/2006/math" xmlns:a14="http://schemas.microsoft.com/office/drawing/2010/main" xmlns:ma14="http://schemas.microsoft.com/office/mac/drawingml/2011/main" val="1"/>
             </a:ext>
           </a:extLst>
         </p:spPr>
@@ -18438,7 +20301,7 @@
           </a:effectLst>
           <a:extLst>
             <a:ext uri="{C572A759-6A51-4108-AA02-DFA0A04FC94B}">
-              <ma14:wrappingTextBoxFlag xmlns:ma14="http://schemas.microsoft.com/office/mac/drawingml/2011/main" xmlns:a14="http://schemas.microsoft.com/office/drawing/2010/main" xmlns:m="http://schemas.openxmlformats.org/officeDocument/2006/math" xmlns="" val="1"/>
+              <ma14:wrappingTextBoxFlag xmlns="" xmlns:m="http://schemas.openxmlformats.org/officeDocument/2006/math" xmlns:a14="http://schemas.microsoft.com/office/drawing/2010/main" xmlns:ma14="http://schemas.microsoft.com/office/mac/drawingml/2011/main" val="1"/>
             </a:ext>
           </a:extLst>
         </p:spPr>
@@ -18515,7 +20378,7 @@
           </a:effectLst>
           <a:extLst>
             <a:ext uri="{C572A759-6A51-4108-AA02-DFA0A04FC94B}">
-              <ma14:wrappingTextBoxFlag xmlns:ma14="http://schemas.microsoft.com/office/mac/drawingml/2011/main" xmlns:a14="http://schemas.microsoft.com/office/drawing/2010/main" xmlns:m="http://schemas.openxmlformats.org/officeDocument/2006/math" xmlns="" val="1"/>
+              <ma14:wrappingTextBoxFlag xmlns="" xmlns:m="http://schemas.openxmlformats.org/officeDocument/2006/math" xmlns:a14="http://schemas.microsoft.com/office/drawing/2010/main" xmlns:ma14="http://schemas.microsoft.com/office/mac/drawingml/2011/main" val="1"/>
             </a:ext>
           </a:extLst>
         </p:spPr>
@@ -18646,7 +20509,7 @@
         <p:wipe dir="u"/>
       </p:transition>
     </mc:Choice>
-    <mc:Fallback xmlns:a14="http://schemas.microsoft.com/office/drawing/2010/main" xmlns:m="http://schemas.openxmlformats.org/officeDocument/2006/math" xmlns="">
+    <mc:Fallback xmlns="" xmlns:m="http://schemas.openxmlformats.org/officeDocument/2006/math" xmlns:a14="http://schemas.microsoft.com/office/drawing/2010/main">
       <p:transition spd="med">
         <p:fade/>
       </p:transition>
@@ -19606,7 +21469,7 @@
           </a:effectLst>
           <a:extLst>
             <a:ext uri="{C572A759-6A51-4108-AA02-DFA0A04FC94B}">
-              <ma14:wrappingTextBoxFlag xmlns:ma14="http://schemas.microsoft.com/office/mac/drawingml/2011/main" xmlns:a14="http://schemas.microsoft.com/office/drawing/2010/main" xmlns:m="http://schemas.openxmlformats.org/officeDocument/2006/math" xmlns="" val="1"/>
+              <ma14:wrappingTextBoxFlag xmlns="" xmlns:m="http://schemas.openxmlformats.org/officeDocument/2006/math" xmlns:a14="http://schemas.microsoft.com/office/drawing/2010/main" xmlns:ma14="http://schemas.microsoft.com/office/mac/drawingml/2011/main" val="1"/>
             </a:ext>
           </a:extLst>
         </p:spPr>
@@ -19673,7 +21536,7 @@
           </a:effectLst>
           <a:extLst>
             <a:ext uri="{C572A759-6A51-4108-AA02-DFA0A04FC94B}">
-              <ma14:wrappingTextBoxFlag xmlns:ma14="http://schemas.microsoft.com/office/mac/drawingml/2011/main" xmlns:a14="http://schemas.microsoft.com/office/drawing/2010/main" xmlns:m="http://schemas.openxmlformats.org/officeDocument/2006/math" xmlns="" val="1"/>
+              <ma14:wrappingTextBoxFlag xmlns="" xmlns:m="http://schemas.openxmlformats.org/officeDocument/2006/math" xmlns:a14="http://schemas.microsoft.com/office/drawing/2010/main" xmlns:ma14="http://schemas.microsoft.com/office/mac/drawingml/2011/main" val="1"/>
             </a:ext>
           </a:extLst>
         </p:spPr>
@@ -19740,7 +21603,7 @@
           </a:effectLst>
           <a:extLst>
             <a:ext uri="{C572A759-6A51-4108-AA02-DFA0A04FC94B}">
-              <ma14:wrappingTextBoxFlag xmlns:ma14="http://schemas.microsoft.com/office/mac/drawingml/2011/main" xmlns:a14="http://schemas.microsoft.com/office/drawing/2010/main" xmlns:m="http://schemas.openxmlformats.org/officeDocument/2006/math" xmlns="" val="1"/>
+              <ma14:wrappingTextBoxFlag xmlns="" xmlns:m="http://schemas.openxmlformats.org/officeDocument/2006/math" xmlns:a14="http://schemas.microsoft.com/office/drawing/2010/main" xmlns:ma14="http://schemas.microsoft.com/office/mac/drawingml/2011/main" val="1"/>
             </a:ext>
           </a:extLst>
         </p:spPr>
@@ -19807,7 +21670,7 @@
           </a:effectLst>
           <a:extLst>
             <a:ext uri="{C572A759-6A51-4108-AA02-DFA0A04FC94B}">
-              <ma14:wrappingTextBoxFlag xmlns:ma14="http://schemas.microsoft.com/office/mac/drawingml/2011/main" xmlns:a14="http://schemas.microsoft.com/office/drawing/2010/main" xmlns:m="http://schemas.openxmlformats.org/officeDocument/2006/math" xmlns="" val="1"/>
+              <ma14:wrappingTextBoxFlag xmlns="" xmlns:m="http://schemas.openxmlformats.org/officeDocument/2006/math" xmlns:a14="http://schemas.microsoft.com/office/drawing/2010/main" xmlns:ma14="http://schemas.microsoft.com/office/mac/drawingml/2011/main" val="1"/>
             </a:ext>
           </a:extLst>
         </p:spPr>
@@ -19874,7 +21737,7 @@
           </a:effectLst>
           <a:extLst>
             <a:ext uri="{C572A759-6A51-4108-AA02-DFA0A04FC94B}">
-              <ma14:wrappingTextBoxFlag xmlns:ma14="http://schemas.microsoft.com/office/mac/drawingml/2011/main" xmlns:a14="http://schemas.microsoft.com/office/drawing/2010/main" xmlns:m="http://schemas.openxmlformats.org/officeDocument/2006/math" xmlns="" val="1"/>
+              <ma14:wrappingTextBoxFlag xmlns="" xmlns:m="http://schemas.openxmlformats.org/officeDocument/2006/math" xmlns:a14="http://schemas.microsoft.com/office/drawing/2010/main" xmlns:ma14="http://schemas.microsoft.com/office/mac/drawingml/2011/main" val="1"/>
             </a:ext>
           </a:extLst>
         </p:spPr>
@@ -19941,7 +21804,7 @@
           </a:effectLst>
           <a:extLst>
             <a:ext uri="{C572A759-6A51-4108-AA02-DFA0A04FC94B}">
-              <ma14:wrappingTextBoxFlag xmlns:ma14="http://schemas.microsoft.com/office/mac/drawingml/2011/main" xmlns:a14="http://schemas.microsoft.com/office/drawing/2010/main" xmlns:m="http://schemas.openxmlformats.org/officeDocument/2006/math" xmlns="" val="1"/>
+              <ma14:wrappingTextBoxFlag xmlns="" xmlns:m="http://schemas.openxmlformats.org/officeDocument/2006/math" xmlns:a14="http://schemas.microsoft.com/office/drawing/2010/main" xmlns:ma14="http://schemas.microsoft.com/office/mac/drawingml/2011/main" val="1"/>
             </a:ext>
           </a:extLst>
         </p:spPr>
@@ -20008,7 +21871,7 @@
           </a:effectLst>
           <a:extLst>
             <a:ext uri="{C572A759-6A51-4108-AA02-DFA0A04FC94B}">
-              <ma14:wrappingTextBoxFlag xmlns:ma14="http://schemas.microsoft.com/office/mac/drawingml/2011/main" xmlns:a14="http://schemas.microsoft.com/office/drawing/2010/main" xmlns:m="http://schemas.openxmlformats.org/officeDocument/2006/math" xmlns="" val="1"/>
+              <ma14:wrappingTextBoxFlag xmlns="" xmlns:m="http://schemas.openxmlformats.org/officeDocument/2006/math" xmlns:a14="http://schemas.microsoft.com/office/drawing/2010/main" xmlns:ma14="http://schemas.microsoft.com/office/mac/drawingml/2011/main" val="1"/>
             </a:ext>
           </a:extLst>
         </p:spPr>
@@ -20075,7 +21938,7 @@
           </a:effectLst>
           <a:extLst>
             <a:ext uri="{C572A759-6A51-4108-AA02-DFA0A04FC94B}">
-              <ma14:wrappingTextBoxFlag xmlns:ma14="http://schemas.microsoft.com/office/mac/drawingml/2011/main" xmlns:a14="http://schemas.microsoft.com/office/drawing/2010/main" xmlns:m="http://schemas.openxmlformats.org/officeDocument/2006/math" xmlns="" val="1"/>
+              <ma14:wrappingTextBoxFlag xmlns="" xmlns:m="http://schemas.openxmlformats.org/officeDocument/2006/math" xmlns:a14="http://schemas.microsoft.com/office/drawing/2010/main" xmlns:ma14="http://schemas.microsoft.com/office/mac/drawingml/2011/main" val="1"/>
             </a:ext>
           </a:extLst>
         </p:spPr>
@@ -20142,7 +22005,7 @@
           </a:effectLst>
           <a:extLst>
             <a:ext uri="{C572A759-6A51-4108-AA02-DFA0A04FC94B}">
-              <ma14:wrappingTextBoxFlag xmlns:ma14="http://schemas.microsoft.com/office/mac/drawingml/2011/main" xmlns:a14="http://schemas.microsoft.com/office/drawing/2010/main" xmlns:m="http://schemas.openxmlformats.org/officeDocument/2006/math" xmlns="" val="1"/>
+              <ma14:wrappingTextBoxFlag xmlns="" xmlns:m="http://schemas.openxmlformats.org/officeDocument/2006/math" xmlns:a14="http://schemas.microsoft.com/office/drawing/2010/main" xmlns:ma14="http://schemas.microsoft.com/office/mac/drawingml/2011/main" val="1"/>
             </a:ext>
           </a:extLst>
         </p:spPr>
@@ -20209,7 +22072,7 @@
           </a:effectLst>
           <a:extLst>
             <a:ext uri="{C572A759-6A51-4108-AA02-DFA0A04FC94B}">
-              <ma14:wrappingTextBoxFlag xmlns:ma14="http://schemas.microsoft.com/office/mac/drawingml/2011/main" xmlns:a14="http://schemas.microsoft.com/office/drawing/2010/main" xmlns:m="http://schemas.openxmlformats.org/officeDocument/2006/math" xmlns="" val="1"/>
+              <ma14:wrappingTextBoxFlag xmlns="" xmlns:m="http://schemas.openxmlformats.org/officeDocument/2006/math" xmlns:a14="http://schemas.microsoft.com/office/drawing/2010/main" xmlns:ma14="http://schemas.microsoft.com/office/mac/drawingml/2011/main" val="1"/>
             </a:ext>
           </a:extLst>
         </p:spPr>
@@ -20276,7 +22139,7 @@
           </a:effectLst>
           <a:extLst>
             <a:ext uri="{C572A759-6A51-4108-AA02-DFA0A04FC94B}">
-              <ma14:wrappingTextBoxFlag xmlns:ma14="http://schemas.microsoft.com/office/mac/drawingml/2011/main" xmlns:a14="http://schemas.microsoft.com/office/drawing/2010/main" xmlns:m="http://schemas.openxmlformats.org/officeDocument/2006/math" xmlns="" val="1"/>
+              <ma14:wrappingTextBoxFlag xmlns="" xmlns:m="http://schemas.openxmlformats.org/officeDocument/2006/math" xmlns:a14="http://schemas.microsoft.com/office/drawing/2010/main" xmlns:ma14="http://schemas.microsoft.com/office/mac/drawingml/2011/main" val="1"/>
             </a:ext>
           </a:extLst>
         </p:spPr>
@@ -20455,7 +22318,7 @@
           </a:effectLst>
           <a:extLst>
             <a:ext uri="{C572A759-6A51-4108-AA02-DFA0A04FC94B}">
-              <ma14:wrappingTextBoxFlag xmlns:ma14="http://schemas.microsoft.com/office/mac/drawingml/2011/main" xmlns:a14="http://schemas.microsoft.com/office/drawing/2010/main" xmlns:m="http://schemas.openxmlformats.org/officeDocument/2006/math" xmlns="" val="1"/>
+              <ma14:wrappingTextBoxFlag xmlns="" xmlns:m="http://schemas.openxmlformats.org/officeDocument/2006/math" xmlns:a14="http://schemas.microsoft.com/office/drawing/2010/main" xmlns:ma14="http://schemas.microsoft.com/office/mac/drawingml/2011/main" val="1"/>
             </a:ext>
           </a:extLst>
         </p:spPr>
@@ -20532,7 +22395,7 @@
           </a:effectLst>
           <a:extLst>
             <a:ext uri="{C572A759-6A51-4108-AA02-DFA0A04FC94B}">
-              <ma14:wrappingTextBoxFlag xmlns:ma14="http://schemas.microsoft.com/office/mac/drawingml/2011/main" xmlns:a14="http://schemas.microsoft.com/office/drawing/2010/main" xmlns:m="http://schemas.openxmlformats.org/officeDocument/2006/math" xmlns="" val="1"/>
+              <ma14:wrappingTextBoxFlag xmlns="" xmlns:m="http://schemas.openxmlformats.org/officeDocument/2006/math" xmlns:a14="http://schemas.microsoft.com/office/drawing/2010/main" xmlns:ma14="http://schemas.microsoft.com/office/mac/drawingml/2011/main" val="1"/>
             </a:ext>
           </a:extLst>
         </p:spPr>
@@ -20596,7 +22459,7 @@
           </a:effectLst>
           <a:extLst>
             <a:ext uri="{C572A759-6A51-4108-AA02-DFA0A04FC94B}">
-              <ma14:wrappingTextBoxFlag xmlns:ma14="http://schemas.microsoft.com/office/mac/drawingml/2011/main" xmlns:a14="http://schemas.microsoft.com/office/drawing/2010/main" xmlns:m="http://schemas.openxmlformats.org/officeDocument/2006/math" xmlns="" val="1"/>
+              <ma14:wrappingTextBoxFlag xmlns="" xmlns:m="http://schemas.openxmlformats.org/officeDocument/2006/math" xmlns:a14="http://schemas.microsoft.com/office/drawing/2010/main" xmlns:ma14="http://schemas.microsoft.com/office/mac/drawingml/2011/main" val="1"/>
             </a:ext>
           </a:extLst>
         </p:spPr>
@@ -20660,7 +22523,7 @@
           </a:effectLst>
           <a:extLst>
             <a:ext uri="{C572A759-6A51-4108-AA02-DFA0A04FC94B}">
-              <ma14:wrappingTextBoxFlag xmlns:ma14="http://schemas.microsoft.com/office/mac/drawingml/2011/main" xmlns:a14="http://schemas.microsoft.com/office/drawing/2010/main" xmlns:m="http://schemas.openxmlformats.org/officeDocument/2006/math" xmlns="" val="1"/>
+              <ma14:wrappingTextBoxFlag xmlns="" xmlns:m="http://schemas.openxmlformats.org/officeDocument/2006/math" xmlns:a14="http://schemas.microsoft.com/office/drawing/2010/main" xmlns:ma14="http://schemas.microsoft.com/office/mac/drawingml/2011/main" val="1"/>
             </a:ext>
           </a:extLst>
         </p:spPr>
@@ -20724,7 +22587,7 @@
           </a:effectLst>
           <a:extLst>
             <a:ext uri="{C572A759-6A51-4108-AA02-DFA0A04FC94B}">
-              <ma14:wrappingTextBoxFlag xmlns:ma14="http://schemas.microsoft.com/office/mac/drawingml/2011/main" xmlns:a14="http://schemas.microsoft.com/office/drawing/2010/main" xmlns:m="http://schemas.openxmlformats.org/officeDocument/2006/math" xmlns="" val="1"/>
+              <ma14:wrappingTextBoxFlag xmlns="" xmlns:m="http://schemas.openxmlformats.org/officeDocument/2006/math" xmlns:a14="http://schemas.microsoft.com/office/drawing/2010/main" xmlns:ma14="http://schemas.microsoft.com/office/mac/drawingml/2011/main" val="1"/>
             </a:ext>
           </a:extLst>
         </p:spPr>
@@ -20788,7 +22651,7 @@
           </a:effectLst>
           <a:extLst>
             <a:ext uri="{C572A759-6A51-4108-AA02-DFA0A04FC94B}">
-              <ma14:wrappingTextBoxFlag xmlns:ma14="http://schemas.microsoft.com/office/mac/drawingml/2011/main" xmlns:a14="http://schemas.microsoft.com/office/drawing/2010/main" xmlns:m="http://schemas.openxmlformats.org/officeDocument/2006/math" xmlns="" val="1"/>
+              <ma14:wrappingTextBoxFlag xmlns="" xmlns:m="http://schemas.openxmlformats.org/officeDocument/2006/math" xmlns:a14="http://schemas.microsoft.com/office/drawing/2010/main" xmlns:ma14="http://schemas.microsoft.com/office/mac/drawingml/2011/main" val="1"/>
             </a:ext>
           </a:extLst>
         </p:spPr>
@@ -20852,7 +22715,7 @@
           </a:effectLst>
           <a:extLst>
             <a:ext uri="{C572A759-6A51-4108-AA02-DFA0A04FC94B}">
-              <ma14:wrappingTextBoxFlag xmlns:ma14="http://schemas.microsoft.com/office/mac/drawingml/2011/main" xmlns:a14="http://schemas.microsoft.com/office/drawing/2010/main" xmlns:m="http://schemas.openxmlformats.org/officeDocument/2006/math" xmlns="" val="1"/>
+              <ma14:wrappingTextBoxFlag xmlns="" xmlns:m="http://schemas.openxmlformats.org/officeDocument/2006/math" xmlns:a14="http://schemas.microsoft.com/office/drawing/2010/main" xmlns:ma14="http://schemas.microsoft.com/office/mac/drawingml/2011/main" val="1"/>
             </a:ext>
           </a:extLst>
         </p:spPr>
@@ -20916,7 +22779,7 @@
           </a:effectLst>
           <a:extLst>
             <a:ext uri="{C572A759-6A51-4108-AA02-DFA0A04FC94B}">
-              <ma14:wrappingTextBoxFlag xmlns:ma14="http://schemas.microsoft.com/office/mac/drawingml/2011/main" xmlns:a14="http://schemas.microsoft.com/office/drawing/2010/main" xmlns:m="http://schemas.openxmlformats.org/officeDocument/2006/math" xmlns="" val="1"/>
+              <ma14:wrappingTextBoxFlag xmlns="" xmlns:m="http://schemas.openxmlformats.org/officeDocument/2006/math" xmlns:a14="http://schemas.microsoft.com/office/drawing/2010/main" xmlns:ma14="http://schemas.microsoft.com/office/mac/drawingml/2011/main" val="1"/>
             </a:ext>
           </a:extLst>
         </p:spPr>
@@ -20985,7 +22848,7 @@
           </a:effectLst>
           <a:extLst>
             <a:ext uri="{C572A759-6A51-4108-AA02-DFA0A04FC94B}">
-              <ma14:wrappingTextBoxFlag xmlns:ma14="http://schemas.microsoft.com/office/mac/drawingml/2011/main" xmlns:a14="http://schemas.microsoft.com/office/drawing/2010/main" xmlns:m="http://schemas.openxmlformats.org/officeDocument/2006/math" xmlns="" val="1"/>
+              <ma14:wrappingTextBoxFlag xmlns="" xmlns:m="http://schemas.openxmlformats.org/officeDocument/2006/math" xmlns:a14="http://schemas.microsoft.com/office/drawing/2010/main" xmlns:ma14="http://schemas.microsoft.com/office/mac/drawingml/2011/main" val="1"/>
             </a:ext>
           </a:extLst>
         </p:spPr>
@@ -21062,7 +22925,7 @@
           </a:effectLst>
           <a:extLst>
             <a:ext uri="{C572A759-6A51-4108-AA02-DFA0A04FC94B}">
-              <ma14:wrappingTextBoxFlag xmlns:ma14="http://schemas.microsoft.com/office/mac/drawingml/2011/main" xmlns:a14="http://schemas.microsoft.com/office/drawing/2010/main" xmlns:m="http://schemas.openxmlformats.org/officeDocument/2006/math" xmlns="" val="1"/>
+              <ma14:wrappingTextBoxFlag xmlns="" xmlns:m="http://schemas.openxmlformats.org/officeDocument/2006/math" xmlns:a14="http://schemas.microsoft.com/office/drawing/2010/main" xmlns:ma14="http://schemas.microsoft.com/office/mac/drawingml/2011/main" val="1"/>
             </a:ext>
           </a:extLst>
         </p:spPr>
@@ -21131,7 +22994,7 @@
           </a:effectLst>
           <a:extLst>
             <a:ext uri="{C572A759-6A51-4108-AA02-DFA0A04FC94B}">
-              <ma14:wrappingTextBoxFlag xmlns:ma14="http://schemas.microsoft.com/office/mac/drawingml/2011/main" xmlns:a14="http://schemas.microsoft.com/office/drawing/2010/main" xmlns:m="http://schemas.openxmlformats.org/officeDocument/2006/math" xmlns="" val="1"/>
+              <ma14:wrappingTextBoxFlag xmlns="" xmlns:m="http://schemas.openxmlformats.org/officeDocument/2006/math" xmlns:a14="http://schemas.microsoft.com/office/drawing/2010/main" xmlns:ma14="http://schemas.microsoft.com/office/mac/drawingml/2011/main" val="1"/>
             </a:ext>
           </a:extLst>
         </p:spPr>
@@ -21208,7 +23071,7 @@
           </a:effectLst>
           <a:extLst>
             <a:ext uri="{C572A759-6A51-4108-AA02-DFA0A04FC94B}">
-              <ma14:wrappingTextBoxFlag xmlns:ma14="http://schemas.microsoft.com/office/mac/drawingml/2011/main" xmlns:a14="http://schemas.microsoft.com/office/drawing/2010/main" xmlns:m="http://schemas.openxmlformats.org/officeDocument/2006/math" xmlns="" val="1"/>
+              <ma14:wrappingTextBoxFlag xmlns="" xmlns:m="http://schemas.openxmlformats.org/officeDocument/2006/math" xmlns:a14="http://schemas.microsoft.com/office/drawing/2010/main" xmlns:ma14="http://schemas.microsoft.com/office/mac/drawingml/2011/main" val="1"/>
             </a:ext>
           </a:extLst>
         </p:spPr>
@@ -21272,7 +23135,7 @@
           </a:effectLst>
           <a:extLst>
             <a:ext uri="{C572A759-6A51-4108-AA02-DFA0A04FC94B}">
-              <ma14:wrappingTextBoxFlag xmlns:ma14="http://schemas.microsoft.com/office/mac/drawingml/2011/main" xmlns:a14="http://schemas.microsoft.com/office/drawing/2010/main" xmlns:m="http://schemas.openxmlformats.org/officeDocument/2006/math" xmlns="" val="1"/>
+              <ma14:wrappingTextBoxFlag xmlns="" xmlns:m="http://schemas.openxmlformats.org/officeDocument/2006/math" xmlns:a14="http://schemas.microsoft.com/office/drawing/2010/main" xmlns:ma14="http://schemas.microsoft.com/office/mac/drawingml/2011/main" val="1"/>
             </a:ext>
           </a:extLst>
         </p:spPr>
@@ -21403,7 +23266,7 @@
         <p:wipe dir="u"/>
       </p:transition>
     </mc:Choice>
-    <mc:Fallback xmlns:a14="http://schemas.microsoft.com/office/drawing/2010/main" xmlns:m="http://schemas.openxmlformats.org/officeDocument/2006/math" xmlns="">
+    <mc:Fallback xmlns="" xmlns:m="http://schemas.openxmlformats.org/officeDocument/2006/math" xmlns:a14="http://schemas.microsoft.com/office/drawing/2010/main">
       <p:transition spd="med">
         <p:fade/>
       </p:transition>
@@ -22230,7 +24093,7 @@
           </a:effectLst>
           <a:extLst>
             <a:ext uri="{C572A759-6A51-4108-AA02-DFA0A04FC94B}">
-              <ma14:wrappingTextBoxFlag xmlns:ma14="http://schemas.microsoft.com/office/mac/drawingml/2011/main" xmlns:a14="http://schemas.microsoft.com/office/drawing/2010/main" xmlns:m="http://schemas.openxmlformats.org/officeDocument/2006/math" xmlns="" val="1"/>
+              <ma14:wrappingTextBoxFlag xmlns="" xmlns:m="http://schemas.openxmlformats.org/officeDocument/2006/math" xmlns:a14="http://schemas.microsoft.com/office/drawing/2010/main" xmlns:ma14="http://schemas.microsoft.com/office/mac/drawingml/2011/main" val="1"/>
             </a:ext>
           </a:extLst>
         </p:spPr>
@@ -22297,7 +24160,7 @@
           </a:effectLst>
           <a:extLst>
             <a:ext uri="{C572A759-6A51-4108-AA02-DFA0A04FC94B}">
-              <ma14:wrappingTextBoxFlag xmlns:ma14="http://schemas.microsoft.com/office/mac/drawingml/2011/main" xmlns:a14="http://schemas.microsoft.com/office/drawing/2010/main" xmlns:m="http://schemas.openxmlformats.org/officeDocument/2006/math" xmlns="" val="1"/>
+              <ma14:wrappingTextBoxFlag xmlns="" xmlns:m="http://schemas.openxmlformats.org/officeDocument/2006/math" xmlns:a14="http://schemas.microsoft.com/office/drawing/2010/main" xmlns:ma14="http://schemas.microsoft.com/office/mac/drawingml/2011/main" val="1"/>
             </a:ext>
           </a:extLst>
         </p:spPr>
@@ -22364,7 +24227,7 @@
           </a:effectLst>
           <a:extLst>
             <a:ext uri="{C572A759-6A51-4108-AA02-DFA0A04FC94B}">
-              <ma14:wrappingTextBoxFlag xmlns:ma14="http://schemas.microsoft.com/office/mac/drawingml/2011/main" xmlns:a14="http://schemas.microsoft.com/office/drawing/2010/main" xmlns:m="http://schemas.openxmlformats.org/officeDocument/2006/math" xmlns="" val="1"/>
+              <ma14:wrappingTextBoxFlag xmlns="" xmlns:m="http://schemas.openxmlformats.org/officeDocument/2006/math" xmlns:a14="http://schemas.microsoft.com/office/drawing/2010/main" xmlns:ma14="http://schemas.microsoft.com/office/mac/drawingml/2011/main" val="1"/>
             </a:ext>
           </a:extLst>
         </p:spPr>
@@ -22431,7 +24294,7 @@
           </a:effectLst>
           <a:extLst>
             <a:ext uri="{C572A759-6A51-4108-AA02-DFA0A04FC94B}">
-              <ma14:wrappingTextBoxFlag xmlns:ma14="http://schemas.microsoft.com/office/mac/drawingml/2011/main" xmlns:a14="http://schemas.microsoft.com/office/drawing/2010/main" xmlns:m="http://schemas.openxmlformats.org/officeDocument/2006/math" xmlns="" val="1"/>
+              <ma14:wrappingTextBoxFlag xmlns="" xmlns:m="http://schemas.openxmlformats.org/officeDocument/2006/math" xmlns:a14="http://schemas.microsoft.com/office/drawing/2010/main" xmlns:ma14="http://schemas.microsoft.com/office/mac/drawingml/2011/main" val="1"/>
             </a:ext>
           </a:extLst>
         </p:spPr>
@@ -22498,7 +24361,7 @@
           </a:effectLst>
           <a:extLst>
             <a:ext uri="{C572A759-6A51-4108-AA02-DFA0A04FC94B}">
-              <ma14:wrappingTextBoxFlag xmlns:ma14="http://schemas.microsoft.com/office/mac/drawingml/2011/main" xmlns:a14="http://schemas.microsoft.com/office/drawing/2010/main" xmlns:m="http://schemas.openxmlformats.org/officeDocument/2006/math" xmlns="" val="1"/>
+              <ma14:wrappingTextBoxFlag xmlns="" xmlns:m="http://schemas.openxmlformats.org/officeDocument/2006/math" xmlns:a14="http://schemas.microsoft.com/office/drawing/2010/main" xmlns:ma14="http://schemas.microsoft.com/office/mac/drawingml/2011/main" val="1"/>
             </a:ext>
           </a:extLst>
         </p:spPr>
@@ -22565,7 +24428,7 @@
           </a:effectLst>
           <a:extLst>
             <a:ext uri="{C572A759-6A51-4108-AA02-DFA0A04FC94B}">
-              <ma14:wrappingTextBoxFlag xmlns:ma14="http://schemas.microsoft.com/office/mac/drawingml/2011/main" xmlns:a14="http://schemas.microsoft.com/office/drawing/2010/main" xmlns:m="http://schemas.openxmlformats.org/officeDocument/2006/math" xmlns="" val="1"/>
+              <ma14:wrappingTextBoxFlag xmlns="" xmlns:m="http://schemas.openxmlformats.org/officeDocument/2006/math" xmlns:a14="http://schemas.microsoft.com/office/drawing/2010/main" xmlns:ma14="http://schemas.microsoft.com/office/mac/drawingml/2011/main" val="1"/>
             </a:ext>
           </a:extLst>
         </p:spPr>
@@ -22632,7 +24495,7 @@
           </a:effectLst>
           <a:extLst>
             <a:ext uri="{C572A759-6A51-4108-AA02-DFA0A04FC94B}">
-              <ma14:wrappingTextBoxFlag xmlns:ma14="http://schemas.microsoft.com/office/mac/drawingml/2011/main" xmlns:a14="http://schemas.microsoft.com/office/drawing/2010/main" xmlns:m="http://schemas.openxmlformats.org/officeDocument/2006/math" xmlns="" val="1"/>
+              <ma14:wrappingTextBoxFlag xmlns="" xmlns:m="http://schemas.openxmlformats.org/officeDocument/2006/math" xmlns:a14="http://schemas.microsoft.com/office/drawing/2010/main" xmlns:ma14="http://schemas.microsoft.com/office/mac/drawingml/2011/main" val="1"/>
             </a:ext>
           </a:extLst>
         </p:spPr>
@@ -22699,7 +24562,7 @@
           </a:effectLst>
           <a:extLst>
             <a:ext uri="{C572A759-6A51-4108-AA02-DFA0A04FC94B}">
-              <ma14:wrappingTextBoxFlag xmlns:ma14="http://schemas.microsoft.com/office/mac/drawingml/2011/main" xmlns:a14="http://schemas.microsoft.com/office/drawing/2010/main" xmlns:m="http://schemas.openxmlformats.org/officeDocument/2006/math" xmlns="" val="1"/>
+              <ma14:wrappingTextBoxFlag xmlns="" xmlns:m="http://schemas.openxmlformats.org/officeDocument/2006/math" xmlns:a14="http://schemas.microsoft.com/office/drawing/2010/main" xmlns:ma14="http://schemas.microsoft.com/office/mac/drawingml/2011/main" val="1"/>
             </a:ext>
           </a:extLst>
         </p:spPr>
@@ -22766,7 +24629,7 @@
           </a:effectLst>
           <a:extLst>
             <a:ext uri="{C572A759-6A51-4108-AA02-DFA0A04FC94B}">
-              <ma14:wrappingTextBoxFlag xmlns:ma14="http://schemas.microsoft.com/office/mac/drawingml/2011/main" xmlns:a14="http://schemas.microsoft.com/office/drawing/2010/main" xmlns:m="http://schemas.openxmlformats.org/officeDocument/2006/math" xmlns="" val="1"/>
+              <ma14:wrappingTextBoxFlag xmlns="" xmlns:m="http://schemas.openxmlformats.org/officeDocument/2006/math" xmlns:a14="http://schemas.microsoft.com/office/drawing/2010/main" xmlns:ma14="http://schemas.microsoft.com/office/mac/drawingml/2011/main" val="1"/>
             </a:ext>
           </a:extLst>
         </p:spPr>
@@ -22833,7 +24696,7 @@
           </a:effectLst>
           <a:extLst>
             <a:ext uri="{C572A759-6A51-4108-AA02-DFA0A04FC94B}">
-              <ma14:wrappingTextBoxFlag xmlns:ma14="http://schemas.microsoft.com/office/mac/drawingml/2011/main" xmlns:a14="http://schemas.microsoft.com/office/drawing/2010/main" xmlns:m="http://schemas.openxmlformats.org/officeDocument/2006/math" xmlns="" val="1"/>
+              <ma14:wrappingTextBoxFlag xmlns="" xmlns:m="http://schemas.openxmlformats.org/officeDocument/2006/math" xmlns:a14="http://schemas.microsoft.com/office/drawing/2010/main" xmlns:ma14="http://schemas.microsoft.com/office/mac/drawingml/2011/main" val="1"/>
             </a:ext>
           </a:extLst>
         </p:spPr>
@@ -22900,7 +24763,7 @@
           </a:effectLst>
           <a:extLst>
             <a:ext uri="{C572A759-6A51-4108-AA02-DFA0A04FC94B}">
-              <ma14:wrappingTextBoxFlag xmlns:ma14="http://schemas.microsoft.com/office/mac/drawingml/2011/main" xmlns:a14="http://schemas.microsoft.com/office/drawing/2010/main" xmlns:m="http://schemas.openxmlformats.org/officeDocument/2006/math" xmlns="" val="1"/>
+              <ma14:wrappingTextBoxFlag xmlns="" xmlns:m="http://schemas.openxmlformats.org/officeDocument/2006/math" xmlns:a14="http://schemas.microsoft.com/office/drawing/2010/main" xmlns:ma14="http://schemas.microsoft.com/office/mac/drawingml/2011/main" val="1"/>
             </a:ext>
           </a:extLst>
         </p:spPr>
@@ -23079,7 +24942,7 @@
           </a:effectLst>
           <a:extLst>
             <a:ext uri="{C572A759-6A51-4108-AA02-DFA0A04FC94B}">
-              <ma14:wrappingTextBoxFlag xmlns:ma14="http://schemas.microsoft.com/office/mac/drawingml/2011/main" xmlns:a14="http://schemas.microsoft.com/office/drawing/2010/main" xmlns:m="http://schemas.openxmlformats.org/officeDocument/2006/math" xmlns="" val="1"/>
+              <ma14:wrappingTextBoxFlag xmlns="" xmlns:m="http://schemas.openxmlformats.org/officeDocument/2006/math" xmlns:a14="http://schemas.microsoft.com/office/drawing/2010/main" xmlns:ma14="http://schemas.microsoft.com/office/mac/drawingml/2011/main" val="1"/>
             </a:ext>
           </a:extLst>
         </p:spPr>
@@ -23156,7 +25019,7 @@
           </a:effectLst>
           <a:extLst>
             <a:ext uri="{C572A759-6A51-4108-AA02-DFA0A04FC94B}">
-              <ma14:wrappingTextBoxFlag xmlns:ma14="http://schemas.microsoft.com/office/mac/drawingml/2011/main" xmlns:a14="http://schemas.microsoft.com/office/drawing/2010/main" xmlns:m="http://schemas.openxmlformats.org/officeDocument/2006/math" xmlns="" val="1"/>
+              <ma14:wrappingTextBoxFlag xmlns="" xmlns:m="http://schemas.openxmlformats.org/officeDocument/2006/math" xmlns:a14="http://schemas.microsoft.com/office/drawing/2010/main" xmlns:ma14="http://schemas.microsoft.com/office/mac/drawingml/2011/main" val="1"/>
             </a:ext>
           </a:extLst>
         </p:spPr>
@@ -23220,7 +25083,7 @@
           </a:effectLst>
           <a:extLst>
             <a:ext uri="{C572A759-6A51-4108-AA02-DFA0A04FC94B}">
-              <ma14:wrappingTextBoxFlag xmlns:ma14="http://schemas.microsoft.com/office/mac/drawingml/2011/main" xmlns:a14="http://schemas.microsoft.com/office/drawing/2010/main" xmlns:m="http://schemas.openxmlformats.org/officeDocument/2006/math" xmlns="" val="1"/>
+              <ma14:wrappingTextBoxFlag xmlns="" xmlns:m="http://schemas.openxmlformats.org/officeDocument/2006/math" xmlns:a14="http://schemas.microsoft.com/office/drawing/2010/main" xmlns:ma14="http://schemas.microsoft.com/office/mac/drawingml/2011/main" val="1"/>
             </a:ext>
           </a:extLst>
         </p:spPr>
@@ -23284,7 +25147,7 @@
           </a:effectLst>
           <a:extLst>
             <a:ext uri="{C572A759-6A51-4108-AA02-DFA0A04FC94B}">
-              <ma14:wrappingTextBoxFlag xmlns:ma14="http://schemas.microsoft.com/office/mac/drawingml/2011/main" xmlns:a14="http://schemas.microsoft.com/office/drawing/2010/main" xmlns:m="http://schemas.openxmlformats.org/officeDocument/2006/math" xmlns="" val="1"/>
+              <ma14:wrappingTextBoxFlag xmlns="" xmlns:m="http://schemas.openxmlformats.org/officeDocument/2006/math" xmlns:a14="http://schemas.microsoft.com/office/drawing/2010/main" xmlns:ma14="http://schemas.microsoft.com/office/mac/drawingml/2011/main" val="1"/>
             </a:ext>
           </a:extLst>
         </p:spPr>
@@ -23348,7 +25211,7 @@
           </a:effectLst>
           <a:extLst>
             <a:ext uri="{C572A759-6A51-4108-AA02-DFA0A04FC94B}">
-              <ma14:wrappingTextBoxFlag xmlns:ma14="http://schemas.microsoft.com/office/mac/drawingml/2011/main" xmlns:a14="http://schemas.microsoft.com/office/drawing/2010/main" xmlns:m="http://schemas.openxmlformats.org/officeDocument/2006/math" xmlns="" val="1"/>
+              <ma14:wrappingTextBoxFlag xmlns="" xmlns:m="http://schemas.openxmlformats.org/officeDocument/2006/math" xmlns:a14="http://schemas.microsoft.com/office/drawing/2010/main" xmlns:ma14="http://schemas.microsoft.com/office/mac/drawingml/2011/main" val="1"/>
             </a:ext>
           </a:extLst>
         </p:spPr>
@@ -23412,7 +25275,7 @@
           </a:effectLst>
           <a:extLst>
             <a:ext uri="{C572A759-6A51-4108-AA02-DFA0A04FC94B}">
-              <ma14:wrappingTextBoxFlag xmlns:ma14="http://schemas.microsoft.com/office/mac/drawingml/2011/main" xmlns:a14="http://schemas.microsoft.com/office/drawing/2010/main" xmlns:m="http://schemas.openxmlformats.org/officeDocument/2006/math" xmlns="" val="1"/>
+              <ma14:wrappingTextBoxFlag xmlns="" xmlns:m="http://schemas.openxmlformats.org/officeDocument/2006/math" xmlns:a14="http://schemas.microsoft.com/office/drawing/2010/main" xmlns:ma14="http://schemas.microsoft.com/office/mac/drawingml/2011/main" val="1"/>
             </a:ext>
           </a:extLst>
         </p:spPr>
@@ -23476,7 +25339,7 @@
           </a:effectLst>
           <a:extLst>
             <a:ext uri="{C572A759-6A51-4108-AA02-DFA0A04FC94B}">
-              <ma14:wrappingTextBoxFlag xmlns:ma14="http://schemas.microsoft.com/office/mac/drawingml/2011/main" xmlns:a14="http://schemas.microsoft.com/office/drawing/2010/main" xmlns:m="http://schemas.openxmlformats.org/officeDocument/2006/math" xmlns="" val="1"/>
+              <ma14:wrappingTextBoxFlag xmlns="" xmlns:m="http://schemas.openxmlformats.org/officeDocument/2006/math" xmlns:a14="http://schemas.microsoft.com/office/drawing/2010/main" xmlns:ma14="http://schemas.microsoft.com/office/mac/drawingml/2011/main" val="1"/>
             </a:ext>
           </a:extLst>
         </p:spPr>
@@ -23540,7 +25403,7 @@
           </a:effectLst>
           <a:extLst>
             <a:ext uri="{C572A759-6A51-4108-AA02-DFA0A04FC94B}">
-              <ma14:wrappingTextBoxFlag xmlns:ma14="http://schemas.microsoft.com/office/mac/drawingml/2011/main" xmlns:a14="http://schemas.microsoft.com/office/drawing/2010/main" xmlns:m="http://schemas.openxmlformats.org/officeDocument/2006/math" xmlns="" val="1"/>
+              <ma14:wrappingTextBoxFlag xmlns="" xmlns:m="http://schemas.openxmlformats.org/officeDocument/2006/math" xmlns:a14="http://schemas.microsoft.com/office/drawing/2010/main" xmlns:ma14="http://schemas.microsoft.com/office/mac/drawingml/2011/main" val="1"/>
             </a:ext>
           </a:extLst>
         </p:spPr>
@@ -23609,7 +25472,7 @@
           </a:effectLst>
           <a:extLst>
             <a:ext uri="{C572A759-6A51-4108-AA02-DFA0A04FC94B}">
-              <ma14:wrappingTextBoxFlag xmlns:ma14="http://schemas.microsoft.com/office/mac/drawingml/2011/main" xmlns:a14="http://schemas.microsoft.com/office/drawing/2010/main" xmlns:m="http://schemas.openxmlformats.org/officeDocument/2006/math" xmlns="" val="1"/>
+              <ma14:wrappingTextBoxFlag xmlns="" xmlns:m="http://schemas.openxmlformats.org/officeDocument/2006/math" xmlns:a14="http://schemas.microsoft.com/office/drawing/2010/main" xmlns:ma14="http://schemas.microsoft.com/office/mac/drawingml/2011/main" val="1"/>
             </a:ext>
           </a:extLst>
         </p:spPr>
@@ -23686,7 +25549,7 @@
           </a:effectLst>
           <a:extLst>
             <a:ext uri="{C572A759-6A51-4108-AA02-DFA0A04FC94B}">
-              <ma14:wrappingTextBoxFlag xmlns:ma14="http://schemas.microsoft.com/office/mac/drawingml/2011/main" xmlns:a14="http://schemas.microsoft.com/office/drawing/2010/main" xmlns:m="http://schemas.openxmlformats.org/officeDocument/2006/math" xmlns="" val="1"/>
+              <ma14:wrappingTextBoxFlag xmlns="" xmlns:m="http://schemas.openxmlformats.org/officeDocument/2006/math" xmlns:a14="http://schemas.microsoft.com/office/drawing/2010/main" xmlns:ma14="http://schemas.microsoft.com/office/mac/drawingml/2011/main" val="1"/>
             </a:ext>
           </a:extLst>
         </p:spPr>
@@ -23755,7 +25618,7 @@
           </a:effectLst>
           <a:extLst>
             <a:ext uri="{C572A759-6A51-4108-AA02-DFA0A04FC94B}">
-              <ma14:wrappingTextBoxFlag xmlns:ma14="http://schemas.microsoft.com/office/mac/drawingml/2011/main" xmlns:a14="http://schemas.microsoft.com/office/drawing/2010/main" xmlns:m="http://schemas.openxmlformats.org/officeDocument/2006/math" xmlns="" val="1"/>
+              <ma14:wrappingTextBoxFlag xmlns="" xmlns:m="http://schemas.openxmlformats.org/officeDocument/2006/math" xmlns:a14="http://schemas.microsoft.com/office/drawing/2010/main" xmlns:ma14="http://schemas.microsoft.com/office/mac/drawingml/2011/main" val="1"/>
             </a:ext>
           </a:extLst>
         </p:spPr>
@@ -23832,7 +25695,7 @@
           </a:effectLst>
           <a:extLst>
             <a:ext uri="{C572A759-6A51-4108-AA02-DFA0A04FC94B}">
-              <ma14:wrappingTextBoxFlag xmlns:ma14="http://schemas.microsoft.com/office/mac/drawingml/2011/main" xmlns:a14="http://schemas.microsoft.com/office/drawing/2010/main" xmlns:m="http://schemas.openxmlformats.org/officeDocument/2006/math" xmlns="" val="1"/>
+              <ma14:wrappingTextBoxFlag xmlns="" xmlns:m="http://schemas.openxmlformats.org/officeDocument/2006/math" xmlns:a14="http://schemas.microsoft.com/office/drawing/2010/main" xmlns:ma14="http://schemas.microsoft.com/office/mac/drawingml/2011/main" val="1"/>
             </a:ext>
           </a:extLst>
         </p:spPr>
@@ -23896,7 +25759,7 @@
           </a:effectLst>
           <a:extLst>
             <a:ext uri="{C572A759-6A51-4108-AA02-DFA0A04FC94B}">
-              <ma14:wrappingTextBoxFlag xmlns:ma14="http://schemas.microsoft.com/office/mac/drawingml/2011/main" xmlns:a14="http://schemas.microsoft.com/office/drawing/2010/main" xmlns:m="http://schemas.openxmlformats.org/officeDocument/2006/math" xmlns="" val="1"/>
+              <ma14:wrappingTextBoxFlag xmlns="" xmlns:m="http://schemas.openxmlformats.org/officeDocument/2006/math" xmlns:a14="http://schemas.microsoft.com/office/drawing/2010/main" xmlns:ma14="http://schemas.microsoft.com/office/mac/drawingml/2011/main" val="1"/>
             </a:ext>
           </a:extLst>
         </p:spPr>
@@ -23965,7 +25828,7 @@
           </a:effectLst>
           <a:extLst>
             <a:ext uri="{C572A759-6A51-4108-AA02-DFA0A04FC94B}">
-              <ma14:wrappingTextBoxFlag xmlns:ma14="http://schemas.microsoft.com/office/mac/drawingml/2011/main" xmlns:a14="http://schemas.microsoft.com/office/drawing/2010/main" xmlns:m="http://schemas.openxmlformats.org/officeDocument/2006/math" xmlns="" val="1"/>
+              <ma14:wrappingTextBoxFlag xmlns="" xmlns:m="http://schemas.openxmlformats.org/officeDocument/2006/math" xmlns:a14="http://schemas.microsoft.com/office/drawing/2010/main" xmlns:ma14="http://schemas.microsoft.com/office/mac/drawingml/2011/main" val="1"/>
             </a:ext>
           </a:extLst>
         </p:spPr>
@@ -24042,7 +25905,7 @@
           </a:effectLst>
           <a:extLst>
             <a:ext uri="{C572A759-6A51-4108-AA02-DFA0A04FC94B}">
-              <ma14:wrappingTextBoxFlag xmlns:ma14="http://schemas.microsoft.com/office/mac/drawingml/2011/main" xmlns:a14="http://schemas.microsoft.com/office/drawing/2010/main" xmlns:m="http://schemas.openxmlformats.org/officeDocument/2006/math" xmlns="" val="1"/>
+              <ma14:wrappingTextBoxFlag xmlns="" xmlns:m="http://schemas.openxmlformats.org/officeDocument/2006/math" xmlns:a14="http://schemas.microsoft.com/office/drawing/2010/main" xmlns:ma14="http://schemas.microsoft.com/office/mac/drawingml/2011/main" val="1"/>
             </a:ext>
           </a:extLst>
         </p:spPr>
@@ -24191,7 +26054,7 @@
           </a:effectLst>
           <a:extLst>
             <a:ext uri="{C572A759-6A51-4108-AA02-DFA0A04FC94B}">
-              <ma14:wrappingTextBoxFlag xmlns:ma14="http://schemas.microsoft.com/office/mac/drawingml/2011/main" xmlns:a14="http://schemas.microsoft.com/office/drawing/2010/main" xmlns:m="http://schemas.openxmlformats.org/officeDocument/2006/math" xmlns="" val="1"/>
+              <ma14:wrappingTextBoxFlag xmlns="" xmlns:m="http://schemas.openxmlformats.org/officeDocument/2006/math" xmlns:a14="http://schemas.microsoft.com/office/drawing/2010/main" xmlns:ma14="http://schemas.microsoft.com/office/mac/drawingml/2011/main" val="1"/>
             </a:ext>
           </a:extLst>
         </p:spPr>
@@ -24237,7 +26100,7 @@
         <p:wipe dir="u"/>
       </p:transition>
     </mc:Choice>
-    <mc:Fallback xmlns:a14="http://schemas.microsoft.com/office/drawing/2010/main" xmlns:m="http://schemas.openxmlformats.org/officeDocument/2006/math" xmlns="">
+    <mc:Fallback xmlns="" xmlns:m="http://schemas.openxmlformats.org/officeDocument/2006/math" xmlns:a14="http://schemas.microsoft.com/office/drawing/2010/main">
       <p:transition spd="med">
         <p:fade/>
       </p:transition>
@@ -25305,7 +27168,7 @@
           </a:effectLst>
           <a:extLst>
             <a:ext uri="{C572A759-6A51-4108-AA02-DFA0A04FC94B}">
-              <ma14:wrappingTextBoxFlag xmlns:ma14="http://schemas.microsoft.com/office/mac/drawingml/2011/main" xmlns:a14="http://schemas.microsoft.com/office/drawing/2010/main" xmlns:m="http://schemas.openxmlformats.org/officeDocument/2006/math" xmlns="" val="1"/>
+              <ma14:wrappingTextBoxFlag xmlns="" xmlns:m="http://schemas.openxmlformats.org/officeDocument/2006/math" xmlns:a14="http://schemas.microsoft.com/office/drawing/2010/main" xmlns:ma14="http://schemas.microsoft.com/office/mac/drawingml/2011/main" val="1"/>
             </a:ext>
           </a:extLst>
         </p:spPr>
@@ -25374,7 +27237,7 @@
           </a:effectLst>
           <a:extLst>
             <a:ext uri="{C572A759-6A51-4108-AA02-DFA0A04FC94B}">
-              <ma14:wrappingTextBoxFlag xmlns:ma14="http://schemas.microsoft.com/office/mac/drawingml/2011/main" xmlns:a14="http://schemas.microsoft.com/office/drawing/2010/main" xmlns:m="http://schemas.openxmlformats.org/officeDocument/2006/math" xmlns="" val="1"/>
+              <ma14:wrappingTextBoxFlag xmlns="" xmlns:m="http://schemas.openxmlformats.org/officeDocument/2006/math" xmlns:a14="http://schemas.microsoft.com/office/drawing/2010/main" xmlns:ma14="http://schemas.microsoft.com/office/mac/drawingml/2011/main" val="1"/>
             </a:ext>
           </a:extLst>
         </p:spPr>
@@ -25443,7 +27306,7 @@
           </a:effectLst>
           <a:extLst>
             <a:ext uri="{C572A759-6A51-4108-AA02-DFA0A04FC94B}">
-              <ma14:wrappingTextBoxFlag xmlns:ma14="http://schemas.microsoft.com/office/mac/drawingml/2011/main" xmlns:a14="http://schemas.microsoft.com/office/drawing/2010/main" xmlns:m="http://schemas.openxmlformats.org/officeDocument/2006/math" xmlns="" val="1"/>
+              <ma14:wrappingTextBoxFlag xmlns="" xmlns:m="http://schemas.openxmlformats.org/officeDocument/2006/math" xmlns:a14="http://schemas.microsoft.com/office/drawing/2010/main" xmlns:ma14="http://schemas.microsoft.com/office/mac/drawingml/2011/main" val="1"/>
             </a:ext>
           </a:extLst>
         </p:spPr>
@@ -25512,7 +27375,7 @@
           </a:effectLst>
           <a:extLst>
             <a:ext uri="{C572A759-6A51-4108-AA02-DFA0A04FC94B}">
-              <ma14:wrappingTextBoxFlag xmlns:ma14="http://schemas.microsoft.com/office/mac/drawingml/2011/main" xmlns:a14="http://schemas.microsoft.com/office/drawing/2010/main" xmlns:m="http://schemas.openxmlformats.org/officeDocument/2006/math" xmlns="" val="1"/>
+              <ma14:wrappingTextBoxFlag xmlns="" xmlns:m="http://schemas.openxmlformats.org/officeDocument/2006/math" xmlns:a14="http://schemas.microsoft.com/office/drawing/2010/main" xmlns:ma14="http://schemas.microsoft.com/office/mac/drawingml/2011/main" val="1"/>
             </a:ext>
           </a:extLst>
         </p:spPr>
@@ -25581,7 +27444,7 @@
           </a:effectLst>
           <a:extLst>
             <a:ext uri="{C572A759-6A51-4108-AA02-DFA0A04FC94B}">
-              <ma14:wrappingTextBoxFlag xmlns:ma14="http://schemas.microsoft.com/office/mac/drawingml/2011/main" xmlns:a14="http://schemas.microsoft.com/office/drawing/2010/main" xmlns:m="http://schemas.openxmlformats.org/officeDocument/2006/math" xmlns="" val="1"/>
+              <ma14:wrappingTextBoxFlag xmlns="" xmlns:m="http://schemas.openxmlformats.org/officeDocument/2006/math" xmlns:a14="http://schemas.microsoft.com/office/drawing/2010/main" xmlns:ma14="http://schemas.microsoft.com/office/mac/drawingml/2011/main" val="1"/>
             </a:ext>
           </a:extLst>
         </p:spPr>
@@ -25650,7 +27513,7 @@
           </a:effectLst>
           <a:extLst>
             <a:ext uri="{C572A759-6A51-4108-AA02-DFA0A04FC94B}">
-              <ma14:wrappingTextBoxFlag xmlns:ma14="http://schemas.microsoft.com/office/mac/drawingml/2011/main" xmlns:a14="http://schemas.microsoft.com/office/drawing/2010/main" xmlns:m="http://schemas.openxmlformats.org/officeDocument/2006/math" xmlns="" val="1"/>
+              <ma14:wrappingTextBoxFlag xmlns="" xmlns:m="http://schemas.openxmlformats.org/officeDocument/2006/math" xmlns:a14="http://schemas.microsoft.com/office/drawing/2010/main" xmlns:ma14="http://schemas.microsoft.com/office/mac/drawingml/2011/main" val="1"/>
             </a:ext>
           </a:extLst>
         </p:spPr>
@@ -25719,7 +27582,7 @@
           </a:effectLst>
           <a:extLst>
             <a:ext uri="{C572A759-6A51-4108-AA02-DFA0A04FC94B}">
-              <ma14:wrappingTextBoxFlag xmlns:ma14="http://schemas.microsoft.com/office/mac/drawingml/2011/main" xmlns:a14="http://schemas.microsoft.com/office/drawing/2010/main" xmlns:m="http://schemas.openxmlformats.org/officeDocument/2006/math" xmlns="" val="1"/>
+              <ma14:wrappingTextBoxFlag xmlns="" xmlns:m="http://schemas.openxmlformats.org/officeDocument/2006/math" xmlns:a14="http://schemas.microsoft.com/office/drawing/2010/main" xmlns:ma14="http://schemas.microsoft.com/office/mac/drawingml/2011/main" val="1"/>
             </a:ext>
           </a:extLst>
         </p:spPr>
@@ -25788,7 +27651,7 @@
           </a:effectLst>
           <a:extLst>
             <a:ext uri="{C572A759-6A51-4108-AA02-DFA0A04FC94B}">
-              <ma14:wrappingTextBoxFlag xmlns:ma14="http://schemas.microsoft.com/office/mac/drawingml/2011/main" xmlns:a14="http://schemas.microsoft.com/office/drawing/2010/main" xmlns:m="http://schemas.openxmlformats.org/officeDocument/2006/math" xmlns="" val="1"/>
+              <ma14:wrappingTextBoxFlag xmlns="" xmlns:m="http://schemas.openxmlformats.org/officeDocument/2006/math" xmlns:a14="http://schemas.microsoft.com/office/drawing/2010/main" xmlns:ma14="http://schemas.microsoft.com/office/mac/drawingml/2011/main" val="1"/>
             </a:ext>
           </a:extLst>
         </p:spPr>
@@ -25857,7 +27720,7 @@
           </a:effectLst>
           <a:extLst>
             <a:ext uri="{C572A759-6A51-4108-AA02-DFA0A04FC94B}">
-              <ma14:wrappingTextBoxFlag xmlns:ma14="http://schemas.microsoft.com/office/mac/drawingml/2011/main" xmlns:a14="http://schemas.microsoft.com/office/drawing/2010/main" xmlns:m="http://schemas.openxmlformats.org/officeDocument/2006/math" xmlns="" val="1"/>
+              <ma14:wrappingTextBoxFlag xmlns="" xmlns:m="http://schemas.openxmlformats.org/officeDocument/2006/math" xmlns:a14="http://schemas.microsoft.com/office/drawing/2010/main" xmlns:ma14="http://schemas.microsoft.com/office/mac/drawingml/2011/main" val="1"/>
             </a:ext>
           </a:extLst>
         </p:spPr>
@@ -25926,7 +27789,7 @@
           </a:effectLst>
           <a:extLst>
             <a:ext uri="{C572A759-6A51-4108-AA02-DFA0A04FC94B}">
-              <ma14:wrappingTextBoxFlag xmlns:ma14="http://schemas.microsoft.com/office/mac/drawingml/2011/main" xmlns:a14="http://schemas.microsoft.com/office/drawing/2010/main" xmlns:m="http://schemas.openxmlformats.org/officeDocument/2006/math" xmlns="" val="1"/>
+              <ma14:wrappingTextBoxFlag xmlns="" xmlns:m="http://schemas.openxmlformats.org/officeDocument/2006/math" xmlns:a14="http://schemas.microsoft.com/office/drawing/2010/main" xmlns:ma14="http://schemas.microsoft.com/office/mac/drawingml/2011/main" val="1"/>
             </a:ext>
           </a:extLst>
         </p:spPr>
@@ -25995,7 +27858,7 @@
           </a:effectLst>
           <a:extLst>
             <a:ext uri="{C572A759-6A51-4108-AA02-DFA0A04FC94B}">
-              <ma14:wrappingTextBoxFlag xmlns:ma14="http://schemas.microsoft.com/office/mac/drawingml/2011/main" xmlns:a14="http://schemas.microsoft.com/office/drawing/2010/main" xmlns:m="http://schemas.openxmlformats.org/officeDocument/2006/math" xmlns="" val="1"/>
+              <ma14:wrappingTextBoxFlag xmlns="" xmlns:m="http://schemas.openxmlformats.org/officeDocument/2006/math" xmlns:a14="http://schemas.microsoft.com/office/drawing/2010/main" xmlns:ma14="http://schemas.microsoft.com/office/mac/drawingml/2011/main" val="1"/>
             </a:ext>
           </a:extLst>
         </p:spPr>
@@ -26171,7 +28034,7 @@
           </a:effectLst>
           <a:extLst>
             <a:ext uri="{C572A759-6A51-4108-AA02-DFA0A04FC94B}">
-              <ma14:wrappingTextBoxFlag xmlns:ma14="http://schemas.microsoft.com/office/mac/drawingml/2011/main" xmlns:a14="http://schemas.microsoft.com/office/drawing/2010/main" xmlns:m="http://schemas.openxmlformats.org/officeDocument/2006/math" xmlns="" val="1"/>
+              <ma14:wrappingTextBoxFlag xmlns="" xmlns:m="http://schemas.openxmlformats.org/officeDocument/2006/math" xmlns:a14="http://schemas.microsoft.com/office/drawing/2010/main" xmlns:ma14="http://schemas.microsoft.com/office/mac/drawingml/2011/main" val="1"/>
             </a:ext>
           </a:extLst>
         </p:spPr>
@@ -26237,7 +28100,7 @@
           </a:effectLst>
           <a:extLst>
             <a:ext uri="{C572A759-6A51-4108-AA02-DFA0A04FC94B}">
-              <ma14:wrappingTextBoxFlag xmlns:ma14="http://schemas.microsoft.com/office/mac/drawingml/2011/main" xmlns:a14="http://schemas.microsoft.com/office/drawing/2010/main" xmlns:m="http://schemas.openxmlformats.org/officeDocument/2006/math" xmlns="" val="1"/>
+              <ma14:wrappingTextBoxFlag xmlns="" xmlns:m="http://schemas.openxmlformats.org/officeDocument/2006/math" xmlns:a14="http://schemas.microsoft.com/office/drawing/2010/main" xmlns:ma14="http://schemas.microsoft.com/office/mac/drawingml/2011/main" val="1"/>
             </a:ext>
           </a:extLst>
         </p:spPr>
@@ -26303,7 +28166,7 @@
           </a:effectLst>
           <a:extLst>
             <a:ext uri="{C572A759-6A51-4108-AA02-DFA0A04FC94B}">
-              <ma14:wrappingTextBoxFlag xmlns:ma14="http://schemas.microsoft.com/office/mac/drawingml/2011/main" xmlns:a14="http://schemas.microsoft.com/office/drawing/2010/main" xmlns:m="http://schemas.openxmlformats.org/officeDocument/2006/math" xmlns="" val="1"/>
+              <ma14:wrappingTextBoxFlag xmlns="" xmlns:m="http://schemas.openxmlformats.org/officeDocument/2006/math" xmlns:a14="http://schemas.microsoft.com/office/drawing/2010/main" xmlns:ma14="http://schemas.microsoft.com/office/mac/drawingml/2011/main" val="1"/>
             </a:ext>
           </a:extLst>
         </p:spPr>
@@ -26369,7 +28232,7 @@
           </a:effectLst>
           <a:extLst>
             <a:ext uri="{C572A759-6A51-4108-AA02-DFA0A04FC94B}">
-              <ma14:wrappingTextBoxFlag xmlns:ma14="http://schemas.microsoft.com/office/mac/drawingml/2011/main" xmlns:a14="http://schemas.microsoft.com/office/drawing/2010/main" xmlns:m="http://schemas.openxmlformats.org/officeDocument/2006/math" xmlns="" val="1"/>
+              <ma14:wrappingTextBoxFlag xmlns="" xmlns:m="http://schemas.openxmlformats.org/officeDocument/2006/math" xmlns:a14="http://schemas.microsoft.com/office/drawing/2010/main" xmlns:ma14="http://schemas.microsoft.com/office/mac/drawingml/2011/main" val="1"/>
             </a:ext>
           </a:extLst>
         </p:spPr>
@@ -26435,7 +28298,7 @@
           </a:effectLst>
           <a:extLst>
             <a:ext uri="{C572A759-6A51-4108-AA02-DFA0A04FC94B}">
-              <ma14:wrappingTextBoxFlag xmlns:ma14="http://schemas.microsoft.com/office/mac/drawingml/2011/main" xmlns:a14="http://schemas.microsoft.com/office/drawing/2010/main" xmlns:m="http://schemas.openxmlformats.org/officeDocument/2006/math" xmlns="" val="1"/>
+              <ma14:wrappingTextBoxFlag xmlns="" xmlns:m="http://schemas.openxmlformats.org/officeDocument/2006/math" xmlns:a14="http://schemas.microsoft.com/office/drawing/2010/main" xmlns:ma14="http://schemas.microsoft.com/office/mac/drawingml/2011/main" val="1"/>
             </a:ext>
           </a:extLst>
         </p:spPr>
@@ -26501,7 +28364,7 @@
           </a:effectLst>
           <a:extLst>
             <a:ext uri="{C572A759-6A51-4108-AA02-DFA0A04FC94B}">
-              <ma14:wrappingTextBoxFlag xmlns:ma14="http://schemas.microsoft.com/office/mac/drawingml/2011/main" xmlns:a14="http://schemas.microsoft.com/office/drawing/2010/main" xmlns:m="http://schemas.openxmlformats.org/officeDocument/2006/math" xmlns="" val="1"/>
+              <ma14:wrappingTextBoxFlag xmlns="" xmlns:m="http://schemas.openxmlformats.org/officeDocument/2006/math" xmlns:a14="http://schemas.microsoft.com/office/drawing/2010/main" xmlns:ma14="http://schemas.microsoft.com/office/mac/drawingml/2011/main" val="1"/>
             </a:ext>
           </a:extLst>
         </p:spPr>
@@ -26567,7 +28430,7 @@
           </a:effectLst>
           <a:extLst>
             <a:ext uri="{C572A759-6A51-4108-AA02-DFA0A04FC94B}">
-              <ma14:wrappingTextBoxFlag xmlns:ma14="http://schemas.microsoft.com/office/mac/drawingml/2011/main" xmlns:a14="http://schemas.microsoft.com/office/drawing/2010/main" xmlns:m="http://schemas.openxmlformats.org/officeDocument/2006/math" xmlns="" val="1"/>
+              <ma14:wrappingTextBoxFlag xmlns="" xmlns:m="http://schemas.openxmlformats.org/officeDocument/2006/math" xmlns:a14="http://schemas.microsoft.com/office/drawing/2010/main" xmlns:ma14="http://schemas.microsoft.com/office/mac/drawingml/2011/main" val="1"/>
             </a:ext>
           </a:extLst>
         </p:spPr>
@@ -26633,7 +28496,7 @@
           </a:effectLst>
           <a:extLst>
             <a:ext uri="{C572A759-6A51-4108-AA02-DFA0A04FC94B}">
-              <ma14:wrappingTextBoxFlag xmlns:ma14="http://schemas.microsoft.com/office/mac/drawingml/2011/main" xmlns:a14="http://schemas.microsoft.com/office/drawing/2010/main" xmlns:m="http://schemas.openxmlformats.org/officeDocument/2006/math" xmlns="" val="1"/>
+              <ma14:wrappingTextBoxFlag xmlns="" xmlns:m="http://schemas.openxmlformats.org/officeDocument/2006/math" xmlns:a14="http://schemas.microsoft.com/office/drawing/2010/main" xmlns:ma14="http://schemas.microsoft.com/office/mac/drawingml/2011/main" val="1"/>
             </a:ext>
           </a:extLst>
         </p:spPr>
@@ -26699,7 +28562,7 @@
           </a:effectLst>
           <a:extLst>
             <a:ext uri="{C572A759-6A51-4108-AA02-DFA0A04FC94B}">
-              <ma14:wrappingTextBoxFlag xmlns:ma14="http://schemas.microsoft.com/office/mac/drawingml/2011/main" xmlns:a14="http://schemas.microsoft.com/office/drawing/2010/main" xmlns:m="http://schemas.openxmlformats.org/officeDocument/2006/math" xmlns="" val="1"/>
+              <ma14:wrappingTextBoxFlag xmlns="" xmlns:m="http://schemas.openxmlformats.org/officeDocument/2006/math" xmlns:a14="http://schemas.microsoft.com/office/drawing/2010/main" xmlns:ma14="http://schemas.microsoft.com/office/mac/drawingml/2011/main" val="1"/>
             </a:ext>
           </a:extLst>
         </p:spPr>
@@ -26765,7 +28628,7 @@
           </a:effectLst>
           <a:extLst>
             <a:ext uri="{C572A759-6A51-4108-AA02-DFA0A04FC94B}">
-              <ma14:wrappingTextBoxFlag xmlns:ma14="http://schemas.microsoft.com/office/mac/drawingml/2011/main" xmlns:a14="http://schemas.microsoft.com/office/drawing/2010/main" xmlns:m="http://schemas.openxmlformats.org/officeDocument/2006/math" xmlns="" val="1"/>
+              <ma14:wrappingTextBoxFlag xmlns="" xmlns:m="http://schemas.openxmlformats.org/officeDocument/2006/math" xmlns:a14="http://schemas.microsoft.com/office/drawing/2010/main" xmlns:ma14="http://schemas.microsoft.com/office/mac/drawingml/2011/main" val="1"/>
             </a:ext>
           </a:extLst>
         </p:spPr>
@@ -27065,7 +28928,7 @@
           </a:effectLst>
           <a:extLst>
             <a:ext uri="{C572A759-6A51-4108-AA02-DFA0A04FC94B}">
-              <ma14:wrappingTextBoxFlag xmlns:ma14="http://schemas.microsoft.com/office/mac/drawingml/2011/main" xmlns:a14="http://schemas.microsoft.com/office/drawing/2010/main" xmlns:m="http://schemas.openxmlformats.org/officeDocument/2006/math" xmlns="" val="1"/>
+              <ma14:wrappingTextBoxFlag xmlns="" xmlns:m="http://schemas.openxmlformats.org/officeDocument/2006/math" xmlns:a14="http://schemas.microsoft.com/office/drawing/2010/main" xmlns:ma14="http://schemas.microsoft.com/office/mac/drawingml/2011/main" val="1"/>
             </a:ext>
           </a:extLst>
         </p:spPr>
@@ -27226,7 +29089,7 @@
               <a:effectLst/>
               <a:extLst>
                 <a:ext uri="{C572A759-6A51-4108-AA02-DFA0A04FC94B}">
-                  <ma14:wrappingTextBoxFlag xmlns:ma14="http://schemas.microsoft.com/office/mac/drawingml/2011/main" xmlns:a14="http://schemas.microsoft.com/office/drawing/2010/main" xmlns:m="http://schemas.openxmlformats.org/officeDocument/2006/math" xmlns="" val="1"/>
+                  <ma14:wrappingTextBoxFlag xmlns="" xmlns:m="http://schemas.openxmlformats.org/officeDocument/2006/math" xmlns:a14="http://schemas.microsoft.com/office/drawing/2010/main" xmlns:ma14="http://schemas.microsoft.com/office/mac/drawingml/2011/main" val="1"/>
                 </a:ext>
               </a:extLst>
             </p:spPr>
@@ -27339,7 +29202,7 @@
           </a:prstGeom>
           <a:extLst>
             <a:ext uri="{C572A759-6A51-4108-AA02-DFA0A04FC94B}">
-              <ma14:wrappingTextBoxFlag xmlns:ma14="http://schemas.microsoft.com/office/mac/drawingml/2011/main" xmlns:a14="http://schemas.microsoft.com/office/drawing/2010/main" xmlns:m="http://schemas.openxmlformats.org/officeDocument/2006/math" xmlns="" val="1"/>
+              <ma14:wrappingTextBoxFlag xmlns="" xmlns:m="http://schemas.openxmlformats.org/officeDocument/2006/math" xmlns:a14="http://schemas.microsoft.com/office/drawing/2010/main" xmlns:ma14="http://schemas.microsoft.com/office/mac/drawingml/2011/main" val="1"/>
             </a:ext>
           </a:extLst>
         </p:spPr>
@@ -29348,7 +31211,7 @@
           </a:effectLst>
           <a:extLst>
             <a:ext uri="{C572A759-6A51-4108-AA02-DFA0A04FC94B}">
-              <ma14:wrappingTextBoxFlag xmlns:ma14="http://schemas.microsoft.com/office/mac/drawingml/2011/main" xmlns:a14="http://schemas.microsoft.com/office/drawing/2010/main" xmlns:m="http://schemas.openxmlformats.org/officeDocument/2006/math" xmlns="" val="1"/>
+              <ma14:wrappingTextBoxFlag xmlns="" xmlns:m="http://schemas.openxmlformats.org/officeDocument/2006/math" xmlns:a14="http://schemas.microsoft.com/office/drawing/2010/main" xmlns:ma14="http://schemas.microsoft.com/office/mac/drawingml/2011/main" val="1"/>
             </a:ext>
           </a:extLst>
         </p:spPr>
@@ -29421,7 +31284,7 @@
           </a:effectLst>
           <a:extLst>
             <a:ext uri="{C572A759-6A51-4108-AA02-DFA0A04FC94B}">
-              <ma14:wrappingTextBoxFlag xmlns:ma14="http://schemas.microsoft.com/office/mac/drawingml/2011/main" xmlns:a14="http://schemas.microsoft.com/office/drawing/2010/main" xmlns:m="http://schemas.openxmlformats.org/officeDocument/2006/math" xmlns="" val="1"/>
+              <ma14:wrappingTextBoxFlag xmlns="" xmlns:m="http://schemas.openxmlformats.org/officeDocument/2006/math" xmlns:a14="http://schemas.microsoft.com/office/drawing/2010/main" xmlns:ma14="http://schemas.microsoft.com/office/mac/drawingml/2011/main" val="1"/>
             </a:ext>
           </a:extLst>
         </p:spPr>
@@ -29494,7 +31357,7 @@
           </a:effectLst>
           <a:extLst>
             <a:ext uri="{C572A759-6A51-4108-AA02-DFA0A04FC94B}">
-              <ma14:wrappingTextBoxFlag xmlns:ma14="http://schemas.microsoft.com/office/mac/drawingml/2011/main" xmlns:a14="http://schemas.microsoft.com/office/drawing/2010/main" xmlns:m="http://schemas.openxmlformats.org/officeDocument/2006/math" xmlns="" val="1"/>
+              <ma14:wrappingTextBoxFlag xmlns="" xmlns:m="http://schemas.openxmlformats.org/officeDocument/2006/math" xmlns:a14="http://schemas.microsoft.com/office/drawing/2010/main" xmlns:ma14="http://schemas.microsoft.com/office/mac/drawingml/2011/main" val="1"/>
             </a:ext>
           </a:extLst>
         </p:spPr>
@@ -29567,7 +31430,7 @@
           </a:effectLst>
           <a:extLst>
             <a:ext uri="{C572A759-6A51-4108-AA02-DFA0A04FC94B}">
-              <ma14:wrappingTextBoxFlag xmlns:ma14="http://schemas.microsoft.com/office/mac/drawingml/2011/main" xmlns:a14="http://schemas.microsoft.com/office/drawing/2010/main" xmlns:m="http://schemas.openxmlformats.org/officeDocument/2006/math" xmlns="" val="1"/>
+              <ma14:wrappingTextBoxFlag xmlns="" xmlns:m="http://schemas.openxmlformats.org/officeDocument/2006/math" xmlns:a14="http://schemas.microsoft.com/office/drawing/2010/main" xmlns:ma14="http://schemas.microsoft.com/office/mac/drawingml/2011/main" val="1"/>
             </a:ext>
           </a:extLst>
         </p:spPr>
@@ -29640,7 +31503,7 @@
           </a:effectLst>
           <a:extLst>
             <a:ext uri="{C572A759-6A51-4108-AA02-DFA0A04FC94B}">
-              <ma14:wrappingTextBoxFlag xmlns:ma14="http://schemas.microsoft.com/office/mac/drawingml/2011/main" xmlns:a14="http://schemas.microsoft.com/office/drawing/2010/main" xmlns:m="http://schemas.openxmlformats.org/officeDocument/2006/math" xmlns="" val="1"/>
+              <ma14:wrappingTextBoxFlag xmlns="" xmlns:m="http://schemas.openxmlformats.org/officeDocument/2006/math" xmlns:a14="http://schemas.microsoft.com/office/drawing/2010/main" xmlns:ma14="http://schemas.microsoft.com/office/mac/drawingml/2011/main" val="1"/>
             </a:ext>
           </a:extLst>
         </p:spPr>
@@ -29713,7 +31576,7 @@
           </a:effectLst>
           <a:extLst>
             <a:ext uri="{C572A759-6A51-4108-AA02-DFA0A04FC94B}">
-              <ma14:wrappingTextBoxFlag xmlns:ma14="http://schemas.microsoft.com/office/mac/drawingml/2011/main" xmlns:a14="http://schemas.microsoft.com/office/drawing/2010/main" xmlns:m="http://schemas.openxmlformats.org/officeDocument/2006/math" xmlns="" val="1"/>
+              <ma14:wrappingTextBoxFlag xmlns="" xmlns:m="http://schemas.openxmlformats.org/officeDocument/2006/math" xmlns:a14="http://schemas.microsoft.com/office/drawing/2010/main" xmlns:ma14="http://schemas.microsoft.com/office/mac/drawingml/2011/main" val="1"/>
             </a:ext>
           </a:extLst>
         </p:spPr>
@@ -29786,7 +31649,7 @@
           </a:effectLst>
           <a:extLst>
             <a:ext uri="{C572A759-6A51-4108-AA02-DFA0A04FC94B}">
-              <ma14:wrappingTextBoxFlag xmlns:ma14="http://schemas.microsoft.com/office/mac/drawingml/2011/main" xmlns:a14="http://schemas.microsoft.com/office/drawing/2010/main" xmlns:m="http://schemas.openxmlformats.org/officeDocument/2006/math" xmlns="" val="1"/>
+              <ma14:wrappingTextBoxFlag xmlns="" xmlns:m="http://schemas.openxmlformats.org/officeDocument/2006/math" xmlns:a14="http://schemas.microsoft.com/office/drawing/2010/main" xmlns:ma14="http://schemas.microsoft.com/office/mac/drawingml/2011/main" val="1"/>
             </a:ext>
           </a:extLst>
         </p:spPr>
@@ -29859,7 +31722,7 @@
           </a:effectLst>
           <a:extLst>
             <a:ext uri="{C572A759-6A51-4108-AA02-DFA0A04FC94B}">
-              <ma14:wrappingTextBoxFlag xmlns:ma14="http://schemas.microsoft.com/office/mac/drawingml/2011/main" xmlns:a14="http://schemas.microsoft.com/office/drawing/2010/main" xmlns:m="http://schemas.openxmlformats.org/officeDocument/2006/math" xmlns="" val="1"/>
+              <ma14:wrappingTextBoxFlag xmlns="" xmlns:m="http://schemas.openxmlformats.org/officeDocument/2006/math" xmlns:a14="http://schemas.microsoft.com/office/drawing/2010/main" xmlns:ma14="http://schemas.microsoft.com/office/mac/drawingml/2011/main" val="1"/>
             </a:ext>
           </a:extLst>
         </p:spPr>
@@ -29932,7 +31795,7 @@
           </a:effectLst>
           <a:extLst>
             <a:ext uri="{C572A759-6A51-4108-AA02-DFA0A04FC94B}">
-              <ma14:wrappingTextBoxFlag xmlns:ma14="http://schemas.microsoft.com/office/mac/drawingml/2011/main" xmlns:a14="http://schemas.microsoft.com/office/drawing/2010/main" xmlns:m="http://schemas.openxmlformats.org/officeDocument/2006/math" xmlns="" val="1"/>
+              <ma14:wrappingTextBoxFlag xmlns="" xmlns:m="http://schemas.openxmlformats.org/officeDocument/2006/math" xmlns:a14="http://schemas.microsoft.com/office/drawing/2010/main" xmlns:ma14="http://schemas.microsoft.com/office/mac/drawingml/2011/main" val="1"/>
             </a:ext>
           </a:extLst>
         </p:spPr>
@@ -30005,7 +31868,7 @@
           </a:effectLst>
           <a:extLst>
             <a:ext uri="{C572A759-6A51-4108-AA02-DFA0A04FC94B}">
-              <ma14:wrappingTextBoxFlag xmlns:ma14="http://schemas.microsoft.com/office/mac/drawingml/2011/main" xmlns:a14="http://schemas.microsoft.com/office/drawing/2010/main" xmlns:m="http://schemas.openxmlformats.org/officeDocument/2006/math" xmlns="" val="1"/>
+              <ma14:wrappingTextBoxFlag xmlns="" xmlns:m="http://schemas.openxmlformats.org/officeDocument/2006/math" xmlns:a14="http://schemas.microsoft.com/office/drawing/2010/main" xmlns:ma14="http://schemas.microsoft.com/office/mac/drawingml/2011/main" val="1"/>
             </a:ext>
           </a:extLst>
         </p:spPr>
@@ -30078,7 +31941,7 @@
           </a:effectLst>
           <a:extLst>
             <a:ext uri="{C572A759-6A51-4108-AA02-DFA0A04FC94B}">
-              <ma14:wrappingTextBoxFlag xmlns:ma14="http://schemas.microsoft.com/office/mac/drawingml/2011/main" xmlns:a14="http://schemas.microsoft.com/office/drawing/2010/main" xmlns:m="http://schemas.openxmlformats.org/officeDocument/2006/math" xmlns="" val="1"/>
+              <ma14:wrappingTextBoxFlag xmlns="" xmlns:m="http://schemas.openxmlformats.org/officeDocument/2006/math" xmlns:a14="http://schemas.microsoft.com/office/drawing/2010/main" xmlns:ma14="http://schemas.microsoft.com/office/mac/drawingml/2011/main" val="1"/>
             </a:ext>
           </a:extLst>
         </p:spPr>
@@ -30386,7 +32249,7 @@
           </a:effectLst>
           <a:extLst>
             <a:ext uri="{C572A759-6A51-4108-AA02-DFA0A04FC94B}">
-              <ma14:wrappingTextBoxFlag xmlns:ma14="http://schemas.microsoft.com/office/mac/drawingml/2011/main" xmlns:a14="http://schemas.microsoft.com/office/drawing/2010/main" xmlns:m="http://schemas.openxmlformats.org/officeDocument/2006/math" xmlns="" val="1"/>
+              <ma14:wrappingTextBoxFlag xmlns="" xmlns:m="http://schemas.openxmlformats.org/officeDocument/2006/math" xmlns:a14="http://schemas.microsoft.com/office/drawing/2010/main" xmlns:ma14="http://schemas.microsoft.com/office/mac/drawingml/2011/main" val="1"/>
             </a:ext>
           </a:extLst>
         </p:spPr>
@@ -31031,7 +32894,7 @@
           </a:prstGeom>
           <a:extLst>
             <a:ext uri="{C572A759-6A51-4108-AA02-DFA0A04FC94B}">
-              <ma14:wrappingTextBoxFlag xmlns:ma14="http://schemas.microsoft.com/office/mac/drawingml/2011/main" xmlns:a14="http://schemas.microsoft.com/office/drawing/2010/main" xmlns:m="http://schemas.openxmlformats.org/officeDocument/2006/math" xmlns="" val="1"/>
+              <ma14:wrappingTextBoxFlag xmlns="" xmlns:m="http://schemas.openxmlformats.org/officeDocument/2006/math" xmlns:a14="http://schemas.microsoft.com/office/drawing/2010/main" xmlns:ma14="http://schemas.microsoft.com/office/mac/drawingml/2011/main" val="1"/>
             </a:ext>
           </a:extLst>
         </p:spPr>
@@ -32596,7 +34459,7 @@
           </a:effectLst>
           <a:extLst>
             <a:ext uri="{C572A759-6A51-4108-AA02-DFA0A04FC94B}">
-              <ma14:wrappingTextBoxFlag xmlns:ma14="http://schemas.microsoft.com/office/mac/drawingml/2011/main" xmlns:a14="http://schemas.microsoft.com/office/drawing/2010/main" xmlns:m="http://schemas.openxmlformats.org/officeDocument/2006/math" xmlns="" val="1"/>
+              <ma14:wrappingTextBoxFlag xmlns="" xmlns:m="http://schemas.openxmlformats.org/officeDocument/2006/math" xmlns:a14="http://schemas.microsoft.com/office/drawing/2010/main" xmlns:ma14="http://schemas.microsoft.com/office/mac/drawingml/2011/main" val="1"/>
             </a:ext>
           </a:extLst>
         </p:spPr>
@@ -32669,7 +34532,7 @@
           </a:effectLst>
           <a:extLst>
             <a:ext uri="{C572A759-6A51-4108-AA02-DFA0A04FC94B}">
-              <ma14:wrappingTextBoxFlag xmlns:ma14="http://schemas.microsoft.com/office/mac/drawingml/2011/main" xmlns:a14="http://schemas.microsoft.com/office/drawing/2010/main" xmlns:m="http://schemas.openxmlformats.org/officeDocument/2006/math" xmlns="" val="1"/>
+              <ma14:wrappingTextBoxFlag xmlns="" xmlns:m="http://schemas.openxmlformats.org/officeDocument/2006/math" xmlns:a14="http://schemas.microsoft.com/office/drawing/2010/main" xmlns:ma14="http://schemas.microsoft.com/office/mac/drawingml/2011/main" val="1"/>
             </a:ext>
           </a:extLst>
         </p:spPr>
@@ -32742,7 +34605,7 @@
           </a:effectLst>
           <a:extLst>
             <a:ext uri="{C572A759-6A51-4108-AA02-DFA0A04FC94B}">
-              <ma14:wrappingTextBoxFlag xmlns:ma14="http://schemas.microsoft.com/office/mac/drawingml/2011/main" xmlns:a14="http://schemas.microsoft.com/office/drawing/2010/main" xmlns:m="http://schemas.openxmlformats.org/officeDocument/2006/math" xmlns="" val="1"/>
+              <ma14:wrappingTextBoxFlag xmlns="" xmlns:m="http://schemas.openxmlformats.org/officeDocument/2006/math" xmlns:a14="http://schemas.microsoft.com/office/drawing/2010/main" xmlns:ma14="http://schemas.microsoft.com/office/mac/drawingml/2011/main" val="1"/>
             </a:ext>
           </a:extLst>
         </p:spPr>
@@ -32815,7 +34678,7 @@
           </a:effectLst>
           <a:extLst>
             <a:ext uri="{C572A759-6A51-4108-AA02-DFA0A04FC94B}">
-              <ma14:wrappingTextBoxFlag xmlns:ma14="http://schemas.microsoft.com/office/mac/drawingml/2011/main" xmlns:a14="http://schemas.microsoft.com/office/drawing/2010/main" xmlns:m="http://schemas.openxmlformats.org/officeDocument/2006/math" xmlns="" val="1"/>
+              <ma14:wrappingTextBoxFlag xmlns="" xmlns:m="http://schemas.openxmlformats.org/officeDocument/2006/math" xmlns:a14="http://schemas.microsoft.com/office/drawing/2010/main" xmlns:ma14="http://schemas.microsoft.com/office/mac/drawingml/2011/main" val="1"/>
             </a:ext>
           </a:extLst>
         </p:spPr>
@@ -32888,7 +34751,7 @@
           </a:effectLst>
           <a:extLst>
             <a:ext uri="{C572A759-6A51-4108-AA02-DFA0A04FC94B}">
-              <ma14:wrappingTextBoxFlag xmlns:ma14="http://schemas.microsoft.com/office/mac/drawingml/2011/main" xmlns:a14="http://schemas.microsoft.com/office/drawing/2010/main" xmlns:m="http://schemas.openxmlformats.org/officeDocument/2006/math" xmlns="" val="1"/>
+              <ma14:wrappingTextBoxFlag xmlns="" xmlns:m="http://schemas.openxmlformats.org/officeDocument/2006/math" xmlns:a14="http://schemas.microsoft.com/office/drawing/2010/main" xmlns:ma14="http://schemas.microsoft.com/office/mac/drawingml/2011/main" val="1"/>
             </a:ext>
           </a:extLst>
         </p:spPr>
@@ -32961,7 +34824,7 @@
           </a:effectLst>
           <a:extLst>
             <a:ext uri="{C572A759-6A51-4108-AA02-DFA0A04FC94B}">
-              <ma14:wrappingTextBoxFlag xmlns:ma14="http://schemas.microsoft.com/office/mac/drawingml/2011/main" xmlns:a14="http://schemas.microsoft.com/office/drawing/2010/main" xmlns:m="http://schemas.openxmlformats.org/officeDocument/2006/math" xmlns="" val="1"/>
+              <ma14:wrappingTextBoxFlag xmlns="" xmlns:m="http://schemas.openxmlformats.org/officeDocument/2006/math" xmlns:a14="http://schemas.microsoft.com/office/drawing/2010/main" xmlns:ma14="http://schemas.microsoft.com/office/mac/drawingml/2011/main" val="1"/>
             </a:ext>
           </a:extLst>
         </p:spPr>
@@ -33034,7 +34897,7 @@
           </a:effectLst>
           <a:extLst>
             <a:ext uri="{C572A759-6A51-4108-AA02-DFA0A04FC94B}">
-              <ma14:wrappingTextBoxFlag xmlns:ma14="http://schemas.microsoft.com/office/mac/drawingml/2011/main" xmlns:a14="http://schemas.microsoft.com/office/drawing/2010/main" xmlns:m="http://schemas.openxmlformats.org/officeDocument/2006/math" xmlns="" val="1"/>
+              <ma14:wrappingTextBoxFlag xmlns="" xmlns:m="http://schemas.openxmlformats.org/officeDocument/2006/math" xmlns:a14="http://schemas.microsoft.com/office/drawing/2010/main" xmlns:ma14="http://schemas.microsoft.com/office/mac/drawingml/2011/main" val="1"/>
             </a:ext>
           </a:extLst>
         </p:spPr>
@@ -33107,7 +34970,7 @@
           </a:effectLst>
           <a:extLst>
             <a:ext uri="{C572A759-6A51-4108-AA02-DFA0A04FC94B}">
-              <ma14:wrappingTextBoxFlag xmlns:ma14="http://schemas.microsoft.com/office/mac/drawingml/2011/main" xmlns:a14="http://schemas.microsoft.com/office/drawing/2010/main" xmlns:m="http://schemas.openxmlformats.org/officeDocument/2006/math" xmlns="" val="1"/>
+              <ma14:wrappingTextBoxFlag xmlns="" xmlns:m="http://schemas.openxmlformats.org/officeDocument/2006/math" xmlns:a14="http://schemas.microsoft.com/office/drawing/2010/main" xmlns:ma14="http://schemas.microsoft.com/office/mac/drawingml/2011/main" val="1"/>
             </a:ext>
           </a:extLst>
         </p:spPr>
@@ -33180,7 +35043,7 @@
           </a:effectLst>
           <a:extLst>
             <a:ext uri="{C572A759-6A51-4108-AA02-DFA0A04FC94B}">
-              <ma14:wrappingTextBoxFlag xmlns:ma14="http://schemas.microsoft.com/office/mac/drawingml/2011/main" xmlns:a14="http://schemas.microsoft.com/office/drawing/2010/main" xmlns:m="http://schemas.openxmlformats.org/officeDocument/2006/math" xmlns="" val="1"/>
+              <ma14:wrappingTextBoxFlag xmlns="" xmlns:m="http://schemas.openxmlformats.org/officeDocument/2006/math" xmlns:a14="http://schemas.microsoft.com/office/drawing/2010/main" xmlns:ma14="http://schemas.microsoft.com/office/mac/drawingml/2011/main" val="1"/>
             </a:ext>
           </a:extLst>
         </p:spPr>
@@ -33253,7 +35116,7 @@
           </a:effectLst>
           <a:extLst>
             <a:ext uri="{C572A759-6A51-4108-AA02-DFA0A04FC94B}">
-              <ma14:wrappingTextBoxFlag xmlns:ma14="http://schemas.microsoft.com/office/mac/drawingml/2011/main" xmlns:a14="http://schemas.microsoft.com/office/drawing/2010/main" xmlns:m="http://schemas.openxmlformats.org/officeDocument/2006/math" xmlns="" val="1"/>
+              <ma14:wrappingTextBoxFlag xmlns="" xmlns:m="http://schemas.openxmlformats.org/officeDocument/2006/math" xmlns:a14="http://schemas.microsoft.com/office/drawing/2010/main" xmlns:ma14="http://schemas.microsoft.com/office/mac/drawingml/2011/main" val="1"/>
             </a:ext>
           </a:extLst>
         </p:spPr>
@@ -33326,7 +35189,7 @@
           </a:effectLst>
           <a:extLst>
             <a:ext uri="{C572A759-6A51-4108-AA02-DFA0A04FC94B}">
-              <ma14:wrappingTextBoxFlag xmlns:ma14="http://schemas.microsoft.com/office/mac/drawingml/2011/main" xmlns:a14="http://schemas.microsoft.com/office/drawing/2010/main" xmlns:m="http://schemas.openxmlformats.org/officeDocument/2006/math" xmlns="" val="1"/>
+              <ma14:wrappingTextBoxFlag xmlns="" xmlns:m="http://schemas.openxmlformats.org/officeDocument/2006/math" xmlns:a14="http://schemas.microsoft.com/office/drawing/2010/main" xmlns:ma14="http://schemas.microsoft.com/office/mac/drawingml/2011/main" val="1"/>
             </a:ext>
           </a:extLst>
         </p:spPr>
@@ -33732,7 +35595,7 @@
           </a:effectLst>
           <a:extLst>
             <a:ext uri="{C572A759-6A51-4108-AA02-DFA0A04FC94B}">
-              <ma14:wrappingTextBoxFlag xmlns:ma14="http://schemas.microsoft.com/office/mac/drawingml/2011/main" xmlns:a14="http://schemas.microsoft.com/office/drawing/2010/main" xmlns:m="http://schemas.openxmlformats.org/officeDocument/2006/math" xmlns="" val="1"/>
+              <ma14:wrappingTextBoxFlag xmlns="" xmlns:m="http://schemas.openxmlformats.org/officeDocument/2006/math" xmlns:a14="http://schemas.microsoft.com/office/drawing/2010/main" xmlns:ma14="http://schemas.microsoft.com/office/mac/drawingml/2011/main" val="1"/>
             </a:ext>
           </a:extLst>
         </p:spPr>
@@ -34449,7 +36312,7 @@
             <a:effectLst/>
             <a:extLst>
               <a:ext uri="{C572A759-6A51-4108-AA02-DFA0A04FC94B}">
-                <ma14:wrappingTextBoxFlag xmlns:ma14="http://schemas.microsoft.com/office/mac/drawingml/2011/main" xmlns:a14="http://schemas.microsoft.com/office/drawing/2010/main" xmlns:m="http://schemas.openxmlformats.org/officeDocument/2006/math" xmlns="" val="1"/>
+                <ma14:wrappingTextBoxFlag xmlns="" xmlns:m="http://schemas.openxmlformats.org/officeDocument/2006/math" xmlns:a14="http://schemas.microsoft.com/office/drawing/2010/main" xmlns:ma14="http://schemas.microsoft.com/office/mac/drawingml/2011/main" val="1"/>
               </a:ext>
             </a:extLst>
           </p:spPr>
@@ -34574,7 +36437,7 @@
             <a:effectLst/>
             <a:extLst>
               <a:ext uri="{C572A759-6A51-4108-AA02-DFA0A04FC94B}">
-                <ma14:wrappingTextBoxFlag xmlns:ma14="http://schemas.microsoft.com/office/mac/drawingml/2011/main" xmlns:a14="http://schemas.microsoft.com/office/drawing/2010/main" xmlns:m="http://schemas.openxmlformats.org/officeDocument/2006/math" xmlns="" val="1"/>
+                <ma14:wrappingTextBoxFlag xmlns="" xmlns:m="http://schemas.openxmlformats.org/officeDocument/2006/math" xmlns:a14="http://schemas.microsoft.com/office/drawing/2010/main" xmlns:ma14="http://schemas.microsoft.com/office/mac/drawingml/2011/main" val="1"/>
               </a:ext>
             </a:extLst>
           </p:spPr>
@@ -34699,7 +36562,7 @@
             <a:effectLst/>
             <a:extLst>
               <a:ext uri="{C572A759-6A51-4108-AA02-DFA0A04FC94B}">
-                <ma14:wrappingTextBoxFlag xmlns:ma14="http://schemas.microsoft.com/office/mac/drawingml/2011/main" xmlns:a14="http://schemas.microsoft.com/office/drawing/2010/main" xmlns:m="http://schemas.openxmlformats.org/officeDocument/2006/math" xmlns="" val="1"/>
+                <ma14:wrappingTextBoxFlag xmlns="" xmlns:m="http://schemas.openxmlformats.org/officeDocument/2006/math" xmlns:a14="http://schemas.microsoft.com/office/drawing/2010/main" xmlns:ma14="http://schemas.microsoft.com/office/mac/drawingml/2011/main" val="1"/>
               </a:ext>
             </a:extLst>
           </p:spPr>
@@ -34824,7 +36687,7 @@
             <a:effectLst/>
             <a:extLst>
               <a:ext uri="{C572A759-6A51-4108-AA02-DFA0A04FC94B}">
-                <ma14:wrappingTextBoxFlag xmlns:ma14="http://schemas.microsoft.com/office/mac/drawingml/2011/main" xmlns:a14="http://schemas.microsoft.com/office/drawing/2010/main" xmlns:m="http://schemas.openxmlformats.org/officeDocument/2006/math" xmlns="" val="1"/>
+                <ma14:wrappingTextBoxFlag xmlns="" xmlns:m="http://schemas.openxmlformats.org/officeDocument/2006/math" xmlns:a14="http://schemas.microsoft.com/office/drawing/2010/main" xmlns:ma14="http://schemas.microsoft.com/office/mac/drawingml/2011/main" val="1"/>
               </a:ext>
             </a:extLst>
           </p:spPr>
@@ -34949,7 +36812,7 @@
             <a:effectLst/>
             <a:extLst>
               <a:ext uri="{C572A759-6A51-4108-AA02-DFA0A04FC94B}">
-                <ma14:wrappingTextBoxFlag xmlns:ma14="http://schemas.microsoft.com/office/mac/drawingml/2011/main" xmlns:a14="http://schemas.microsoft.com/office/drawing/2010/main" xmlns:m="http://schemas.openxmlformats.org/officeDocument/2006/math" xmlns="" val="1"/>
+                <ma14:wrappingTextBoxFlag xmlns="" xmlns:m="http://schemas.openxmlformats.org/officeDocument/2006/math" xmlns:a14="http://schemas.microsoft.com/office/drawing/2010/main" xmlns:ma14="http://schemas.microsoft.com/office/mac/drawingml/2011/main" val="1"/>
               </a:ext>
             </a:extLst>
           </p:spPr>
@@ -35074,7 +36937,7 @@
             <a:effectLst/>
             <a:extLst>
               <a:ext uri="{C572A759-6A51-4108-AA02-DFA0A04FC94B}">
-                <ma14:wrappingTextBoxFlag xmlns:ma14="http://schemas.microsoft.com/office/mac/drawingml/2011/main" xmlns:a14="http://schemas.microsoft.com/office/drawing/2010/main" xmlns:m="http://schemas.openxmlformats.org/officeDocument/2006/math" xmlns="" val="1"/>
+                <ma14:wrappingTextBoxFlag xmlns="" xmlns:m="http://schemas.openxmlformats.org/officeDocument/2006/math" xmlns:a14="http://schemas.microsoft.com/office/drawing/2010/main" xmlns:ma14="http://schemas.microsoft.com/office/mac/drawingml/2011/main" val="1"/>
               </a:ext>
             </a:extLst>
           </p:spPr>
@@ -35199,7 +37062,7 @@
             <a:effectLst/>
             <a:extLst>
               <a:ext uri="{C572A759-6A51-4108-AA02-DFA0A04FC94B}">
-                <ma14:wrappingTextBoxFlag xmlns:ma14="http://schemas.microsoft.com/office/mac/drawingml/2011/main" xmlns:a14="http://schemas.microsoft.com/office/drawing/2010/main" xmlns:m="http://schemas.openxmlformats.org/officeDocument/2006/math" xmlns="" val="1"/>
+                <ma14:wrappingTextBoxFlag xmlns="" xmlns:m="http://schemas.openxmlformats.org/officeDocument/2006/math" xmlns:a14="http://schemas.microsoft.com/office/drawing/2010/main" xmlns:ma14="http://schemas.microsoft.com/office/mac/drawingml/2011/main" val="1"/>
               </a:ext>
             </a:extLst>
           </p:spPr>
@@ -35252,7 +37115,7 @@
           </a:prstGeom>
           <a:extLst>
             <a:ext uri="{C572A759-6A51-4108-AA02-DFA0A04FC94B}">
-              <ma14:wrappingTextBoxFlag xmlns:ma14="http://schemas.microsoft.com/office/mac/drawingml/2011/main" xmlns:a14="http://schemas.microsoft.com/office/drawing/2010/main" xmlns:m="http://schemas.openxmlformats.org/officeDocument/2006/math" xmlns="" val="1"/>
+              <ma14:wrappingTextBoxFlag xmlns="" xmlns:m="http://schemas.openxmlformats.org/officeDocument/2006/math" xmlns:a14="http://schemas.microsoft.com/office/drawing/2010/main" xmlns:ma14="http://schemas.microsoft.com/office/mac/drawingml/2011/main" val="1"/>
             </a:ext>
           </a:extLst>
         </p:spPr>
@@ -36829,7 +38692,7 @@
           </a:effectLst>
           <a:extLst>
             <a:ext uri="{C572A759-6A51-4108-AA02-DFA0A04FC94B}">
-              <ma14:wrappingTextBoxFlag xmlns:ma14="http://schemas.microsoft.com/office/mac/drawingml/2011/main" xmlns:a14="http://schemas.microsoft.com/office/drawing/2010/main" xmlns:m="http://schemas.openxmlformats.org/officeDocument/2006/math" xmlns="" val="1"/>
+              <ma14:wrappingTextBoxFlag xmlns="" xmlns:m="http://schemas.openxmlformats.org/officeDocument/2006/math" xmlns:a14="http://schemas.microsoft.com/office/drawing/2010/main" xmlns:ma14="http://schemas.microsoft.com/office/mac/drawingml/2011/main" val="1"/>
             </a:ext>
           </a:extLst>
         </p:spPr>
@@ -36902,7 +38765,7 @@
           </a:effectLst>
           <a:extLst>
             <a:ext uri="{C572A759-6A51-4108-AA02-DFA0A04FC94B}">
-              <ma14:wrappingTextBoxFlag xmlns:ma14="http://schemas.microsoft.com/office/mac/drawingml/2011/main" xmlns:a14="http://schemas.microsoft.com/office/drawing/2010/main" xmlns:m="http://schemas.openxmlformats.org/officeDocument/2006/math" xmlns="" val="1"/>
+              <ma14:wrappingTextBoxFlag xmlns="" xmlns:m="http://schemas.openxmlformats.org/officeDocument/2006/math" xmlns:a14="http://schemas.microsoft.com/office/drawing/2010/main" xmlns:ma14="http://schemas.microsoft.com/office/mac/drawingml/2011/main" val="1"/>
             </a:ext>
           </a:extLst>
         </p:spPr>
@@ -36975,7 +38838,7 @@
           </a:effectLst>
           <a:extLst>
             <a:ext uri="{C572A759-6A51-4108-AA02-DFA0A04FC94B}">
-              <ma14:wrappingTextBoxFlag xmlns:ma14="http://schemas.microsoft.com/office/mac/drawingml/2011/main" xmlns:a14="http://schemas.microsoft.com/office/drawing/2010/main" xmlns:m="http://schemas.openxmlformats.org/officeDocument/2006/math" xmlns="" val="1"/>
+              <ma14:wrappingTextBoxFlag xmlns="" xmlns:m="http://schemas.openxmlformats.org/officeDocument/2006/math" xmlns:a14="http://schemas.microsoft.com/office/drawing/2010/main" xmlns:ma14="http://schemas.microsoft.com/office/mac/drawingml/2011/main" val="1"/>
             </a:ext>
           </a:extLst>
         </p:spPr>
@@ -37048,7 +38911,7 @@
           </a:effectLst>
           <a:extLst>
             <a:ext uri="{C572A759-6A51-4108-AA02-DFA0A04FC94B}">
-              <ma14:wrappingTextBoxFlag xmlns:ma14="http://schemas.microsoft.com/office/mac/drawingml/2011/main" xmlns:a14="http://schemas.microsoft.com/office/drawing/2010/main" xmlns:m="http://schemas.openxmlformats.org/officeDocument/2006/math" xmlns="" val="1"/>
+              <ma14:wrappingTextBoxFlag xmlns="" xmlns:m="http://schemas.openxmlformats.org/officeDocument/2006/math" xmlns:a14="http://schemas.microsoft.com/office/drawing/2010/main" xmlns:ma14="http://schemas.microsoft.com/office/mac/drawingml/2011/main" val="1"/>
             </a:ext>
           </a:extLst>
         </p:spPr>
@@ -37121,7 +38984,7 @@
           </a:effectLst>
           <a:extLst>
             <a:ext uri="{C572A759-6A51-4108-AA02-DFA0A04FC94B}">
-              <ma14:wrappingTextBoxFlag xmlns:ma14="http://schemas.microsoft.com/office/mac/drawingml/2011/main" xmlns:a14="http://schemas.microsoft.com/office/drawing/2010/main" xmlns:m="http://schemas.openxmlformats.org/officeDocument/2006/math" xmlns="" val="1"/>
+              <ma14:wrappingTextBoxFlag xmlns="" xmlns:m="http://schemas.openxmlformats.org/officeDocument/2006/math" xmlns:a14="http://schemas.microsoft.com/office/drawing/2010/main" xmlns:ma14="http://schemas.microsoft.com/office/mac/drawingml/2011/main" val="1"/>
             </a:ext>
           </a:extLst>
         </p:spPr>
@@ -37194,7 +39057,7 @@
           </a:effectLst>
           <a:extLst>
             <a:ext uri="{C572A759-6A51-4108-AA02-DFA0A04FC94B}">
-              <ma14:wrappingTextBoxFlag xmlns:ma14="http://schemas.microsoft.com/office/mac/drawingml/2011/main" xmlns:a14="http://schemas.microsoft.com/office/drawing/2010/main" xmlns:m="http://schemas.openxmlformats.org/officeDocument/2006/math" xmlns="" val="1"/>
+              <ma14:wrappingTextBoxFlag xmlns="" xmlns:m="http://schemas.openxmlformats.org/officeDocument/2006/math" xmlns:a14="http://schemas.microsoft.com/office/drawing/2010/main" xmlns:ma14="http://schemas.microsoft.com/office/mac/drawingml/2011/main" val="1"/>
             </a:ext>
           </a:extLst>
         </p:spPr>
@@ -37267,7 +39130,7 @@
           </a:effectLst>
           <a:extLst>
             <a:ext uri="{C572A759-6A51-4108-AA02-DFA0A04FC94B}">
-              <ma14:wrappingTextBoxFlag xmlns:ma14="http://schemas.microsoft.com/office/mac/drawingml/2011/main" xmlns:a14="http://schemas.microsoft.com/office/drawing/2010/main" xmlns:m="http://schemas.openxmlformats.org/officeDocument/2006/math" xmlns="" val="1"/>
+              <ma14:wrappingTextBoxFlag xmlns="" xmlns:m="http://schemas.openxmlformats.org/officeDocument/2006/math" xmlns:a14="http://schemas.microsoft.com/office/drawing/2010/main" xmlns:ma14="http://schemas.microsoft.com/office/mac/drawingml/2011/main" val="1"/>
             </a:ext>
           </a:extLst>
         </p:spPr>
@@ -37340,7 +39203,7 @@
           </a:effectLst>
           <a:extLst>
             <a:ext uri="{C572A759-6A51-4108-AA02-DFA0A04FC94B}">
-              <ma14:wrappingTextBoxFlag xmlns:ma14="http://schemas.microsoft.com/office/mac/drawingml/2011/main" xmlns:a14="http://schemas.microsoft.com/office/drawing/2010/main" xmlns:m="http://schemas.openxmlformats.org/officeDocument/2006/math" xmlns="" val="1"/>
+              <ma14:wrappingTextBoxFlag xmlns="" xmlns:m="http://schemas.openxmlformats.org/officeDocument/2006/math" xmlns:a14="http://schemas.microsoft.com/office/drawing/2010/main" xmlns:ma14="http://schemas.microsoft.com/office/mac/drawingml/2011/main" val="1"/>
             </a:ext>
           </a:extLst>
         </p:spPr>
@@ -37413,7 +39276,7 @@
           </a:effectLst>
           <a:extLst>
             <a:ext uri="{C572A759-6A51-4108-AA02-DFA0A04FC94B}">
-              <ma14:wrappingTextBoxFlag xmlns:ma14="http://schemas.microsoft.com/office/mac/drawingml/2011/main" xmlns:a14="http://schemas.microsoft.com/office/drawing/2010/main" xmlns:m="http://schemas.openxmlformats.org/officeDocument/2006/math" xmlns="" val="1"/>
+              <ma14:wrappingTextBoxFlag xmlns="" xmlns:m="http://schemas.openxmlformats.org/officeDocument/2006/math" xmlns:a14="http://schemas.microsoft.com/office/drawing/2010/main" xmlns:ma14="http://schemas.microsoft.com/office/mac/drawingml/2011/main" val="1"/>
             </a:ext>
           </a:extLst>
         </p:spPr>
@@ -37486,7 +39349,7 @@
           </a:effectLst>
           <a:extLst>
             <a:ext uri="{C572A759-6A51-4108-AA02-DFA0A04FC94B}">
-              <ma14:wrappingTextBoxFlag xmlns:ma14="http://schemas.microsoft.com/office/mac/drawingml/2011/main" xmlns:a14="http://schemas.microsoft.com/office/drawing/2010/main" xmlns:m="http://schemas.openxmlformats.org/officeDocument/2006/math" xmlns="" val="1"/>
+              <ma14:wrappingTextBoxFlag xmlns="" xmlns:m="http://schemas.openxmlformats.org/officeDocument/2006/math" xmlns:a14="http://schemas.microsoft.com/office/drawing/2010/main" xmlns:ma14="http://schemas.microsoft.com/office/mac/drawingml/2011/main" val="1"/>
             </a:ext>
           </a:extLst>
         </p:spPr>
@@ -37559,7 +39422,7 @@
           </a:effectLst>
           <a:extLst>
             <a:ext uri="{C572A759-6A51-4108-AA02-DFA0A04FC94B}">
-              <ma14:wrappingTextBoxFlag xmlns:ma14="http://schemas.microsoft.com/office/mac/drawingml/2011/main" xmlns:a14="http://schemas.microsoft.com/office/drawing/2010/main" xmlns:m="http://schemas.openxmlformats.org/officeDocument/2006/math" xmlns="" val="1"/>
+              <ma14:wrappingTextBoxFlag xmlns="" xmlns:m="http://schemas.openxmlformats.org/officeDocument/2006/math" xmlns:a14="http://schemas.microsoft.com/office/drawing/2010/main" xmlns:ma14="http://schemas.microsoft.com/office/mac/drawingml/2011/main" val="1"/>
             </a:ext>
           </a:extLst>
         </p:spPr>
@@ -37867,7 +39730,7 @@
           </a:effectLst>
           <a:extLst>
             <a:ext uri="{C572A759-6A51-4108-AA02-DFA0A04FC94B}">
-              <ma14:wrappingTextBoxFlag xmlns:ma14="http://schemas.microsoft.com/office/mac/drawingml/2011/main" xmlns:a14="http://schemas.microsoft.com/office/drawing/2010/main" xmlns:m="http://schemas.openxmlformats.org/officeDocument/2006/math" xmlns="" val="1"/>
+              <ma14:wrappingTextBoxFlag xmlns="" xmlns:m="http://schemas.openxmlformats.org/officeDocument/2006/math" xmlns:a14="http://schemas.microsoft.com/office/drawing/2010/main" xmlns:ma14="http://schemas.microsoft.com/office/mac/drawingml/2011/main" val="1"/>
             </a:ext>
           </a:extLst>
         </p:spPr>
@@ -38584,7 +40447,7 @@
             <a:effectLst/>
             <a:extLst>
               <a:ext uri="{C572A759-6A51-4108-AA02-DFA0A04FC94B}">
-                <ma14:wrappingTextBoxFlag xmlns:ma14="http://schemas.microsoft.com/office/mac/drawingml/2011/main" xmlns:a14="http://schemas.microsoft.com/office/drawing/2010/main" xmlns:m="http://schemas.openxmlformats.org/officeDocument/2006/math" xmlns="" val="1"/>
+                <ma14:wrappingTextBoxFlag xmlns="" xmlns:m="http://schemas.openxmlformats.org/officeDocument/2006/math" xmlns:a14="http://schemas.microsoft.com/office/drawing/2010/main" xmlns:ma14="http://schemas.microsoft.com/office/mac/drawingml/2011/main" val="1"/>
               </a:ext>
             </a:extLst>
           </p:spPr>
@@ -38709,7 +40572,7 @@
             <a:effectLst/>
             <a:extLst>
               <a:ext uri="{C572A759-6A51-4108-AA02-DFA0A04FC94B}">
-                <ma14:wrappingTextBoxFlag xmlns:ma14="http://schemas.microsoft.com/office/mac/drawingml/2011/main" xmlns:a14="http://schemas.microsoft.com/office/drawing/2010/main" xmlns:m="http://schemas.openxmlformats.org/officeDocument/2006/math" xmlns="" val="1"/>
+                <ma14:wrappingTextBoxFlag xmlns="" xmlns:m="http://schemas.openxmlformats.org/officeDocument/2006/math" xmlns:a14="http://schemas.microsoft.com/office/drawing/2010/main" xmlns:ma14="http://schemas.microsoft.com/office/mac/drawingml/2011/main" val="1"/>
               </a:ext>
             </a:extLst>
           </p:spPr>
@@ -38834,7 +40697,7 @@
             <a:effectLst/>
             <a:extLst>
               <a:ext uri="{C572A759-6A51-4108-AA02-DFA0A04FC94B}">
-                <ma14:wrappingTextBoxFlag xmlns:ma14="http://schemas.microsoft.com/office/mac/drawingml/2011/main" xmlns:a14="http://schemas.microsoft.com/office/drawing/2010/main" xmlns:m="http://schemas.openxmlformats.org/officeDocument/2006/math" xmlns="" val="1"/>
+                <ma14:wrappingTextBoxFlag xmlns="" xmlns:m="http://schemas.openxmlformats.org/officeDocument/2006/math" xmlns:a14="http://schemas.microsoft.com/office/drawing/2010/main" xmlns:ma14="http://schemas.microsoft.com/office/mac/drawingml/2011/main" val="1"/>
               </a:ext>
             </a:extLst>
           </p:spPr>
@@ -38959,7 +40822,7 @@
             <a:effectLst/>
             <a:extLst>
               <a:ext uri="{C572A759-6A51-4108-AA02-DFA0A04FC94B}">
-                <ma14:wrappingTextBoxFlag xmlns:ma14="http://schemas.microsoft.com/office/mac/drawingml/2011/main" xmlns:a14="http://schemas.microsoft.com/office/drawing/2010/main" xmlns:m="http://schemas.openxmlformats.org/officeDocument/2006/math" xmlns="" val="1"/>
+                <ma14:wrappingTextBoxFlag xmlns="" xmlns:m="http://schemas.openxmlformats.org/officeDocument/2006/math" xmlns:a14="http://schemas.microsoft.com/office/drawing/2010/main" xmlns:ma14="http://schemas.microsoft.com/office/mac/drawingml/2011/main" val="1"/>
               </a:ext>
             </a:extLst>
           </p:spPr>
@@ -39084,7 +40947,7 @@
             <a:effectLst/>
             <a:extLst>
               <a:ext uri="{C572A759-6A51-4108-AA02-DFA0A04FC94B}">
-                <ma14:wrappingTextBoxFlag xmlns:ma14="http://schemas.microsoft.com/office/mac/drawingml/2011/main" xmlns:a14="http://schemas.microsoft.com/office/drawing/2010/main" xmlns:m="http://schemas.openxmlformats.org/officeDocument/2006/math" xmlns="" val="1"/>
+                <ma14:wrappingTextBoxFlag xmlns="" xmlns:m="http://schemas.openxmlformats.org/officeDocument/2006/math" xmlns:a14="http://schemas.microsoft.com/office/drawing/2010/main" xmlns:ma14="http://schemas.microsoft.com/office/mac/drawingml/2011/main" val="1"/>
               </a:ext>
             </a:extLst>
           </p:spPr>
@@ -39209,7 +41072,7 @@
             <a:effectLst/>
             <a:extLst>
               <a:ext uri="{C572A759-6A51-4108-AA02-DFA0A04FC94B}">
-                <ma14:wrappingTextBoxFlag xmlns:ma14="http://schemas.microsoft.com/office/mac/drawingml/2011/main" xmlns:a14="http://schemas.microsoft.com/office/drawing/2010/main" xmlns:m="http://schemas.openxmlformats.org/officeDocument/2006/math" xmlns="" val="1"/>
+                <ma14:wrappingTextBoxFlag xmlns="" xmlns:m="http://schemas.openxmlformats.org/officeDocument/2006/math" xmlns:a14="http://schemas.microsoft.com/office/drawing/2010/main" xmlns:ma14="http://schemas.microsoft.com/office/mac/drawingml/2011/main" val="1"/>
               </a:ext>
             </a:extLst>
           </p:spPr>
@@ -39334,7 +41197,7 @@
             <a:effectLst/>
             <a:extLst>
               <a:ext uri="{C572A759-6A51-4108-AA02-DFA0A04FC94B}">
-                <ma14:wrappingTextBoxFlag xmlns:ma14="http://schemas.microsoft.com/office/mac/drawingml/2011/main" xmlns:a14="http://schemas.microsoft.com/office/drawing/2010/main" xmlns:m="http://schemas.openxmlformats.org/officeDocument/2006/math" xmlns="" val="1"/>
+                <ma14:wrappingTextBoxFlag xmlns="" xmlns:m="http://schemas.openxmlformats.org/officeDocument/2006/math" xmlns:a14="http://schemas.microsoft.com/office/drawing/2010/main" xmlns:ma14="http://schemas.microsoft.com/office/mac/drawingml/2011/main" val="1"/>
               </a:ext>
             </a:extLst>
           </p:spPr>
@@ -39401,7 +41264,7 @@
           </a:effectLst>
           <a:extLst>
             <a:ext uri="{C572A759-6A51-4108-AA02-DFA0A04FC94B}">
-              <ma14:wrappingTextBoxFlag xmlns:ma14="http://schemas.microsoft.com/office/mac/drawingml/2011/main" xmlns:a14="http://schemas.microsoft.com/office/drawing/2010/main" xmlns:m="http://schemas.openxmlformats.org/officeDocument/2006/math" xmlns="" val="1"/>
+              <ma14:wrappingTextBoxFlag xmlns="" xmlns:m="http://schemas.openxmlformats.org/officeDocument/2006/math" xmlns:a14="http://schemas.microsoft.com/office/drawing/2010/main" xmlns:ma14="http://schemas.microsoft.com/office/mac/drawingml/2011/main" val="1"/>
             </a:ext>
           </a:extLst>
         </p:spPr>
@@ -39542,7 +41405,7 @@
             <a:effectLst/>
             <a:extLst>
               <a:ext uri="{C572A759-6A51-4108-AA02-DFA0A04FC94B}">
-                <ma14:wrappingTextBoxFlag xmlns:ma14="http://schemas.microsoft.com/office/mac/drawingml/2011/main" xmlns:a14="http://schemas.microsoft.com/office/drawing/2010/main" xmlns:m="http://schemas.openxmlformats.org/officeDocument/2006/math" xmlns="" val="1"/>
+                <ma14:wrappingTextBoxFlag xmlns="" xmlns:m="http://schemas.openxmlformats.org/officeDocument/2006/math" xmlns:a14="http://schemas.microsoft.com/office/drawing/2010/main" xmlns:ma14="http://schemas.microsoft.com/office/mac/drawingml/2011/main" val="1"/>
               </a:ext>
             </a:extLst>
           </p:spPr>
@@ -39797,7 +41660,7 @@
           </a:prstGeom>
           <a:extLst>
             <a:ext uri="{C572A759-6A51-4108-AA02-DFA0A04FC94B}">
-              <ma14:wrappingTextBoxFlag xmlns:ma14="http://schemas.microsoft.com/office/mac/drawingml/2011/main" xmlns:a14="http://schemas.microsoft.com/office/drawing/2010/main" xmlns:m="http://schemas.openxmlformats.org/officeDocument/2006/math" xmlns="" val="1"/>
+              <ma14:wrappingTextBoxFlag xmlns="" xmlns:m="http://schemas.openxmlformats.org/officeDocument/2006/math" xmlns:a14="http://schemas.microsoft.com/office/drawing/2010/main" xmlns:ma14="http://schemas.microsoft.com/office/mac/drawingml/2011/main" val="1"/>
             </a:ext>
           </a:extLst>
         </p:spPr>
@@ -41182,25 +43045,25 @@
             </a:r>
             <a:r>
               <a:rPr lang="en-US" dirty="0">
-                <a:hlinkClick r:id="rId2"/>
+                <a:hlinkClick r:id="rId3"/>
               </a:rPr>
               <a:t>https://</a:t>
             </a:r>
             <a:r>
               <a:rPr lang="en-US" dirty="0" err="1">
-                <a:hlinkClick r:id="rId2"/>
+                <a:hlinkClick r:id="rId3"/>
               </a:rPr>
               <a:t>en.wikipedia.org</a:t>
             </a:r>
             <a:r>
               <a:rPr lang="en-US" dirty="0">
-                <a:hlinkClick r:id="rId2"/>
+                <a:hlinkClick r:id="rId3"/>
               </a:rPr>
               <a:t>/wiki/White-</a:t>
             </a:r>
             <a:r>
               <a:rPr lang="en-US" dirty="0" err="1">
-                <a:hlinkClick r:id="rId2"/>
+                <a:hlinkClick r:id="rId3"/>
               </a:rPr>
               <a:t>box_testing</a:t>
             </a:r>
@@ -41573,7 +43436,7 @@
           <p:nvPr/>
         </p:nvPicPr>
         <p:blipFill>
-          <a:blip r:embed="rId2">
+          <a:blip r:embed="rId3">
             <a:extLst>
               <a:ext uri="{28A0092B-C50C-407E-A947-70E740481C1C}">
                 <a14:useLocalDpi xmlns:a14="http://schemas.microsoft.com/office/drawing/2010/main" val="0"/>
@@ -41835,7 +43698,7 @@
           <p:nvPr/>
         </p:nvPicPr>
         <p:blipFill>
-          <a:blip r:embed="rId2">
+          <a:blip r:embed="rId3">
             <a:extLst>
               <a:ext uri="{28A0092B-C50C-407E-A947-70E740481C1C}">
                 <a14:useLocalDpi xmlns:a14="http://schemas.microsoft.com/office/drawing/2010/main" val="0"/>
@@ -41940,6 +43803,287 @@
           <p:cNvPr id="2" name="Title 1">
             <a:extLst>
               <a:ext uri="{FF2B5EF4-FFF2-40B4-BE49-F238E27FC236}">
+                <a16:creationId xmlns:a16="http://schemas.microsoft.com/office/drawing/2014/main" id="{6594A764-2D24-1D42-8D48-92B819F0CAFB}"/>
+              </a:ext>
+            </a:extLst>
+          </p:cNvPr>
+          <p:cNvSpPr>
+            <a:spLocks noGrp="1"/>
+          </p:cNvSpPr>
+          <p:nvPr>
+            <p:ph type="title"/>
+          </p:nvPr>
+        </p:nvSpPr>
+        <p:spPr>
+          <a:xfrm>
+            <a:off x="838200" y="365125"/>
+            <a:ext cx="10515600" cy="1325563"/>
+          </a:xfrm>
+        </p:spPr>
+        <p:txBody>
+          <a:bodyPr anchor="b">
+            <a:normAutofit/>
+          </a:bodyPr>
+          <a:lstStyle/>
+          <a:p>
+            <a:r>
+              <a:rPr lang="en-US" dirty="0"/>
+              <a:t>Pareto’s Law</a:t>
+            </a:r>
+          </a:p>
+        </p:txBody>
+      </p:sp>
+      <p:sp>
+        <p:nvSpPr>
+          <p:cNvPr id="4" name="Slide Number Placeholder 3">
+            <a:extLst>
+              <a:ext uri="{FF2B5EF4-FFF2-40B4-BE49-F238E27FC236}">
+                <a16:creationId xmlns:a16="http://schemas.microsoft.com/office/drawing/2014/main" id="{EDD9DE67-E4BE-6541-B14D-41F7569C98C5}"/>
+              </a:ext>
+            </a:extLst>
+          </p:cNvPr>
+          <p:cNvSpPr>
+            <a:spLocks noGrp="1"/>
+          </p:cNvSpPr>
+          <p:nvPr>
+            <p:ph type="sldNum" sz="quarter" idx="12"/>
+          </p:nvPr>
+        </p:nvSpPr>
+        <p:spPr>
+          <a:xfrm>
+            <a:off x="8610600" y="6356350"/>
+            <a:ext cx="2743200" cy="365125"/>
+          </a:xfrm>
+        </p:spPr>
+        <p:txBody>
+          <a:bodyPr anchor="ctr">
+            <a:normAutofit/>
+          </a:bodyPr>
+          <a:lstStyle/>
+          <a:p>
+            <a:pPr>
+              <a:spcAft>
+                <a:spcPts val="600"/>
+              </a:spcAft>
+            </a:pPr>
+            <a:fld id="{20F37917-FD3A-4669-9018-DA04BCDD3D75}" type="slidenum">
+              <a:rPr lang="en-US" smtClean="0"/>
+              <a:pPr>
+                <a:spcAft>
+                  <a:spcPts val="600"/>
+                </a:spcAft>
+              </a:pPr>
+              <a:t>34</a:t>
+            </a:fld>
+            <a:endParaRPr lang="en-US"/>
+          </a:p>
+        </p:txBody>
+      </p:sp>
+      <p:grpSp>
+        <p:nvGrpSpPr>
+          <p:cNvPr id="8" name="Group 1424">
+            <a:extLst>
+              <a:ext uri="{FF2B5EF4-FFF2-40B4-BE49-F238E27FC236}">
+                <a16:creationId xmlns:a16="http://schemas.microsoft.com/office/drawing/2014/main" id="{44508E98-A69A-494B-9BD1-59E42E80AE47}"/>
+              </a:ext>
+            </a:extLst>
+          </p:cNvPr>
+          <p:cNvGrpSpPr/>
+          <p:nvPr/>
+        </p:nvGrpSpPr>
+        <p:grpSpPr>
+          <a:xfrm>
+            <a:off x="2146299" y="2565399"/>
+            <a:ext cx="7899401" cy="2956645"/>
+            <a:chOff x="0" y="0"/>
+            <a:chExt cx="7899400" cy="3386396"/>
+          </a:xfrm>
+        </p:grpSpPr>
+        <p:sp>
+          <p:nvSpPr>
+            <p:cNvPr id="9" name="Shape 1422">
+              <a:extLst>
+                <a:ext uri="{FF2B5EF4-FFF2-40B4-BE49-F238E27FC236}">
+                  <a16:creationId xmlns:a16="http://schemas.microsoft.com/office/drawing/2014/main" id="{0C4FA002-AC79-4415-9108-5F826A2B4BAC}"/>
+                </a:ext>
+              </a:extLst>
+            </p:cNvPr>
+            <p:cNvSpPr/>
+            <p:nvPr/>
+          </p:nvSpPr>
+          <p:spPr>
+            <a:xfrm>
+              <a:off x="0" y="0"/>
+              <a:ext cx="7899401" cy="3386397"/>
+            </a:xfrm>
+            <a:prstGeom prst="roundRect">
+              <a:avLst>
+                <a:gd name="adj" fmla="val 3686"/>
+              </a:avLst>
+            </a:prstGeom>
+            <a:blipFill rotWithShape="1">
+              <a:blip r:embed="rId3"/>
+              <a:srcRect/>
+              <a:tile tx="0" ty="0" sx="100000" sy="100000" flip="none" algn="tl"/>
+            </a:blipFill>
+            <a:ln w="12700" cap="flat">
+              <a:noFill/>
+              <a:miter lim="400000"/>
+            </a:ln>
+            <a:effectLst>
+              <a:outerShdw blurRad="76200" dir="16200000" rotWithShape="0">
+                <a:srgbClr val="000000">
+                  <a:alpha val="30000"/>
+                </a:srgbClr>
+              </a:outerShdw>
+            </a:effectLst>
+          </p:spPr>
+          <p:txBody>
+            <a:bodyPr wrap="square" lIns="45718" tIns="45718" rIns="45718" bIns="45718" numCol="1" anchor="ctr">
+              <a:noAutofit/>
+            </a:bodyPr>
+            <a:lstStyle/>
+            <a:p>
+              <a:pPr defTabSz="457200">
+                <a:lnSpc>
+                  <a:spcPts val="5000"/>
+                </a:lnSpc>
+                <a:tabLst>
+                  <a:tab pos="838200" algn="l"/>
+                </a:tabLst>
+                <a:defRPr sz="1800">
+                  <a:solidFill>
+                    <a:srgbClr val="FFFFFF"/>
+                  </a:solidFill>
+                  <a:effectLst>
+                    <a:outerShdw blurRad="38100" dist="12700" dir="5400000" rotWithShape="0">
+                      <a:srgbClr val="000000">
+                        <a:alpha val="50000"/>
+                      </a:srgbClr>
+                    </a:outerShdw>
+                  </a:effectLst>
+                  <a:latin typeface="Helvetica"/>
+                  <a:ea typeface="Helvetica"/>
+                  <a:cs typeface="Helvetica"/>
+                  <a:sym typeface="Helvetica"/>
+                </a:defRPr>
+              </a:pPr>
+              <a:endParaRPr/>
+            </a:p>
+          </p:txBody>
+        </p:sp>
+        <p:sp>
+          <p:nvSpPr>
+            <p:cNvPr id="10" name="Shape 1423">
+              <a:extLst>
+                <a:ext uri="{FF2B5EF4-FFF2-40B4-BE49-F238E27FC236}">
+                  <a16:creationId xmlns:a16="http://schemas.microsoft.com/office/drawing/2014/main" id="{4C079C36-616A-486D-8415-4959C507ECAE}"/>
+                </a:ext>
+              </a:extLst>
+            </p:cNvPr>
+            <p:cNvSpPr txBox="1"/>
+            <p:nvPr/>
+          </p:nvSpPr>
+          <p:spPr>
+            <a:xfrm>
+              <a:off x="36559" y="1025181"/>
+              <a:ext cx="7826283" cy="1336031"/>
+            </a:xfrm>
+            <a:prstGeom prst="rect">
+              <a:avLst/>
+            </a:prstGeom>
+            <a:noFill/>
+            <a:ln w="12700" cap="flat">
+              <a:noFill/>
+              <a:miter lim="400000"/>
+            </a:ln>
+            <a:effectLst/>
+            <a:extLst>
+              <a:ext uri="{C572A759-6A51-4108-AA02-DFA0A04FC94B}">
+                <ma14:wrappingTextBoxFlag xmlns:ma14="http://schemas.microsoft.com/office/mac/drawingml/2011/main" xmlns:a14="http://schemas.microsoft.com/office/drawing/2010/main" xmlns:m="http://schemas.openxmlformats.org/officeDocument/2006/math" xmlns="" val="1"/>
+              </a:ext>
+            </a:extLst>
+          </p:spPr>
+          <p:txBody>
+            <a:bodyPr wrap="square" lIns="38100" tIns="38100" rIns="38100" bIns="38100" numCol="1" anchor="ctr">
+              <a:spAutoFit/>
+            </a:bodyPr>
+            <a:lstStyle/>
+            <a:p>
+              <a:pPr defTabSz="457200">
+                <a:lnSpc>
+                  <a:spcPts val="5000"/>
+                </a:lnSpc>
+                <a:tabLst>
+                  <a:tab pos="838200" algn="l"/>
+                </a:tabLst>
+                <a:defRPr sz="4000">
+                  <a:solidFill>
+                    <a:srgbClr val="FFFFFF"/>
+                  </a:solidFill>
+                  <a:effectLst>
+                    <a:outerShdw blurRad="38100" dist="12700" dir="5400000" rotWithShape="0">
+                      <a:srgbClr val="000000">
+                        <a:alpha val="50000"/>
+                      </a:srgbClr>
+                    </a:outerShdw>
+                  </a:effectLst>
+                  <a:latin typeface="Helvetica"/>
+                  <a:ea typeface="Helvetica"/>
+                  <a:cs typeface="Helvetica"/>
+                  <a:sym typeface="Helvetica"/>
+                </a:defRPr>
+              </a:pPr>
+              <a:r>
+                <a:rPr dirty="0"/>
+                <a:t>Approximately 80% of defects</a:t>
+              </a:r>
+              <a:br>
+                <a:rPr dirty="0"/>
+              </a:br>
+              <a:r>
+                <a:rPr dirty="0"/>
+                <a:t>come from 20% of modules</a:t>
+              </a:r>
+            </a:p>
+          </p:txBody>
+        </p:sp>
+      </p:grpSp>
+    </p:spTree>
+    <p:extLst>
+      <p:ext uri="{BB962C8B-B14F-4D97-AF65-F5344CB8AC3E}">
+        <p14:creationId xmlns:p14="http://schemas.microsoft.com/office/powerpoint/2010/main" val="3302296139"/>
+      </p:ext>
+    </p:extLst>
+  </p:cSld>
+  <p:clrMapOvr>
+    <a:masterClrMapping/>
+  </p:clrMapOvr>
+</p:sld>
+</file>
+
+<file path=ppt/slides/slide35.xml><?xml version="1.0" encoding="utf-8"?>
+<p:sld xmlns:a="http://schemas.openxmlformats.org/drawingml/2006/main" xmlns:r="http://schemas.openxmlformats.org/officeDocument/2006/relationships" xmlns:p="http://schemas.openxmlformats.org/presentationml/2006/main">
+  <p:cSld>
+    <p:spTree>
+      <p:nvGrpSpPr>
+        <p:cNvPr id="1" name=""/>
+        <p:cNvGrpSpPr/>
+        <p:nvPr/>
+      </p:nvGrpSpPr>
+      <p:grpSpPr>
+        <a:xfrm>
+          <a:off x="0" y="0"/>
+          <a:ext cx="0" cy="0"/>
+          <a:chOff x="0" y="0"/>
+          <a:chExt cx="0" cy="0"/>
+        </a:xfrm>
+      </p:grpSpPr>
+      <p:sp>
+        <p:nvSpPr>
+          <p:cNvPr id="2" name="Title 1">
+            <a:extLst>
+              <a:ext uri="{FF2B5EF4-FFF2-40B4-BE49-F238E27FC236}">
                 <a16:creationId xmlns:a16="http://schemas.microsoft.com/office/drawing/2014/main" id="{ADDDF7AD-1809-4173-85DB-C6679D1D1171}"/>
               </a:ext>
             </a:extLst>
@@ -42047,7 +44191,7 @@
               <a:pPr defTabSz="547695">
                 <a:defRPr/>
               </a:pPr>
-              <a:t>34</a:t>
+              <a:t>35</a:t>
             </a:fld>
             <a:endParaRPr lang="en-US"/>
           </a:p>

--- a/Slides/Lesson 5.2 Evaluating Tests.pptx
+++ b/Slides/Lesson 5.2 Evaluating Tests.pptx
@@ -2411,7 +2411,7 @@
           <a:p>
             <a:fld id="{7C7E5181-6CF5-45F7-A87A-E0E0B1FD7549}" type="datetimeFigureOut">
               <a:rPr lang="en-US" smtClean="0"/>
-              <a:t>2/13/2022</a:t>
+              <a:t>2/14/2022</a:t>
             </a:fld>
             <a:endParaRPr lang="en-US"/>
           </a:p>
@@ -5858,7 +5858,7 @@
           <a:p>
             <a:fld id="{5D2A64DE-480B-420F-9649-4F8E696E08E0}" type="datetime1">
               <a:rPr lang="en-US" smtClean="0"/>
-              <a:t>2/13/2022</a:t>
+              <a:t>2/14/2022</a:t>
             </a:fld>
             <a:endParaRPr lang="en-US"/>
           </a:p>
@@ -6092,7 +6092,7 @@
           <a:p>
             <a:fld id="{0D3616D0-8311-4107-9726-6B805E7D05BA}" type="datetime1">
               <a:rPr lang="en-US" smtClean="0"/>
-              <a:t>2/13/2022</a:t>
+              <a:t>2/14/2022</a:t>
             </a:fld>
             <a:endParaRPr lang="en-US"/>
           </a:p>
@@ -6300,7 +6300,7 @@
           <a:p>
             <a:fld id="{3BC2557A-5C88-417A-A763-5AC779462A5F}" type="datetime1">
               <a:rPr lang="en-US" smtClean="0"/>
-              <a:t>2/13/2022</a:t>
+              <a:t>2/14/2022</a:t>
             </a:fld>
             <a:endParaRPr lang="en-US"/>
           </a:p>
@@ -7986,7 +7986,7 @@
           <a:p>
             <a:fld id="{07C7BFD4-467E-4EDE-93EA-052F5B39A4E5}" type="datetime1">
               <a:rPr lang="en-US" smtClean="0"/>
-              <a:t>2/13/2022</a:t>
+              <a:t>2/14/2022</a:t>
             </a:fld>
             <a:endParaRPr lang="en-US"/>
           </a:p>
@@ -9748,7 +9748,7 @@
           <a:p>
             <a:fld id="{A533CBE2-D5BE-47AC-ADC2-9CDFC1D0CF90}" type="datetime1">
               <a:rPr lang="en-US" smtClean="0"/>
-              <a:t>2/13/2022</a:t>
+              <a:t>2/14/2022</a:t>
             </a:fld>
             <a:endParaRPr lang="en-US"/>
           </a:p>
@@ -10051,7 +10051,7 @@
           <a:p>
             <a:fld id="{39B7EDB1-CE74-4951-85A2-0B01C2128E28}" type="datetime1">
               <a:rPr lang="en-US" smtClean="0"/>
-              <a:t>2/13/2022</a:t>
+              <a:t>2/14/2022</a:t>
             </a:fld>
             <a:endParaRPr lang="en-US"/>
           </a:p>
@@ -10500,7 +10500,7 @@
           <a:p>
             <a:fld id="{2BC7EB92-A5C2-4807-A9DC-9EDE6CBFB241}" type="datetime1">
               <a:rPr lang="en-US" smtClean="0"/>
-              <a:t>2/13/2022</a:t>
+              <a:t>2/14/2022</a:t>
             </a:fld>
             <a:endParaRPr lang="en-US"/>
           </a:p>
@@ -10647,7 +10647,7 @@
           <a:p>
             <a:fld id="{109E55A0-C911-4F03-82FC-7E5926047D46}" type="datetime1">
               <a:rPr lang="en-US" smtClean="0"/>
-              <a:t>2/13/2022</a:t>
+              <a:t>2/14/2022</a:t>
             </a:fld>
             <a:endParaRPr lang="en-US"/>
           </a:p>
@@ -10796,7 +10796,7 @@
           <a:p>
             <a:fld id="{2B7B7EE0-7771-4CD5-9B2B-3550753A54A1}" type="datetime1">
               <a:rPr lang="en-US" smtClean="0"/>
-              <a:t>2/13/2022</a:t>
+              <a:t>2/14/2022</a:t>
             </a:fld>
             <a:endParaRPr lang="en-US"/>
           </a:p>
@@ -11107,7 +11107,7 @@
           <a:p>
             <a:fld id="{F8B318B3-0E87-4416-A9B8-D891968C2727}" type="datetime1">
               <a:rPr lang="en-US" smtClean="0"/>
-              <a:t>2/13/2022</a:t>
+              <a:t>2/14/2022</a:t>
             </a:fld>
             <a:endParaRPr lang="en-US"/>
           </a:p>
@@ -11398,7 +11398,7 @@
           <a:p>
             <a:fld id="{EA476A42-A091-4468-A075-64A31BE59948}" type="datetime1">
               <a:rPr lang="en-US" smtClean="0"/>
-              <a:t>2/13/2022</a:t>
+              <a:t>2/14/2022</a:t>
             </a:fld>
             <a:endParaRPr lang="en-US"/>
           </a:p>
@@ -11641,7 +11641,7 @@
           <a:p>
             <a:fld id="{54D997E8-DDEE-43F1-8D9B-F8A1E11DE488}" type="datetime1">
               <a:rPr lang="en-US" smtClean="0"/>
-              <a:t>2/13/2022</a:t>
+              <a:t>2/14/2022</a:t>
             </a:fld>
             <a:endParaRPr lang="en-US"/>
           </a:p>
@@ -12128,7 +12128,7 @@
           </a:ln>
           <a:extLst>
             <a:ext uri="{C572A759-6A51-4108-AA02-DFA0A04FC94B}">
-              <ma14:wrappingTextBoxFlag xmlns="" xmlns:m="http://schemas.openxmlformats.org/officeDocument/2006/math" xmlns:a14="http://schemas.microsoft.com/office/drawing/2010/main" xmlns:ma14="http://schemas.microsoft.com/office/mac/drawingml/2011/main" val="1"/>
+              <ma14:wrappingTextBoxFlag xmlns:ma14="http://schemas.microsoft.com/office/mac/drawingml/2011/main" xmlns:a14="http://schemas.microsoft.com/office/drawing/2010/main" xmlns:m="http://schemas.openxmlformats.org/officeDocument/2006/math" xmlns="" val="1"/>
             </a:ext>
           </a:extLst>
         </p:spPr>
@@ -12211,7 +12211,7 @@
           </a:ln>
           <a:extLst>
             <a:ext uri="{C572A759-6A51-4108-AA02-DFA0A04FC94B}">
-              <ma14:wrappingTextBoxFlag xmlns="" xmlns:m="http://schemas.openxmlformats.org/officeDocument/2006/math" xmlns:a14="http://schemas.microsoft.com/office/drawing/2010/main" xmlns:ma14="http://schemas.microsoft.com/office/mac/drawingml/2011/main" val="1"/>
+              <ma14:wrappingTextBoxFlag xmlns:ma14="http://schemas.microsoft.com/office/mac/drawingml/2011/main" xmlns:a14="http://schemas.microsoft.com/office/drawing/2010/main" xmlns:m="http://schemas.openxmlformats.org/officeDocument/2006/math" xmlns="" val="1"/>
             </a:ext>
           </a:extLst>
         </p:spPr>
@@ -13038,10 +13038,16 @@
           <a:lstStyle/>
           <a:p>
             <a:r>
+              <a:rPr lang="en-US" altLang="en-US" sz="3200">
+                <a:sym typeface="Helvetica Neue" charset="0"/>
+              </a:rPr>
+              <a:t>CS 4530</a:t>
+            </a:r>
+            <a:r>
               <a:rPr lang="en-US" altLang="en-US" sz="3200" dirty="0">
                 <a:sym typeface="Helvetica Neue" charset="0"/>
               </a:rPr>
-              <a:t>CS 4350: Fundamentals of Software Engineering</a:t>
+              <a:t>: Fundamentals of Software Engineering</a:t>
             </a:r>
             <a:br>
               <a:rPr lang="en-US" altLang="en-US" sz="3200" dirty="0">
@@ -15466,7 +15472,7 @@
           </a:ln>
           <a:extLst>
             <a:ext uri="{C572A759-6A51-4108-AA02-DFA0A04FC94B}">
-              <ma14:wrappingTextBoxFlag xmlns="" xmlns:m="http://schemas.openxmlformats.org/officeDocument/2006/math" xmlns:a14="http://schemas.microsoft.com/office/drawing/2010/main" xmlns:ma14="http://schemas.microsoft.com/office/mac/drawingml/2011/main" val="1"/>
+              <ma14:wrappingTextBoxFlag xmlns:ma14="http://schemas.microsoft.com/office/mac/drawingml/2011/main" xmlns:a14="http://schemas.microsoft.com/office/drawing/2010/main" xmlns:m="http://schemas.openxmlformats.org/officeDocument/2006/math" xmlns="" val="1"/>
             </a:ext>
           </a:extLst>
         </p:spPr>
@@ -16523,7 +16529,7 @@
           </a:effectLst>
           <a:extLst>
             <a:ext uri="{C572A759-6A51-4108-AA02-DFA0A04FC94B}">
-              <ma14:wrappingTextBoxFlag xmlns="" xmlns:m="http://schemas.openxmlformats.org/officeDocument/2006/math" xmlns:a14="http://schemas.microsoft.com/office/drawing/2010/main" xmlns:ma14="http://schemas.microsoft.com/office/mac/drawingml/2011/main" val="1"/>
+              <ma14:wrappingTextBoxFlag xmlns:ma14="http://schemas.microsoft.com/office/mac/drawingml/2011/main" xmlns:a14="http://schemas.microsoft.com/office/drawing/2010/main" xmlns:m="http://schemas.openxmlformats.org/officeDocument/2006/math" xmlns="" val="1"/>
             </a:ext>
           </a:extLst>
         </p:spPr>
@@ -16590,7 +16596,7 @@
           </a:effectLst>
           <a:extLst>
             <a:ext uri="{C572A759-6A51-4108-AA02-DFA0A04FC94B}">
-              <ma14:wrappingTextBoxFlag xmlns="" xmlns:m="http://schemas.openxmlformats.org/officeDocument/2006/math" xmlns:a14="http://schemas.microsoft.com/office/drawing/2010/main" xmlns:ma14="http://schemas.microsoft.com/office/mac/drawingml/2011/main" val="1"/>
+              <ma14:wrappingTextBoxFlag xmlns:ma14="http://schemas.microsoft.com/office/mac/drawingml/2011/main" xmlns:a14="http://schemas.microsoft.com/office/drawing/2010/main" xmlns:m="http://schemas.openxmlformats.org/officeDocument/2006/math" xmlns="" val="1"/>
             </a:ext>
           </a:extLst>
         </p:spPr>
@@ -16657,7 +16663,7 @@
           </a:effectLst>
           <a:extLst>
             <a:ext uri="{C572A759-6A51-4108-AA02-DFA0A04FC94B}">
-              <ma14:wrappingTextBoxFlag xmlns="" xmlns:m="http://schemas.openxmlformats.org/officeDocument/2006/math" xmlns:a14="http://schemas.microsoft.com/office/drawing/2010/main" xmlns:ma14="http://schemas.microsoft.com/office/mac/drawingml/2011/main" val="1"/>
+              <ma14:wrappingTextBoxFlag xmlns:ma14="http://schemas.microsoft.com/office/mac/drawingml/2011/main" xmlns:a14="http://schemas.microsoft.com/office/drawing/2010/main" xmlns:m="http://schemas.openxmlformats.org/officeDocument/2006/math" xmlns="" val="1"/>
             </a:ext>
           </a:extLst>
         </p:spPr>
@@ -16724,7 +16730,7 @@
           </a:effectLst>
           <a:extLst>
             <a:ext uri="{C572A759-6A51-4108-AA02-DFA0A04FC94B}">
-              <ma14:wrappingTextBoxFlag xmlns="" xmlns:m="http://schemas.openxmlformats.org/officeDocument/2006/math" xmlns:a14="http://schemas.microsoft.com/office/drawing/2010/main" xmlns:ma14="http://schemas.microsoft.com/office/mac/drawingml/2011/main" val="1"/>
+              <ma14:wrappingTextBoxFlag xmlns:ma14="http://schemas.microsoft.com/office/mac/drawingml/2011/main" xmlns:a14="http://schemas.microsoft.com/office/drawing/2010/main" xmlns:m="http://schemas.openxmlformats.org/officeDocument/2006/math" xmlns="" val="1"/>
             </a:ext>
           </a:extLst>
         </p:spPr>
@@ -16791,7 +16797,7 @@
           </a:effectLst>
           <a:extLst>
             <a:ext uri="{C572A759-6A51-4108-AA02-DFA0A04FC94B}">
-              <ma14:wrappingTextBoxFlag xmlns="" xmlns:m="http://schemas.openxmlformats.org/officeDocument/2006/math" xmlns:a14="http://schemas.microsoft.com/office/drawing/2010/main" xmlns:ma14="http://schemas.microsoft.com/office/mac/drawingml/2011/main" val="1"/>
+              <ma14:wrappingTextBoxFlag xmlns:ma14="http://schemas.microsoft.com/office/mac/drawingml/2011/main" xmlns:a14="http://schemas.microsoft.com/office/drawing/2010/main" xmlns:m="http://schemas.openxmlformats.org/officeDocument/2006/math" xmlns="" val="1"/>
             </a:ext>
           </a:extLst>
         </p:spPr>
@@ -16858,7 +16864,7 @@
           </a:effectLst>
           <a:extLst>
             <a:ext uri="{C572A759-6A51-4108-AA02-DFA0A04FC94B}">
-              <ma14:wrappingTextBoxFlag xmlns="" xmlns:m="http://schemas.openxmlformats.org/officeDocument/2006/math" xmlns:a14="http://schemas.microsoft.com/office/drawing/2010/main" xmlns:ma14="http://schemas.microsoft.com/office/mac/drawingml/2011/main" val="1"/>
+              <ma14:wrappingTextBoxFlag xmlns:ma14="http://schemas.microsoft.com/office/mac/drawingml/2011/main" xmlns:a14="http://schemas.microsoft.com/office/drawing/2010/main" xmlns:m="http://schemas.openxmlformats.org/officeDocument/2006/math" xmlns="" val="1"/>
             </a:ext>
           </a:extLst>
         </p:spPr>
@@ -16925,7 +16931,7 @@
           </a:effectLst>
           <a:extLst>
             <a:ext uri="{C572A759-6A51-4108-AA02-DFA0A04FC94B}">
-              <ma14:wrappingTextBoxFlag xmlns="" xmlns:m="http://schemas.openxmlformats.org/officeDocument/2006/math" xmlns:a14="http://schemas.microsoft.com/office/drawing/2010/main" xmlns:ma14="http://schemas.microsoft.com/office/mac/drawingml/2011/main" val="1"/>
+              <ma14:wrappingTextBoxFlag xmlns:ma14="http://schemas.microsoft.com/office/mac/drawingml/2011/main" xmlns:a14="http://schemas.microsoft.com/office/drawing/2010/main" xmlns:m="http://schemas.openxmlformats.org/officeDocument/2006/math" xmlns="" val="1"/>
             </a:ext>
           </a:extLst>
         </p:spPr>
@@ -16992,7 +16998,7 @@
           </a:effectLst>
           <a:extLst>
             <a:ext uri="{C572A759-6A51-4108-AA02-DFA0A04FC94B}">
-              <ma14:wrappingTextBoxFlag xmlns="" xmlns:m="http://schemas.openxmlformats.org/officeDocument/2006/math" xmlns:a14="http://schemas.microsoft.com/office/drawing/2010/main" xmlns:ma14="http://schemas.microsoft.com/office/mac/drawingml/2011/main" val="1"/>
+              <ma14:wrappingTextBoxFlag xmlns:ma14="http://schemas.microsoft.com/office/mac/drawingml/2011/main" xmlns:a14="http://schemas.microsoft.com/office/drawing/2010/main" xmlns:m="http://schemas.openxmlformats.org/officeDocument/2006/math" xmlns="" val="1"/>
             </a:ext>
           </a:extLst>
         </p:spPr>
@@ -17059,7 +17065,7 @@
           </a:effectLst>
           <a:extLst>
             <a:ext uri="{C572A759-6A51-4108-AA02-DFA0A04FC94B}">
-              <ma14:wrappingTextBoxFlag xmlns="" xmlns:m="http://schemas.openxmlformats.org/officeDocument/2006/math" xmlns:a14="http://schemas.microsoft.com/office/drawing/2010/main" xmlns:ma14="http://schemas.microsoft.com/office/mac/drawingml/2011/main" val="1"/>
+              <ma14:wrappingTextBoxFlag xmlns:ma14="http://schemas.microsoft.com/office/mac/drawingml/2011/main" xmlns:a14="http://schemas.microsoft.com/office/drawing/2010/main" xmlns:m="http://schemas.openxmlformats.org/officeDocument/2006/math" xmlns="" val="1"/>
             </a:ext>
           </a:extLst>
         </p:spPr>
@@ -17126,7 +17132,7 @@
           </a:effectLst>
           <a:extLst>
             <a:ext uri="{C572A759-6A51-4108-AA02-DFA0A04FC94B}">
-              <ma14:wrappingTextBoxFlag xmlns="" xmlns:m="http://schemas.openxmlformats.org/officeDocument/2006/math" xmlns:a14="http://schemas.microsoft.com/office/drawing/2010/main" xmlns:ma14="http://schemas.microsoft.com/office/mac/drawingml/2011/main" val="1"/>
+              <ma14:wrappingTextBoxFlag xmlns:ma14="http://schemas.microsoft.com/office/mac/drawingml/2011/main" xmlns:a14="http://schemas.microsoft.com/office/drawing/2010/main" xmlns:m="http://schemas.openxmlformats.org/officeDocument/2006/math" xmlns="" val="1"/>
             </a:ext>
           </a:extLst>
         </p:spPr>
@@ -17193,7 +17199,7 @@
           </a:effectLst>
           <a:extLst>
             <a:ext uri="{C572A759-6A51-4108-AA02-DFA0A04FC94B}">
-              <ma14:wrappingTextBoxFlag xmlns="" xmlns:m="http://schemas.openxmlformats.org/officeDocument/2006/math" xmlns:a14="http://schemas.microsoft.com/office/drawing/2010/main" xmlns:ma14="http://schemas.microsoft.com/office/mac/drawingml/2011/main" val="1"/>
+              <ma14:wrappingTextBoxFlag xmlns:ma14="http://schemas.microsoft.com/office/mac/drawingml/2011/main" xmlns:a14="http://schemas.microsoft.com/office/drawing/2010/main" xmlns:m="http://schemas.openxmlformats.org/officeDocument/2006/math" xmlns="" val="1"/>
             </a:ext>
           </a:extLst>
         </p:spPr>
@@ -17372,7 +17378,7 @@
           </a:effectLst>
           <a:extLst>
             <a:ext uri="{C572A759-6A51-4108-AA02-DFA0A04FC94B}">
-              <ma14:wrappingTextBoxFlag xmlns="" xmlns:m="http://schemas.openxmlformats.org/officeDocument/2006/math" xmlns:a14="http://schemas.microsoft.com/office/drawing/2010/main" xmlns:ma14="http://schemas.microsoft.com/office/mac/drawingml/2011/main" val="1"/>
+              <ma14:wrappingTextBoxFlag xmlns:ma14="http://schemas.microsoft.com/office/mac/drawingml/2011/main" xmlns:a14="http://schemas.microsoft.com/office/drawing/2010/main" xmlns:m="http://schemas.openxmlformats.org/officeDocument/2006/math" xmlns="" val="1"/>
             </a:ext>
           </a:extLst>
         </p:spPr>
@@ -17449,7 +17455,7 @@
           </a:effectLst>
           <a:extLst>
             <a:ext uri="{C572A759-6A51-4108-AA02-DFA0A04FC94B}">
-              <ma14:wrappingTextBoxFlag xmlns="" xmlns:m="http://schemas.openxmlformats.org/officeDocument/2006/math" xmlns:a14="http://schemas.microsoft.com/office/drawing/2010/main" xmlns:ma14="http://schemas.microsoft.com/office/mac/drawingml/2011/main" val="1"/>
+              <ma14:wrappingTextBoxFlag xmlns:ma14="http://schemas.microsoft.com/office/mac/drawingml/2011/main" xmlns:a14="http://schemas.microsoft.com/office/drawing/2010/main" xmlns:m="http://schemas.openxmlformats.org/officeDocument/2006/math" xmlns="" val="1"/>
             </a:ext>
           </a:extLst>
         </p:spPr>
@@ -17513,7 +17519,7 @@
           </a:effectLst>
           <a:extLst>
             <a:ext uri="{C572A759-6A51-4108-AA02-DFA0A04FC94B}">
-              <ma14:wrappingTextBoxFlag xmlns="" xmlns:m="http://schemas.openxmlformats.org/officeDocument/2006/math" xmlns:a14="http://schemas.microsoft.com/office/drawing/2010/main" xmlns:ma14="http://schemas.microsoft.com/office/mac/drawingml/2011/main" val="1"/>
+              <ma14:wrappingTextBoxFlag xmlns:ma14="http://schemas.microsoft.com/office/mac/drawingml/2011/main" xmlns:a14="http://schemas.microsoft.com/office/drawing/2010/main" xmlns:m="http://schemas.openxmlformats.org/officeDocument/2006/math" xmlns="" val="1"/>
             </a:ext>
           </a:extLst>
         </p:spPr>
@@ -17577,7 +17583,7 @@
           </a:effectLst>
           <a:extLst>
             <a:ext uri="{C572A759-6A51-4108-AA02-DFA0A04FC94B}">
-              <ma14:wrappingTextBoxFlag xmlns="" xmlns:m="http://schemas.openxmlformats.org/officeDocument/2006/math" xmlns:a14="http://schemas.microsoft.com/office/drawing/2010/main" xmlns:ma14="http://schemas.microsoft.com/office/mac/drawingml/2011/main" val="1"/>
+              <ma14:wrappingTextBoxFlag xmlns:ma14="http://schemas.microsoft.com/office/mac/drawingml/2011/main" xmlns:a14="http://schemas.microsoft.com/office/drawing/2010/main" xmlns:m="http://schemas.openxmlformats.org/officeDocument/2006/math" xmlns="" val="1"/>
             </a:ext>
           </a:extLst>
         </p:spPr>
@@ -17641,7 +17647,7 @@
           </a:effectLst>
           <a:extLst>
             <a:ext uri="{C572A759-6A51-4108-AA02-DFA0A04FC94B}">
-              <ma14:wrappingTextBoxFlag xmlns="" xmlns:m="http://schemas.openxmlformats.org/officeDocument/2006/math" xmlns:a14="http://schemas.microsoft.com/office/drawing/2010/main" xmlns:ma14="http://schemas.microsoft.com/office/mac/drawingml/2011/main" val="1"/>
+              <ma14:wrappingTextBoxFlag xmlns:ma14="http://schemas.microsoft.com/office/mac/drawingml/2011/main" xmlns:a14="http://schemas.microsoft.com/office/drawing/2010/main" xmlns:m="http://schemas.openxmlformats.org/officeDocument/2006/math" xmlns="" val="1"/>
             </a:ext>
           </a:extLst>
         </p:spPr>
@@ -17705,7 +17711,7 @@
           </a:effectLst>
           <a:extLst>
             <a:ext uri="{C572A759-6A51-4108-AA02-DFA0A04FC94B}">
-              <ma14:wrappingTextBoxFlag xmlns="" xmlns:m="http://schemas.openxmlformats.org/officeDocument/2006/math" xmlns:a14="http://schemas.microsoft.com/office/drawing/2010/main" xmlns:ma14="http://schemas.microsoft.com/office/mac/drawingml/2011/main" val="1"/>
+              <ma14:wrappingTextBoxFlag xmlns:ma14="http://schemas.microsoft.com/office/mac/drawingml/2011/main" xmlns:a14="http://schemas.microsoft.com/office/drawing/2010/main" xmlns:m="http://schemas.openxmlformats.org/officeDocument/2006/math" xmlns="" val="1"/>
             </a:ext>
           </a:extLst>
         </p:spPr>
@@ -17769,7 +17775,7 @@
           </a:effectLst>
           <a:extLst>
             <a:ext uri="{C572A759-6A51-4108-AA02-DFA0A04FC94B}">
-              <ma14:wrappingTextBoxFlag xmlns="" xmlns:m="http://schemas.openxmlformats.org/officeDocument/2006/math" xmlns:a14="http://schemas.microsoft.com/office/drawing/2010/main" xmlns:ma14="http://schemas.microsoft.com/office/mac/drawingml/2011/main" val="1"/>
+              <ma14:wrappingTextBoxFlag xmlns:ma14="http://schemas.microsoft.com/office/mac/drawingml/2011/main" xmlns:a14="http://schemas.microsoft.com/office/drawing/2010/main" xmlns:m="http://schemas.openxmlformats.org/officeDocument/2006/math" xmlns="" val="1"/>
             </a:ext>
           </a:extLst>
         </p:spPr>
@@ -17833,7 +17839,7 @@
           </a:effectLst>
           <a:extLst>
             <a:ext uri="{C572A759-6A51-4108-AA02-DFA0A04FC94B}">
-              <ma14:wrappingTextBoxFlag xmlns="" xmlns:m="http://schemas.openxmlformats.org/officeDocument/2006/math" xmlns:a14="http://schemas.microsoft.com/office/drawing/2010/main" xmlns:ma14="http://schemas.microsoft.com/office/mac/drawingml/2011/main" val="1"/>
+              <ma14:wrappingTextBoxFlag xmlns:ma14="http://schemas.microsoft.com/office/mac/drawingml/2011/main" xmlns:a14="http://schemas.microsoft.com/office/drawing/2010/main" xmlns:m="http://schemas.openxmlformats.org/officeDocument/2006/math" xmlns="" val="1"/>
             </a:ext>
           </a:extLst>
         </p:spPr>
@@ -18922,7 +18928,7 @@
           </a:effectLst>
           <a:extLst>
             <a:ext uri="{C572A759-6A51-4108-AA02-DFA0A04FC94B}">
-              <ma14:wrappingTextBoxFlag xmlns="" xmlns:m="http://schemas.openxmlformats.org/officeDocument/2006/math" xmlns:a14="http://schemas.microsoft.com/office/drawing/2010/main" xmlns:ma14="http://schemas.microsoft.com/office/mac/drawingml/2011/main" val="1"/>
+              <ma14:wrappingTextBoxFlag xmlns:ma14="http://schemas.microsoft.com/office/mac/drawingml/2011/main" xmlns:a14="http://schemas.microsoft.com/office/drawing/2010/main" xmlns:m="http://schemas.openxmlformats.org/officeDocument/2006/math" xmlns="" val="1"/>
             </a:ext>
           </a:extLst>
         </p:spPr>
@@ -18989,7 +18995,7 @@
           </a:effectLst>
           <a:extLst>
             <a:ext uri="{C572A759-6A51-4108-AA02-DFA0A04FC94B}">
-              <ma14:wrappingTextBoxFlag xmlns="" xmlns:m="http://schemas.openxmlformats.org/officeDocument/2006/math" xmlns:a14="http://schemas.microsoft.com/office/drawing/2010/main" xmlns:ma14="http://schemas.microsoft.com/office/mac/drawingml/2011/main" val="1"/>
+              <ma14:wrappingTextBoxFlag xmlns:ma14="http://schemas.microsoft.com/office/mac/drawingml/2011/main" xmlns:a14="http://schemas.microsoft.com/office/drawing/2010/main" xmlns:m="http://schemas.openxmlformats.org/officeDocument/2006/math" xmlns="" val="1"/>
             </a:ext>
           </a:extLst>
         </p:spPr>
@@ -19056,7 +19062,7 @@
           </a:effectLst>
           <a:extLst>
             <a:ext uri="{C572A759-6A51-4108-AA02-DFA0A04FC94B}">
-              <ma14:wrappingTextBoxFlag xmlns="" xmlns:m="http://schemas.openxmlformats.org/officeDocument/2006/math" xmlns:a14="http://schemas.microsoft.com/office/drawing/2010/main" xmlns:ma14="http://schemas.microsoft.com/office/mac/drawingml/2011/main" val="1"/>
+              <ma14:wrappingTextBoxFlag xmlns:ma14="http://schemas.microsoft.com/office/mac/drawingml/2011/main" xmlns:a14="http://schemas.microsoft.com/office/drawing/2010/main" xmlns:m="http://schemas.openxmlformats.org/officeDocument/2006/math" xmlns="" val="1"/>
             </a:ext>
           </a:extLst>
         </p:spPr>
@@ -19123,7 +19129,7 @@
           </a:effectLst>
           <a:extLst>
             <a:ext uri="{C572A759-6A51-4108-AA02-DFA0A04FC94B}">
-              <ma14:wrappingTextBoxFlag xmlns="" xmlns:m="http://schemas.openxmlformats.org/officeDocument/2006/math" xmlns:a14="http://schemas.microsoft.com/office/drawing/2010/main" xmlns:ma14="http://schemas.microsoft.com/office/mac/drawingml/2011/main" val="1"/>
+              <ma14:wrappingTextBoxFlag xmlns:ma14="http://schemas.microsoft.com/office/mac/drawingml/2011/main" xmlns:a14="http://schemas.microsoft.com/office/drawing/2010/main" xmlns:m="http://schemas.openxmlformats.org/officeDocument/2006/math" xmlns="" val="1"/>
             </a:ext>
           </a:extLst>
         </p:spPr>
@@ -19190,7 +19196,7 @@
           </a:effectLst>
           <a:extLst>
             <a:ext uri="{C572A759-6A51-4108-AA02-DFA0A04FC94B}">
-              <ma14:wrappingTextBoxFlag xmlns="" xmlns:m="http://schemas.openxmlformats.org/officeDocument/2006/math" xmlns:a14="http://schemas.microsoft.com/office/drawing/2010/main" xmlns:ma14="http://schemas.microsoft.com/office/mac/drawingml/2011/main" val="1"/>
+              <ma14:wrappingTextBoxFlag xmlns:ma14="http://schemas.microsoft.com/office/mac/drawingml/2011/main" xmlns:a14="http://schemas.microsoft.com/office/drawing/2010/main" xmlns:m="http://schemas.openxmlformats.org/officeDocument/2006/math" xmlns="" val="1"/>
             </a:ext>
           </a:extLst>
         </p:spPr>
@@ -19257,7 +19263,7 @@
           </a:effectLst>
           <a:extLst>
             <a:ext uri="{C572A759-6A51-4108-AA02-DFA0A04FC94B}">
-              <ma14:wrappingTextBoxFlag xmlns="" xmlns:m="http://schemas.openxmlformats.org/officeDocument/2006/math" xmlns:a14="http://schemas.microsoft.com/office/drawing/2010/main" xmlns:ma14="http://schemas.microsoft.com/office/mac/drawingml/2011/main" val="1"/>
+              <ma14:wrappingTextBoxFlag xmlns:ma14="http://schemas.microsoft.com/office/mac/drawingml/2011/main" xmlns:a14="http://schemas.microsoft.com/office/drawing/2010/main" xmlns:m="http://schemas.openxmlformats.org/officeDocument/2006/math" xmlns="" val="1"/>
             </a:ext>
           </a:extLst>
         </p:spPr>
@@ -19324,7 +19330,7 @@
           </a:effectLst>
           <a:extLst>
             <a:ext uri="{C572A759-6A51-4108-AA02-DFA0A04FC94B}">
-              <ma14:wrappingTextBoxFlag xmlns="" xmlns:m="http://schemas.openxmlformats.org/officeDocument/2006/math" xmlns:a14="http://schemas.microsoft.com/office/drawing/2010/main" xmlns:ma14="http://schemas.microsoft.com/office/mac/drawingml/2011/main" val="1"/>
+              <ma14:wrappingTextBoxFlag xmlns:ma14="http://schemas.microsoft.com/office/mac/drawingml/2011/main" xmlns:a14="http://schemas.microsoft.com/office/drawing/2010/main" xmlns:m="http://schemas.openxmlformats.org/officeDocument/2006/math" xmlns="" val="1"/>
             </a:ext>
           </a:extLst>
         </p:spPr>
@@ -19391,7 +19397,7 @@
           </a:effectLst>
           <a:extLst>
             <a:ext uri="{C572A759-6A51-4108-AA02-DFA0A04FC94B}">
-              <ma14:wrappingTextBoxFlag xmlns="" xmlns:m="http://schemas.openxmlformats.org/officeDocument/2006/math" xmlns:a14="http://schemas.microsoft.com/office/drawing/2010/main" xmlns:ma14="http://schemas.microsoft.com/office/mac/drawingml/2011/main" val="1"/>
+              <ma14:wrappingTextBoxFlag xmlns:ma14="http://schemas.microsoft.com/office/mac/drawingml/2011/main" xmlns:a14="http://schemas.microsoft.com/office/drawing/2010/main" xmlns:m="http://schemas.openxmlformats.org/officeDocument/2006/math" xmlns="" val="1"/>
             </a:ext>
           </a:extLst>
         </p:spPr>
@@ -19458,7 +19464,7 @@
           </a:effectLst>
           <a:extLst>
             <a:ext uri="{C572A759-6A51-4108-AA02-DFA0A04FC94B}">
-              <ma14:wrappingTextBoxFlag xmlns="" xmlns:m="http://schemas.openxmlformats.org/officeDocument/2006/math" xmlns:a14="http://schemas.microsoft.com/office/drawing/2010/main" xmlns:ma14="http://schemas.microsoft.com/office/mac/drawingml/2011/main" val="1"/>
+              <ma14:wrappingTextBoxFlag xmlns:ma14="http://schemas.microsoft.com/office/mac/drawingml/2011/main" xmlns:a14="http://schemas.microsoft.com/office/drawing/2010/main" xmlns:m="http://schemas.openxmlformats.org/officeDocument/2006/math" xmlns="" val="1"/>
             </a:ext>
           </a:extLst>
         </p:spPr>
@@ -19525,7 +19531,7 @@
           </a:effectLst>
           <a:extLst>
             <a:ext uri="{C572A759-6A51-4108-AA02-DFA0A04FC94B}">
-              <ma14:wrappingTextBoxFlag xmlns="" xmlns:m="http://schemas.openxmlformats.org/officeDocument/2006/math" xmlns:a14="http://schemas.microsoft.com/office/drawing/2010/main" xmlns:ma14="http://schemas.microsoft.com/office/mac/drawingml/2011/main" val="1"/>
+              <ma14:wrappingTextBoxFlag xmlns:ma14="http://schemas.microsoft.com/office/mac/drawingml/2011/main" xmlns:a14="http://schemas.microsoft.com/office/drawing/2010/main" xmlns:m="http://schemas.openxmlformats.org/officeDocument/2006/math" xmlns="" val="1"/>
             </a:ext>
           </a:extLst>
         </p:spPr>
@@ -19592,7 +19598,7 @@
           </a:effectLst>
           <a:extLst>
             <a:ext uri="{C572A759-6A51-4108-AA02-DFA0A04FC94B}">
-              <ma14:wrappingTextBoxFlag xmlns="" xmlns:m="http://schemas.openxmlformats.org/officeDocument/2006/math" xmlns:a14="http://schemas.microsoft.com/office/drawing/2010/main" xmlns:ma14="http://schemas.microsoft.com/office/mac/drawingml/2011/main" val="1"/>
+              <ma14:wrappingTextBoxFlag xmlns:ma14="http://schemas.microsoft.com/office/mac/drawingml/2011/main" xmlns:a14="http://schemas.microsoft.com/office/drawing/2010/main" xmlns:m="http://schemas.openxmlformats.org/officeDocument/2006/math" xmlns="" val="1"/>
             </a:ext>
           </a:extLst>
         </p:spPr>
@@ -19771,7 +19777,7 @@
           </a:effectLst>
           <a:extLst>
             <a:ext uri="{C572A759-6A51-4108-AA02-DFA0A04FC94B}">
-              <ma14:wrappingTextBoxFlag xmlns="" xmlns:m="http://schemas.openxmlformats.org/officeDocument/2006/math" xmlns:a14="http://schemas.microsoft.com/office/drawing/2010/main" xmlns:ma14="http://schemas.microsoft.com/office/mac/drawingml/2011/main" val="1"/>
+              <ma14:wrappingTextBoxFlag xmlns:ma14="http://schemas.microsoft.com/office/mac/drawingml/2011/main" xmlns:a14="http://schemas.microsoft.com/office/drawing/2010/main" xmlns:m="http://schemas.openxmlformats.org/officeDocument/2006/math" xmlns="" val="1"/>
             </a:ext>
           </a:extLst>
         </p:spPr>
@@ -19848,7 +19854,7 @@
           </a:effectLst>
           <a:extLst>
             <a:ext uri="{C572A759-6A51-4108-AA02-DFA0A04FC94B}">
-              <ma14:wrappingTextBoxFlag xmlns="" xmlns:m="http://schemas.openxmlformats.org/officeDocument/2006/math" xmlns:a14="http://schemas.microsoft.com/office/drawing/2010/main" xmlns:ma14="http://schemas.microsoft.com/office/mac/drawingml/2011/main" val="1"/>
+              <ma14:wrappingTextBoxFlag xmlns:ma14="http://schemas.microsoft.com/office/mac/drawingml/2011/main" xmlns:a14="http://schemas.microsoft.com/office/drawing/2010/main" xmlns:m="http://schemas.openxmlformats.org/officeDocument/2006/math" xmlns="" val="1"/>
             </a:ext>
           </a:extLst>
         </p:spPr>
@@ -19912,7 +19918,7 @@
           </a:effectLst>
           <a:extLst>
             <a:ext uri="{C572A759-6A51-4108-AA02-DFA0A04FC94B}">
-              <ma14:wrappingTextBoxFlag xmlns="" xmlns:m="http://schemas.openxmlformats.org/officeDocument/2006/math" xmlns:a14="http://schemas.microsoft.com/office/drawing/2010/main" xmlns:ma14="http://schemas.microsoft.com/office/mac/drawingml/2011/main" val="1"/>
+              <ma14:wrappingTextBoxFlag xmlns:ma14="http://schemas.microsoft.com/office/mac/drawingml/2011/main" xmlns:a14="http://schemas.microsoft.com/office/drawing/2010/main" xmlns:m="http://schemas.openxmlformats.org/officeDocument/2006/math" xmlns="" val="1"/>
             </a:ext>
           </a:extLst>
         </p:spPr>
@@ -19976,7 +19982,7 @@
           </a:effectLst>
           <a:extLst>
             <a:ext uri="{C572A759-6A51-4108-AA02-DFA0A04FC94B}">
-              <ma14:wrappingTextBoxFlag xmlns="" xmlns:m="http://schemas.openxmlformats.org/officeDocument/2006/math" xmlns:a14="http://schemas.microsoft.com/office/drawing/2010/main" xmlns:ma14="http://schemas.microsoft.com/office/mac/drawingml/2011/main" val="1"/>
+              <ma14:wrappingTextBoxFlag xmlns:ma14="http://schemas.microsoft.com/office/mac/drawingml/2011/main" xmlns:a14="http://schemas.microsoft.com/office/drawing/2010/main" xmlns:m="http://schemas.openxmlformats.org/officeDocument/2006/math" xmlns="" val="1"/>
             </a:ext>
           </a:extLst>
         </p:spPr>
@@ -20040,7 +20046,7 @@
           </a:effectLst>
           <a:extLst>
             <a:ext uri="{C572A759-6A51-4108-AA02-DFA0A04FC94B}">
-              <ma14:wrappingTextBoxFlag xmlns="" xmlns:m="http://schemas.openxmlformats.org/officeDocument/2006/math" xmlns:a14="http://schemas.microsoft.com/office/drawing/2010/main" xmlns:ma14="http://schemas.microsoft.com/office/mac/drawingml/2011/main" val="1"/>
+              <ma14:wrappingTextBoxFlag xmlns:ma14="http://schemas.microsoft.com/office/mac/drawingml/2011/main" xmlns:a14="http://schemas.microsoft.com/office/drawing/2010/main" xmlns:m="http://schemas.openxmlformats.org/officeDocument/2006/math" xmlns="" val="1"/>
             </a:ext>
           </a:extLst>
         </p:spPr>
@@ -20104,7 +20110,7 @@
           </a:effectLst>
           <a:extLst>
             <a:ext uri="{C572A759-6A51-4108-AA02-DFA0A04FC94B}">
-              <ma14:wrappingTextBoxFlag xmlns="" xmlns:m="http://schemas.openxmlformats.org/officeDocument/2006/math" xmlns:a14="http://schemas.microsoft.com/office/drawing/2010/main" xmlns:ma14="http://schemas.microsoft.com/office/mac/drawingml/2011/main" val="1"/>
+              <ma14:wrappingTextBoxFlag xmlns:ma14="http://schemas.microsoft.com/office/mac/drawingml/2011/main" xmlns:a14="http://schemas.microsoft.com/office/drawing/2010/main" xmlns:m="http://schemas.openxmlformats.org/officeDocument/2006/math" xmlns="" val="1"/>
             </a:ext>
           </a:extLst>
         </p:spPr>
@@ -20168,7 +20174,7 @@
           </a:effectLst>
           <a:extLst>
             <a:ext uri="{C572A759-6A51-4108-AA02-DFA0A04FC94B}">
-              <ma14:wrappingTextBoxFlag xmlns="" xmlns:m="http://schemas.openxmlformats.org/officeDocument/2006/math" xmlns:a14="http://schemas.microsoft.com/office/drawing/2010/main" xmlns:ma14="http://schemas.microsoft.com/office/mac/drawingml/2011/main" val="1"/>
+              <ma14:wrappingTextBoxFlag xmlns:ma14="http://schemas.microsoft.com/office/mac/drawingml/2011/main" xmlns:a14="http://schemas.microsoft.com/office/drawing/2010/main" xmlns:m="http://schemas.openxmlformats.org/officeDocument/2006/math" xmlns="" val="1"/>
             </a:ext>
           </a:extLst>
         </p:spPr>
@@ -20232,7 +20238,7 @@
           </a:effectLst>
           <a:extLst>
             <a:ext uri="{C572A759-6A51-4108-AA02-DFA0A04FC94B}">
-              <ma14:wrappingTextBoxFlag xmlns="" xmlns:m="http://schemas.openxmlformats.org/officeDocument/2006/math" xmlns:a14="http://schemas.microsoft.com/office/drawing/2010/main" xmlns:ma14="http://schemas.microsoft.com/office/mac/drawingml/2011/main" val="1"/>
+              <ma14:wrappingTextBoxFlag xmlns:ma14="http://schemas.microsoft.com/office/mac/drawingml/2011/main" xmlns:a14="http://schemas.microsoft.com/office/drawing/2010/main" xmlns:m="http://schemas.openxmlformats.org/officeDocument/2006/math" xmlns="" val="1"/>
             </a:ext>
           </a:extLst>
         </p:spPr>
@@ -20301,7 +20307,7 @@
           </a:effectLst>
           <a:extLst>
             <a:ext uri="{C572A759-6A51-4108-AA02-DFA0A04FC94B}">
-              <ma14:wrappingTextBoxFlag xmlns="" xmlns:m="http://schemas.openxmlformats.org/officeDocument/2006/math" xmlns:a14="http://schemas.microsoft.com/office/drawing/2010/main" xmlns:ma14="http://schemas.microsoft.com/office/mac/drawingml/2011/main" val="1"/>
+              <ma14:wrappingTextBoxFlag xmlns:ma14="http://schemas.microsoft.com/office/mac/drawingml/2011/main" xmlns:a14="http://schemas.microsoft.com/office/drawing/2010/main" xmlns:m="http://schemas.openxmlformats.org/officeDocument/2006/math" xmlns="" val="1"/>
             </a:ext>
           </a:extLst>
         </p:spPr>
@@ -20378,7 +20384,7 @@
           </a:effectLst>
           <a:extLst>
             <a:ext uri="{C572A759-6A51-4108-AA02-DFA0A04FC94B}">
-              <ma14:wrappingTextBoxFlag xmlns="" xmlns:m="http://schemas.openxmlformats.org/officeDocument/2006/math" xmlns:a14="http://schemas.microsoft.com/office/drawing/2010/main" xmlns:ma14="http://schemas.microsoft.com/office/mac/drawingml/2011/main" val="1"/>
+              <ma14:wrappingTextBoxFlag xmlns:ma14="http://schemas.microsoft.com/office/mac/drawingml/2011/main" xmlns:a14="http://schemas.microsoft.com/office/drawing/2010/main" xmlns:m="http://schemas.openxmlformats.org/officeDocument/2006/math" xmlns="" val="1"/>
             </a:ext>
           </a:extLst>
         </p:spPr>
@@ -20509,7 +20515,7 @@
         <p:wipe dir="u"/>
       </p:transition>
     </mc:Choice>
-    <mc:Fallback xmlns="" xmlns:m="http://schemas.openxmlformats.org/officeDocument/2006/math" xmlns:a14="http://schemas.microsoft.com/office/drawing/2010/main">
+    <mc:Fallback xmlns:a14="http://schemas.microsoft.com/office/drawing/2010/main" xmlns:m="http://schemas.openxmlformats.org/officeDocument/2006/math" xmlns="">
       <p:transition spd="med">
         <p:fade/>
       </p:transition>
@@ -21469,7 +21475,7 @@
           </a:effectLst>
           <a:extLst>
             <a:ext uri="{C572A759-6A51-4108-AA02-DFA0A04FC94B}">
-              <ma14:wrappingTextBoxFlag xmlns="" xmlns:m="http://schemas.openxmlformats.org/officeDocument/2006/math" xmlns:a14="http://schemas.microsoft.com/office/drawing/2010/main" xmlns:ma14="http://schemas.microsoft.com/office/mac/drawingml/2011/main" val="1"/>
+              <ma14:wrappingTextBoxFlag xmlns:ma14="http://schemas.microsoft.com/office/mac/drawingml/2011/main" xmlns:a14="http://schemas.microsoft.com/office/drawing/2010/main" xmlns:m="http://schemas.openxmlformats.org/officeDocument/2006/math" xmlns="" val="1"/>
             </a:ext>
           </a:extLst>
         </p:spPr>
@@ -21536,7 +21542,7 @@
           </a:effectLst>
           <a:extLst>
             <a:ext uri="{C572A759-6A51-4108-AA02-DFA0A04FC94B}">
-              <ma14:wrappingTextBoxFlag xmlns="" xmlns:m="http://schemas.openxmlformats.org/officeDocument/2006/math" xmlns:a14="http://schemas.microsoft.com/office/drawing/2010/main" xmlns:ma14="http://schemas.microsoft.com/office/mac/drawingml/2011/main" val="1"/>
+              <ma14:wrappingTextBoxFlag xmlns:ma14="http://schemas.microsoft.com/office/mac/drawingml/2011/main" xmlns:a14="http://schemas.microsoft.com/office/drawing/2010/main" xmlns:m="http://schemas.openxmlformats.org/officeDocument/2006/math" xmlns="" val="1"/>
             </a:ext>
           </a:extLst>
         </p:spPr>
@@ -21603,7 +21609,7 @@
           </a:effectLst>
           <a:extLst>
             <a:ext uri="{C572A759-6A51-4108-AA02-DFA0A04FC94B}">
-              <ma14:wrappingTextBoxFlag xmlns="" xmlns:m="http://schemas.openxmlformats.org/officeDocument/2006/math" xmlns:a14="http://schemas.microsoft.com/office/drawing/2010/main" xmlns:ma14="http://schemas.microsoft.com/office/mac/drawingml/2011/main" val="1"/>
+              <ma14:wrappingTextBoxFlag xmlns:ma14="http://schemas.microsoft.com/office/mac/drawingml/2011/main" xmlns:a14="http://schemas.microsoft.com/office/drawing/2010/main" xmlns:m="http://schemas.openxmlformats.org/officeDocument/2006/math" xmlns="" val="1"/>
             </a:ext>
           </a:extLst>
         </p:spPr>
@@ -21670,7 +21676,7 @@
           </a:effectLst>
           <a:extLst>
             <a:ext uri="{C572A759-6A51-4108-AA02-DFA0A04FC94B}">
-              <ma14:wrappingTextBoxFlag xmlns="" xmlns:m="http://schemas.openxmlformats.org/officeDocument/2006/math" xmlns:a14="http://schemas.microsoft.com/office/drawing/2010/main" xmlns:ma14="http://schemas.microsoft.com/office/mac/drawingml/2011/main" val="1"/>
+              <ma14:wrappingTextBoxFlag xmlns:ma14="http://schemas.microsoft.com/office/mac/drawingml/2011/main" xmlns:a14="http://schemas.microsoft.com/office/drawing/2010/main" xmlns:m="http://schemas.openxmlformats.org/officeDocument/2006/math" xmlns="" val="1"/>
             </a:ext>
           </a:extLst>
         </p:spPr>
@@ -21737,7 +21743,7 @@
           </a:effectLst>
           <a:extLst>
             <a:ext uri="{C572A759-6A51-4108-AA02-DFA0A04FC94B}">
-              <ma14:wrappingTextBoxFlag xmlns="" xmlns:m="http://schemas.openxmlformats.org/officeDocument/2006/math" xmlns:a14="http://schemas.microsoft.com/office/drawing/2010/main" xmlns:ma14="http://schemas.microsoft.com/office/mac/drawingml/2011/main" val="1"/>
+              <ma14:wrappingTextBoxFlag xmlns:ma14="http://schemas.microsoft.com/office/mac/drawingml/2011/main" xmlns:a14="http://schemas.microsoft.com/office/drawing/2010/main" xmlns:m="http://schemas.openxmlformats.org/officeDocument/2006/math" xmlns="" val="1"/>
             </a:ext>
           </a:extLst>
         </p:spPr>
@@ -21804,7 +21810,7 @@
           </a:effectLst>
           <a:extLst>
             <a:ext uri="{C572A759-6A51-4108-AA02-DFA0A04FC94B}">
-              <ma14:wrappingTextBoxFlag xmlns="" xmlns:m="http://schemas.openxmlformats.org/officeDocument/2006/math" xmlns:a14="http://schemas.microsoft.com/office/drawing/2010/main" xmlns:ma14="http://schemas.microsoft.com/office/mac/drawingml/2011/main" val="1"/>
+              <ma14:wrappingTextBoxFlag xmlns:ma14="http://schemas.microsoft.com/office/mac/drawingml/2011/main" xmlns:a14="http://schemas.microsoft.com/office/drawing/2010/main" xmlns:m="http://schemas.openxmlformats.org/officeDocument/2006/math" xmlns="" val="1"/>
             </a:ext>
           </a:extLst>
         </p:spPr>
@@ -21871,7 +21877,7 @@
           </a:effectLst>
           <a:extLst>
             <a:ext uri="{C572A759-6A51-4108-AA02-DFA0A04FC94B}">
-              <ma14:wrappingTextBoxFlag xmlns="" xmlns:m="http://schemas.openxmlformats.org/officeDocument/2006/math" xmlns:a14="http://schemas.microsoft.com/office/drawing/2010/main" xmlns:ma14="http://schemas.microsoft.com/office/mac/drawingml/2011/main" val="1"/>
+              <ma14:wrappingTextBoxFlag xmlns:ma14="http://schemas.microsoft.com/office/mac/drawingml/2011/main" xmlns:a14="http://schemas.microsoft.com/office/drawing/2010/main" xmlns:m="http://schemas.openxmlformats.org/officeDocument/2006/math" xmlns="" val="1"/>
             </a:ext>
           </a:extLst>
         </p:spPr>
@@ -21938,7 +21944,7 @@
           </a:effectLst>
           <a:extLst>
             <a:ext uri="{C572A759-6A51-4108-AA02-DFA0A04FC94B}">
-              <ma14:wrappingTextBoxFlag xmlns="" xmlns:m="http://schemas.openxmlformats.org/officeDocument/2006/math" xmlns:a14="http://schemas.microsoft.com/office/drawing/2010/main" xmlns:ma14="http://schemas.microsoft.com/office/mac/drawingml/2011/main" val="1"/>
+              <ma14:wrappingTextBoxFlag xmlns:ma14="http://schemas.microsoft.com/office/mac/drawingml/2011/main" xmlns:a14="http://schemas.microsoft.com/office/drawing/2010/main" xmlns:m="http://schemas.openxmlformats.org/officeDocument/2006/math" xmlns="" val="1"/>
             </a:ext>
           </a:extLst>
         </p:spPr>
@@ -22005,7 +22011,7 @@
           </a:effectLst>
           <a:extLst>
             <a:ext uri="{C572A759-6A51-4108-AA02-DFA0A04FC94B}">
-              <ma14:wrappingTextBoxFlag xmlns="" xmlns:m="http://schemas.openxmlformats.org/officeDocument/2006/math" xmlns:a14="http://schemas.microsoft.com/office/drawing/2010/main" xmlns:ma14="http://schemas.microsoft.com/office/mac/drawingml/2011/main" val="1"/>
+              <ma14:wrappingTextBoxFlag xmlns:ma14="http://schemas.microsoft.com/office/mac/drawingml/2011/main" xmlns:a14="http://schemas.microsoft.com/office/drawing/2010/main" xmlns:m="http://schemas.openxmlformats.org/officeDocument/2006/math" xmlns="" val="1"/>
             </a:ext>
           </a:extLst>
         </p:spPr>
@@ -22072,7 +22078,7 @@
           </a:effectLst>
           <a:extLst>
             <a:ext uri="{C572A759-6A51-4108-AA02-DFA0A04FC94B}">
-              <ma14:wrappingTextBoxFlag xmlns="" xmlns:m="http://schemas.openxmlformats.org/officeDocument/2006/math" xmlns:a14="http://schemas.microsoft.com/office/drawing/2010/main" xmlns:ma14="http://schemas.microsoft.com/office/mac/drawingml/2011/main" val="1"/>
+              <ma14:wrappingTextBoxFlag xmlns:ma14="http://schemas.microsoft.com/office/mac/drawingml/2011/main" xmlns:a14="http://schemas.microsoft.com/office/drawing/2010/main" xmlns:m="http://schemas.openxmlformats.org/officeDocument/2006/math" xmlns="" val="1"/>
             </a:ext>
           </a:extLst>
         </p:spPr>
@@ -22139,7 +22145,7 @@
           </a:effectLst>
           <a:extLst>
             <a:ext uri="{C572A759-6A51-4108-AA02-DFA0A04FC94B}">
-              <ma14:wrappingTextBoxFlag xmlns="" xmlns:m="http://schemas.openxmlformats.org/officeDocument/2006/math" xmlns:a14="http://schemas.microsoft.com/office/drawing/2010/main" xmlns:ma14="http://schemas.microsoft.com/office/mac/drawingml/2011/main" val="1"/>
+              <ma14:wrappingTextBoxFlag xmlns:ma14="http://schemas.microsoft.com/office/mac/drawingml/2011/main" xmlns:a14="http://schemas.microsoft.com/office/drawing/2010/main" xmlns:m="http://schemas.openxmlformats.org/officeDocument/2006/math" xmlns="" val="1"/>
             </a:ext>
           </a:extLst>
         </p:spPr>
@@ -22318,7 +22324,7 @@
           </a:effectLst>
           <a:extLst>
             <a:ext uri="{C572A759-6A51-4108-AA02-DFA0A04FC94B}">
-              <ma14:wrappingTextBoxFlag xmlns="" xmlns:m="http://schemas.openxmlformats.org/officeDocument/2006/math" xmlns:a14="http://schemas.microsoft.com/office/drawing/2010/main" xmlns:ma14="http://schemas.microsoft.com/office/mac/drawingml/2011/main" val="1"/>
+              <ma14:wrappingTextBoxFlag xmlns:ma14="http://schemas.microsoft.com/office/mac/drawingml/2011/main" xmlns:a14="http://schemas.microsoft.com/office/drawing/2010/main" xmlns:m="http://schemas.openxmlformats.org/officeDocument/2006/math" xmlns="" val="1"/>
             </a:ext>
           </a:extLst>
         </p:spPr>
@@ -22395,7 +22401,7 @@
           </a:effectLst>
           <a:extLst>
             <a:ext uri="{C572A759-6A51-4108-AA02-DFA0A04FC94B}">
-              <ma14:wrappingTextBoxFlag xmlns="" xmlns:m="http://schemas.openxmlformats.org/officeDocument/2006/math" xmlns:a14="http://schemas.microsoft.com/office/drawing/2010/main" xmlns:ma14="http://schemas.microsoft.com/office/mac/drawingml/2011/main" val="1"/>
+              <ma14:wrappingTextBoxFlag xmlns:ma14="http://schemas.microsoft.com/office/mac/drawingml/2011/main" xmlns:a14="http://schemas.microsoft.com/office/drawing/2010/main" xmlns:m="http://schemas.openxmlformats.org/officeDocument/2006/math" xmlns="" val="1"/>
             </a:ext>
           </a:extLst>
         </p:spPr>
@@ -22459,7 +22465,7 @@
           </a:effectLst>
           <a:extLst>
             <a:ext uri="{C572A759-6A51-4108-AA02-DFA0A04FC94B}">
-              <ma14:wrappingTextBoxFlag xmlns="" xmlns:m="http://schemas.openxmlformats.org/officeDocument/2006/math" xmlns:a14="http://schemas.microsoft.com/office/drawing/2010/main" xmlns:ma14="http://schemas.microsoft.com/office/mac/drawingml/2011/main" val="1"/>
+              <ma14:wrappingTextBoxFlag xmlns:ma14="http://schemas.microsoft.com/office/mac/drawingml/2011/main" xmlns:a14="http://schemas.microsoft.com/office/drawing/2010/main" xmlns:m="http://schemas.openxmlformats.org/officeDocument/2006/math" xmlns="" val="1"/>
             </a:ext>
           </a:extLst>
         </p:spPr>
@@ -22523,7 +22529,7 @@
           </a:effectLst>
           <a:extLst>
             <a:ext uri="{C572A759-6A51-4108-AA02-DFA0A04FC94B}">
-              <ma14:wrappingTextBoxFlag xmlns="" xmlns:m="http://schemas.openxmlformats.org/officeDocument/2006/math" xmlns:a14="http://schemas.microsoft.com/office/drawing/2010/main" xmlns:ma14="http://schemas.microsoft.com/office/mac/drawingml/2011/main" val="1"/>
+              <ma14:wrappingTextBoxFlag xmlns:ma14="http://schemas.microsoft.com/office/mac/drawingml/2011/main" xmlns:a14="http://schemas.microsoft.com/office/drawing/2010/main" xmlns:m="http://schemas.openxmlformats.org/officeDocument/2006/math" xmlns="" val="1"/>
             </a:ext>
           </a:extLst>
         </p:spPr>
@@ -22587,7 +22593,7 @@
           </a:effectLst>
           <a:extLst>
             <a:ext uri="{C572A759-6A51-4108-AA02-DFA0A04FC94B}">
-              <ma14:wrappingTextBoxFlag xmlns="" xmlns:m="http://schemas.openxmlformats.org/officeDocument/2006/math" xmlns:a14="http://schemas.microsoft.com/office/drawing/2010/main" xmlns:ma14="http://schemas.microsoft.com/office/mac/drawingml/2011/main" val="1"/>
+              <ma14:wrappingTextBoxFlag xmlns:ma14="http://schemas.microsoft.com/office/mac/drawingml/2011/main" xmlns:a14="http://schemas.microsoft.com/office/drawing/2010/main" xmlns:m="http://schemas.openxmlformats.org/officeDocument/2006/math" xmlns="" val="1"/>
             </a:ext>
           </a:extLst>
         </p:spPr>
@@ -22651,7 +22657,7 @@
           </a:effectLst>
           <a:extLst>
             <a:ext uri="{C572A759-6A51-4108-AA02-DFA0A04FC94B}">
-              <ma14:wrappingTextBoxFlag xmlns="" xmlns:m="http://schemas.openxmlformats.org/officeDocument/2006/math" xmlns:a14="http://schemas.microsoft.com/office/drawing/2010/main" xmlns:ma14="http://schemas.microsoft.com/office/mac/drawingml/2011/main" val="1"/>
+              <ma14:wrappingTextBoxFlag xmlns:ma14="http://schemas.microsoft.com/office/mac/drawingml/2011/main" xmlns:a14="http://schemas.microsoft.com/office/drawing/2010/main" xmlns:m="http://schemas.openxmlformats.org/officeDocument/2006/math" xmlns="" val="1"/>
             </a:ext>
           </a:extLst>
         </p:spPr>
@@ -22715,7 +22721,7 @@
           </a:effectLst>
           <a:extLst>
             <a:ext uri="{C572A759-6A51-4108-AA02-DFA0A04FC94B}">
-              <ma14:wrappingTextBoxFlag xmlns="" xmlns:m="http://schemas.openxmlformats.org/officeDocument/2006/math" xmlns:a14="http://schemas.microsoft.com/office/drawing/2010/main" xmlns:ma14="http://schemas.microsoft.com/office/mac/drawingml/2011/main" val="1"/>
+              <ma14:wrappingTextBoxFlag xmlns:ma14="http://schemas.microsoft.com/office/mac/drawingml/2011/main" xmlns:a14="http://schemas.microsoft.com/office/drawing/2010/main" xmlns:m="http://schemas.openxmlformats.org/officeDocument/2006/math" xmlns="" val="1"/>
             </a:ext>
           </a:extLst>
         </p:spPr>
@@ -22779,7 +22785,7 @@
           </a:effectLst>
           <a:extLst>
             <a:ext uri="{C572A759-6A51-4108-AA02-DFA0A04FC94B}">
-              <ma14:wrappingTextBoxFlag xmlns="" xmlns:m="http://schemas.openxmlformats.org/officeDocument/2006/math" xmlns:a14="http://schemas.microsoft.com/office/drawing/2010/main" xmlns:ma14="http://schemas.microsoft.com/office/mac/drawingml/2011/main" val="1"/>
+              <ma14:wrappingTextBoxFlag xmlns:ma14="http://schemas.microsoft.com/office/mac/drawingml/2011/main" xmlns:a14="http://schemas.microsoft.com/office/drawing/2010/main" xmlns:m="http://schemas.openxmlformats.org/officeDocument/2006/math" xmlns="" val="1"/>
             </a:ext>
           </a:extLst>
         </p:spPr>
@@ -22848,7 +22854,7 @@
           </a:effectLst>
           <a:extLst>
             <a:ext uri="{C572A759-6A51-4108-AA02-DFA0A04FC94B}">
-              <ma14:wrappingTextBoxFlag xmlns="" xmlns:m="http://schemas.openxmlformats.org/officeDocument/2006/math" xmlns:a14="http://schemas.microsoft.com/office/drawing/2010/main" xmlns:ma14="http://schemas.microsoft.com/office/mac/drawingml/2011/main" val="1"/>
+              <ma14:wrappingTextBoxFlag xmlns:ma14="http://schemas.microsoft.com/office/mac/drawingml/2011/main" xmlns:a14="http://schemas.microsoft.com/office/drawing/2010/main" xmlns:m="http://schemas.openxmlformats.org/officeDocument/2006/math" xmlns="" val="1"/>
             </a:ext>
           </a:extLst>
         </p:spPr>
@@ -22925,7 +22931,7 @@
           </a:effectLst>
           <a:extLst>
             <a:ext uri="{C572A759-6A51-4108-AA02-DFA0A04FC94B}">
-              <ma14:wrappingTextBoxFlag xmlns="" xmlns:m="http://schemas.openxmlformats.org/officeDocument/2006/math" xmlns:a14="http://schemas.microsoft.com/office/drawing/2010/main" xmlns:ma14="http://schemas.microsoft.com/office/mac/drawingml/2011/main" val="1"/>
+              <ma14:wrappingTextBoxFlag xmlns:ma14="http://schemas.microsoft.com/office/mac/drawingml/2011/main" xmlns:a14="http://schemas.microsoft.com/office/drawing/2010/main" xmlns:m="http://schemas.openxmlformats.org/officeDocument/2006/math" xmlns="" val="1"/>
             </a:ext>
           </a:extLst>
         </p:spPr>
@@ -22994,7 +23000,7 @@
           </a:effectLst>
           <a:extLst>
             <a:ext uri="{C572A759-6A51-4108-AA02-DFA0A04FC94B}">
-              <ma14:wrappingTextBoxFlag xmlns="" xmlns:m="http://schemas.openxmlformats.org/officeDocument/2006/math" xmlns:a14="http://schemas.microsoft.com/office/drawing/2010/main" xmlns:ma14="http://schemas.microsoft.com/office/mac/drawingml/2011/main" val="1"/>
+              <ma14:wrappingTextBoxFlag xmlns:ma14="http://schemas.microsoft.com/office/mac/drawingml/2011/main" xmlns:a14="http://schemas.microsoft.com/office/drawing/2010/main" xmlns:m="http://schemas.openxmlformats.org/officeDocument/2006/math" xmlns="" val="1"/>
             </a:ext>
           </a:extLst>
         </p:spPr>
@@ -23071,7 +23077,7 @@
           </a:effectLst>
           <a:extLst>
             <a:ext uri="{C572A759-6A51-4108-AA02-DFA0A04FC94B}">
-              <ma14:wrappingTextBoxFlag xmlns="" xmlns:m="http://schemas.openxmlformats.org/officeDocument/2006/math" xmlns:a14="http://schemas.microsoft.com/office/drawing/2010/main" xmlns:ma14="http://schemas.microsoft.com/office/mac/drawingml/2011/main" val="1"/>
+              <ma14:wrappingTextBoxFlag xmlns:ma14="http://schemas.microsoft.com/office/mac/drawingml/2011/main" xmlns:a14="http://schemas.microsoft.com/office/drawing/2010/main" xmlns:m="http://schemas.openxmlformats.org/officeDocument/2006/math" xmlns="" val="1"/>
             </a:ext>
           </a:extLst>
         </p:spPr>
@@ -23135,7 +23141,7 @@
           </a:effectLst>
           <a:extLst>
             <a:ext uri="{C572A759-6A51-4108-AA02-DFA0A04FC94B}">
-              <ma14:wrappingTextBoxFlag xmlns="" xmlns:m="http://schemas.openxmlformats.org/officeDocument/2006/math" xmlns:a14="http://schemas.microsoft.com/office/drawing/2010/main" xmlns:ma14="http://schemas.microsoft.com/office/mac/drawingml/2011/main" val="1"/>
+              <ma14:wrappingTextBoxFlag xmlns:ma14="http://schemas.microsoft.com/office/mac/drawingml/2011/main" xmlns:a14="http://schemas.microsoft.com/office/drawing/2010/main" xmlns:m="http://schemas.openxmlformats.org/officeDocument/2006/math" xmlns="" val="1"/>
             </a:ext>
           </a:extLst>
         </p:spPr>
@@ -23266,7 +23272,7 @@
         <p:wipe dir="u"/>
       </p:transition>
     </mc:Choice>
-    <mc:Fallback xmlns="" xmlns:m="http://schemas.openxmlformats.org/officeDocument/2006/math" xmlns:a14="http://schemas.microsoft.com/office/drawing/2010/main">
+    <mc:Fallback xmlns:a14="http://schemas.microsoft.com/office/drawing/2010/main" xmlns:m="http://schemas.openxmlformats.org/officeDocument/2006/math" xmlns="">
       <p:transition spd="med">
         <p:fade/>
       </p:transition>
@@ -24093,7 +24099,7 @@
           </a:effectLst>
           <a:extLst>
             <a:ext uri="{C572A759-6A51-4108-AA02-DFA0A04FC94B}">
-              <ma14:wrappingTextBoxFlag xmlns="" xmlns:m="http://schemas.openxmlformats.org/officeDocument/2006/math" xmlns:a14="http://schemas.microsoft.com/office/drawing/2010/main" xmlns:ma14="http://schemas.microsoft.com/office/mac/drawingml/2011/main" val="1"/>
+              <ma14:wrappingTextBoxFlag xmlns:ma14="http://schemas.microsoft.com/office/mac/drawingml/2011/main" xmlns:a14="http://schemas.microsoft.com/office/drawing/2010/main" xmlns:m="http://schemas.openxmlformats.org/officeDocument/2006/math" xmlns="" val="1"/>
             </a:ext>
           </a:extLst>
         </p:spPr>
@@ -24160,7 +24166,7 @@
           </a:effectLst>
           <a:extLst>
             <a:ext uri="{C572A759-6A51-4108-AA02-DFA0A04FC94B}">
-              <ma14:wrappingTextBoxFlag xmlns="" xmlns:m="http://schemas.openxmlformats.org/officeDocument/2006/math" xmlns:a14="http://schemas.microsoft.com/office/drawing/2010/main" xmlns:ma14="http://schemas.microsoft.com/office/mac/drawingml/2011/main" val="1"/>
+              <ma14:wrappingTextBoxFlag xmlns:ma14="http://schemas.microsoft.com/office/mac/drawingml/2011/main" xmlns:a14="http://schemas.microsoft.com/office/drawing/2010/main" xmlns:m="http://schemas.openxmlformats.org/officeDocument/2006/math" xmlns="" val="1"/>
             </a:ext>
           </a:extLst>
         </p:spPr>
@@ -24227,7 +24233,7 @@
           </a:effectLst>
           <a:extLst>
             <a:ext uri="{C572A759-6A51-4108-AA02-DFA0A04FC94B}">
-              <ma14:wrappingTextBoxFlag xmlns="" xmlns:m="http://schemas.openxmlformats.org/officeDocument/2006/math" xmlns:a14="http://schemas.microsoft.com/office/drawing/2010/main" xmlns:ma14="http://schemas.microsoft.com/office/mac/drawingml/2011/main" val="1"/>
+              <ma14:wrappingTextBoxFlag xmlns:ma14="http://schemas.microsoft.com/office/mac/drawingml/2011/main" xmlns:a14="http://schemas.microsoft.com/office/drawing/2010/main" xmlns:m="http://schemas.openxmlformats.org/officeDocument/2006/math" xmlns="" val="1"/>
             </a:ext>
           </a:extLst>
         </p:spPr>
@@ -24294,7 +24300,7 @@
           </a:effectLst>
           <a:extLst>
             <a:ext uri="{C572A759-6A51-4108-AA02-DFA0A04FC94B}">
-              <ma14:wrappingTextBoxFlag xmlns="" xmlns:m="http://schemas.openxmlformats.org/officeDocument/2006/math" xmlns:a14="http://schemas.microsoft.com/office/drawing/2010/main" xmlns:ma14="http://schemas.microsoft.com/office/mac/drawingml/2011/main" val="1"/>
+              <ma14:wrappingTextBoxFlag xmlns:ma14="http://schemas.microsoft.com/office/mac/drawingml/2011/main" xmlns:a14="http://schemas.microsoft.com/office/drawing/2010/main" xmlns:m="http://schemas.openxmlformats.org/officeDocument/2006/math" xmlns="" val="1"/>
             </a:ext>
           </a:extLst>
         </p:spPr>
@@ -24361,7 +24367,7 @@
           </a:effectLst>
           <a:extLst>
             <a:ext uri="{C572A759-6A51-4108-AA02-DFA0A04FC94B}">
-              <ma14:wrappingTextBoxFlag xmlns="" xmlns:m="http://schemas.openxmlformats.org/officeDocument/2006/math" xmlns:a14="http://schemas.microsoft.com/office/drawing/2010/main" xmlns:ma14="http://schemas.microsoft.com/office/mac/drawingml/2011/main" val="1"/>
+              <ma14:wrappingTextBoxFlag xmlns:ma14="http://schemas.microsoft.com/office/mac/drawingml/2011/main" xmlns:a14="http://schemas.microsoft.com/office/drawing/2010/main" xmlns:m="http://schemas.openxmlformats.org/officeDocument/2006/math" xmlns="" val="1"/>
             </a:ext>
           </a:extLst>
         </p:spPr>
@@ -24428,7 +24434,7 @@
           </a:effectLst>
           <a:extLst>
             <a:ext uri="{C572A759-6A51-4108-AA02-DFA0A04FC94B}">
-              <ma14:wrappingTextBoxFlag xmlns="" xmlns:m="http://schemas.openxmlformats.org/officeDocument/2006/math" xmlns:a14="http://schemas.microsoft.com/office/drawing/2010/main" xmlns:ma14="http://schemas.microsoft.com/office/mac/drawingml/2011/main" val="1"/>
+              <ma14:wrappingTextBoxFlag xmlns:ma14="http://schemas.microsoft.com/office/mac/drawingml/2011/main" xmlns:a14="http://schemas.microsoft.com/office/drawing/2010/main" xmlns:m="http://schemas.openxmlformats.org/officeDocument/2006/math" xmlns="" val="1"/>
             </a:ext>
           </a:extLst>
         </p:spPr>
@@ -24495,7 +24501,7 @@
           </a:effectLst>
           <a:extLst>
             <a:ext uri="{C572A759-6A51-4108-AA02-DFA0A04FC94B}">
-              <ma14:wrappingTextBoxFlag xmlns="" xmlns:m="http://schemas.openxmlformats.org/officeDocument/2006/math" xmlns:a14="http://schemas.microsoft.com/office/drawing/2010/main" xmlns:ma14="http://schemas.microsoft.com/office/mac/drawingml/2011/main" val="1"/>
+              <ma14:wrappingTextBoxFlag xmlns:ma14="http://schemas.microsoft.com/office/mac/drawingml/2011/main" xmlns:a14="http://schemas.microsoft.com/office/drawing/2010/main" xmlns:m="http://schemas.openxmlformats.org/officeDocument/2006/math" xmlns="" val="1"/>
             </a:ext>
           </a:extLst>
         </p:spPr>
@@ -24562,7 +24568,7 @@
           </a:effectLst>
           <a:extLst>
             <a:ext uri="{C572A759-6A51-4108-AA02-DFA0A04FC94B}">
-              <ma14:wrappingTextBoxFlag xmlns="" xmlns:m="http://schemas.openxmlformats.org/officeDocument/2006/math" xmlns:a14="http://schemas.microsoft.com/office/drawing/2010/main" xmlns:ma14="http://schemas.microsoft.com/office/mac/drawingml/2011/main" val="1"/>
+              <ma14:wrappingTextBoxFlag xmlns:ma14="http://schemas.microsoft.com/office/mac/drawingml/2011/main" xmlns:a14="http://schemas.microsoft.com/office/drawing/2010/main" xmlns:m="http://schemas.openxmlformats.org/officeDocument/2006/math" xmlns="" val="1"/>
             </a:ext>
           </a:extLst>
         </p:spPr>
@@ -24629,7 +24635,7 @@
           </a:effectLst>
           <a:extLst>
             <a:ext uri="{C572A759-6A51-4108-AA02-DFA0A04FC94B}">
-              <ma14:wrappingTextBoxFlag xmlns="" xmlns:m="http://schemas.openxmlformats.org/officeDocument/2006/math" xmlns:a14="http://schemas.microsoft.com/office/drawing/2010/main" xmlns:ma14="http://schemas.microsoft.com/office/mac/drawingml/2011/main" val="1"/>
+              <ma14:wrappingTextBoxFlag xmlns:ma14="http://schemas.microsoft.com/office/mac/drawingml/2011/main" xmlns:a14="http://schemas.microsoft.com/office/drawing/2010/main" xmlns:m="http://schemas.openxmlformats.org/officeDocument/2006/math" xmlns="" val="1"/>
             </a:ext>
           </a:extLst>
         </p:spPr>
@@ -24696,7 +24702,7 @@
           </a:effectLst>
           <a:extLst>
             <a:ext uri="{C572A759-6A51-4108-AA02-DFA0A04FC94B}">
-              <ma14:wrappingTextBoxFlag xmlns="" xmlns:m="http://schemas.openxmlformats.org/officeDocument/2006/math" xmlns:a14="http://schemas.microsoft.com/office/drawing/2010/main" xmlns:ma14="http://schemas.microsoft.com/office/mac/drawingml/2011/main" val="1"/>
+              <ma14:wrappingTextBoxFlag xmlns:ma14="http://schemas.microsoft.com/office/mac/drawingml/2011/main" xmlns:a14="http://schemas.microsoft.com/office/drawing/2010/main" xmlns:m="http://schemas.openxmlformats.org/officeDocument/2006/math" xmlns="" val="1"/>
             </a:ext>
           </a:extLst>
         </p:spPr>
@@ -24763,7 +24769,7 @@
           </a:effectLst>
           <a:extLst>
             <a:ext uri="{C572A759-6A51-4108-AA02-DFA0A04FC94B}">
-              <ma14:wrappingTextBoxFlag xmlns="" xmlns:m="http://schemas.openxmlformats.org/officeDocument/2006/math" xmlns:a14="http://schemas.microsoft.com/office/drawing/2010/main" xmlns:ma14="http://schemas.microsoft.com/office/mac/drawingml/2011/main" val="1"/>
+              <ma14:wrappingTextBoxFlag xmlns:ma14="http://schemas.microsoft.com/office/mac/drawingml/2011/main" xmlns:a14="http://schemas.microsoft.com/office/drawing/2010/main" xmlns:m="http://schemas.openxmlformats.org/officeDocument/2006/math" xmlns="" val="1"/>
             </a:ext>
           </a:extLst>
         </p:spPr>
@@ -24942,7 +24948,7 @@
           </a:effectLst>
           <a:extLst>
             <a:ext uri="{C572A759-6A51-4108-AA02-DFA0A04FC94B}">
-              <ma14:wrappingTextBoxFlag xmlns="" xmlns:m="http://schemas.openxmlformats.org/officeDocument/2006/math" xmlns:a14="http://schemas.microsoft.com/office/drawing/2010/main" xmlns:ma14="http://schemas.microsoft.com/office/mac/drawingml/2011/main" val="1"/>
+              <ma14:wrappingTextBoxFlag xmlns:ma14="http://schemas.microsoft.com/office/mac/drawingml/2011/main" xmlns:a14="http://schemas.microsoft.com/office/drawing/2010/main" xmlns:m="http://schemas.openxmlformats.org/officeDocument/2006/math" xmlns="" val="1"/>
             </a:ext>
           </a:extLst>
         </p:spPr>
@@ -25019,7 +25025,7 @@
           </a:effectLst>
           <a:extLst>
             <a:ext uri="{C572A759-6A51-4108-AA02-DFA0A04FC94B}">
-              <ma14:wrappingTextBoxFlag xmlns="" xmlns:m="http://schemas.openxmlformats.org/officeDocument/2006/math" xmlns:a14="http://schemas.microsoft.com/office/drawing/2010/main" xmlns:ma14="http://schemas.microsoft.com/office/mac/drawingml/2011/main" val="1"/>
+              <ma14:wrappingTextBoxFlag xmlns:ma14="http://schemas.microsoft.com/office/mac/drawingml/2011/main" xmlns:a14="http://schemas.microsoft.com/office/drawing/2010/main" xmlns:m="http://schemas.openxmlformats.org/officeDocument/2006/math" xmlns="" val="1"/>
             </a:ext>
           </a:extLst>
         </p:spPr>
@@ -25083,7 +25089,7 @@
           </a:effectLst>
           <a:extLst>
             <a:ext uri="{C572A759-6A51-4108-AA02-DFA0A04FC94B}">
-              <ma14:wrappingTextBoxFlag xmlns="" xmlns:m="http://schemas.openxmlformats.org/officeDocument/2006/math" xmlns:a14="http://schemas.microsoft.com/office/drawing/2010/main" xmlns:ma14="http://schemas.microsoft.com/office/mac/drawingml/2011/main" val="1"/>
+              <ma14:wrappingTextBoxFlag xmlns:ma14="http://schemas.microsoft.com/office/mac/drawingml/2011/main" xmlns:a14="http://schemas.microsoft.com/office/drawing/2010/main" xmlns:m="http://schemas.openxmlformats.org/officeDocument/2006/math" xmlns="" val="1"/>
             </a:ext>
           </a:extLst>
         </p:spPr>
@@ -25147,7 +25153,7 @@
           </a:effectLst>
           <a:extLst>
             <a:ext uri="{C572A759-6A51-4108-AA02-DFA0A04FC94B}">
-              <ma14:wrappingTextBoxFlag xmlns="" xmlns:m="http://schemas.openxmlformats.org/officeDocument/2006/math" xmlns:a14="http://schemas.microsoft.com/office/drawing/2010/main" xmlns:ma14="http://schemas.microsoft.com/office/mac/drawingml/2011/main" val="1"/>
+              <ma14:wrappingTextBoxFlag xmlns:ma14="http://schemas.microsoft.com/office/mac/drawingml/2011/main" xmlns:a14="http://schemas.microsoft.com/office/drawing/2010/main" xmlns:m="http://schemas.openxmlformats.org/officeDocument/2006/math" xmlns="" val="1"/>
             </a:ext>
           </a:extLst>
         </p:spPr>
@@ -25211,7 +25217,7 @@
           </a:effectLst>
           <a:extLst>
             <a:ext uri="{C572A759-6A51-4108-AA02-DFA0A04FC94B}">
-              <ma14:wrappingTextBoxFlag xmlns="" xmlns:m="http://schemas.openxmlformats.org/officeDocument/2006/math" xmlns:a14="http://schemas.microsoft.com/office/drawing/2010/main" xmlns:ma14="http://schemas.microsoft.com/office/mac/drawingml/2011/main" val="1"/>
+              <ma14:wrappingTextBoxFlag xmlns:ma14="http://schemas.microsoft.com/office/mac/drawingml/2011/main" xmlns:a14="http://schemas.microsoft.com/office/drawing/2010/main" xmlns:m="http://schemas.openxmlformats.org/officeDocument/2006/math" xmlns="" val="1"/>
             </a:ext>
           </a:extLst>
         </p:spPr>
@@ -25275,7 +25281,7 @@
           </a:effectLst>
           <a:extLst>
             <a:ext uri="{C572A759-6A51-4108-AA02-DFA0A04FC94B}">
-              <ma14:wrappingTextBoxFlag xmlns="" xmlns:m="http://schemas.openxmlformats.org/officeDocument/2006/math" xmlns:a14="http://schemas.microsoft.com/office/drawing/2010/main" xmlns:ma14="http://schemas.microsoft.com/office/mac/drawingml/2011/main" val="1"/>
+              <ma14:wrappingTextBoxFlag xmlns:ma14="http://schemas.microsoft.com/office/mac/drawingml/2011/main" xmlns:a14="http://schemas.microsoft.com/office/drawing/2010/main" xmlns:m="http://schemas.openxmlformats.org/officeDocument/2006/math" xmlns="" val="1"/>
             </a:ext>
           </a:extLst>
         </p:spPr>
@@ -25339,7 +25345,7 @@
           </a:effectLst>
           <a:extLst>
             <a:ext uri="{C572A759-6A51-4108-AA02-DFA0A04FC94B}">
-              <ma14:wrappingTextBoxFlag xmlns="" xmlns:m="http://schemas.openxmlformats.org/officeDocument/2006/math" xmlns:a14="http://schemas.microsoft.com/office/drawing/2010/main" xmlns:ma14="http://schemas.microsoft.com/office/mac/drawingml/2011/main" val="1"/>
+              <ma14:wrappingTextBoxFlag xmlns:ma14="http://schemas.microsoft.com/office/mac/drawingml/2011/main" xmlns:a14="http://schemas.microsoft.com/office/drawing/2010/main" xmlns:m="http://schemas.openxmlformats.org/officeDocument/2006/math" xmlns="" val="1"/>
             </a:ext>
           </a:extLst>
         </p:spPr>
@@ -25403,7 +25409,7 @@
           </a:effectLst>
           <a:extLst>
             <a:ext uri="{C572A759-6A51-4108-AA02-DFA0A04FC94B}">
-              <ma14:wrappingTextBoxFlag xmlns="" xmlns:m="http://schemas.openxmlformats.org/officeDocument/2006/math" xmlns:a14="http://schemas.microsoft.com/office/drawing/2010/main" xmlns:ma14="http://schemas.microsoft.com/office/mac/drawingml/2011/main" val="1"/>
+              <ma14:wrappingTextBoxFlag xmlns:ma14="http://schemas.microsoft.com/office/mac/drawingml/2011/main" xmlns:a14="http://schemas.microsoft.com/office/drawing/2010/main" xmlns:m="http://schemas.openxmlformats.org/officeDocument/2006/math" xmlns="" val="1"/>
             </a:ext>
           </a:extLst>
         </p:spPr>
@@ -25472,7 +25478,7 @@
           </a:effectLst>
           <a:extLst>
             <a:ext uri="{C572A759-6A51-4108-AA02-DFA0A04FC94B}">
-              <ma14:wrappingTextBoxFlag xmlns="" xmlns:m="http://schemas.openxmlformats.org/officeDocument/2006/math" xmlns:a14="http://schemas.microsoft.com/office/drawing/2010/main" xmlns:ma14="http://schemas.microsoft.com/office/mac/drawingml/2011/main" val="1"/>
+              <ma14:wrappingTextBoxFlag xmlns:ma14="http://schemas.microsoft.com/office/mac/drawingml/2011/main" xmlns:a14="http://schemas.microsoft.com/office/drawing/2010/main" xmlns:m="http://schemas.openxmlformats.org/officeDocument/2006/math" xmlns="" val="1"/>
             </a:ext>
           </a:extLst>
         </p:spPr>
@@ -25549,7 +25555,7 @@
           </a:effectLst>
           <a:extLst>
             <a:ext uri="{C572A759-6A51-4108-AA02-DFA0A04FC94B}">
-              <ma14:wrappingTextBoxFlag xmlns="" xmlns:m="http://schemas.openxmlformats.org/officeDocument/2006/math" xmlns:a14="http://schemas.microsoft.com/office/drawing/2010/main" xmlns:ma14="http://schemas.microsoft.com/office/mac/drawingml/2011/main" val="1"/>
+              <ma14:wrappingTextBoxFlag xmlns:ma14="http://schemas.microsoft.com/office/mac/drawingml/2011/main" xmlns:a14="http://schemas.microsoft.com/office/drawing/2010/main" xmlns:m="http://schemas.openxmlformats.org/officeDocument/2006/math" xmlns="" val="1"/>
             </a:ext>
           </a:extLst>
         </p:spPr>
@@ -25618,7 +25624,7 @@
           </a:effectLst>
           <a:extLst>
             <a:ext uri="{C572A759-6A51-4108-AA02-DFA0A04FC94B}">
-              <ma14:wrappingTextBoxFlag xmlns="" xmlns:m="http://schemas.openxmlformats.org/officeDocument/2006/math" xmlns:a14="http://schemas.microsoft.com/office/drawing/2010/main" xmlns:ma14="http://schemas.microsoft.com/office/mac/drawingml/2011/main" val="1"/>
+              <ma14:wrappingTextBoxFlag xmlns:ma14="http://schemas.microsoft.com/office/mac/drawingml/2011/main" xmlns:a14="http://schemas.microsoft.com/office/drawing/2010/main" xmlns:m="http://schemas.openxmlformats.org/officeDocument/2006/math" xmlns="" val="1"/>
             </a:ext>
           </a:extLst>
         </p:spPr>
@@ -25695,7 +25701,7 @@
           </a:effectLst>
           <a:extLst>
             <a:ext uri="{C572A759-6A51-4108-AA02-DFA0A04FC94B}">
-              <ma14:wrappingTextBoxFlag xmlns="" xmlns:m="http://schemas.openxmlformats.org/officeDocument/2006/math" xmlns:a14="http://schemas.microsoft.com/office/drawing/2010/main" xmlns:ma14="http://schemas.microsoft.com/office/mac/drawingml/2011/main" val="1"/>
+              <ma14:wrappingTextBoxFlag xmlns:ma14="http://schemas.microsoft.com/office/mac/drawingml/2011/main" xmlns:a14="http://schemas.microsoft.com/office/drawing/2010/main" xmlns:m="http://schemas.openxmlformats.org/officeDocument/2006/math" xmlns="" val="1"/>
             </a:ext>
           </a:extLst>
         </p:spPr>
@@ -25759,7 +25765,7 @@
           </a:effectLst>
           <a:extLst>
             <a:ext uri="{C572A759-6A51-4108-AA02-DFA0A04FC94B}">
-              <ma14:wrappingTextBoxFlag xmlns="" xmlns:m="http://schemas.openxmlformats.org/officeDocument/2006/math" xmlns:a14="http://schemas.microsoft.com/office/drawing/2010/main" xmlns:ma14="http://schemas.microsoft.com/office/mac/drawingml/2011/main" val="1"/>
+              <ma14:wrappingTextBoxFlag xmlns:ma14="http://schemas.microsoft.com/office/mac/drawingml/2011/main" xmlns:a14="http://schemas.microsoft.com/office/drawing/2010/main" xmlns:m="http://schemas.openxmlformats.org/officeDocument/2006/math" xmlns="" val="1"/>
             </a:ext>
           </a:extLst>
         </p:spPr>
@@ -25828,7 +25834,7 @@
           </a:effectLst>
           <a:extLst>
             <a:ext uri="{C572A759-6A51-4108-AA02-DFA0A04FC94B}">
-              <ma14:wrappingTextBoxFlag xmlns="" xmlns:m="http://schemas.openxmlformats.org/officeDocument/2006/math" xmlns:a14="http://schemas.microsoft.com/office/drawing/2010/main" xmlns:ma14="http://schemas.microsoft.com/office/mac/drawingml/2011/main" val="1"/>
+              <ma14:wrappingTextBoxFlag xmlns:ma14="http://schemas.microsoft.com/office/mac/drawingml/2011/main" xmlns:a14="http://schemas.microsoft.com/office/drawing/2010/main" xmlns:m="http://schemas.openxmlformats.org/officeDocument/2006/math" xmlns="" val="1"/>
             </a:ext>
           </a:extLst>
         </p:spPr>
@@ -25905,7 +25911,7 @@
           </a:effectLst>
           <a:extLst>
             <a:ext uri="{C572A759-6A51-4108-AA02-DFA0A04FC94B}">
-              <ma14:wrappingTextBoxFlag xmlns="" xmlns:m="http://schemas.openxmlformats.org/officeDocument/2006/math" xmlns:a14="http://schemas.microsoft.com/office/drawing/2010/main" xmlns:ma14="http://schemas.microsoft.com/office/mac/drawingml/2011/main" val="1"/>
+              <ma14:wrappingTextBoxFlag xmlns:ma14="http://schemas.microsoft.com/office/mac/drawingml/2011/main" xmlns:a14="http://schemas.microsoft.com/office/drawing/2010/main" xmlns:m="http://schemas.openxmlformats.org/officeDocument/2006/math" xmlns="" val="1"/>
             </a:ext>
           </a:extLst>
         </p:spPr>
@@ -26054,7 +26060,7 @@
           </a:effectLst>
           <a:extLst>
             <a:ext uri="{C572A759-6A51-4108-AA02-DFA0A04FC94B}">
-              <ma14:wrappingTextBoxFlag xmlns="" xmlns:m="http://schemas.openxmlformats.org/officeDocument/2006/math" xmlns:a14="http://schemas.microsoft.com/office/drawing/2010/main" xmlns:ma14="http://schemas.microsoft.com/office/mac/drawingml/2011/main" val="1"/>
+              <ma14:wrappingTextBoxFlag xmlns:ma14="http://schemas.microsoft.com/office/mac/drawingml/2011/main" xmlns:a14="http://schemas.microsoft.com/office/drawing/2010/main" xmlns:m="http://schemas.openxmlformats.org/officeDocument/2006/math" xmlns="" val="1"/>
             </a:ext>
           </a:extLst>
         </p:spPr>
@@ -26100,7 +26106,7 @@
         <p:wipe dir="u"/>
       </p:transition>
     </mc:Choice>
-    <mc:Fallback xmlns="" xmlns:m="http://schemas.openxmlformats.org/officeDocument/2006/math" xmlns:a14="http://schemas.microsoft.com/office/drawing/2010/main">
+    <mc:Fallback xmlns:a14="http://schemas.microsoft.com/office/drawing/2010/main" xmlns:m="http://schemas.openxmlformats.org/officeDocument/2006/math" xmlns="">
       <p:transition spd="med">
         <p:fade/>
       </p:transition>
@@ -27168,7 +27174,7 @@
           </a:effectLst>
           <a:extLst>
             <a:ext uri="{C572A759-6A51-4108-AA02-DFA0A04FC94B}">
-              <ma14:wrappingTextBoxFlag xmlns="" xmlns:m="http://schemas.openxmlformats.org/officeDocument/2006/math" xmlns:a14="http://schemas.microsoft.com/office/drawing/2010/main" xmlns:ma14="http://schemas.microsoft.com/office/mac/drawingml/2011/main" val="1"/>
+              <ma14:wrappingTextBoxFlag xmlns:ma14="http://schemas.microsoft.com/office/mac/drawingml/2011/main" xmlns:a14="http://schemas.microsoft.com/office/drawing/2010/main" xmlns:m="http://schemas.openxmlformats.org/officeDocument/2006/math" xmlns="" val="1"/>
             </a:ext>
           </a:extLst>
         </p:spPr>
@@ -27237,7 +27243,7 @@
           </a:effectLst>
           <a:extLst>
             <a:ext uri="{C572A759-6A51-4108-AA02-DFA0A04FC94B}">
-              <ma14:wrappingTextBoxFlag xmlns="" xmlns:m="http://schemas.openxmlformats.org/officeDocument/2006/math" xmlns:a14="http://schemas.microsoft.com/office/drawing/2010/main" xmlns:ma14="http://schemas.microsoft.com/office/mac/drawingml/2011/main" val="1"/>
+              <ma14:wrappingTextBoxFlag xmlns:ma14="http://schemas.microsoft.com/office/mac/drawingml/2011/main" xmlns:a14="http://schemas.microsoft.com/office/drawing/2010/main" xmlns:m="http://schemas.openxmlformats.org/officeDocument/2006/math" xmlns="" val="1"/>
             </a:ext>
           </a:extLst>
         </p:spPr>
@@ -27306,7 +27312,7 @@
           </a:effectLst>
           <a:extLst>
             <a:ext uri="{C572A759-6A51-4108-AA02-DFA0A04FC94B}">
-              <ma14:wrappingTextBoxFlag xmlns="" xmlns:m="http://schemas.openxmlformats.org/officeDocument/2006/math" xmlns:a14="http://schemas.microsoft.com/office/drawing/2010/main" xmlns:ma14="http://schemas.microsoft.com/office/mac/drawingml/2011/main" val="1"/>
+              <ma14:wrappingTextBoxFlag xmlns:ma14="http://schemas.microsoft.com/office/mac/drawingml/2011/main" xmlns:a14="http://schemas.microsoft.com/office/drawing/2010/main" xmlns:m="http://schemas.openxmlformats.org/officeDocument/2006/math" xmlns="" val="1"/>
             </a:ext>
           </a:extLst>
         </p:spPr>
@@ -27375,7 +27381,7 @@
           </a:effectLst>
           <a:extLst>
             <a:ext uri="{C572A759-6A51-4108-AA02-DFA0A04FC94B}">
-              <ma14:wrappingTextBoxFlag xmlns="" xmlns:m="http://schemas.openxmlformats.org/officeDocument/2006/math" xmlns:a14="http://schemas.microsoft.com/office/drawing/2010/main" xmlns:ma14="http://schemas.microsoft.com/office/mac/drawingml/2011/main" val="1"/>
+              <ma14:wrappingTextBoxFlag xmlns:ma14="http://schemas.microsoft.com/office/mac/drawingml/2011/main" xmlns:a14="http://schemas.microsoft.com/office/drawing/2010/main" xmlns:m="http://schemas.openxmlformats.org/officeDocument/2006/math" xmlns="" val="1"/>
             </a:ext>
           </a:extLst>
         </p:spPr>
@@ -27444,7 +27450,7 @@
           </a:effectLst>
           <a:extLst>
             <a:ext uri="{C572A759-6A51-4108-AA02-DFA0A04FC94B}">
-              <ma14:wrappingTextBoxFlag xmlns="" xmlns:m="http://schemas.openxmlformats.org/officeDocument/2006/math" xmlns:a14="http://schemas.microsoft.com/office/drawing/2010/main" xmlns:ma14="http://schemas.microsoft.com/office/mac/drawingml/2011/main" val="1"/>
+              <ma14:wrappingTextBoxFlag xmlns:ma14="http://schemas.microsoft.com/office/mac/drawingml/2011/main" xmlns:a14="http://schemas.microsoft.com/office/drawing/2010/main" xmlns:m="http://schemas.openxmlformats.org/officeDocument/2006/math" xmlns="" val="1"/>
             </a:ext>
           </a:extLst>
         </p:spPr>
@@ -27513,7 +27519,7 @@
           </a:effectLst>
           <a:extLst>
             <a:ext uri="{C572A759-6A51-4108-AA02-DFA0A04FC94B}">
-              <ma14:wrappingTextBoxFlag xmlns="" xmlns:m="http://schemas.openxmlformats.org/officeDocument/2006/math" xmlns:a14="http://schemas.microsoft.com/office/drawing/2010/main" xmlns:ma14="http://schemas.microsoft.com/office/mac/drawingml/2011/main" val="1"/>
+              <ma14:wrappingTextBoxFlag xmlns:ma14="http://schemas.microsoft.com/office/mac/drawingml/2011/main" xmlns:a14="http://schemas.microsoft.com/office/drawing/2010/main" xmlns:m="http://schemas.openxmlformats.org/officeDocument/2006/math" xmlns="" val="1"/>
             </a:ext>
           </a:extLst>
         </p:spPr>
@@ -27582,7 +27588,7 @@
           </a:effectLst>
           <a:extLst>
             <a:ext uri="{C572A759-6A51-4108-AA02-DFA0A04FC94B}">
-              <ma14:wrappingTextBoxFlag xmlns="" xmlns:m="http://schemas.openxmlformats.org/officeDocument/2006/math" xmlns:a14="http://schemas.microsoft.com/office/drawing/2010/main" xmlns:ma14="http://schemas.microsoft.com/office/mac/drawingml/2011/main" val="1"/>
+              <ma14:wrappingTextBoxFlag xmlns:ma14="http://schemas.microsoft.com/office/mac/drawingml/2011/main" xmlns:a14="http://schemas.microsoft.com/office/drawing/2010/main" xmlns:m="http://schemas.openxmlformats.org/officeDocument/2006/math" xmlns="" val="1"/>
             </a:ext>
           </a:extLst>
         </p:spPr>
@@ -27651,7 +27657,7 @@
           </a:effectLst>
           <a:extLst>
             <a:ext uri="{C572A759-6A51-4108-AA02-DFA0A04FC94B}">
-              <ma14:wrappingTextBoxFlag xmlns="" xmlns:m="http://schemas.openxmlformats.org/officeDocument/2006/math" xmlns:a14="http://schemas.microsoft.com/office/drawing/2010/main" xmlns:ma14="http://schemas.microsoft.com/office/mac/drawingml/2011/main" val="1"/>
+              <ma14:wrappingTextBoxFlag xmlns:ma14="http://schemas.microsoft.com/office/mac/drawingml/2011/main" xmlns:a14="http://schemas.microsoft.com/office/drawing/2010/main" xmlns:m="http://schemas.openxmlformats.org/officeDocument/2006/math" xmlns="" val="1"/>
             </a:ext>
           </a:extLst>
         </p:spPr>
@@ -27720,7 +27726,7 @@
           </a:effectLst>
           <a:extLst>
             <a:ext uri="{C572A759-6A51-4108-AA02-DFA0A04FC94B}">
-              <ma14:wrappingTextBoxFlag xmlns="" xmlns:m="http://schemas.openxmlformats.org/officeDocument/2006/math" xmlns:a14="http://schemas.microsoft.com/office/drawing/2010/main" xmlns:ma14="http://schemas.microsoft.com/office/mac/drawingml/2011/main" val="1"/>
+              <ma14:wrappingTextBoxFlag xmlns:ma14="http://schemas.microsoft.com/office/mac/drawingml/2011/main" xmlns:a14="http://schemas.microsoft.com/office/drawing/2010/main" xmlns:m="http://schemas.openxmlformats.org/officeDocument/2006/math" xmlns="" val="1"/>
             </a:ext>
           </a:extLst>
         </p:spPr>
@@ -27789,7 +27795,7 @@
           </a:effectLst>
           <a:extLst>
             <a:ext uri="{C572A759-6A51-4108-AA02-DFA0A04FC94B}">
-              <ma14:wrappingTextBoxFlag xmlns="" xmlns:m="http://schemas.openxmlformats.org/officeDocument/2006/math" xmlns:a14="http://schemas.microsoft.com/office/drawing/2010/main" xmlns:ma14="http://schemas.microsoft.com/office/mac/drawingml/2011/main" val="1"/>
+              <ma14:wrappingTextBoxFlag xmlns:ma14="http://schemas.microsoft.com/office/mac/drawingml/2011/main" xmlns:a14="http://schemas.microsoft.com/office/drawing/2010/main" xmlns:m="http://schemas.openxmlformats.org/officeDocument/2006/math" xmlns="" val="1"/>
             </a:ext>
           </a:extLst>
         </p:spPr>
@@ -27858,7 +27864,7 @@
           </a:effectLst>
           <a:extLst>
             <a:ext uri="{C572A759-6A51-4108-AA02-DFA0A04FC94B}">
-              <ma14:wrappingTextBoxFlag xmlns="" xmlns:m="http://schemas.openxmlformats.org/officeDocument/2006/math" xmlns:a14="http://schemas.microsoft.com/office/drawing/2010/main" xmlns:ma14="http://schemas.microsoft.com/office/mac/drawingml/2011/main" val="1"/>
+              <ma14:wrappingTextBoxFlag xmlns:ma14="http://schemas.microsoft.com/office/mac/drawingml/2011/main" xmlns:a14="http://schemas.microsoft.com/office/drawing/2010/main" xmlns:m="http://schemas.openxmlformats.org/officeDocument/2006/math" xmlns="" val="1"/>
             </a:ext>
           </a:extLst>
         </p:spPr>
@@ -28034,7 +28040,7 @@
           </a:effectLst>
           <a:extLst>
             <a:ext uri="{C572A759-6A51-4108-AA02-DFA0A04FC94B}">
-              <ma14:wrappingTextBoxFlag xmlns="" xmlns:m="http://schemas.openxmlformats.org/officeDocument/2006/math" xmlns:a14="http://schemas.microsoft.com/office/drawing/2010/main" xmlns:ma14="http://schemas.microsoft.com/office/mac/drawingml/2011/main" val="1"/>
+              <ma14:wrappingTextBoxFlag xmlns:ma14="http://schemas.microsoft.com/office/mac/drawingml/2011/main" xmlns:a14="http://schemas.microsoft.com/office/drawing/2010/main" xmlns:m="http://schemas.openxmlformats.org/officeDocument/2006/math" xmlns="" val="1"/>
             </a:ext>
           </a:extLst>
         </p:spPr>
@@ -28100,7 +28106,7 @@
           </a:effectLst>
           <a:extLst>
             <a:ext uri="{C572A759-6A51-4108-AA02-DFA0A04FC94B}">
-              <ma14:wrappingTextBoxFlag xmlns="" xmlns:m="http://schemas.openxmlformats.org/officeDocument/2006/math" xmlns:a14="http://schemas.microsoft.com/office/drawing/2010/main" xmlns:ma14="http://schemas.microsoft.com/office/mac/drawingml/2011/main" val="1"/>
+              <ma14:wrappingTextBoxFlag xmlns:ma14="http://schemas.microsoft.com/office/mac/drawingml/2011/main" xmlns:a14="http://schemas.microsoft.com/office/drawing/2010/main" xmlns:m="http://schemas.openxmlformats.org/officeDocument/2006/math" xmlns="" val="1"/>
             </a:ext>
           </a:extLst>
         </p:spPr>
@@ -28166,7 +28172,7 @@
           </a:effectLst>
           <a:extLst>
             <a:ext uri="{C572A759-6A51-4108-AA02-DFA0A04FC94B}">
-              <ma14:wrappingTextBoxFlag xmlns="" xmlns:m="http://schemas.openxmlformats.org/officeDocument/2006/math" xmlns:a14="http://schemas.microsoft.com/office/drawing/2010/main" xmlns:ma14="http://schemas.microsoft.com/office/mac/drawingml/2011/main" val="1"/>
+              <ma14:wrappingTextBoxFlag xmlns:ma14="http://schemas.microsoft.com/office/mac/drawingml/2011/main" xmlns:a14="http://schemas.microsoft.com/office/drawing/2010/main" xmlns:m="http://schemas.openxmlformats.org/officeDocument/2006/math" xmlns="" val="1"/>
             </a:ext>
           </a:extLst>
         </p:spPr>
@@ -28232,7 +28238,7 @@
           </a:effectLst>
           <a:extLst>
             <a:ext uri="{C572A759-6A51-4108-AA02-DFA0A04FC94B}">
-              <ma14:wrappingTextBoxFlag xmlns="" xmlns:m="http://schemas.openxmlformats.org/officeDocument/2006/math" xmlns:a14="http://schemas.microsoft.com/office/drawing/2010/main" xmlns:ma14="http://schemas.microsoft.com/office/mac/drawingml/2011/main" val="1"/>
+              <ma14:wrappingTextBoxFlag xmlns:ma14="http://schemas.microsoft.com/office/mac/drawingml/2011/main" xmlns:a14="http://schemas.microsoft.com/office/drawing/2010/main" xmlns:m="http://schemas.openxmlformats.org/officeDocument/2006/math" xmlns="" val="1"/>
             </a:ext>
           </a:extLst>
         </p:spPr>
@@ -28298,7 +28304,7 @@
           </a:effectLst>
           <a:extLst>
             <a:ext uri="{C572A759-6A51-4108-AA02-DFA0A04FC94B}">
-              <ma14:wrappingTextBoxFlag xmlns="" xmlns:m="http://schemas.openxmlformats.org/officeDocument/2006/math" xmlns:a14="http://schemas.microsoft.com/office/drawing/2010/main" xmlns:ma14="http://schemas.microsoft.com/office/mac/drawingml/2011/main" val="1"/>
+              <ma14:wrappingTextBoxFlag xmlns:ma14="http://schemas.microsoft.com/office/mac/drawingml/2011/main" xmlns:a14="http://schemas.microsoft.com/office/drawing/2010/main" xmlns:m="http://schemas.openxmlformats.org/officeDocument/2006/math" xmlns="" val="1"/>
             </a:ext>
           </a:extLst>
         </p:spPr>
@@ -28364,7 +28370,7 @@
           </a:effectLst>
           <a:extLst>
             <a:ext uri="{C572A759-6A51-4108-AA02-DFA0A04FC94B}">
-              <ma14:wrappingTextBoxFlag xmlns="" xmlns:m="http://schemas.openxmlformats.org/officeDocument/2006/math" xmlns:a14="http://schemas.microsoft.com/office/drawing/2010/main" xmlns:ma14="http://schemas.microsoft.com/office/mac/drawingml/2011/main" val="1"/>
+              <ma14:wrappingTextBoxFlag xmlns:ma14="http://schemas.microsoft.com/office/mac/drawingml/2011/main" xmlns:a14="http://schemas.microsoft.com/office/drawing/2010/main" xmlns:m="http://schemas.openxmlformats.org/officeDocument/2006/math" xmlns="" val="1"/>
             </a:ext>
           </a:extLst>
         </p:spPr>
@@ -28430,7 +28436,7 @@
           </a:effectLst>
           <a:extLst>
             <a:ext uri="{C572A759-6A51-4108-AA02-DFA0A04FC94B}">
-              <ma14:wrappingTextBoxFlag xmlns="" xmlns:m="http://schemas.openxmlformats.org/officeDocument/2006/math" xmlns:a14="http://schemas.microsoft.com/office/drawing/2010/main" xmlns:ma14="http://schemas.microsoft.com/office/mac/drawingml/2011/main" val="1"/>
+              <ma14:wrappingTextBoxFlag xmlns:ma14="http://schemas.microsoft.com/office/mac/drawingml/2011/main" xmlns:a14="http://schemas.microsoft.com/office/drawing/2010/main" xmlns:m="http://schemas.openxmlformats.org/officeDocument/2006/math" xmlns="" val="1"/>
             </a:ext>
           </a:extLst>
         </p:spPr>
@@ -28496,7 +28502,7 @@
           </a:effectLst>
           <a:extLst>
             <a:ext uri="{C572A759-6A51-4108-AA02-DFA0A04FC94B}">
-              <ma14:wrappingTextBoxFlag xmlns="" xmlns:m="http://schemas.openxmlformats.org/officeDocument/2006/math" xmlns:a14="http://schemas.microsoft.com/office/drawing/2010/main" xmlns:ma14="http://schemas.microsoft.com/office/mac/drawingml/2011/main" val="1"/>
+              <ma14:wrappingTextBoxFlag xmlns:ma14="http://schemas.microsoft.com/office/mac/drawingml/2011/main" xmlns:a14="http://schemas.microsoft.com/office/drawing/2010/main" xmlns:m="http://schemas.openxmlformats.org/officeDocument/2006/math" xmlns="" val="1"/>
             </a:ext>
           </a:extLst>
         </p:spPr>
@@ -28562,7 +28568,7 @@
           </a:effectLst>
           <a:extLst>
             <a:ext uri="{C572A759-6A51-4108-AA02-DFA0A04FC94B}">
-              <ma14:wrappingTextBoxFlag xmlns="" xmlns:m="http://schemas.openxmlformats.org/officeDocument/2006/math" xmlns:a14="http://schemas.microsoft.com/office/drawing/2010/main" xmlns:ma14="http://schemas.microsoft.com/office/mac/drawingml/2011/main" val="1"/>
+              <ma14:wrappingTextBoxFlag xmlns:ma14="http://schemas.microsoft.com/office/mac/drawingml/2011/main" xmlns:a14="http://schemas.microsoft.com/office/drawing/2010/main" xmlns:m="http://schemas.openxmlformats.org/officeDocument/2006/math" xmlns="" val="1"/>
             </a:ext>
           </a:extLst>
         </p:spPr>
@@ -28628,7 +28634,7 @@
           </a:effectLst>
           <a:extLst>
             <a:ext uri="{C572A759-6A51-4108-AA02-DFA0A04FC94B}">
-              <ma14:wrappingTextBoxFlag xmlns="" xmlns:m="http://schemas.openxmlformats.org/officeDocument/2006/math" xmlns:a14="http://schemas.microsoft.com/office/drawing/2010/main" xmlns:ma14="http://schemas.microsoft.com/office/mac/drawingml/2011/main" val="1"/>
+              <ma14:wrappingTextBoxFlag xmlns:ma14="http://schemas.microsoft.com/office/mac/drawingml/2011/main" xmlns:a14="http://schemas.microsoft.com/office/drawing/2010/main" xmlns:m="http://schemas.openxmlformats.org/officeDocument/2006/math" xmlns="" val="1"/>
             </a:ext>
           </a:extLst>
         </p:spPr>
@@ -28928,7 +28934,7 @@
           </a:effectLst>
           <a:extLst>
             <a:ext uri="{C572A759-6A51-4108-AA02-DFA0A04FC94B}">
-              <ma14:wrappingTextBoxFlag xmlns="" xmlns:m="http://schemas.openxmlformats.org/officeDocument/2006/math" xmlns:a14="http://schemas.microsoft.com/office/drawing/2010/main" xmlns:ma14="http://schemas.microsoft.com/office/mac/drawingml/2011/main" val="1"/>
+              <ma14:wrappingTextBoxFlag xmlns:ma14="http://schemas.microsoft.com/office/mac/drawingml/2011/main" xmlns:a14="http://schemas.microsoft.com/office/drawing/2010/main" xmlns:m="http://schemas.openxmlformats.org/officeDocument/2006/math" xmlns="" val="1"/>
             </a:ext>
           </a:extLst>
         </p:spPr>
@@ -29089,7 +29095,7 @@
               <a:effectLst/>
               <a:extLst>
                 <a:ext uri="{C572A759-6A51-4108-AA02-DFA0A04FC94B}">
-                  <ma14:wrappingTextBoxFlag xmlns="" xmlns:m="http://schemas.openxmlformats.org/officeDocument/2006/math" xmlns:a14="http://schemas.microsoft.com/office/drawing/2010/main" xmlns:ma14="http://schemas.microsoft.com/office/mac/drawingml/2011/main" val="1"/>
+                  <ma14:wrappingTextBoxFlag xmlns:ma14="http://schemas.microsoft.com/office/mac/drawingml/2011/main" xmlns:a14="http://schemas.microsoft.com/office/drawing/2010/main" xmlns:m="http://schemas.openxmlformats.org/officeDocument/2006/math" xmlns="" val="1"/>
                 </a:ext>
               </a:extLst>
             </p:spPr>
@@ -29202,7 +29208,7 @@
           </a:prstGeom>
           <a:extLst>
             <a:ext uri="{C572A759-6A51-4108-AA02-DFA0A04FC94B}">
-              <ma14:wrappingTextBoxFlag xmlns="" xmlns:m="http://schemas.openxmlformats.org/officeDocument/2006/math" xmlns:a14="http://schemas.microsoft.com/office/drawing/2010/main" xmlns:ma14="http://schemas.microsoft.com/office/mac/drawingml/2011/main" val="1"/>
+              <ma14:wrappingTextBoxFlag xmlns:ma14="http://schemas.microsoft.com/office/mac/drawingml/2011/main" xmlns:a14="http://schemas.microsoft.com/office/drawing/2010/main" xmlns:m="http://schemas.openxmlformats.org/officeDocument/2006/math" xmlns="" val="1"/>
             </a:ext>
           </a:extLst>
         </p:spPr>
@@ -31211,7 +31217,7 @@
           </a:effectLst>
           <a:extLst>
             <a:ext uri="{C572A759-6A51-4108-AA02-DFA0A04FC94B}">
-              <ma14:wrappingTextBoxFlag xmlns="" xmlns:m="http://schemas.openxmlformats.org/officeDocument/2006/math" xmlns:a14="http://schemas.microsoft.com/office/drawing/2010/main" xmlns:ma14="http://schemas.microsoft.com/office/mac/drawingml/2011/main" val="1"/>
+              <ma14:wrappingTextBoxFlag xmlns:ma14="http://schemas.microsoft.com/office/mac/drawingml/2011/main" xmlns:a14="http://schemas.microsoft.com/office/drawing/2010/main" xmlns:m="http://schemas.openxmlformats.org/officeDocument/2006/math" xmlns="" val="1"/>
             </a:ext>
           </a:extLst>
         </p:spPr>
@@ -31284,7 +31290,7 @@
           </a:effectLst>
           <a:extLst>
             <a:ext uri="{C572A759-6A51-4108-AA02-DFA0A04FC94B}">
-              <ma14:wrappingTextBoxFlag xmlns="" xmlns:m="http://schemas.openxmlformats.org/officeDocument/2006/math" xmlns:a14="http://schemas.microsoft.com/office/drawing/2010/main" xmlns:ma14="http://schemas.microsoft.com/office/mac/drawingml/2011/main" val="1"/>
+              <ma14:wrappingTextBoxFlag xmlns:ma14="http://schemas.microsoft.com/office/mac/drawingml/2011/main" xmlns:a14="http://schemas.microsoft.com/office/drawing/2010/main" xmlns:m="http://schemas.openxmlformats.org/officeDocument/2006/math" xmlns="" val="1"/>
             </a:ext>
           </a:extLst>
         </p:spPr>
@@ -31357,7 +31363,7 @@
           </a:effectLst>
           <a:extLst>
             <a:ext uri="{C572A759-6A51-4108-AA02-DFA0A04FC94B}">
-              <ma14:wrappingTextBoxFlag xmlns="" xmlns:m="http://schemas.openxmlformats.org/officeDocument/2006/math" xmlns:a14="http://schemas.microsoft.com/office/drawing/2010/main" xmlns:ma14="http://schemas.microsoft.com/office/mac/drawingml/2011/main" val="1"/>
+              <ma14:wrappingTextBoxFlag xmlns:ma14="http://schemas.microsoft.com/office/mac/drawingml/2011/main" xmlns:a14="http://schemas.microsoft.com/office/drawing/2010/main" xmlns:m="http://schemas.openxmlformats.org/officeDocument/2006/math" xmlns="" val="1"/>
             </a:ext>
           </a:extLst>
         </p:spPr>
@@ -31430,7 +31436,7 @@
           </a:effectLst>
           <a:extLst>
             <a:ext uri="{C572A759-6A51-4108-AA02-DFA0A04FC94B}">
-              <ma14:wrappingTextBoxFlag xmlns="" xmlns:m="http://schemas.openxmlformats.org/officeDocument/2006/math" xmlns:a14="http://schemas.microsoft.com/office/drawing/2010/main" xmlns:ma14="http://schemas.microsoft.com/office/mac/drawingml/2011/main" val="1"/>
+              <ma14:wrappingTextBoxFlag xmlns:ma14="http://schemas.microsoft.com/office/mac/drawingml/2011/main" xmlns:a14="http://schemas.microsoft.com/office/drawing/2010/main" xmlns:m="http://schemas.openxmlformats.org/officeDocument/2006/math" xmlns="" val="1"/>
             </a:ext>
           </a:extLst>
         </p:spPr>
@@ -31503,7 +31509,7 @@
           </a:effectLst>
           <a:extLst>
             <a:ext uri="{C572A759-6A51-4108-AA02-DFA0A04FC94B}">
-              <ma14:wrappingTextBoxFlag xmlns="" xmlns:m="http://schemas.openxmlformats.org/officeDocument/2006/math" xmlns:a14="http://schemas.microsoft.com/office/drawing/2010/main" xmlns:ma14="http://schemas.microsoft.com/office/mac/drawingml/2011/main" val="1"/>
+              <ma14:wrappingTextBoxFlag xmlns:ma14="http://schemas.microsoft.com/office/mac/drawingml/2011/main" xmlns:a14="http://schemas.microsoft.com/office/drawing/2010/main" xmlns:m="http://schemas.openxmlformats.org/officeDocument/2006/math" xmlns="" val="1"/>
             </a:ext>
           </a:extLst>
         </p:spPr>
@@ -31576,7 +31582,7 @@
           </a:effectLst>
           <a:extLst>
             <a:ext uri="{C572A759-6A51-4108-AA02-DFA0A04FC94B}">
-              <ma14:wrappingTextBoxFlag xmlns="" xmlns:m="http://schemas.openxmlformats.org/officeDocument/2006/math" xmlns:a14="http://schemas.microsoft.com/office/drawing/2010/main" xmlns:ma14="http://schemas.microsoft.com/office/mac/drawingml/2011/main" val="1"/>
+              <ma14:wrappingTextBoxFlag xmlns:ma14="http://schemas.microsoft.com/office/mac/drawingml/2011/main" xmlns:a14="http://schemas.microsoft.com/office/drawing/2010/main" xmlns:m="http://schemas.openxmlformats.org/officeDocument/2006/math" xmlns="" val="1"/>
             </a:ext>
           </a:extLst>
         </p:spPr>
@@ -31649,7 +31655,7 @@
           </a:effectLst>
           <a:extLst>
             <a:ext uri="{C572A759-6A51-4108-AA02-DFA0A04FC94B}">
-              <ma14:wrappingTextBoxFlag xmlns="" xmlns:m="http://schemas.openxmlformats.org/officeDocument/2006/math" xmlns:a14="http://schemas.microsoft.com/office/drawing/2010/main" xmlns:ma14="http://schemas.microsoft.com/office/mac/drawingml/2011/main" val="1"/>
+              <ma14:wrappingTextBoxFlag xmlns:ma14="http://schemas.microsoft.com/office/mac/drawingml/2011/main" xmlns:a14="http://schemas.microsoft.com/office/drawing/2010/main" xmlns:m="http://schemas.openxmlformats.org/officeDocument/2006/math" xmlns="" val="1"/>
             </a:ext>
           </a:extLst>
         </p:spPr>
@@ -31722,7 +31728,7 @@
           </a:effectLst>
           <a:extLst>
             <a:ext uri="{C572A759-6A51-4108-AA02-DFA0A04FC94B}">
-              <ma14:wrappingTextBoxFlag xmlns="" xmlns:m="http://schemas.openxmlformats.org/officeDocument/2006/math" xmlns:a14="http://schemas.microsoft.com/office/drawing/2010/main" xmlns:ma14="http://schemas.microsoft.com/office/mac/drawingml/2011/main" val="1"/>
+              <ma14:wrappingTextBoxFlag xmlns:ma14="http://schemas.microsoft.com/office/mac/drawingml/2011/main" xmlns:a14="http://schemas.microsoft.com/office/drawing/2010/main" xmlns:m="http://schemas.openxmlformats.org/officeDocument/2006/math" xmlns="" val="1"/>
             </a:ext>
           </a:extLst>
         </p:spPr>
@@ -31795,7 +31801,7 @@
           </a:effectLst>
           <a:extLst>
             <a:ext uri="{C572A759-6A51-4108-AA02-DFA0A04FC94B}">
-              <ma14:wrappingTextBoxFlag xmlns="" xmlns:m="http://schemas.openxmlformats.org/officeDocument/2006/math" xmlns:a14="http://schemas.microsoft.com/office/drawing/2010/main" xmlns:ma14="http://schemas.microsoft.com/office/mac/drawingml/2011/main" val="1"/>
+              <ma14:wrappingTextBoxFlag xmlns:ma14="http://schemas.microsoft.com/office/mac/drawingml/2011/main" xmlns:a14="http://schemas.microsoft.com/office/drawing/2010/main" xmlns:m="http://schemas.openxmlformats.org/officeDocument/2006/math" xmlns="" val="1"/>
             </a:ext>
           </a:extLst>
         </p:spPr>
@@ -31868,7 +31874,7 @@
           </a:effectLst>
           <a:extLst>
             <a:ext uri="{C572A759-6A51-4108-AA02-DFA0A04FC94B}">
-              <ma14:wrappingTextBoxFlag xmlns="" xmlns:m="http://schemas.openxmlformats.org/officeDocument/2006/math" xmlns:a14="http://schemas.microsoft.com/office/drawing/2010/main" xmlns:ma14="http://schemas.microsoft.com/office/mac/drawingml/2011/main" val="1"/>
+              <ma14:wrappingTextBoxFlag xmlns:ma14="http://schemas.microsoft.com/office/mac/drawingml/2011/main" xmlns:a14="http://schemas.microsoft.com/office/drawing/2010/main" xmlns:m="http://schemas.openxmlformats.org/officeDocument/2006/math" xmlns="" val="1"/>
             </a:ext>
           </a:extLst>
         </p:spPr>
@@ -31941,7 +31947,7 @@
           </a:effectLst>
           <a:extLst>
             <a:ext uri="{C572A759-6A51-4108-AA02-DFA0A04FC94B}">
-              <ma14:wrappingTextBoxFlag xmlns="" xmlns:m="http://schemas.openxmlformats.org/officeDocument/2006/math" xmlns:a14="http://schemas.microsoft.com/office/drawing/2010/main" xmlns:ma14="http://schemas.microsoft.com/office/mac/drawingml/2011/main" val="1"/>
+              <ma14:wrappingTextBoxFlag xmlns:ma14="http://schemas.microsoft.com/office/mac/drawingml/2011/main" xmlns:a14="http://schemas.microsoft.com/office/drawing/2010/main" xmlns:m="http://schemas.openxmlformats.org/officeDocument/2006/math" xmlns="" val="1"/>
             </a:ext>
           </a:extLst>
         </p:spPr>
@@ -32249,7 +32255,7 @@
           </a:effectLst>
           <a:extLst>
             <a:ext uri="{C572A759-6A51-4108-AA02-DFA0A04FC94B}">
-              <ma14:wrappingTextBoxFlag xmlns="" xmlns:m="http://schemas.openxmlformats.org/officeDocument/2006/math" xmlns:a14="http://schemas.microsoft.com/office/drawing/2010/main" xmlns:ma14="http://schemas.microsoft.com/office/mac/drawingml/2011/main" val="1"/>
+              <ma14:wrappingTextBoxFlag xmlns:ma14="http://schemas.microsoft.com/office/mac/drawingml/2011/main" xmlns:a14="http://schemas.microsoft.com/office/drawing/2010/main" xmlns:m="http://schemas.openxmlformats.org/officeDocument/2006/math" xmlns="" val="1"/>
             </a:ext>
           </a:extLst>
         </p:spPr>
@@ -32894,7 +32900,7 @@
           </a:prstGeom>
           <a:extLst>
             <a:ext uri="{C572A759-6A51-4108-AA02-DFA0A04FC94B}">
-              <ma14:wrappingTextBoxFlag xmlns="" xmlns:m="http://schemas.openxmlformats.org/officeDocument/2006/math" xmlns:a14="http://schemas.microsoft.com/office/drawing/2010/main" xmlns:ma14="http://schemas.microsoft.com/office/mac/drawingml/2011/main" val="1"/>
+              <ma14:wrappingTextBoxFlag xmlns:ma14="http://schemas.microsoft.com/office/mac/drawingml/2011/main" xmlns:a14="http://schemas.microsoft.com/office/drawing/2010/main" xmlns:m="http://schemas.openxmlformats.org/officeDocument/2006/math" xmlns="" val="1"/>
             </a:ext>
           </a:extLst>
         </p:spPr>
@@ -34459,7 +34465,7 @@
           </a:effectLst>
           <a:extLst>
             <a:ext uri="{C572A759-6A51-4108-AA02-DFA0A04FC94B}">
-              <ma14:wrappingTextBoxFlag xmlns="" xmlns:m="http://schemas.openxmlformats.org/officeDocument/2006/math" xmlns:a14="http://schemas.microsoft.com/office/drawing/2010/main" xmlns:ma14="http://schemas.microsoft.com/office/mac/drawingml/2011/main" val="1"/>
+              <ma14:wrappingTextBoxFlag xmlns:ma14="http://schemas.microsoft.com/office/mac/drawingml/2011/main" xmlns:a14="http://schemas.microsoft.com/office/drawing/2010/main" xmlns:m="http://schemas.openxmlformats.org/officeDocument/2006/math" xmlns="" val="1"/>
             </a:ext>
           </a:extLst>
         </p:spPr>
@@ -34532,7 +34538,7 @@
           </a:effectLst>
           <a:extLst>
             <a:ext uri="{C572A759-6A51-4108-AA02-DFA0A04FC94B}">
-              <ma14:wrappingTextBoxFlag xmlns="" xmlns:m="http://schemas.openxmlformats.org/officeDocument/2006/math" xmlns:a14="http://schemas.microsoft.com/office/drawing/2010/main" xmlns:ma14="http://schemas.microsoft.com/office/mac/drawingml/2011/main" val="1"/>
+              <ma14:wrappingTextBoxFlag xmlns:ma14="http://schemas.microsoft.com/office/mac/drawingml/2011/main" xmlns:a14="http://schemas.microsoft.com/office/drawing/2010/main" xmlns:m="http://schemas.openxmlformats.org/officeDocument/2006/math" xmlns="" val="1"/>
             </a:ext>
           </a:extLst>
         </p:spPr>
@@ -34605,7 +34611,7 @@
           </a:effectLst>
           <a:extLst>
             <a:ext uri="{C572A759-6A51-4108-AA02-DFA0A04FC94B}">
-              <ma14:wrappingTextBoxFlag xmlns="" xmlns:m="http://schemas.openxmlformats.org/officeDocument/2006/math" xmlns:a14="http://schemas.microsoft.com/office/drawing/2010/main" xmlns:ma14="http://schemas.microsoft.com/office/mac/drawingml/2011/main" val="1"/>
+              <ma14:wrappingTextBoxFlag xmlns:ma14="http://schemas.microsoft.com/office/mac/drawingml/2011/main" xmlns:a14="http://schemas.microsoft.com/office/drawing/2010/main" xmlns:m="http://schemas.openxmlformats.org/officeDocument/2006/math" xmlns="" val="1"/>
             </a:ext>
           </a:extLst>
         </p:spPr>
@@ -34678,7 +34684,7 @@
           </a:effectLst>
           <a:extLst>
             <a:ext uri="{C572A759-6A51-4108-AA02-DFA0A04FC94B}">
-              <ma14:wrappingTextBoxFlag xmlns="" xmlns:m="http://schemas.openxmlformats.org/officeDocument/2006/math" xmlns:a14="http://schemas.microsoft.com/office/drawing/2010/main" xmlns:ma14="http://schemas.microsoft.com/office/mac/drawingml/2011/main" val="1"/>
+              <ma14:wrappingTextBoxFlag xmlns:ma14="http://schemas.microsoft.com/office/mac/drawingml/2011/main" xmlns:a14="http://schemas.microsoft.com/office/drawing/2010/main" xmlns:m="http://schemas.openxmlformats.org/officeDocument/2006/math" xmlns="" val="1"/>
             </a:ext>
           </a:extLst>
         </p:spPr>
@@ -34751,7 +34757,7 @@
           </a:effectLst>
           <a:extLst>
             <a:ext uri="{C572A759-6A51-4108-AA02-DFA0A04FC94B}">
-              <ma14:wrappingTextBoxFlag xmlns="" xmlns:m="http://schemas.openxmlformats.org/officeDocument/2006/math" xmlns:a14="http://schemas.microsoft.com/office/drawing/2010/main" xmlns:ma14="http://schemas.microsoft.com/office/mac/drawingml/2011/main" val="1"/>
+              <ma14:wrappingTextBoxFlag xmlns:ma14="http://schemas.microsoft.com/office/mac/drawingml/2011/main" xmlns:a14="http://schemas.microsoft.com/office/drawing/2010/main" xmlns:m="http://schemas.openxmlformats.org/officeDocument/2006/math" xmlns="" val="1"/>
             </a:ext>
           </a:extLst>
         </p:spPr>
@@ -34824,7 +34830,7 @@
           </a:effectLst>
           <a:extLst>
             <a:ext uri="{C572A759-6A51-4108-AA02-DFA0A04FC94B}">
-              <ma14:wrappingTextBoxFlag xmlns="" xmlns:m="http://schemas.openxmlformats.org/officeDocument/2006/math" xmlns:a14="http://schemas.microsoft.com/office/drawing/2010/main" xmlns:ma14="http://schemas.microsoft.com/office/mac/drawingml/2011/main" val="1"/>
+              <ma14:wrappingTextBoxFlag xmlns:ma14="http://schemas.microsoft.com/office/mac/drawingml/2011/main" xmlns:a14="http://schemas.microsoft.com/office/drawing/2010/main" xmlns:m="http://schemas.openxmlformats.org/officeDocument/2006/math" xmlns="" val="1"/>
             </a:ext>
           </a:extLst>
         </p:spPr>
@@ -34897,7 +34903,7 @@
           </a:effectLst>
           <a:extLst>
             <a:ext uri="{C572A759-6A51-4108-AA02-DFA0A04FC94B}">
-              <ma14:wrappingTextBoxFlag xmlns="" xmlns:m="http://schemas.openxmlformats.org/officeDocument/2006/math" xmlns:a14="http://schemas.microsoft.com/office/drawing/2010/main" xmlns:ma14="http://schemas.microsoft.com/office/mac/drawingml/2011/main" val="1"/>
+              <ma14:wrappingTextBoxFlag xmlns:ma14="http://schemas.microsoft.com/office/mac/drawingml/2011/main" xmlns:a14="http://schemas.microsoft.com/office/drawing/2010/main" xmlns:m="http://schemas.openxmlformats.org/officeDocument/2006/math" xmlns="" val="1"/>
             </a:ext>
           </a:extLst>
         </p:spPr>
@@ -34970,7 +34976,7 @@
           </a:effectLst>
           <a:extLst>
             <a:ext uri="{C572A759-6A51-4108-AA02-DFA0A04FC94B}">
-              <ma14:wrappingTextBoxFlag xmlns="" xmlns:m="http://schemas.openxmlformats.org/officeDocument/2006/math" xmlns:a14="http://schemas.microsoft.com/office/drawing/2010/main" xmlns:ma14="http://schemas.microsoft.com/office/mac/drawingml/2011/main" val="1"/>
+              <ma14:wrappingTextBoxFlag xmlns:ma14="http://schemas.microsoft.com/office/mac/drawingml/2011/main" xmlns:a14="http://schemas.microsoft.com/office/drawing/2010/main" xmlns:m="http://schemas.openxmlformats.org/officeDocument/2006/math" xmlns="" val="1"/>
             </a:ext>
           </a:extLst>
         </p:spPr>
@@ -35043,7 +35049,7 @@
           </a:effectLst>
           <a:extLst>
             <a:ext uri="{C572A759-6A51-4108-AA02-DFA0A04FC94B}">
-              <ma14:wrappingTextBoxFlag xmlns="" xmlns:m="http://schemas.openxmlformats.org/officeDocument/2006/math" xmlns:a14="http://schemas.microsoft.com/office/drawing/2010/main" xmlns:ma14="http://schemas.microsoft.com/office/mac/drawingml/2011/main" val="1"/>
+              <ma14:wrappingTextBoxFlag xmlns:ma14="http://schemas.microsoft.com/office/mac/drawingml/2011/main" xmlns:a14="http://schemas.microsoft.com/office/drawing/2010/main" xmlns:m="http://schemas.openxmlformats.org/officeDocument/2006/math" xmlns="" val="1"/>
             </a:ext>
           </a:extLst>
         </p:spPr>
@@ -35116,7 +35122,7 @@
           </a:effectLst>
           <a:extLst>
             <a:ext uri="{C572A759-6A51-4108-AA02-DFA0A04FC94B}">
-              <ma14:wrappingTextBoxFlag xmlns="" xmlns:m="http://schemas.openxmlformats.org/officeDocument/2006/math" xmlns:a14="http://schemas.microsoft.com/office/drawing/2010/main" xmlns:ma14="http://schemas.microsoft.com/office/mac/drawingml/2011/main" val="1"/>
+              <ma14:wrappingTextBoxFlag xmlns:ma14="http://schemas.microsoft.com/office/mac/drawingml/2011/main" xmlns:a14="http://schemas.microsoft.com/office/drawing/2010/main" xmlns:m="http://schemas.openxmlformats.org/officeDocument/2006/math" xmlns="" val="1"/>
             </a:ext>
           </a:extLst>
         </p:spPr>
@@ -35189,7 +35195,7 @@
           </a:effectLst>
           <a:extLst>
             <a:ext uri="{C572A759-6A51-4108-AA02-DFA0A04FC94B}">
-              <ma14:wrappingTextBoxFlag xmlns="" xmlns:m="http://schemas.openxmlformats.org/officeDocument/2006/math" xmlns:a14="http://schemas.microsoft.com/office/drawing/2010/main" xmlns:ma14="http://schemas.microsoft.com/office/mac/drawingml/2011/main" val="1"/>
+              <ma14:wrappingTextBoxFlag xmlns:ma14="http://schemas.microsoft.com/office/mac/drawingml/2011/main" xmlns:a14="http://schemas.microsoft.com/office/drawing/2010/main" xmlns:m="http://schemas.openxmlformats.org/officeDocument/2006/math" xmlns="" val="1"/>
             </a:ext>
           </a:extLst>
         </p:spPr>
@@ -35595,7 +35601,7 @@
           </a:effectLst>
           <a:extLst>
             <a:ext uri="{C572A759-6A51-4108-AA02-DFA0A04FC94B}">
-              <ma14:wrappingTextBoxFlag xmlns="" xmlns:m="http://schemas.openxmlformats.org/officeDocument/2006/math" xmlns:a14="http://schemas.microsoft.com/office/drawing/2010/main" xmlns:ma14="http://schemas.microsoft.com/office/mac/drawingml/2011/main" val="1"/>
+              <ma14:wrappingTextBoxFlag xmlns:ma14="http://schemas.microsoft.com/office/mac/drawingml/2011/main" xmlns:a14="http://schemas.microsoft.com/office/drawing/2010/main" xmlns:m="http://schemas.openxmlformats.org/officeDocument/2006/math" xmlns="" val="1"/>
             </a:ext>
           </a:extLst>
         </p:spPr>
@@ -36312,7 +36318,7 @@
             <a:effectLst/>
             <a:extLst>
               <a:ext uri="{C572A759-6A51-4108-AA02-DFA0A04FC94B}">
-                <ma14:wrappingTextBoxFlag xmlns="" xmlns:m="http://schemas.openxmlformats.org/officeDocument/2006/math" xmlns:a14="http://schemas.microsoft.com/office/drawing/2010/main" xmlns:ma14="http://schemas.microsoft.com/office/mac/drawingml/2011/main" val="1"/>
+                <ma14:wrappingTextBoxFlag xmlns:ma14="http://schemas.microsoft.com/office/mac/drawingml/2011/main" xmlns:a14="http://schemas.microsoft.com/office/drawing/2010/main" xmlns:m="http://schemas.openxmlformats.org/officeDocument/2006/math" xmlns="" val="1"/>
               </a:ext>
             </a:extLst>
           </p:spPr>
@@ -36437,7 +36443,7 @@
             <a:effectLst/>
             <a:extLst>
               <a:ext uri="{C572A759-6A51-4108-AA02-DFA0A04FC94B}">
-                <ma14:wrappingTextBoxFlag xmlns="" xmlns:m="http://schemas.openxmlformats.org/officeDocument/2006/math" xmlns:a14="http://schemas.microsoft.com/office/drawing/2010/main" xmlns:ma14="http://schemas.microsoft.com/office/mac/drawingml/2011/main" val="1"/>
+                <ma14:wrappingTextBoxFlag xmlns:ma14="http://schemas.microsoft.com/office/mac/drawingml/2011/main" xmlns:a14="http://schemas.microsoft.com/office/drawing/2010/main" xmlns:m="http://schemas.openxmlformats.org/officeDocument/2006/math" xmlns="" val="1"/>
               </a:ext>
             </a:extLst>
           </p:spPr>
@@ -36562,7 +36568,7 @@
             <a:effectLst/>
             <a:extLst>
               <a:ext uri="{C572A759-6A51-4108-AA02-DFA0A04FC94B}">
-                <ma14:wrappingTextBoxFlag xmlns="" xmlns:m="http://schemas.openxmlformats.org/officeDocument/2006/math" xmlns:a14="http://schemas.microsoft.com/office/drawing/2010/main" xmlns:ma14="http://schemas.microsoft.com/office/mac/drawingml/2011/main" val="1"/>
+                <ma14:wrappingTextBoxFlag xmlns:ma14="http://schemas.microsoft.com/office/mac/drawingml/2011/main" xmlns:a14="http://schemas.microsoft.com/office/drawing/2010/main" xmlns:m="http://schemas.openxmlformats.org/officeDocument/2006/math" xmlns="" val="1"/>
               </a:ext>
             </a:extLst>
           </p:spPr>
@@ -36687,7 +36693,7 @@
             <a:effectLst/>
             <a:extLst>
               <a:ext uri="{C572A759-6A51-4108-AA02-DFA0A04FC94B}">
-                <ma14:wrappingTextBoxFlag xmlns="" xmlns:m="http://schemas.openxmlformats.org/officeDocument/2006/math" xmlns:a14="http://schemas.microsoft.com/office/drawing/2010/main" xmlns:ma14="http://schemas.microsoft.com/office/mac/drawingml/2011/main" val="1"/>
+                <ma14:wrappingTextBoxFlag xmlns:ma14="http://schemas.microsoft.com/office/mac/drawingml/2011/main" xmlns:a14="http://schemas.microsoft.com/office/drawing/2010/main" xmlns:m="http://schemas.openxmlformats.org/officeDocument/2006/math" xmlns="" val="1"/>
               </a:ext>
             </a:extLst>
           </p:spPr>
@@ -36812,7 +36818,7 @@
             <a:effectLst/>
             <a:extLst>
               <a:ext uri="{C572A759-6A51-4108-AA02-DFA0A04FC94B}">
-                <ma14:wrappingTextBoxFlag xmlns="" xmlns:m="http://schemas.openxmlformats.org/officeDocument/2006/math" xmlns:a14="http://schemas.microsoft.com/office/drawing/2010/main" xmlns:ma14="http://schemas.microsoft.com/office/mac/drawingml/2011/main" val="1"/>
+                <ma14:wrappingTextBoxFlag xmlns:ma14="http://schemas.microsoft.com/office/mac/drawingml/2011/main" xmlns:a14="http://schemas.microsoft.com/office/drawing/2010/main" xmlns:m="http://schemas.openxmlformats.org/officeDocument/2006/math" xmlns="" val="1"/>
               </a:ext>
             </a:extLst>
           </p:spPr>
@@ -36937,7 +36943,7 @@
             <a:effectLst/>
             <a:extLst>
               <a:ext uri="{C572A759-6A51-4108-AA02-DFA0A04FC94B}">
-                <ma14:wrappingTextBoxFlag xmlns="" xmlns:m="http://schemas.openxmlformats.org/officeDocument/2006/math" xmlns:a14="http://schemas.microsoft.com/office/drawing/2010/main" xmlns:ma14="http://schemas.microsoft.com/office/mac/drawingml/2011/main" val="1"/>
+                <ma14:wrappingTextBoxFlag xmlns:ma14="http://schemas.microsoft.com/office/mac/drawingml/2011/main" xmlns:a14="http://schemas.microsoft.com/office/drawing/2010/main" xmlns:m="http://schemas.openxmlformats.org/officeDocument/2006/math" xmlns="" val="1"/>
               </a:ext>
             </a:extLst>
           </p:spPr>
@@ -37062,7 +37068,7 @@
             <a:effectLst/>
             <a:extLst>
               <a:ext uri="{C572A759-6A51-4108-AA02-DFA0A04FC94B}">
-                <ma14:wrappingTextBoxFlag xmlns="" xmlns:m="http://schemas.openxmlformats.org/officeDocument/2006/math" xmlns:a14="http://schemas.microsoft.com/office/drawing/2010/main" xmlns:ma14="http://schemas.microsoft.com/office/mac/drawingml/2011/main" val="1"/>
+                <ma14:wrappingTextBoxFlag xmlns:ma14="http://schemas.microsoft.com/office/mac/drawingml/2011/main" xmlns:a14="http://schemas.microsoft.com/office/drawing/2010/main" xmlns:m="http://schemas.openxmlformats.org/officeDocument/2006/math" xmlns="" val="1"/>
               </a:ext>
             </a:extLst>
           </p:spPr>
@@ -37115,7 +37121,7 @@
           </a:prstGeom>
           <a:extLst>
             <a:ext uri="{C572A759-6A51-4108-AA02-DFA0A04FC94B}">
-              <ma14:wrappingTextBoxFlag xmlns="" xmlns:m="http://schemas.openxmlformats.org/officeDocument/2006/math" xmlns:a14="http://schemas.microsoft.com/office/drawing/2010/main" xmlns:ma14="http://schemas.microsoft.com/office/mac/drawingml/2011/main" val="1"/>
+              <ma14:wrappingTextBoxFlag xmlns:ma14="http://schemas.microsoft.com/office/mac/drawingml/2011/main" xmlns:a14="http://schemas.microsoft.com/office/drawing/2010/main" xmlns:m="http://schemas.openxmlformats.org/officeDocument/2006/math" xmlns="" val="1"/>
             </a:ext>
           </a:extLst>
         </p:spPr>
@@ -38692,7 +38698,7 @@
           </a:effectLst>
           <a:extLst>
             <a:ext uri="{C572A759-6A51-4108-AA02-DFA0A04FC94B}">
-              <ma14:wrappingTextBoxFlag xmlns="" xmlns:m="http://schemas.openxmlformats.org/officeDocument/2006/math" xmlns:a14="http://schemas.microsoft.com/office/drawing/2010/main" xmlns:ma14="http://schemas.microsoft.com/office/mac/drawingml/2011/main" val="1"/>
+              <ma14:wrappingTextBoxFlag xmlns:ma14="http://schemas.microsoft.com/office/mac/drawingml/2011/main" xmlns:a14="http://schemas.microsoft.com/office/drawing/2010/main" xmlns:m="http://schemas.openxmlformats.org/officeDocument/2006/math" xmlns="" val="1"/>
             </a:ext>
           </a:extLst>
         </p:spPr>
@@ -38765,7 +38771,7 @@
           </a:effectLst>
           <a:extLst>
             <a:ext uri="{C572A759-6A51-4108-AA02-DFA0A04FC94B}">
-              <ma14:wrappingTextBoxFlag xmlns="" xmlns:m="http://schemas.openxmlformats.org/officeDocument/2006/math" xmlns:a14="http://schemas.microsoft.com/office/drawing/2010/main" xmlns:ma14="http://schemas.microsoft.com/office/mac/drawingml/2011/main" val="1"/>
+              <ma14:wrappingTextBoxFlag xmlns:ma14="http://schemas.microsoft.com/office/mac/drawingml/2011/main" xmlns:a14="http://schemas.microsoft.com/office/drawing/2010/main" xmlns:m="http://schemas.openxmlformats.org/officeDocument/2006/math" xmlns="" val="1"/>
             </a:ext>
           </a:extLst>
         </p:spPr>
@@ -38838,7 +38844,7 @@
           </a:effectLst>
           <a:extLst>
             <a:ext uri="{C572A759-6A51-4108-AA02-DFA0A04FC94B}">
-              <ma14:wrappingTextBoxFlag xmlns="" xmlns:m="http://schemas.openxmlformats.org/officeDocument/2006/math" xmlns:a14="http://schemas.microsoft.com/office/drawing/2010/main" xmlns:ma14="http://schemas.microsoft.com/office/mac/drawingml/2011/main" val="1"/>
+              <ma14:wrappingTextBoxFlag xmlns:ma14="http://schemas.microsoft.com/office/mac/drawingml/2011/main" xmlns:a14="http://schemas.microsoft.com/office/drawing/2010/main" xmlns:m="http://schemas.openxmlformats.org/officeDocument/2006/math" xmlns="" val="1"/>
             </a:ext>
           </a:extLst>
         </p:spPr>
@@ -38911,7 +38917,7 @@
           </a:effectLst>
           <a:extLst>
             <a:ext uri="{C572A759-6A51-4108-AA02-DFA0A04FC94B}">
-              <ma14:wrappingTextBoxFlag xmlns="" xmlns:m="http://schemas.openxmlformats.org/officeDocument/2006/math" xmlns:a14="http://schemas.microsoft.com/office/drawing/2010/main" xmlns:ma14="http://schemas.microsoft.com/office/mac/drawingml/2011/main" val="1"/>
+              <ma14:wrappingTextBoxFlag xmlns:ma14="http://schemas.microsoft.com/office/mac/drawingml/2011/main" xmlns:a14="http://schemas.microsoft.com/office/drawing/2010/main" xmlns:m="http://schemas.openxmlformats.org/officeDocument/2006/math" xmlns="" val="1"/>
             </a:ext>
           </a:extLst>
         </p:spPr>
@@ -38984,7 +38990,7 @@
           </a:effectLst>
           <a:extLst>
             <a:ext uri="{C572A759-6A51-4108-AA02-DFA0A04FC94B}">
-              <ma14:wrappingTextBoxFlag xmlns="" xmlns:m="http://schemas.openxmlformats.org/officeDocument/2006/math" xmlns:a14="http://schemas.microsoft.com/office/drawing/2010/main" xmlns:ma14="http://schemas.microsoft.com/office/mac/drawingml/2011/main" val="1"/>
+              <ma14:wrappingTextBoxFlag xmlns:ma14="http://schemas.microsoft.com/office/mac/drawingml/2011/main" xmlns:a14="http://schemas.microsoft.com/office/drawing/2010/main" xmlns:m="http://schemas.openxmlformats.org/officeDocument/2006/math" xmlns="" val="1"/>
             </a:ext>
           </a:extLst>
         </p:spPr>
@@ -39057,7 +39063,7 @@
           </a:effectLst>
           <a:extLst>
             <a:ext uri="{C572A759-6A51-4108-AA02-DFA0A04FC94B}">
-              <ma14:wrappingTextBoxFlag xmlns="" xmlns:m="http://schemas.openxmlformats.org/officeDocument/2006/math" xmlns:a14="http://schemas.microsoft.com/office/drawing/2010/main" xmlns:ma14="http://schemas.microsoft.com/office/mac/drawingml/2011/main" val="1"/>
+              <ma14:wrappingTextBoxFlag xmlns:ma14="http://schemas.microsoft.com/office/mac/drawingml/2011/main" xmlns:a14="http://schemas.microsoft.com/office/drawing/2010/main" xmlns:m="http://schemas.openxmlformats.org/officeDocument/2006/math" xmlns="" val="1"/>
             </a:ext>
           </a:extLst>
         </p:spPr>
@@ -39130,7 +39136,7 @@
           </a:effectLst>
           <a:extLst>
             <a:ext uri="{C572A759-6A51-4108-AA02-DFA0A04FC94B}">
-              <ma14:wrappingTextBoxFlag xmlns="" xmlns:m="http://schemas.openxmlformats.org/officeDocument/2006/math" xmlns:a14="http://schemas.microsoft.com/office/drawing/2010/main" xmlns:ma14="http://schemas.microsoft.com/office/mac/drawingml/2011/main" val="1"/>
+              <ma14:wrappingTextBoxFlag xmlns:ma14="http://schemas.microsoft.com/office/mac/drawingml/2011/main" xmlns:a14="http://schemas.microsoft.com/office/drawing/2010/main" xmlns:m="http://schemas.openxmlformats.org/officeDocument/2006/math" xmlns="" val="1"/>
             </a:ext>
           </a:extLst>
         </p:spPr>
@@ -39203,7 +39209,7 @@
           </a:effectLst>
           <a:extLst>
             <a:ext uri="{C572A759-6A51-4108-AA02-DFA0A04FC94B}">
-              <ma14:wrappingTextBoxFlag xmlns="" xmlns:m="http://schemas.openxmlformats.org/officeDocument/2006/math" xmlns:a14="http://schemas.microsoft.com/office/drawing/2010/main" xmlns:ma14="http://schemas.microsoft.com/office/mac/drawingml/2011/main" val="1"/>
+              <ma14:wrappingTextBoxFlag xmlns:ma14="http://schemas.microsoft.com/office/mac/drawingml/2011/main" xmlns:a14="http://schemas.microsoft.com/office/drawing/2010/main" xmlns:m="http://schemas.openxmlformats.org/officeDocument/2006/math" xmlns="" val="1"/>
             </a:ext>
           </a:extLst>
         </p:spPr>
@@ -39276,7 +39282,7 @@
           </a:effectLst>
           <a:extLst>
             <a:ext uri="{C572A759-6A51-4108-AA02-DFA0A04FC94B}">
-              <ma14:wrappingTextBoxFlag xmlns="" xmlns:m="http://schemas.openxmlformats.org/officeDocument/2006/math" xmlns:a14="http://schemas.microsoft.com/office/drawing/2010/main" xmlns:ma14="http://schemas.microsoft.com/office/mac/drawingml/2011/main" val="1"/>
+              <ma14:wrappingTextBoxFlag xmlns:ma14="http://schemas.microsoft.com/office/mac/drawingml/2011/main" xmlns:a14="http://schemas.microsoft.com/office/drawing/2010/main" xmlns:m="http://schemas.openxmlformats.org/officeDocument/2006/math" xmlns="" val="1"/>
             </a:ext>
           </a:extLst>
         </p:spPr>
@@ -39349,7 +39355,7 @@
           </a:effectLst>
           <a:extLst>
             <a:ext uri="{C572A759-6A51-4108-AA02-DFA0A04FC94B}">
-              <ma14:wrappingTextBoxFlag xmlns="" xmlns:m="http://schemas.openxmlformats.org/officeDocument/2006/math" xmlns:a14="http://schemas.microsoft.com/office/drawing/2010/main" xmlns:ma14="http://schemas.microsoft.com/office/mac/drawingml/2011/main" val="1"/>
+              <ma14:wrappingTextBoxFlag xmlns:ma14="http://schemas.microsoft.com/office/mac/drawingml/2011/main" xmlns:a14="http://schemas.microsoft.com/office/drawing/2010/main" xmlns:m="http://schemas.openxmlformats.org/officeDocument/2006/math" xmlns="" val="1"/>
             </a:ext>
           </a:extLst>
         </p:spPr>
@@ -39422,7 +39428,7 @@
           </a:effectLst>
           <a:extLst>
             <a:ext uri="{C572A759-6A51-4108-AA02-DFA0A04FC94B}">
-              <ma14:wrappingTextBoxFlag xmlns="" xmlns:m="http://schemas.openxmlformats.org/officeDocument/2006/math" xmlns:a14="http://schemas.microsoft.com/office/drawing/2010/main" xmlns:ma14="http://schemas.microsoft.com/office/mac/drawingml/2011/main" val="1"/>
+              <ma14:wrappingTextBoxFlag xmlns:ma14="http://schemas.microsoft.com/office/mac/drawingml/2011/main" xmlns:a14="http://schemas.microsoft.com/office/drawing/2010/main" xmlns:m="http://schemas.openxmlformats.org/officeDocument/2006/math" xmlns="" val="1"/>
             </a:ext>
           </a:extLst>
         </p:spPr>
@@ -39730,7 +39736,7 @@
           </a:effectLst>
           <a:extLst>
             <a:ext uri="{C572A759-6A51-4108-AA02-DFA0A04FC94B}">
-              <ma14:wrappingTextBoxFlag xmlns="" xmlns:m="http://schemas.openxmlformats.org/officeDocument/2006/math" xmlns:a14="http://schemas.microsoft.com/office/drawing/2010/main" xmlns:ma14="http://schemas.microsoft.com/office/mac/drawingml/2011/main" val="1"/>
+              <ma14:wrappingTextBoxFlag xmlns:ma14="http://schemas.microsoft.com/office/mac/drawingml/2011/main" xmlns:a14="http://schemas.microsoft.com/office/drawing/2010/main" xmlns:m="http://schemas.openxmlformats.org/officeDocument/2006/math" xmlns="" val="1"/>
             </a:ext>
           </a:extLst>
         </p:spPr>
@@ -40447,7 +40453,7 @@
             <a:effectLst/>
             <a:extLst>
               <a:ext uri="{C572A759-6A51-4108-AA02-DFA0A04FC94B}">
-                <ma14:wrappingTextBoxFlag xmlns="" xmlns:m="http://schemas.openxmlformats.org/officeDocument/2006/math" xmlns:a14="http://schemas.microsoft.com/office/drawing/2010/main" xmlns:ma14="http://schemas.microsoft.com/office/mac/drawingml/2011/main" val="1"/>
+                <ma14:wrappingTextBoxFlag xmlns:ma14="http://schemas.microsoft.com/office/mac/drawingml/2011/main" xmlns:a14="http://schemas.microsoft.com/office/drawing/2010/main" xmlns:m="http://schemas.openxmlformats.org/officeDocument/2006/math" xmlns="" val="1"/>
               </a:ext>
             </a:extLst>
           </p:spPr>
@@ -40572,7 +40578,7 @@
             <a:effectLst/>
             <a:extLst>
               <a:ext uri="{C572A759-6A51-4108-AA02-DFA0A04FC94B}">
-                <ma14:wrappingTextBoxFlag xmlns="" xmlns:m="http://schemas.openxmlformats.org/officeDocument/2006/math" xmlns:a14="http://schemas.microsoft.com/office/drawing/2010/main" xmlns:ma14="http://schemas.microsoft.com/office/mac/drawingml/2011/main" val="1"/>
+                <ma14:wrappingTextBoxFlag xmlns:ma14="http://schemas.microsoft.com/office/mac/drawingml/2011/main" xmlns:a14="http://schemas.microsoft.com/office/drawing/2010/main" xmlns:m="http://schemas.openxmlformats.org/officeDocument/2006/math" xmlns="" val="1"/>
               </a:ext>
             </a:extLst>
           </p:spPr>
@@ -40697,7 +40703,7 @@
             <a:effectLst/>
             <a:extLst>
               <a:ext uri="{C572A759-6A51-4108-AA02-DFA0A04FC94B}">
-                <ma14:wrappingTextBoxFlag xmlns="" xmlns:m="http://schemas.openxmlformats.org/officeDocument/2006/math" xmlns:a14="http://schemas.microsoft.com/office/drawing/2010/main" xmlns:ma14="http://schemas.microsoft.com/office/mac/drawingml/2011/main" val="1"/>
+                <ma14:wrappingTextBoxFlag xmlns:ma14="http://schemas.microsoft.com/office/mac/drawingml/2011/main" xmlns:a14="http://schemas.microsoft.com/office/drawing/2010/main" xmlns:m="http://schemas.openxmlformats.org/officeDocument/2006/math" xmlns="" val="1"/>
               </a:ext>
             </a:extLst>
           </p:spPr>
@@ -40822,7 +40828,7 @@
             <a:effectLst/>
             <a:extLst>
               <a:ext uri="{C572A759-6A51-4108-AA02-DFA0A04FC94B}">
-                <ma14:wrappingTextBoxFlag xmlns="" xmlns:m="http://schemas.openxmlformats.org/officeDocument/2006/math" xmlns:a14="http://schemas.microsoft.com/office/drawing/2010/main" xmlns:ma14="http://schemas.microsoft.com/office/mac/drawingml/2011/main" val="1"/>
+                <ma14:wrappingTextBoxFlag xmlns:ma14="http://schemas.microsoft.com/office/mac/drawingml/2011/main" xmlns:a14="http://schemas.microsoft.com/office/drawing/2010/main" xmlns:m="http://schemas.openxmlformats.org/officeDocument/2006/math" xmlns="" val="1"/>
               </a:ext>
             </a:extLst>
           </p:spPr>
@@ -40947,7 +40953,7 @@
             <a:effectLst/>
             <a:extLst>
               <a:ext uri="{C572A759-6A51-4108-AA02-DFA0A04FC94B}">
-                <ma14:wrappingTextBoxFlag xmlns="" xmlns:m="http://schemas.openxmlformats.org/officeDocument/2006/math" xmlns:a14="http://schemas.microsoft.com/office/drawing/2010/main" xmlns:ma14="http://schemas.microsoft.com/office/mac/drawingml/2011/main" val="1"/>
+                <ma14:wrappingTextBoxFlag xmlns:ma14="http://schemas.microsoft.com/office/mac/drawingml/2011/main" xmlns:a14="http://schemas.microsoft.com/office/drawing/2010/main" xmlns:m="http://schemas.openxmlformats.org/officeDocument/2006/math" xmlns="" val="1"/>
               </a:ext>
             </a:extLst>
           </p:spPr>
@@ -41072,7 +41078,7 @@
             <a:effectLst/>
             <a:extLst>
               <a:ext uri="{C572A759-6A51-4108-AA02-DFA0A04FC94B}">
-                <ma14:wrappingTextBoxFlag xmlns="" xmlns:m="http://schemas.openxmlformats.org/officeDocument/2006/math" xmlns:a14="http://schemas.microsoft.com/office/drawing/2010/main" xmlns:ma14="http://schemas.microsoft.com/office/mac/drawingml/2011/main" val="1"/>
+                <ma14:wrappingTextBoxFlag xmlns:ma14="http://schemas.microsoft.com/office/mac/drawingml/2011/main" xmlns:a14="http://schemas.microsoft.com/office/drawing/2010/main" xmlns:m="http://schemas.openxmlformats.org/officeDocument/2006/math" xmlns="" val="1"/>
               </a:ext>
             </a:extLst>
           </p:spPr>
@@ -41197,7 +41203,7 @@
             <a:effectLst/>
             <a:extLst>
               <a:ext uri="{C572A759-6A51-4108-AA02-DFA0A04FC94B}">
-                <ma14:wrappingTextBoxFlag xmlns="" xmlns:m="http://schemas.openxmlformats.org/officeDocument/2006/math" xmlns:a14="http://schemas.microsoft.com/office/drawing/2010/main" xmlns:ma14="http://schemas.microsoft.com/office/mac/drawingml/2011/main" val="1"/>
+                <ma14:wrappingTextBoxFlag xmlns:ma14="http://schemas.microsoft.com/office/mac/drawingml/2011/main" xmlns:a14="http://schemas.microsoft.com/office/drawing/2010/main" xmlns:m="http://schemas.openxmlformats.org/officeDocument/2006/math" xmlns="" val="1"/>
               </a:ext>
             </a:extLst>
           </p:spPr>
@@ -41264,7 +41270,7 @@
           </a:effectLst>
           <a:extLst>
             <a:ext uri="{C572A759-6A51-4108-AA02-DFA0A04FC94B}">
-              <ma14:wrappingTextBoxFlag xmlns="" xmlns:m="http://schemas.openxmlformats.org/officeDocument/2006/math" xmlns:a14="http://schemas.microsoft.com/office/drawing/2010/main" xmlns:ma14="http://schemas.microsoft.com/office/mac/drawingml/2011/main" val="1"/>
+              <ma14:wrappingTextBoxFlag xmlns:ma14="http://schemas.microsoft.com/office/mac/drawingml/2011/main" xmlns:a14="http://schemas.microsoft.com/office/drawing/2010/main" xmlns:m="http://schemas.openxmlformats.org/officeDocument/2006/math" xmlns="" val="1"/>
             </a:ext>
           </a:extLst>
         </p:spPr>
@@ -41405,7 +41411,7 @@
             <a:effectLst/>
             <a:extLst>
               <a:ext uri="{C572A759-6A51-4108-AA02-DFA0A04FC94B}">
-                <ma14:wrappingTextBoxFlag xmlns="" xmlns:m="http://schemas.openxmlformats.org/officeDocument/2006/math" xmlns:a14="http://schemas.microsoft.com/office/drawing/2010/main" xmlns:ma14="http://schemas.microsoft.com/office/mac/drawingml/2011/main" val="1"/>
+                <ma14:wrappingTextBoxFlag xmlns:ma14="http://schemas.microsoft.com/office/mac/drawingml/2011/main" xmlns:a14="http://schemas.microsoft.com/office/drawing/2010/main" xmlns:m="http://schemas.openxmlformats.org/officeDocument/2006/math" xmlns="" val="1"/>
               </a:ext>
             </a:extLst>
           </p:spPr>
@@ -41660,7 +41666,7 @@
           </a:prstGeom>
           <a:extLst>
             <a:ext uri="{C572A759-6A51-4108-AA02-DFA0A04FC94B}">
-              <ma14:wrappingTextBoxFlag xmlns="" xmlns:m="http://schemas.openxmlformats.org/officeDocument/2006/math" xmlns:a14="http://schemas.microsoft.com/office/drawing/2010/main" xmlns:ma14="http://schemas.microsoft.com/office/mac/drawingml/2011/main" val="1"/>
+              <ma14:wrappingTextBoxFlag xmlns:ma14="http://schemas.microsoft.com/office/mac/drawingml/2011/main" xmlns:a14="http://schemas.microsoft.com/office/drawing/2010/main" xmlns:m="http://schemas.openxmlformats.org/officeDocument/2006/math" xmlns="" val="1"/>
             </a:ext>
           </a:extLst>
         </p:spPr>
@@ -44000,7 +44006,7 @@
             <a:effectLst/>
             <a:extLst>
               <a:ext uri="{C572A759-6A51-4108-AA02-DFA0A04FC94B}">
-                <ma14:wrappingTextBoxFlag xmlns:ma14="http://schemas.microsoft.com/office/mac/drawingml/2011/main" xmlns:a14="http://schemas.microsoft.com/office/drawing/2010/main" xmlns:m="http://schemas.openxmlformats.org/officeDocument/2006/math" xmlns="" val="1"/>
+                <ma14:wrappingTextBoxFlag xmlns="" xmlns:m="http://schemas.openxmlformats.org/officeDocument/2006/math" xmlns:a14="http://schemas.microsoft.com/office/drawing/2010/main" xmlns:ma14="http://schemas.microsoft.com/office/mac/drawingml/2011/main" val="1"/>
               </a:ext>
             </a:extLst>
           </p:spPr>

--- a/Slides/Lesson 5.2 Evaluating Tests.pptx
+++ b/Slides/Lesson 5.2 Evaluating Tests.pptx
@@ -2860,44 +2860,10 @@
           <a:bodyPr/>
           <a:lstStyle/>
           <a:p>
-            <a:pPr marL="0" indent="0">
-              <a:buSzPct val="100000"/>
-              <a:buNone/>
-              <a:defRPr sz="1800"/>
-            </a:pPr>
             <a:r>
               <a:rPr lang="en-US" dirty="0"/>
-              <a:t>Statement coverage criterion states that each statement (or CFG node) should be covered.</a:t>
-            </a:r>
-          </a:p>
-          <a:p>
-            <a:pPr marL="0" indent="0">
-              <a:buSzPct val="100000"/>
-              <a:buNone/>
-              <a:defRPr sz="1800"/>
-            </a:pPr>
-            <a:r>
-              <a:rPr lang="en-US" dirty="0"/>
-              <a:t>The rationale for this criterion is that a defect in a given statement can only be discovered if that statement is executed</a:t>
-            </a:r>
-          </a:p>
-          <a:p>
-            <a:pPr marL="0" indent="0">
-              <a:buSzPct val="100000"/>
-              <a:buNone/>
-              <a:defRPr sz="1800"/>
-            </a:pPr>
-            <a:r>
-              <a:rPr lang="en-US" dirty="0"/>
-              <a:t>You can express statement coverage as a percentage: &lt;…&gt;</a:t>
-            </a:r>
-          </a:p>
-          <a:p>
-            <a:pPr marL="0" indent="0">
-              <a:buFont typeface="Arial" panose="020B0604020202020204" pitchFamily="34" charset="0"/>
-              <a:buNone/>
-            </a:pPr>
-            <a:endParaRPr lang="en-US" dirty="0"/>
+              <a:t>There is a famous Dykstra's law which basically states that when you are testing your program, testing can be used to show the presence of bugs but it can never show the absence of those bugs. This comes from the fact that you cannot spend all your life on testing, you only have a finite amount of time for you to be able to test the program. So, every time you are going to provide a certain input to the system you are going to observe its behavior, and you only can do it a limited number of times. So that's why you can't run infinite tests.</a:t>
+            </a:r>
           </a:p>
         </p:txBody>
       </p:sp>
@@ -2918,7 +2884,7 @@
           <a:p>
             <a:fld id="{07937F07-1250-4CCE-B198-1B2887014F41}" type="slidenum">
               <a:rPr lang="en-US" smtClean="0"/>
-              <a:t>17</a:t>
+              <a:t>11</a:t>
             </a:fld>
             <a:endParaRPr lang="en-US"/>
           </a:p>
@@ -2927,7 +2893,7 @@
     </p:spTree>
     <p:extLst>
       <p:ext uri="{BB962C8B-B14F-4D97-AF65-F5344CB8AC3E}">
-        <p14:creationId xmlns:p14="http://schemas.microsoft.com/office/powerpoint/2010/main" val="2446755175"/>
+        <p14:creationId xmlns:p14="http://schemas.microsoft.com/office/powerpoint/2010/main" val="614742616"/>
       </p:ext>
     </p:extLst>
   </p:cSld>
@@ -2956,7 +2922,7 @@
       </p:grpSpPr>
       <p:sp>
         <p:nvSpPr>
-          <p:cNvPr id="576" name="Shape 576"/>
+          <p:cNvPr id="2" name="Slide Image Placeholder 1"/>
           <p:cNvSpPr>
             <a:spLocks noGrp="1" noRot="1" noChangeAspect="1"/>
           </p:cNvSpPr>
@@ -2964,94 +2930,78 @@
             <p:ph type="sldImg"/>
           </p:nvPr>
         </p:nvSpPr>
-        <p:spPr>
-          <a:prstGeom prst="rect">
-            <a:avLst/>
-          </a:prstGeom>
-        </p:spPr>
-        <p:txBody>
-          <a:bodyPr/>
-          <a:lstStyle/>
-          <a:p>
-            <a:endParaRPr/>
-          </a:p>
-        </p:txBody>
-      </p:sp>
-      <p:sp>
-        <p:nvSpPr>
-          <p:cNvPr id="577" name="Shape 577"/>
+        <p:spPr/>
+      </p:sp>
+      <p:sp>
+        <p:nvSpPr>
+          <p:cNvPr id="3" name="Notes Placeholder 2"/>
           <p:cNvSpPr>
             <a:spLocks noGrp="1"/>
           </p:cNvSpPr>
           <p:nvPr>
-            <p:ph type="body" sz="quarter" idx="1"/>
+            <p:ph type="body" idx="1"/>
           </p:nvPr>
         </p:nvSpPr>
-        <p:spPr>
-          <a:prstGeom prst="rect">
-            <a:avLst/>
-          </a:prstGeom>
-        </p:spPr>
+        <p:spPr/>
         <p:txBody>
           <a:bodyPr/>
           <a:lstStyle/>
           <a:p>
-            <a:pPr marL="228600" indent="-228600">
-              <a:lnSpc>
-                <a:spcPct val="100000"/>
-              </a:lnSpc>
+            <a:pPr marL="0" indent="0">
               <a:buSzPct val="100000"/>
-              <a:buChar char="•"/>
-              <a:defRPr sz="1200">
-                <a:latin typeface="Helvetica"/>
-                <a:ea typeface="Helvetica"/>
-                <a:cs typeface="Helvetica"/>
-                <a:sym typeface="Helvetica"/>
-              </a:defRPr>
+              <a:buNone/>
+              <a:defRPr sz="1900"/>
             </a:pPr>
             <a:r>
-              <a:t>Let’s apply this to the cgi_decode example</a:t>
-            </a:r>
-          </a:p>
-          <a:p>
-            <a:pPr marL="228600" indent="-228600">
-              <a:lnSpc>
-                <a:spcPct val="100000"/>
-              </a:lnSpc>
+              <a:rPr lang="en-US" dirty="0"/>
+              <a:t>You can think of systematic testing as a smart way to find needles in a haystack.</a:t>
+            </a:r>
+          </a:p>
+          <a:p>
+            <a:pPr marL="0" indent="0">
               <a:buSzPct val="100000"/>
-              <a:buChar char="•"/>
-              <a:defRPr sz="1200">
-                <a:latin typeface="Helvetica"/>
-                <a:ea typeface="Helvetica"/>
-                <a:cs typeface="Helvetica"/>
-                <a:sym typeface="Helvetica"/>
-              </a:defRPr>
+              <a:buNone/>
+              <a:defRPr sz="1900"/>
             </a:pPr>
             <a:r>
-              <a:t>The initial coverage is 7/11 blocks = 63%.  </a:t>
-            </a:r>
-          </a:p>
-          <a:p>
-            <a:pPr marL="228600" indent="-228600">
-              <a:lnSpc>
-                <a:spcPct val="100000"/>
-              </a:lnSpc>
-              <a:buSzPct val="100000"/>
-              <a:buChar char="•"/>
-              <a:defRPr sz="1200">
-                <a:latin typeface="Helvetica"/>
-                <a:ea typeface="Helvetica"/>
-                <a:cs typeface="Helvetica"/>
-                <a:sym typeface="Helvetica"/>
-              </a:defRPr>
-            </a:pPr>
-            <a:r>
-              <a:t>(We could also count the statements instead (here: 14/20 = 70%), but conceptually, this makes no difference)</a:t>
-            </a:r>
+              <a:rPr lang="en-US" dirty="0"/>
+              <a:t>We want to search systematically for needles, and to do that we need to understand what makes needles special</a:t>
+            </a:r>
+          </a:p>
+          <a:p>
+            <a:endParaRPr lang="en-US" dirty="0"/>
+          </a:p>
+        </p:txBody>
+      </p:sp>
+      <p:sp>
+        <p:nvSpPr>
+          <p:cNvPr id="4" name="Slide Number Placeholder 3"/>
+          <p:cNvSpPr>
+            <a:spLocks noGrp="1"/>
+          </p:cNvSpPr>
+          <p:nvPr>
+            <p:ph type="sldNum" sz="quarter" idx="5"/>
+          </p:nvPr>
+        </p:nvSpPr>
+        <p:spPr/>
+        <p:txBody>
+          <a:bodyPr/>
+          <a:lstStyle/>
+          <a:p>
+            <a:fld id="{07937F07-1250-4CCE-B198-1B2887014F41}" type="slidenum">
+              <a:rPr lang="en-US" smtClean="0"/>
+              <a:t>12</a:t>
+            </a:fld>
+            <a:endParaRPr lang="en-US"/>
           </a:p>
         </p:txBody>
       </p:sp>
     </p:spTree>
+    <p:extLst>
+      <p:ext uri="{BB962C8B-B14F-4D97-AF65-F5344CB8AC3E}">
+        <p14:creationId xmlns:p14="http://schemas.microsoft.com/office/powerpoint/2010/main" val="330944183"/>
+      </p:ext>
+    </p:extLst>
   </p:cSld>
   <p:clrMapOvr>
     <a:masterClrMapping/>
@@ -3078,7 +3028,7 @@
       </p:grpSpPr>
       <p:sp>
         <p:nvSpPr>
-          <p:cNvPr id="616" name="Shape 616"/>
+          <p:cNvPr id="2" name="Slide Image Placeholder 1"/>
           <p:cNvSpPr>
             <a:spLocks noGrp="1" noRot="1" noChangeAspect="1"/>
           </p:cNvSpPr>
@@ -3086,42 +3036,29 @@
             <p:ph type="sldImg"/>
           </p:nvPr>
         </p:nvSpPr>
-        <p:spPr>
-          <a:prstGeom prst="rect">
-            <a:avLst/>
-          </a:prstGeom>
-        </p:spPr>
-        <p:txBody>
-          <a:bodyPr/>
-          <a:lstStyle/>
-          <a:p>
-            <a:endParaRPr/>
-          </a:p>
-        </p:txBody>
-      </p:sp>
-      <p:sp>
-        <p:nvSpPr>
-          <p:cNvPr id="617" name="Shape 617"/>
+        <p:spPr/>
+      </p:sp>
+      <p:sp>
+        <p:nvSpPr>
+          <p:cNvPr id="3" name="Notes Placeholder 2"/>
           <p:cNvSpPr>
             <a:spLocks noGrp="1"/>
           </p:cNvSpPr>
           <p:nvPr>
-            <p:ph type="body" sz="quarter" idx="1"/>
+            <p:ph type="body" idx="1"/>
           </p:nvPr>
         </p:nvSpPr>
-        <p:spPr>
-          <a:prstGeom prst="rect">
-            <a:avLst/>
-          </a:prstGeom>
-        </p:spPr>
+        <p:spPr/>
         <p:txBody>
           <a:bodyPr/>
           <a:lstStyle/>
           <a:p>
-            <a:pPr>
+            <a:pPr marL="0" indent="0">
               <a:lnSpc>
                 <a:spcPct val="100000"/>
               </a:lnSpc>
+              <a:buSzPct val="100000"/>
+              <a:buNone/>
               <a:defRPr sz="1200">
                 <a:latin typeface="Helvetica"/>
                 <a:ea typeface="Helvetica"/>
@@ -3130,14 +3067,25 @@
               </a:defRPr>
             </a:pPr>
             <a:r>
-              <a:t>and the coverage increases with each additionally executed statement…</a:t>
-            </a:r>
-          </a:p>
-          <a:p>
-            <a:pPr>
+              <a:rPr lang="en-US" dirty="0"/>
+              <a:t>So how do we choose equivalence classes?  The key is to identify </a:t>
+            </a:r>
+            <a:r>
+              <a:rPr lang="en-US" b="1" dirty="0"/>
+              <a:t>input conditions</a:t>
+            </a:r>
+            <a:r>
+              <a:rPr lang="en-US" dirty="0"/>
+              <a:t> from the spec.  Each input condition induces an equivalence class – valid and invalid inputs. </a:t>
+            </a:r>
+          </a:p>
+          <a:p>
+            <a:pPr marL="0" indent="0">
               <a:lnSpc>
                 <a:spcPct val="100000"/>
               </a:lnSpc>
+              <a:buSzPct val="100000"/>
+              <a:buNone/>
               <a:defRPr sz="1200">
                 <a:latin typeface="Helvetica"/>
                 <a:ea typeface="Helvetica"/>
@@ -3146,12 +3094,94 @@
               </a:defRPr>
             </a:pPr>
             <a:r>
-              <a:t>if we add the second test, coverage increases to 72%</a:t>
-            </a:r>
+              <a:rPr lang="en-US" dirty="0"/>
+              <a:t>For example, an input condition that specifies a range of values induces three equivalence classes: one containing values smaller than the lower bound of the range, one with values within the range, and one containing values larger than the upper bound of the range</a:t>
+            </a:r>
+          </a:p>
+          <a:p>
+            <a:pPr marL="0" indent="0">
+              <a:lnSpc>
+                <a:spcPct val="100000"/>
+              </a:lnSpc>
+              <a:buSzPct val="100000"/>
+              <a:buNone/>
+              <a:defRPr sz="1200">
+                <a:latin typeface="Helvetica"/>
+                <a:ea typeface="Helvetica"/>
+                <a:cs typeface="Helvetica"/>
+                <a:sym typeface="Helvetica"/>
+              </a:defRPr>
+            </a:pPr>
+            <a:r>
+              <a:rPr lang="en-US" dirty="0"/>
+              <a:t>Similarly, an input condition that specifies a specific value, …</a:t>
+            </a:r>
+          </a:p>
+          <a:p>
+            <a:pPr marL="0" indent="0">
+              <a:lnSpc>
+                <a:spcPct val="100000"/>
+              </a:lnSpc>
+              <a:buSzPct val="100000"/>
+              <a:buNone/>
+              <a:defRPr sz="1200">
+                <a:latin typeface="Helvetica"/>
+                <a:ea typeface="Helvetica"/>
+                <a:cs typeface="Helvetica"/>
+                <a:sym typeface="Helvetica"/>
+              </a:defRPr>
+            </a:pPr>
+            <a:r>
+              <a:rPr lang="en-US" dirty="0"/>
+              <a:t>Likewise, set membership and conditions that correspond to </a:t>
+            </a:r>
+            <a:r>
+              <a:rPr lang="en-US" dirty="0" err="1"/>
+              <a:t>boolean</a:t>
+            </a:r>
+            <a:r>
+              <a:rPr lang="en-US" dirty="0"/>
+              <a:t> predicates can be represented using two equivalence classes</a:t>
+            </a:r>
+          </a:p>
+          <a:p>
+            <a:pPr marL="0" indent="0">
+              <a:buFont typeface="Arial" panose="020B0604020202020204" pitchFamily="34" charset="0"/>
+              <a:buNone/>
+            </a:pPr>
+            <a:endParaRPr lang="en-US" dirty="0"/>
+          </a:p>
+        </p:txBody>
+      </p:sp>
+      <p:sp>
+        <p:nvSpPr>
+          <p:cNvPr id="4" name="Slide Number Placeholder 3"/>
+          <p:cNvSpPr>
+            <a:spLocks noGrp="1"/>
+          </p:cNvSpPr>
+          <p:nvPr>
+            <p:ph type="sldNum" sz="quarter" idx="5"/>
+          </p:nvPr>
+        </p:nvSpPr>
+        <p:spPr/>
+        <p:txBody>
+          <a:bodyPr/>
+          <a:lstStyle/>
+          <a:p>
+            <a:fld id="{07937F07-1250-4CCE-B198-1B2887014F41}" type="slidenum">
+              <a:rPr lang="en-US" smtClean="0"/>
+              <a:t>13</a:t>
+            </a:fld>
+            <a:endParaRPr lang="en-US"/>
           </a:p>
         </p:txBody>
       </p:sp>
     </p:spTree>
+    <p:extLst>
+      <p:ext uri="{BB962C8B-B14F-4D97-AF65-F5344CB8AC3E}">
+        <p14:creationId xmlns:p14="http://schemas.microsoft.com/office/powerpoint/2010/main" val="1175260848"/>
+      </p:ext>
+    </p:extLst>
   </p:cSld>
   <p:clrMapOvr>
     <a:masterClrMapping/>
@@ -3178,7 +3208,7 @@
       </p:grpSpPr>
       <p:sp>
         <p:nvSpPr>
-          <p:cNvPr id="659" name="Shape 659"/>
+          <p:cNvPr id="2" name="Slide Image Placeholder 1"/>
           <p:cNvSpPr>
             <a:spLocks noGrp="1" noRot="1" noChangeAspect="1"/>
           </p:cNvSpPr>
@@ -3186,57 +3216,136 @@
             <p:ph type="sldImg"/>
           </p:nvPr>
         </p:nvSpPr>
-        <p:spPr>
-          <a:prstGeom prst="rect">
-            <a:avLst/>
-          </a:prstGeom>
-        </p:spPr>
-        <p:txBody>
-          <a:bodyPr/>
-          <a:lstStyle/>
-          <a:p>
-            <a:endParaRPr/>
-          </a:p>
-        </p:txBody>
-      </p:sp>
-      <p:sp>
-        <p:nvSpPr>
-          <p:cNvPr id="660" name="Shape 660"/>
+        <p:spPr/>
+      </p:sp>
+      <p:sp>
+        <p:nvSpPr>
+          <p:cNvPr id="3" name="Notes Placeholder 2"/>
           <p:cNvSpPr>
             <a:spLocks noGrp="1"/>
           </p:cNvSpPr>
           <p:nvPr>
-            <p:ph type="body" sz="quarter" idx="1"/>
+            <p:ph type="body" idx="1"/>
           </p:nvPr>
         </p:nvSpPr>
-        <p:spPr>
-          <a:prstGeom prst="rect">
-            <a:avLst/>
-          </a:prstGeom>
-        </p:spPr>
+        <p:spPr/>
         <p:txBody>
           <a:bodyPr/>
-          <a:lstStyle>
-            <a:lvl1pPr defTabSz="584200">
+          <a:lstStyle/>
+          <a:p>
+            <a:pPr marL="0" indent="0" defTabSz="647700">
               <a:lnSpc>
                 <a:spcPct val="100000"/>
               </a:lnSpc>
-              <a:defRPr>
-                <a:latin typeface="Lucida Grande"/>
-                <a:ea typeface="Lucida Grande"/>
-                <a:cs typeface="Lucida Grande"/>
-                <a:sym typeface="Lucida Grande"/>
+              <a:buSzPct val="100000"/>
+              <a:buNone/>
+              <a:defRPr sz="1600">
+                <a:latin typeface="Helvetica"/>
+                <a:ea typeface="Helvetica"/>
+                <a:cs typeface="Helvetica"/>
+                <a:sym typeface="Helvetica"/>
               </a:defRPr>
-            </a:lvl1pPr>
-          </a:lstStyle>
-          <a:p>
-            <a:r>
-              <a:t>Adding the third test increases coverage to 91%</a:t>
-            </a:r>
+            </a:pPr>
+            <a:r>
+              <a:rPr lang="en-US" dirty="0"/>
+              <a:t>Typically, a greater number of errors occurs at the boundaries of an equivalence class rather than at the “center”.  </a:t>
+            </a:r>
+          </a:p>
+          <a:p>
+            <a:pPr marL="0" indent="0" defTabSz="647700">
+              <a:lnSpc>
+                <a:spcPct val="100000"/>
+              </a:lnSpc>
+              <a:buSzPct val="100000"/>
+              <a:buNone/>
+              <a:defRPr sz="1600">
+                <a:latin typeface="Helvetica"/>
+                <a:ea typeface="Helvetica"/>
+                <a:cs typeface="Helvetica"/>
+                <a:sym typeface="Helvetica"/>
+              </a:defRPr>
+            </a:pPr>
+            <a:r>
+              <a:rPr lang="en-US" dirty="0"/>
+              <a:t>Therefore, we specifically look for values that are at the boundaries. </a:t>
+            </a:r>
+          </a:p>
+          <a:p>
+            <a:pPr marL="0" indent="0" defTabSz="647700">
+              <a:lnSpc>
+                <a:spcPct val="100000"/>
+              </a:lnSpc>
+              <a:buSzPct val="100000"/>
+              <a:buNone/>
+              <a:defRPr sz="1600">
+                <a:latin typeface="Helvetica"/>
+                <a:ea typeface="Helvetica"/>
+                <a:cs typeface="Helvetica"/>
+                <a:sym typeface="Helvetica"/>
+              </a:defRPr>
+            </a:pPr>
+            <a:r>
+              <a:rPr lang="en-US" dirty="0"/>
+              <a:t>In the example you see here, we could select a value just outside of the lower end of the range, just inside the lower end of the range, …</a:t>
+            </a:r>
+          </a:p>
+          <a:p>
+            <a:pPr marL="0" indent="0" defTabSz="647700">
+              <a:lnSpc>
+                <a:spcPct val="100000"/>
+              </a:lnSpc>
+              <a:buSzPct val="100000"/>
+              <a:buNone/>
+              <a:defRPr sz="1600">
+                <a:latin typeface="Helvetica"/>
+                <a:ea typeface="Helvetica"/>
+                <a:cs typeface="Helvetica"/>
+                <a:sym typeface="Helvetica"/>
+              </a:defRPr>
+            </a:pPr>
+            <a:r>
+              <a:rPr lang="en-US" dirty="0"/>
+              <a:t>If your system has well-defined inputs and outputs, you can apply this technique both to the input domain and the output domain.</a:t>
+            </a:r>
+          </a:p>
+          <a:p>
+            <a:pPr marL="0" indent="0">
+              <a:buFont typeface="Arial" panose="020B0604020202020204" pitchFamily="34" charset="0"/>
+              <a:buNone/>
+            </a:pPr>
+            <a:endParaRPr lang="en-US" dirty="0"/>
+          </a:p>
+        </p:txBody>
+      </p:sp>
+      <p:sp>
+        <p:nvSpPr>
+          <p:cNvPr id="4" name="Slide Number Placeholder 3"/>
+          <p:cNvSpPr>
+            <a:spLocks noGrp="1"/>
+          </p:cNvSpPr>
+          <p:nvPr>
+            <p:ph type="sldNum" sz="quarter" idx="5"/>
+          </p:nvPr>
+        </p:nvSpPr>
+        <p:spPr/>
+        <p:txBody>
+          <a:bodyPr/>
+          <a:lstStyle/>
+          <a:p>
+            <a:fld id="{07937F07-1250-4CCE-B198-1B2887014F41}" type="slidenum">
+              <a:rPr lang="en-US" smtClean="0"/>
+              <a:t>14</a:t>
+            </a:fld>
+            <a:endParaRPr lang="en-US"/>
           </a:p>
         </p:txBody>
       </p:sp>
     </p:spTree>
+    <p:extLst>
+      <p:ext uri="{BB962C8B-B14F-4D97-AF65-F5344CB8AC3E}">
+        <p14:creationId xmlns:p14="http://schemas.microsoft.com/office/powerpoint/2010/main" val="1233382233"/>
+      </p:ext>
+    </p:extLst>
   </p:cSld>
   <p:clrMapOvr>
     <a:masterClrMapping/>
@@ -3263,7 +3372,7 @@
       </p:grpSpPr>
       <p:sp>
         <p:nvSpPr>
-          <p:cNvPr id="705" name="Shape 705"/>
+          <p:cNvPr id="2" name="Slide Image Placeholder 1"/>
           <p:cNvSpPr>
             <a:spLocks noGrp="1" noRot="1" noChangeAspect="1"/>
           </p:cNvSpPr>
@@ -3271,57 +3380,70 @@
             <p:ph type="sldImg"/>
           </p:nvPr>
         </p:nvSpPr>
-        <p:spPr>
-          <a:prstGeom prst="rect">
-            <a:avLst/>
-          </a:prstGeom>
-        </p:spPr>
-        <p:txBody>
-          <a:bodyPr/>
-          <a:lstStyle/>
-          <a:p>
-            <a:endParaRPr/>
-          </a:p>
-        </p:txBody>
-      </p:sp>
-      <p:sp>
-        <p:nvSpPr>
-          <p:cNvPr id="706" name="Shape 706"/>
+        <p:spPr/>
+      </p:sp>
+      <p:sp>
+        <p:nvSpPr>
+          <p:cNvPr id="3" name="Notes Placeholder 2"/>
           <p:cNvSpPr>
             <a:spLocks noGrp="1"/>
           </p:cNvSpPr>
           <p:nvPr>
-            <p:ph type="body" sz="quarter" idx="1"/>
+            <p:ph type="body" idx="1"/>
           </p:nvPr>
         </p:nvSpPr>
-        <p:spPr>
-          <a:prstGeom prst="rect">
-            <a:avLst/>
-          </a:prstGeom>
-        </p:spPr>
+        <p:spPr/>
         <p:txBody>
           <a:bodyPr/>
-          <a:lstStyle>
-            <a:lvl1pPr>
-              <a:lnSpc>
-                <a:spcPct val="100000"/>
-              </a:lnSpc>
-              <a:defRPr sz="1200">
-                <a:latin typeface="Helvetica"/>
-                <a:ea typeface="Helvetica"/>
-                <a:cs typeface="Helvetica"/>
-                <a:sym typeface="Helvetica"/>
-              </a:defRPr>
-            </a:lvl1pPr>
-          </a:lstStyle>
-          <a:p>
-            <a:r>
-              <a:t>And with adding the last test, we reach 100% block coverage (which is 100% statement coverage, too).</a:t>
-            </a:r>
+          <a:lstStyle/>
+          <a:p>
+            <a:pPr marL="0" indent="0">
+              <a:buFont typeface="Arial" panose="020B0604020202020204" pitchFamily="34" charset="0"/>
+              <a:buNone/>
+            </a:pPr>
+            <a:r>
+              <a:rPr lang="en-US" dirty="0"/>
+              <a:t>&lt;read slide&gt;</a:t>
+            </a:r>
+          </a:p>
+          <a:p>
+            <a:pPr marL="0" indent="0">
+              <a:buFont typeface="Arial" panose="020B0604020202020204" pitchFamily="34" charset="0"/>
+              <a:buNone/>
+            </a:pPr>
+            <a:endParaRPr lang="en-US" dirty="0"/>
+          </a:p>
+        </p:txBody>
+      </p:sp>
+      <p:sp>
+        <p:nvSpPr>
+          <p:cNvPr id="4" name="Slide Number Placeholder 3"/>
+          <p:cNvSpPr>
+            <a:spLocks noGrp="1"/>
+          </p:cNvSpPr>
+          <p:nvPr>
+            <p:ph type="sldNum" sz="quarter" idx="5"/>
+          </p:nvPr>
+        </p:nvSpPr>
+        <p:spPr/>
+        <p:txBody>
+          <a:bodyPr/>
+          <a:lstStyle/>
+          <a:p>
+            <a:fld id="{07937F07-1250-4CCE-B198-1B2887014F41}" type="slidenum">
+              <a:rPr lang="en-US" smtClean="0"/>
+              <a:t>15</a:t>
+            </a:fld>
+            <a:endParaRPr lang="en-US"/>
           </a:p>
         </p:txBody>
       </p:sp>
     </p:spTree>
+    <p:extLst>
+      <p:ext uri="{BB962C8B-B14F-4D97-AF65-F5344CB8AC3E}">
+        <p14:creationId xmlns:p14="http://schemas.microsoft.com/office/powerpoint/2010/main" val="1308004607"/>
+      </p:ext>
+    </p:extLst>
   </p:cSld>
   <p:clrMapOvr>
     <a:masterClrMapping/>
@@ -3376,49 +3498,41 @@
             <a:pPr marL="0" indent="0">
               <a:buSzPct val="100000"/>
               <a:buNone/>
-              <a:defRPr sz="1500"/>
+              <a:defRPr sz="1700"/>
             </a:pPr>
             <a:r>
               <a:rPr lang="en-US" dirty="0"/>
-              <a:t>Another testing criterion is the </a:t>
-            </a:r>
-            <a:r>
-              <a:rPr lang="en-US" u="sng" dirty="0"/>
-              <a:t>branch testing criterion</a:t>
-            </a:r>
-            <a:r>
-              <a:rPr lang="en-US" dirty="0"/>
-              <a:t>, which states that each branch in the CFG should be executed at least once.</a:t>
+              <a:t>Many forms of coverage can be computed automatically using automated tools</a:t>
             </a:r>
           </a:p>
           <a:p>
             <a:pPr marL="0" indent="0">
               <a:buSzPct val="100000"/>
               <a:buNone/>
-              <a:defRPr sz="1500"/>
+              <a:defRPr sz="1700"/>
             </a:pPr>
             <a:r>
               <a:rPr lang="en-US" dirty="0"/>
-              <a:t>We say that the branch testing criterion </a:t>
-            </a:r>
-            <a:r>
-              <a:rPr lang="en-US" u="sng" dirty="0"/>
-              <a:t>subsumes</a:t>
-            </a:r>
-            <a:r>
-              <a:rPr lang="en-US" dirty="0"/>
-              <a:t> the statement testing criterion </a:t>
+              <a:t>This is typically done by instrumenting the program so that whenever a statement/block is executed, a corresponding counter is updated.</a:t>
             </a:r>
           </a:p>
           <a:p>
             <a:pPr marL="0" indent="0">
               <a:buSzPct val="100000"/>
               <a:buNone/>
-              <a:defRPr sz="1500"/>
+              <a:defRPr sz="1700"/>
             </a:pPr>
             <a:r>
               <a:rPr lang="en-US" dirty="0"/>
-              <a:t>…because if a test suite satisfies the branch testing criterion for a given program, then it also satisfies the statement testing criterion for that program</a:t>
+              <a:t>For JS/TS, the </a:t>
+            </a:r>
+            <a:r>
+              <a:rPr lang="en-US" dirty="0" err="1"/>
+              <a:t>Instanbul</a:t>
+            </a:r>
+            <a:r>
+              <a:rPr lang="en-US" dirty="0"/>
+              <a:t>/NYC tool can be used to compute coverage</a:t>
             </a:r>
           </a:p>
           <a:p>
@@ -3447,7 +3561,7 @@
           <a:p>
             <a:fld id="{07937F07-1250-4CCE-B198-1B2887014F41}" type="slidenum">
               <a:rPr lang="en-US" smtClean="0"/>
-              <a:t>22</a:t>
+              <a:t>16</a:t>
             </a:fld>
             <a:endParaRPr lang="en-US"/>
           </a:p>
@@ -3456,7 +3570,7 @@
     </p:spTree>
     <p:extLst>
       <p:ext uri="{BB962C8B-B14F-4D97-AF65-F5344CB8AC3E}">
-        <p14:creationId xmlns:p14="http://schemas.microsoft.com/office/powerpoint/2010/main" val="2783336607"/>
+        <p14:creationId xmlns:p14="http://schemas.microsoft.com/office/powerpoint/2010/main" val="4220540279"/>
       </p:ext>
     </p:extLst>
   </p:cSld>
@@ -3485,7 +3599,7 @@
       </p:grpSpPr>
       <p:sp>
         <p:nvSpPr>
-          <p:cNvPr id="310" name="Shape 310"/>
+          <p:cNvPr id="2" name="Slide Image Placeholder 1"/>
           <p:cNvSpPr>
             <a:spLocks noGrp="1" noRot="1" noChangeAspect="1"/>
           </p:cNvSpPr>
@@ -3493,112 +3607,93 @@
             <p:ph type="sldImg"/>
           </p:nvPr>
         </p:nvSpPr>
-        <p:spPr>
-          <a:prstGeom prst="rect">
-            <a:avLst/>
-          </a:prstGeom>
-        </p:spPr>
-        <p:txBody>
-          <a:bodyPr/>
-          <a:lstStyle/>
-          <a:p>
-            <a:endParaRPr/>
-          </a:p>
-        </p:txBody>
-      </p:sp>
-      <p:sp>
-        <p:nvSpPr>
-          <p:cNvPr id="311" name="Shape 311"/>
+        <p:spPr/>
+      </p:sp>
+      <p:sp>
+        <p:nvSpPr>
+          <p:cNvPr id="3" name="Notes Placeholder 2"/>
           <p:cNvSpPr>
             <a:spLocks noGrp="1"/>
           </p:cNvSpPr>
           <p:nvPr>
-            <p:ph type="body" sz="quarter" idx="1"/>
+            <p:ph type="body" idx="1"/>
           </p:nvPr>
         </p:nvSpPr>
-        <p:spPr>
-          <a:prstGeom prst="rect">
-            <a:avLst/>
-          </a:prstGeom>
-        </p:spPr>
+        <p:spPr/>
         <p:txBody>
           <a:bodyPr/>
           <a:lstStyle/>
           <a:p>
-            <a:pPr marL="228600" indent="-228600">
-              <a:lnSpc>
-                <a:spcPct val="100000"/>
-              </a:lnSpc>
+            <a:pPr marL="0" indent="0">
               <a:buSzPct val="100000"/>
-              <a:buChar char="•"/>
-              <a:defRPr sz="1200">
-                <a:latin typeface="Helvetica"/>
-                <a:ea typeface="Helvetica"/>
-                <a:cs typeface="Helvetica"/>
-                <a:sym typeface="Helvetica"/>
-              </a:defRPr>
+              <a:buNone/>
+              <a:defRPr sz="1800"/>
             </a:pPr>
             <a:r>
-              <a:t>Why is branch testing useful?  </a:t>
-            </a:r>
-          </a:p>
-          <a:p>
-            <a:pPr marL="228600" indent="-228600">
-              <a:lnSpc>
-                <a:spcPct val="100000"/>
-              </a:lnSpc>
+              <a:rPr lang="en-US" dirty="0"/>
+              <a:t>Statement coverage criterion states that each statement (or CFG node) should be covered.</a:t>
+            </a:r>
+          </a:p>
+          <a:p>
+            <a:pPr marL="0" indent="0">
               <a:buSzPct val="100000"/>
-              <a:buChar char="•"/>
-              <a:defRPr sz="1200">
-                <a:latin typeface="Helvetica"/>
-                <a:ea typeface="Helvetica"/>
-                <a:cs typeface="Helvetica"/>
-                <a:sym typeface="Helvetica"/>
-              </a:defRPr>
+              <a:buNone/>
+              <a:defRPr sz="1800"/>
             </a:pPr>
             <a:r>
-              <a:t>Let’s consider a buggy version of the same cgi_decode program where block F is missing (CLICK)</a:t>
-            </a:r>
-          </a:p>
-          <a:p>
-            <a:pPr marL="228600" indent="-228600">
-              <a:lnSpc>
-                <a:spcPct val="100000"/>
-              </a:lnSpc>
+              <a:rPr lang="en-US" dirty="0"/>
+              <a:t>The rationale for this criterion is that a defect in a given statement can only be discovered if that statement is executed</a:t>
+            </a:r>
+          </a:p>
+          <a:p>
+            <a:pPr marL="0" indent="0">
               <a:buSzPct val="100000"/>
-              <a:buChar char="•"/>
-              <a:defRPr sz="1200">
-                <a:latin typeface="Helvetica"/>
-                <a:ea typeface="Helvetica"/>
-                <a:cs typeface="Helvetica"/>
-                <a:sym typeface="Helvetica"/>
-              </a:defRPr>
+              <a:buNone/>
+              <a:defRPr sz="1800"/>
             </a:pPr>
             <a:r>
-              <a:t>Then, the input you see here would achieve 100% statement coverage without ever triggering the defect (CLICK until 100% is displayed</a:t>
-            </a:r>
-          </a:p>
-          <a:p>
-            <a:pPr marL="228600" indent="-228600">
-              <a:lnSpc>
-                <a:spcPct val="100000"/>
-              </a:lnSpc>
-              <a:buSzPct val="100000"/>
-              <a:buChar char="•"/>
-              <a:defRPr sz="1200">
-                <a:latin typeface="Helvetica"/>
-                <a:ea typeface="Helvetica"/>
-                <a:cs typeface="Helvetica"/>
-                <a:sym typeface="Helvetica"/>
-              </a:defRPr>
+              <a:rPr lang="en-US" dirty="0"/>
+              <a:t>You can express statement coverage as a percentage: &lt;…&gt;</a:t>
+            </a:r>
+          </a:p>
+          <a:p>
+            <a:pPr marL="0" indent="0">
+              <a:buFont typeface="Arial" panose="020B0604020202020204" pitchFamily="34" charset="0"/>
+              <a:buNone/>
             </a:pPr>
-            <a:r>
-              <a:t>However, if the conditional evaluates to false, we would execute buggy code, so having 100% statement coverage does not mean that the program is free of errors</a:t>
-            </a:r>
+            <a:endParaRPr lang="en-US" dirty="0"/>
+          </a:p>
+        </p:txBody>
+      </p:sp>
+      <p:sp>
+        <p:nvSpPr>
+          <p:cNvPr id="4" name="Slide Number Placeholder 3"/>
+          <p:cNvSpPr>
+            <a:spLocks noGrp="1"/>
+          </p:cNvSpPr>
+          <p:nvPr>
+            <p:ph type="sldNum" sz="quarter" idx="5"/>
+          </p:nvPr>
+        </p:nvSpPr>
+        <p:spPr/>
+        <p:txBody>
+          <a:bodyPr/>
+          <a:lstStyle/>
+          <a:p>
+            <a:fld id="{07937F07-1250-4CCE-B198-1B2887014F41}" type="slidenum">
+              <a:rPr lang="en-US" smtClean="0"/>
+              <a:t>17</a:t>
+            </a:fld>
+            <a:endParaRPr lang="en-US"/>
           </a:p>
         </p:txBody>
       </p:sp>
     </p:spTree>
+    <p:extLst>
+      <p:ext uri="{BB962C8B-B14F-4D97-AF65-F5344CB8AC3E}">
+        <p14:creationId xmlns:p14="http://schemas.microsoft.com/office/powerpoint/2010/main" val="2446755175"/>
+      </p:ext>
+    </p:extLst>
   </p:cSld>
   <p:clrMapOvr>
     <a:masterClrMapping/>
@@ -3625,7 +3720,7 @@
       </p:grpSpPr>
       <p:sp>
         <p:nvSpPr>
-          <p:cNvPr id="351" name="Shape 351"/>
+          <p:cNvPr id="576" name="Shape 576"/>
           <p:cNvSpPr>
             <a:spLocks noGrp="1" noRot="1" noChangeAspect="1"/>
           </p:cNvSpPr>
@@ -3648,7 +3743,7 @@
       </p:sp>
       <p:sp>
         <p:nvSpPr>
-          <p:cNvPr id="352" name="Shape 352"/>
+          <p:cNvPr id="577" name="Shape 577"/>
           <p:cNvSpPr>
             <a:spLocks noGrp="1"/>
           </p:cNvSpPr>
@@ -3665,27 +3760,12 @@
           <a:bodyPr/>
           <a:lstStyle/>
           <a:p>
-            <a:pPr>
+            <a:pPr marL="228600" indent="-228600">
               <a:lnSpc>
                 <a:spcPct val="100000"/>
               </a:lnSpc>
-              <a:defRPr sz="1500">
-                <a:latin typeface="Helvetica"/>
-                <a:ea typeface="Helvetica"/>
-                <a:cs typeface="Helvetica"/>
-                <a:sym typeface="Helvetica"/>
-              </a:defRPr>
-            </a:pPr>
-            <a:r>
-              <a:rPr dirty="0"/>
-              <a:t>However, if we focus on whether branches have been taken, though, we get a different picture.</a:t>
-            </a:r>
-          </a:p>
-          <a:p>
-            <a:pPr>
-              <a:lnSpc>
-                <a:spcPct val="100000"/>
-              </a:lnSpc>
+              <a:buSzPct val="100000"/>
+              <a:buChar char="•"/>
               <a:defRPr sz="1200">
                 <a:latin typeface="Helvetica"/>
                 <a:ea typeface="Helvetica"/>
@@ -3694,8 +3774,43 @@
               </a:defRPr>
             </a:pPr>
             <a:r>
-              <a:rPr dirty="0"/>
-              <a:t>Here, we label each branch with “true” or “false”</a:t>
+              <a:t>Let’s apply this to the cgi_decode example</a:t>
+            </a:r>
+          </a:p>
+          <a:p>
+            <a:pPr marL="228600" indent="-228600">
+              <a:lnSpc>
+                <a:spcPct val="100000"/>
+              </a:lnSpc>
+              <a:buSzPct val="100000"/>
+              <a:buChar char="•"/>
+              <a:defRPr sz="1200">
+                <a:latin typeface="Helvetica"/>
+                <a:ea typeface="Helvetica"/>
+                <a:cs typeface="Helvetica"/>
+                <a:sym typeface="Helvetica"/>
+              </a:defRPr>
+            </a:pPr>
+            <a:r>
+              <a:t>The initial coverage is 7/11 blocks = 63%.  </a:t>
+            </a:r>
+          </a:p>
+          <a:p>
+            <a:pPr marL="228600" indent="-228600">
+              <a:lnSpc>
+                <a:spcPct val="100000"/>
+              </a:lnSpc>
+              <a:buSzPct val="100000"/>
+              <a:buChar char="•"/>
+              <a:defRPr sz="1200">
+                <a:latin typeface="Helvetica"/>
+                <a:ea typeface="Helvetica"/>
+                <a:cs typeface="Helvetica"/>
+                <a:sym typeface="Helvetica"/>
+              </a:defRPr>
+            </a:pPr>
+            <a:r>
+              <a:t>(We could also count the statements instead (here: 14/20 = 70%), but conceptually, this makes no difference)</a:t>
             </a:r>
           </a:p>
         </p:txBody>
@@ -3727,7 +3842,7 @@
       </p:grpSpPr>
       <p:sp>
         <p:nvSpPr>
-          <p:cNvPr id="416" name="Shape 416"/>
+          <p:cNvPr id="616" name="Shape 616"/>
           <p:cNvSpPr>
             <a:spLocks noGrp="1" noRot="1" noChangeAspect="1"/>
           </p:cNvSpPr>
@@ -3750,7 +3865,7 @@
       </p:sp>
       <p:sp>
         <p:nvSpPr>
-          <p:cNvPr id="417" name="Shape 417"/>
+          <p:cNvPr id="617" name="Shape 617"/>
           <p:cNvSpPr>
             <a:spLocks noGrp="1"/>
           </p:cNvSpPr>
@@ -3771,7 +3886,7 @@
               <a:lnSpc>
                 <a:spcPct val="100000"/>
               </a:lnSpc>
-              <a:defRPr sz="1400">
+              <a:defRPr sz="1200">
                 <a:latin typeface="Helvetica"/>
                 <a:ea typeface="Helvetica"/>
                 <a:cs typeface="Helvetica"/>
@@ -3779,8 +3894,7 @@
               </a:defRPr>
             </a:pPr>
             <a:r>
-              <a:rPr dirty="0"/>
-              <a:t>And if we track which branches are executed, we find that the test case executes only 7 out of 8 branches</a:t>
+              <a:t>and the coverage increases with each additionally executed statement…</a:t>
             </a:r>
           </a:p>
           <a:p>
@@ -3788,7 +3902,7 @@
               <a:lnSpc>
                 <a:spcPct val="100000"/>
               </a:lnSpc>
-              <a:defRPr sz="1400">
+              <a:defRPr sz="1200">
                 <a:latin typeface="Helvetica"/>
                 <a:ea typeface="Helvetica"/>
                 <a:cs typeface="Helvetica"/>
@@ -3796,8 +3910,7 @@
               </a:defRPr>
             </a:pPr>
             <a:r>
-              <a:rPr dirty="0"/>
-              <a:t>In other words, branch coverage is 7/8 or 87%.</a:t>
+              <a:t>if we add the second test, coverage increases to 72%</a:t>
             </a:r>
           </a:p>
         </p:txBody>
@@ -3829,7 +3942,7 @@
       </p:grpSpPr>
       <p:sp>
         <p:nvSpPr>
-          <p:cNvPr id="488" name="Shape 488"/>
+          <p:cNvPr id="659" name="Shape 659"/>
           <p:cNvSpPr>
             <a:spLocks noGrp="1" noRot="1" noChangeAspect="1"/>
           </p:cNvSpPr>
@@ -3852,7 +3965,7 @@
       </p:sp>
       <p:sp>
         <p:nvSpPr>
-          <p:cNvPr id="489" name="Shape 489"/>
+          <p:cNvPr id="660" name="Shape 660"/>
           <p:cNvSpPr>
             <a:spLocks noGrp="1"/>
           </p:cNvSpPr>
@@ -3868,30 +3981,21 @@
         <p:txBody>
           <a:bodyPr/>
           <a:lstStyle>
-            <a:lvl1pPr>
+            <a:lvl1pPr defTabSz="584200">
               <a:lnSpc>
                 <a:spcPct val="100000"/>
               </a:lnSpc>
-              <a:defRPr sz="1200">
-                <a:latin typeface="Helvetica"/>
-                <a:ea typeface="Helvetica"/>
-                <a:cs typeface="Helvetica"/>
-                <a:sym typeface="Helvetica"/>
+              <a:defRPr>
+                <a:latin typeface="Lucida Grande"/>
+                <a:ea typeface="Lucida Grande"/>
+                <a:cs typeface="Lucida Grande"/>
+                <a:sym typeface="Lucida Grande"/>
               </a:defRPr>
             </a:lvl1pPr>
           </a:lstStyle>
           <a:p>
             <a:r>
-              <a:rPr dirty="0"/>
-              <a:t>If we another test case, such as “</a:t>
-            </a:r>
-            <a:r>
-              <a:rPr dirty="0" err="1"/>
-              <a:t>abc</a:t>
-            </a:r>
-            <a:r>
-              <a:rPr dirty="0"/>
-              <a:t>”, we can cover this remaining branch – and find the defect.</a:t>
+              <a:t>Adding the third test increases coverage to 91%</a:t>
             </a:r>
           </a:p>
         </p:txBody>
@@ -4010,7 +4114,7 @@
       </p:grpSpPr>
       <p:sp>
         <p:nvSpPr>
-          <p:cNvPr id="2" name="Slide Image Placeholder 1"/>
+          <p:cNvPr id="705" name="Shape 705"/>
           <p:cNvSpPr>
             <a:spLocks noGrp="1" noRot="1" noChangeAspect="1"/>
           </p:cNvSpPr>
@@ -4018,107 +4122,57 @@
             <p:ph type="sldImg"/>
           </p:nvPr>
         </p:nvSpPr>
-        <p:spPr/>
-      </p:sp>
-      <p:sp>
-        <p:nvSpPr>
-          <p:cNvPr id="3" name="Notes Placeholder 2"/>
+        <p:spPr>
+          <a:prstGeom prst="rect">
+            <a:avLst/>
+          </a:prstGeom>
+        </p:spPr>
+        <p:txBody>
+          <a:bodyPr/>
+          <a:lstStyle/>
+          <a:p>
+            <a:endParaRPr/>
+          </a:p>
+        </p:txBody>
+      </p:sp>
+      <p:sp>
+        <p:nvSpPr>
+          <p:cNvPr id="706" name="Shape 706"/>
           <p:cNvSpPr>
             <a:spLocks noGrp="1"/>
           </p:cNvSpPr>
           <p:nvPr>
-            <p:ph type="body" idx="1"/>
+            <p:ph type="body" sz="quarter" idx="1"/>
           </p:nvPr>
         </p:nvSpPr>
-        <p:spPr/>
+        <p:spPr>
+          <a:prstGeom prst="rect">
+            <a:avLst/>
+          </a:prstGeom>
+        </p:spPr>
         <p:txBody>
           <a:bodyPr/>
-          <a:lstStyle/>
-          <a:p>
-            <a:pPr marL="0" indent="0">
-              <a:buSzPct val="100000"/>
-              <a:buNone/>
-            </a:pPr>
-            <a:r>
-              <a:rPr lang="en-US" dirty="0"/>
-              <a:t>The next testing criterion we consider is path testing</a:t>
-            </a:r>
-          </a:p>
-          <a:p>
-            <a:pPr marL="0" indent="0">
-              <a:buSzPct val="100000"/>
-              <a:buNone/>
-            </a:pPr>
-            <a:r>
-              <a:rPr lang="en-US" dirty="0"/>
-              <a:t>This criterion is </a:t>
-            </a:r>
-            <a:r>
-              <a:rPr lang="en-US" u="sng" dirty="0"/>
-              <a:t>not practical</a:t>
-            </a:r>
-            <a:r>
-              <a:rPr lang="en-US" dirty="0"/>
-              <a:t> because, in the presence of loops, the number of paths may be infinite</a:t>
-            </a:r>
-          </a:p>
-          <a:p>
-            <a:pPr marL="0" marR="0" lvl="0" indent="0" algn="l" defTabSz="914400" rtl="0" eaLnBrk="1" fontAlgn="auto" latinLnBrk="0" hangingPunct="1">
+          <a:lstStyle>
+            <a:lvl1pPr>
               <a:lnSpc>
                 <a:spcPct val="100000"/>
               </a:lnSpc>
-              <a:spcBef>
-                <a:spcPts val="0"/>
-              </a:spcBef>
-              <a:spcAft>
-                <a:spcPts val="0"/>
-              </a:spcAft>
-              <a:buClrTx/>
-              <a:buSzTx/>
-              <a:buFontTx/>
-              <a:buNone/>
-              <a:tabLst/>
-              <a:defRPr/>
-            </a:pPr>
-            <a:r>
-              <a:rPr lang="en-US" dirty="0"/>
-              <a:t>Cyclomatic Complexity can be used to limit the number of paths to cover. It measures the number of linearly-independent paths.</a:t>
-            </a:r>
-          </a:p>
-          <a:p>
-            <a:endParaRPr lang="en-US" dirty="0"/>
-          </a:p>
-        </p:txBody>
-      </p:sp>
-      <p:sp>
-        <p:nvSpPr>
-          <p:cNvPr id="4" name="Slide Number Placeholder 3"/>
-          <p:cNvSpPr>
-            <a:spLocks noGrp="1"/>
-          </p:cNvSpPr>
-          <p:nvPr>
-            <p:ph type="sldNum" sz="quarter" idx="5"/>
-          </p:nvPr>
-        </p:nvSpPr>
-        <p:spPr/>
-        <p:txBody>
-          <a:bodyPr/>
-          <a:lstStyle/>
-          <a:p>
-            <a:fld id="{07937F07-1250-4CCE-B198-1B2887014F41}" type="slidenum">
-              <a:rPr lang="en-US" smtClean="0"/>
-              <a:t>27</a:t>
-            </a:fld>
-            <a:endParaRPr lang="en-US"/>
+              <a:defRPr sz="1200">
+                <a:latin typeface="Helvetica"/>
+                <a:ea typeface="Helvetica"/>
+                <a:cs typeface="Helvetica"/>
+                <a:sym typeface="Helvetica"/>
+              </a:defRPr>
+            </a:lvl1pPr>
+          </a:lstStyle>
+          <a:p>
+            <a:r>
+              <a:t>And with adding the last test, we reach 100% block coverage (which is 100% statement coverage, too).</a:t>
+            </a:r>
           </a:p>
         </p:txBody>
       </p:sp>
     </p:spTree>
-    <p:extLst>
-      <p:ext uri="{BB962C8B-B14F-4D97-AF65-F5344CB8AC3E}">
-        <p14:creationId xmlns:p14="http://schemas.microsoft.com/office/powerpoint/2010/main" val="767474752"/>
-      </p:ext>
-    </p:extLst>
   </p:cSld>
   <p:clrMapOvr>
     <a:masterClrMapping/>
@@ -4170,10 +4224,60 @@
           <a:bodyPr/>
           <a:lstStyle/>
           <a:p>
+            <a:pPr marL="0" indent="0">
+              <a:buSzPct val="100000"/>
+              <a:buNone/>
+              <a:defRPr sz="1500"/>
+            </a:pPr>
             <a:r>
               <a:rPr lang="en-US" dirty="0"/>
-              <a:t>&lt;read slide&gt;</a:t>
-            </a:r>
+              <a:t>Another testing criterion is the </a:t>
+            </a:r>
+            <a:r>
+              <a:rPr lang="en-US" u="sng" dirty="0"/>
+              <a:t>branch testing criterion</a:t>
+            </a:r>
+            <a:r>
+              <a:rPr lang="en-US" dirty="0"/>
+              <a:t>, which states that each branch in the CFG should be executed at least once.</a:t>
+            </a:r>
+          </a:p>
+          <a:p>
+            <a:pPr marL="0" indent="0">
+              <a:buSzPct val="100000"/>
+              <a:buNone/>
+              <a:defRPr sz="1500"/>
+            </a:pPr>
+            <a:r>
+              <a:rPr lang="en-US" dirty="0"/>
+              <a:t>We say that the branch testing criterion </a:t>
+            </a:r>
+            <a:r>
+              <a:rPr lang="en-US" u="sng" dirty="0"/>
+              <a:t>subsumes</a:t>
+            </a:r>
+            <a:r>
+              <a:rPr lang="en-US" dirty="0"/>
+              <a:t> the statement testing criterion </a:t>
+            </a:r>
+          </a:p>
+          <a:p>
+            <a:pPr marL="0" indent="0">
+              <a:buSzPct val="100000"/>
+              <a:buNone/>
+              <a:defRPr sz="1500"/>
+            </a:pPr>
+            <a:r>
+              <a:rPr lang="en-US" dirty="0"/>
+              <a:t>…because if a test suite satisfies the branch testing criterion for a given program, then it also satisfies the statement testing criterion for that program</a:t>
+            </a:r>
+          </a:p>
+          <a:p>
+            <a:pPr marL="0" indent="0">
+              <a:buFont typeface="Arial" panose="020B0604020202020204" pitchFamily="34" charset="0"/>
+              <a:buNone/>
+            </a:pPr>
+            <a:endParaRPr lang="en-US" dirty="0"/>
           </a:p>
         </p:txBody>
       </p:sp>
@@ -4194,7 +4298,7 @@
           <a:p>
             <a:fld id="{07937F07-1250-4CCE-B198-1B2887014F41}" type="slidenum">
               <a:rPr lang="en-US" smtClean="0"/>
-              <a:t>28</a:t>
+              <a:t>22</a:t>
             </a:fld>
             <a:endParaRPr lang="en-US"/>
           </a:p>
@@ -4203,7 +4307,7 @@
     </p:spTree>
     <p:extLst>
       <p:ext uri="{BB962C8B-B14F-4D97-AF65-F5344CB8AC3E}">
-        <p14:creationId xmlns:p14="http://schemas.microsoft.com/office/powerpoint/2010/main" val="2969339103"/>
+        <p14:creationId xmlns:p14="http://schemas.microsoft.com/office/powerpoint/2010/main" val="2783336607"/>
       </p:ext>
     </p:extLst>
   </p:cSld>
@@ -4232,7 +4336,7 @@
       </p:grpSpPr>
       <p:sp>
         <p:nvSpPr>
-          <p:cNvPr id="2" name="Slide Image Placeholder 1"/>
+          <p:cNvPr id="310" name="Shape 310"/>
           <p:cNvSpPr>
             <a:spLocks noGrp="1" noRot="1" noChangeAspect="1"/>
           </p:cNvSpPr>
@@ -4240,59 +4344,112 @@
             <p:ph type="sldImg"/>
           </p:nvPr>
         </p:nvSpPr>
-        <p:spPr/>
-      </p:sp>
-      <p:sp>
-        <p:nvSpPr>
-          <p:cNvPr id="3" name="Notes Placeholder 2"/>
+        <p:spPr>
+          <a:prstGeom prst="rect">
+            <a:avLst/>
+          </a:prstGeom>
+        </p:spPr>
+        <p:txBody>
+          <a:bodyPr/>
+          <a:lstStyle/>
+          <a:p>
+            <a:endParaRPr/>
+          </a:p>
+        </p:txBody>
+      </p:sp>
+      <p:sp>
+        <p:nvSpPr>
+          <p:cNvPr id="311" name="Shape 311"/>
           <p:cNvSpPr>
             <a:spLocks noGrp="1"/>
           </p:cNvSpPr>
           <p:nvPr>
-            <p:ph type="body" idx="1"/>
+            <p:ph type="body" sz="quarter" idx="1"/>
           </p:nvPr>
         </p:nvSpPr>
-        <p:spPr/>
+        <p:spPr>
+          <a:prstGeom prst="rect">
+            <a:avLst/>
+          </a:prstGeom>
+        </p:spPr>
         <p:txBody>
           <a:bodyPr/>
           <a:lstStyle/>
           <a:p>
-            <a:r>
-              <a:rPr lang="en-US" dirty="0"/>
-              <a:t>&lt;read slide&gt;</a:t>
-            </a:r>
-          </a:p>
-        </p:txBody>
-      </p:sp>
-      <p:sp>
-        <p:nvSpPr>
-          <p:cNvPr id="4" name="Slide Number Placeholder 3"/>
-          <p:cNvSpPr>
-            <a:spLocks noGrp="1"/>
-          </p:cNvSpPr>
-          <p:nvPr>
-            <p:ph type="sldNum" sz="quarter" idx="5"/>
-          </p:nvPr>
-        </p:nvSpPr>
-        <p:spPr/>
-        <p:txBody>
-          <a:bodyPr/>
-          <a:lstStyle/>
-          <a:p>
-            <a:fld id="{07937F07-1250-4CCE-B198-1B2887014F41}" type="slidenum">
-              <a:rPr lang="en-US" smtClean="0"/>
-              <a:t>29</a:t>
-            </a:fld>
-            <a:endParaRPr lang="en-US"/>
+            <a:pPr marL="228600" indent="-228600">
+              <a:lnSpc>
+                <a:spcPct val="100000"/>
+              </a:lnSpc>
+              <a:buSzPct val="100000"/>
+              <a:buChar char="•"/>
+              <a:defRPr sz="1200">
+                <a:latin typeface="Helvetica"/>
+                <a:ea typeface="Helvetica"/>
+                <a:cs typeface="Helvetica"/>
+                <a:sym typeface="Helvetica"/>
+              </a:defRPr>
+            </a:pPr>
+            <a:r>
+              <a:t>Why is branch testing useful?  </a:t>
+            </a:r>
+          </a:p>
+          <a:p>
+            <a:pPr marL="228600" indent="-228600">
+              <a:lnSpc>
+                <a:spcPct val="100000"/>
+              </a:lnSpc>
+              <a:buSzPct val="100000"/>
+              <a:buChar char="•"/>
+              <a:defRPr sz="1200">
+                <a:latin typeface="Helvetica"/>
+                <a:ea typeface="Helvetica"/>
+                <a:cs typeface="Helvetica"/>
+                <a:sym typeface="Helvetica"/>
+              </a:defRPr>
+            </a:pPr>
+            <a:r>
+              <a:t>Let’s consider a buggy version of the same cgi_decode program where block F is missing (CLICK)</a:t>
+            </a:r>
+          </a:p>
+          <a:p>
+            <a:pPr marL="228600" indent="-228600">
+              <a:lnSpc>
+                <a:spcPct val="100000"/>
+              </a:lnSpc>
+              <a:buSzPct val="100000"/>
+              <a:buChar char="•"/>
+              <a:defRPr sz="1200">
+                <a:latin typeface="Helvetica"/>
+                <a:ea typeface="Helvetica"/>
+                <a:cs typeface="Helvetica"/>
+                <a:sym typeface="Helvetica"/>
+              </a:defRPr>
+            </a:pPr>
+            <a:r>
+              <a:t>Then, the input you see here would achieve 100% statement coverage without ever triggering the defect (CLICK until 100% is displayed</a:t>
+            </a:r>
+          </a:p>
+          <a:p>
+            <a:pPr marL="228600" indent="-228600">
+              <a:lnSpc>
+                <a:spcPct val="100000"/>
+              </a:lnSpc>
+              <a:buSzPct val="100000"/>
+              <a:buChar char="•"/>
+              <a:defRPr sz="1200">
+                <a:latin typeface="Helvetica"/>
+                <a:ea typeface="Helvetica"/>
+                <a:cs typeface="Helvetica"/>
+                <a:sym typeface="Helvetica"/>
+              </a:defRPr>
+            </a:pPr>
+            <a:r>
+              <a:t>However, if the conditional evaluates to false, we would execute buggy code, so having 100% statement coverage does not mean that the program is free of errors</a:t>
+            </a:r>
           </a:p>
         </p:txBody>
       </p:sp>
     </p:spTree>
-    <p:extLst>
-      <p:ext uri="{BB962C8B-B14F-4D97-AF65-F5344CB8AC3E}">
-        <p14:creationId xmlns:p14="http://schemas.microsoft.com/office/powerpoint/2010/main" val="2427063407"/>
-      </p:ext>
-    </p:extLst>
   </p:cSld>
   <p:clrMapOvr>
     <a:masterClrMapping/>
@@ -4319,7 +4476,7 @@
       </p:grpSpPr>
       <p:sp>
         <p:nvSpPr>
-          <p:cNvPr id="2" name="Slide Image Placeholder 1"/>
+          <p:cNvPr id="351" name="Shape 351"/>
           <p:cNvSpPr>
             <a:spLocks noGrp="1" noRot="1" noChangeAspect="1"/>
           </p:cNvSpPr>
@@ -4327,59 +4484,74 @@
             <p:ph type="sldImg"/>
           </p:nvPr>
         </p:nvSpPr>
-        <p:spPr/>
-      </p:sp>
-      <p:sp>
-        <p:nvSpPr>
-          <p:cNvPr id="3" name="Notes Placeholder 2"/>
+        <p:spPr>
+          <a:prstGeom prst="rect">
+            <a:avLst/>
+          </a:prstGeom>
+        </p:spPr>
+        <p:txBody>
+          <a:bodyPr/>
+          <a:lstStyle/>
+          <a:p>
+            <a:endParaRPr/>
+          </a:p>
+        </p:txBody>
+      </p:sp>
+      <p:sp>
+        <p:nvSpPr>
+          <p:cNvPr id="352" name="Shape 352"/>
           <p:cNvSpPr>
             <a:spLocks noGrp="1"/>
           </p:cNvSpPr>
           <p:nvPr>
-            <p:ph type="body" idx="1"/>
+            <p:ph type="body" sz="quarter" idx="1"/>
           </p:nvPr>
         </p:nvSpPr>
-        <p:spPr/>
+        <p:spPr>
+          <a:prstGeom prst="rect">
+            <a:avLst/>
+          </a:prstGeom>
+        </p:spPr>
         <p:txBody>
           <a:bodyPr/>
           <a:lstStyle/>
           <a:p>
-            <a:r>
-              <a:rPr lang="en-US" dirty="0"/>
-              <a:t>&lt;read slide&gt;</a:t>
-            </a:r>
-          </a:p>
-        </p:txBody>
-      </p:sp>
-      <p:sp>
-        <p:nvSpPr>
-          <p:cNvPr id="4" name="Slide Number Placeholder 3"/>
-          <p:cNvSpPr>
-            <a:spLocks noGrp="1"/>
-          </p:cNvSpPr>
-          <p:nvPr>
-            <p:ph type="sldNum" sz="quarter" idx="5"/>
-          </p:nvPr>
-        </p:nvSpPr>
-        <p:spPr/>
-        <p:txBody>
-          <a:bodyPr/>
-          <a:lstStyle/>
-          <a:p>
-            <a:fld id="{07937F07-1250-4CCE-B198-1B2887014F41}" type="slidenum">
-              <a:rPr lang="en-US" smtClean="0"/>
-              <a:t>30</a:t>
-            </a:fld>
-            <a:endParaRPr lang="en-US"/>
+            <a:pPr>
+              <a:lnSpc>
+                <a:spcPct val="100000"/>
+              </a:lnSpc>
+              <a:defRPr sz="1500">
+                <a:latin typeface="Helvetica"/>
+                <a:ea typeface="Helvetica"/>
+                <a:cs typeface="Helvetica"/>
+                <a:sym typeface="Helvetica"/>
+              </a:defRPr>
+            </a:pPr>
+            <a:r>
+              <a:rPr dirty="0"/>
+              <a:t>However, if we focus on whether branches have been taken, though, we get a different picture.</a:t>
+            </a:r>
+          </a:p>
+          <a:p>
+            <a:pPr>
+              <a:lnSpc>
+                <a:spcPct val="100000"/>
+              </a:lnSpc>
+              <a:defRPr sz="1200">
+                <a:latin typeface="Helvetica"/>
+                <a:ea typeface="Helvetica"/>
+                <a:cs typeface="Helvetica"/>
+                <a:sym typeface="Helvetica"/>
+              </a:defRPr>
+            </a:pPr>
+            <a:r>
+              <a:rPr dirty="0"/>
+              <a:t>Here, we label each branch with “true” or “false”</a:t>
+            </a:r>
           </a:p>
         </p:txBody>
       </p:sp>
     </p:spTree>
-    <p:extLst>
-      <p:ext uri="{BB962C8B-B14F-4D97-AF65-F5344CB8AC3E}">
-        <p14:creationId xmlns:p14="http://schemas.microsoft.com/office/powerpoint/2010/main" val="920744137"/>
-      </p:ext>
-    </p:extLst>
   </p:cSld>
   <p:clrMapOvr>
     <a:masterClrMapping/>
@@ -4406,7 +4578,7 @@
       </p:grpSpPr>
       <p:sp>
         <p:nvSpPr>
-          <p:cNvPr id="2" name="Slide Image Placeholder 1"/>
+          <p:cNvPr id="416" name="Shape 416"/>
           <p:cNvSpPr>
             <a:spLocks noGrp="1" noRot="1" noChangeAspect="1"/>
           </p:cNvSpPr>
@@ -4414,59 +4586,74 @@
             <p:ph type="sldImg"/>
           </p:nvPr>
         </p:nvSpPr>
-        <p:spPr/>
-      </p:sp>
-      <p:sp>
-        <p:nvSpPr>
-          <p:cNvPr id="3" name="Notes Placeholder 2"/>
+        <p:spPr>
+          <a:prstGeom prst="rect">
+            <a:avLst/>
+          </a:prstGeom>
+        </p:spPr>
+        <p:txBody>
+          <a:bodyPr/>
+          <a:lstStyle/>
+          <a:p>
+            <a:endParaRPr/>
+          </a:p>
+        </p:txBody>
+      </p:sp>
+      <p:sp>
+        <p:nvSpPr>
+          <p:cNvPr id="417" name="Shape 417"/>
           <p:cNvSpPr>
             <a:spLocks noGrp="1"/>
           </p:cNvSpPr>
           <p:nvPr>
-            <p:ph type="body" idx="1"/>
+            <p:ph type="body" sz="quarter" idx="1"/>
           </p:nvPr>
         </p:nvSpPr>
-        <p:spPr/>
+        <p:spPr>
+          <a:prstGeom prst="rect">
+            <a:avLst/>
+          </a:prstGeom>
+        </p:spPr>
         <p:txBody>
           <a:bodyPr/>
           <a:lstStyle/>
           <a:p>
-            <a:r>
-              <a:rPr lang="en-US" dirty="0"/>
-              <a:t>&lt;read slide&gt;</a:t>
-            </a:r>
-          </a:p>
-        </p:txBody>
-      </p:sp>
-      <p:sp>
-        <p:nvSpPr>
-          <p:cNvPr id="4" name="Slide Number Placeholder 3"/>
-          <p:cNvSpPr>
-            <a:spLocks noGrp="1"/>
-          </p:cNvSpPr>
-          <p:nvPr>
-            <p:ph type="sldNum" sz="quarter" idx="5"/>
-          </p:nvPr>
-        </p:nvSpPr>
-        <p:spPr/>
-        <p:txBody>
-          <a:bodyPr/>
-          <a:lstStyle/>
-          <a:p>
-            <a:fld id="{07937F07-1250-4CCE-B198-1B2887014F41}" type="slidenum">
-              <a:rPr lang="en-US" smtClean="0"/>
-              <a:t>31</a:t>
-            </a:fld>
-            <a:endParaRPr lang="en-US"/>
+            <a:pPr>
+              <a:lnSpc>
+                <a:spcPct val="100000"/>
+              </a:lnSpc>
+              <a:defRPr sz="1400">
+                <a:latin typeface="Helvetica"/>
+                <a:ea typeface="Helvetica"/>
+                <a:cs typeface="Helvetica"/>
+                <a:sym typeface="Helvetica"/>
+              </a:defRPr>
+            </a:pPr>
+            <a:r>
+              <a:rPr dirty="0"/>
+              <a:t>And if we track which branches are executed, we find that the test case executes only 7 out of 8 branches</a:t>
+            </a:r>
+          </a:p>
+          <a:p>
+            <a:pPr>
+              <a:lnSpc>
+                <a:spcPct val="100000"/>
+              </a:lnSpc>
+              <a:defRPr sz="1400">
+                <a:latin typeface="Helvetica"/>
+                <a:ea typeface="Helvetica"/>
+                <a:cs typeface="Helvetica"/>
+                <a:sym typeface="Helvetica"/>
+              </a:defRPr>
+            </a:pPr>
+            <a:r>
+              <a:rPr dirty="0"/>
+              <a:t>In other words, branch coverage is 7/8 or 87%.</a:t>
+            </a:r>
           </a:p>
         </p:txBody>
       </p:sp>
     </p:spTree>
-    <p:extLst>
-      <p:ext uri="{BB962C8B-B14F-4D97-AF65-F5344CB8AC3E}">
-        <p14:creationId xmlns:p14="http://schemas.microsoft.com/office/powerpoint/2010/main" val="1439674124"/>
-      </p:ext>
-    </p:extLst>
   </p:cSld>
   <p:clrMapOvr>
     <a:masterClrMapping/>
@@ -4493,7 +4680,7 @@
       </p:grpSpPr>
       <p:sp>
         <p:nvSpPr>
-          <p:cNvPr id="2" name="Slide Image Placeholder 1"/>
+          <p:cNvPr id="488" name="Shape 488"/>
           <p:cNvSpPr>
             <a:spLocks noGrp="1" noRot="1" noChangeAspect="1"/>
           </p:cNvSpPr>
@@ -4501,59 +4688,66 @@
             <p:ph type="sldImg"/>
           </p:nvPr>
         </p:nvSpPr>
-        <p:spPr/>
-      </p:sp>
-      <p:sp>
-        <p:nvSpPr>
-          <p:cNvPr id="3" name="Notes Placeholder 2"/>
+        <p:spPr>
+          <a:prstGeom prst="rect">
+            <a:avLst/>
+          </a:prstGeom>
+        </p:spPr>
+        <p:txBody>
+          <a:bodyPr/>
+          <a:lstStyle/>
+          <a:p>
+            <a:endParaRPr/>
+          </a:p>
+        </p:txBody>
+      </p:sp>
+      <p:sp>
+        <p:nvSpPr>
+          <p:cNvPr id="489" name="Shape 489"/>
           <p:cNvSpPr>
             <a:spLocks noGrp="1"/>
           </p:cNvSpPr>
           <p:nvPr>
-            <p:ph type="body" idx="1"/>
+            <p:ph type="body" sz="quarter" idx="1"/>
           </p:nvPr>
         </p:nvSpPr>
-        <p:spPr/>
+        <p:spPr>
+          <a:prstGeom prst="rect">
+            <a:avLst/>
+          </a:prstGeom>
+        </p:spPr>
         <p:txBody>
           <a:bodyPr/>
-          <a:lstStyle/>
-          <a:p>
-            <a:r>
-              <a:rPr lang="en-US" dirty="0"/>
-              <a:t>&lt;read slide&gt;</a:t>
-            </a:r>
-          </a:p>
-        </p:txBody>
-      </p:sp>
-      <p:sp>
-        <p:nvSpPr>
-          <p:cNvPr id="4" name="Slide Number Placeholder 3"/>
-          <p:cNvSpPr>
-            <a:spLocks noGrp="1"/>
-          </p:cNvSpPr>
-          <p:nvPr>
-            <p:ph type="sldNum" sz="quarter" idx="5"/>
-          </p:nvPr>
-        </p:nvSpPr>
-        <p:spPr/>
-        <p:txBody>
-          <a:bodyPr/>
-          <a:lstStyle/>
-          <a:p>
-            <a:fld id="{07937F07-1250-4CCE-B198-1B2887014F41}" type="slidenum">
-              <a:rPr lang="en-US" smtClean="0"/>
-              <a:t>32</a:t>
-            </a:fld>
-            <a:endParaRPr lang="en-US"/>
+          <a:lstStyle>
+            <a:lvl1pPr>
+              <a:lnSpc>
+                <a:spcPct val="100000"/>
+              </a:lnSpc>
+              <a:defRPr sz="1200">
+                <a:latin typeface="Helvetica"/>
+                <a:ea typeface="Helvetica"/>
+                <a:cs typeface="Helvetica"/>
+                <a:sym typeface="Helvetica"/>
+              </a:defRPr>
+            </a:lvl1pPr>
+          </a:lstStyle>
+          <a:p>
+            <a:r>
+              <a:rPr dirty="0"/>
+              <a:t>If we another test case, such as “</a:t>
+            </a:r>
+            <a:r>
+              <a:rPr dirty="0" err="1"/>
+              <a:t>abc</a:t>
+            </a:r>
+            <a:r>
+              <a:rPr dirty="0"/>
+              <a:t>”, we can cover this remaining branch – and find the defect.</a:t>
+            </a:r>
           </a:p>
         </p:txBody>
       </p:sp>
     </p:spTree>
-    <p:extLst>
-      <p:ext uri="{BB962C8B-B14F-4D97-AF65-F5344CB8AC3E}">
-        <p14:creationId xmlns:p14="http://schemas.microsoft.com/office/powerpoint/2010/main" val="329651169"/>
-      </p:ext>
-    </p:extLst>
   </p:cSld>
   <p:clrMapOvr>
     <a:masterClrMapping/>
@@ -4605,10 +4799,58 @@
           <a:bodyPr/>
           <a:lstStyle/>
           <a:p>
+            <a:pPr marL="0" indent="0">
+              <a:buSzPct val="100000"/>
+              <a:buNone/>
+            </a:pPr>
             <a:r>
               <a:rPr lang="en-US" dirty="0"/>
-              <a:t>&lt;read slide&gt;</a:t>
-            </a:r>
+              <a:t>The next testing criterion we consider is path testing</a:t>
+            </a:r>
+          </a:p>
+          <a:p>
+            <a:pPr marL="0" indent="0">
+              <a:buSzPct val="100000"/>
+              <a:buNone/>
+            </a:pPr>
+            <a:r>
+              <a:rPr lang="en-US" dirty="0"/>
+              <a:t>This criterion is </a:t>
+            </a:r>
+            <a:r>
+              <a:rPr lang="en-US" u="sng" dirty="0"/>
+              <a:t>not practical</a:t>
+            </a:r>
+            <a:r>
+              <a:rPr lang="en-US" dirty="0"/>
+              <a:t> because, in the presence of loops, the number of paths may be infinite</a:t>
+            </a:r>
+          </a:p>
+          <a:p>
+            <a:pPr marL="0" marR="0" lvl="0" indent="0" algn="l" defTabSz="914400" rtl="0" eaLnBrk="1" fontAlgn="auto" latinLnBrk="0" hangingPunct="1">
+              <a:lnSpc>
+                <a:spcPct val="100000"/>
+              </a:lnSpc>
+              <a:spcBef>
+                <a:spcPts val="0"/>
+              </a:spcBef>
+              <a:spcAft>
+                <a:spcPts val="0"/>
+              </a:spcAft>
+              <a:buClrTx/>
+              <a:buSzTx/>
+              <a:buFontTx/>
+              <a:buNone/>
+              <a:tabLst/>
+              <a:defRPr/>
+            </a:pPr>
+            <a:r>
+              <a:rPr lang="en-US" dirty="0"/>
+              <a:t>Cyclomatic Complexity can be used to limit the number of paths to cover. It measures the number of linearly-independent paths.</a:t>
+            </a:r>
+          </a:p>
+          <a:p>
+            <a:endParaRPr lang="en-US" dirty="0"/>
           </a:p>
         </p:txBody>
       </p:sp>
@@ -4629,7 +4871,7 @@
           <a:p>
             <a:fld id="{07937F07-1250-4CCE-B198-1B2887014F41}" type="slidenum">
               <a:rPr lang="en-US" smtClean="0"/>
-              <a:t>33</a:t>
+              <a:t>27</a:t>
             </a:fld>
             <a:endParaRPr lang="en-US"/>
           </a:p>
@@ -4638,7 +4880,7 @@
     </p:spTree>
     <p:extLst>
       <p:ext uri="{BB962C8B-B14F-4D97-AF65-F5344CB8AC3E}">
-        <p14:creationId xmlns:p14="http://schemas.microsoft.com/office/powerpoint/2010/main" val="971139133"/>
+        <p14:creationId xmlns:p14="http://schemas.microsoft.com/office/powerpoint/2010/main" val="767474752"/>
       </p:ext>
     </p:extLst>
   </p:cSld>
@@ -4692,45 +4934,10 @@
           <a:bodyPr/>
           <a:lstStyle/>
           <a:p>
-            <a:pPr marL="0" indent="0">
-              <a:lnSpc>
-                <a:spcPct val="100000"/>
-              </a:lnSpc>
-              <a:buSzPct val="100000"/>
-              <a:buNone/>
-              <a:defRPr sz="1200">
-                <a:latin typeface="Helvetica"/>
-                <a:ea typeface="Helvetica"/>
-                <a:cs typeface="Helvetica"/>
-                <a:sym typeface="Helvetica"/>
-              </a:defRPr>
-            </a:pPr>
             <a:r>
               <a:rPr lang="en-US" dirty="0"/>
-              <a:t>The diagram relates to a principle coined by the Italian economist Vilfredo Pareto in the year 1896 that says “roughly 80% of consequences come from 20% of the causes” </a:t>
-            </a:r>
-          </a:p>
-          <a:p>
-            <a:pPr marL="0" indent="0">
-              <a:lnSpc>
-                <a:spcPct val="100000"/>
-              </a:lnSpc>
-              <a:buSzPct val="100000"/>
-              <a:buNone/>
-              <a:defRPr sz="1200">
-                <a:latin typeface="Helvetica"/>
-                <a:ea typeface="Helvetica"/>
-                <a:cs typeface="Helvetica"/>
-                <a:sym typeface="Helvetica"/>
-              </a:defRPr>
-            </a:pPr>
-            <a:r>
-              <a:rPr lang="en-US" dirty="0"/>
-              <a:t>In the scenario of software engineering, Pareto’s Law can be interpreted to say that approximately 80% of defects originates from 20% of modules</a:t>
-            </a:r>
-          </a:p>
-          <a:p>
-            <a:endParaRPr lang="en-US" dirty="0"/>
+              <a:t>&lt;read slide&gt;</a:t>
+            </a:r>
           </a:p>
         </p:txBody>
       </p:sp>
@@ -4751,7 +4958,7 @@
           <a:p>
             <a:fld id="{07937F07-1250-4CCE-B198-1B2887014F41}" type="slidenum">
               <a:rPr lang="en-US" smtClean="0"/>
-              <a:t>34</a:t>
+              <a:t>28</a:t>
             </a:fld>
             <a:endParaRPr lang="en-US"/>
           </a:p>
@@ -4760,7 +4967,7 @@
     </p:spTree>
     <p:extLst>
       <p:ext uri="{BB962C8B-B14F-4D97-AF65-F5344CB8AC3E}">
-        <p14:creationId xmlns:p14="http://schemas.microsoft.com/office/powerpoint/2010/main" val="839338052"/>
+        <p14:creationId xmlns:p14="http://schemas.microsoft.com/office/powerpoint/2010/main" val="2969339103"/>
       </p:ext>
     </p:extLst>
   </p:cSld>
@@ -4814,7 +5021,10 @@
           <a:bodyPr/>
           <a:lstStyle/>
           <a:p>
-            <a:endParaRPr lang="en-US"/>
+            <a:r>
+              <a:rPr lang="en-US" dirty="0"/>
+              <a:t>&lt;read slide&gt;</a:t>
+            </a:r>
           </a:p>
         </p:txBody>
       </p:sp>
@@ -4835,7 +5045,7 @@
           <a:p>
             <a:fld id="{07937F07-1250-4CCE-B198-1B2887014F41}" type="slidenum">
               <a:rPr lang="en-US" smtClean="0"/>
-              <a:t>35</a:t>
+              <a:t>29</a:t>
             </a:fld>
             <a:endParaRPr lang="en-US"/>
           </a:p>
@@ -4844,7 +5054,94 @@
     </p:spTree>
     <p:extLst>
       <p:ext uri="{BB962C8B-B14F-4D97-AF65-F5344CB8AC3E}">
-        <p14:creationId xmlns:p14="http://schemas.microsoft.com/office/powerpoint/2010/main" val="3231362291"/>
+        <p14:creationId xmlns:p14="http://schemas.microsoft.com/office/powerpoint/2010/main" val="2427063407"/>
+      </p:ext>
+    </p:extLst>
+  </p:cSld>
+  <p:clrMapOvr>
+    <a:masterClrMapping/>
+  </p:clrMapOvr>
+</p:notes>
+</file>
+
+<file path=ppt/notesSlides/notesSlide29.xml><?xml version="1.0" encoding="utf-8"?>
+<p:notes xmlns:a="http://schemas.openxmlformats.org/drawingml/2006/main" xmlns:r="http://schemas.openxmlformats.org/officeDocument/2006/relationships" xmlns:p="http://schemas.openxmlformats.org/presentationml/2006/main">
+  <p:cSld>
+    <p:spTree>
+      <p:nvGrpSpPr>
+        <p:cNvPr id="1" name=""/>
+        <p:cNvGrpSpPr/>
+        <p:nvPr/>
+      </p:nvGrpSpPr>
+      <p:grpSpPr>
+        <a:xfrm>
+          <a:off x="0" y="0"/>
+          <a:ext cx="0" cy="0"/>
+          <a:chOff x="0" y="0"/>
+          <a:chExt cx="0" cy="0"/>
+        </a:xfrm>
+      </p:grpSpPr>
+      <p:sp>
+        <p:nvSpPr>
+          <p:cNvPr id="2" name="Slide Image Placeholder 1"/>
+          <p:cNvSpPr>
+            <a:spLocks noGrp="1" noRot="1" noChangeAspect="1"/>
+          </p:cNvSpPr>
+          <p:nvPr>
+            <p:ph type="sldImg"/>
+          </p:nvPr>
+        </p:nvSpPr>
+        <p:spPr/>
+      </p:sp>
+      <p:sp>
+        <p:nvSpPr>
+          <p:cNvPr id="3" name="Notes Placeholder 2"/>
+          <p:cNvSpPr>
+            <a:spLocks noGrp="1"/>
+          </p:cNvSpPr>
+          <p:nvPr>
+            <p:ph type="body" idx="1"/>
+          </p:nvPr>
+        </p:nvSpPr>
+        <p:spPr/>
+        <p:txBody>
+          <a:bodyPr/>
+          <a:lstStyle/>
+          <a:p>
+            <a:r>
+              <a:rPr lang="en-US" dirty="0"/>
+              <a:t>&lt;read slide&gt;</a:t>
+            </a:r>
+          </a:p>
+        </p:txBody>
+      </p:sp>
+      <p:sp>
+        <p:nvSpPr>
+          <p:cNvPr id="4" name="Slide Number Placeholder 3"/>
+          <p:cNvSpPr>
+            <a:spLocks noGrp="1"/>
+          </p:cNvSpPr>
+          <p:nvPr>
+            <p:ph type="sldNum" sz="quarter" idx="5"/>
+          </p:nvPr>
+        </p:nvSpPr>
+        <p:spPr/>
+        <p:txBody>
+          <a:bodyPr/>
+          <a:lstStyle/>
+          <a:p>
+            <a:fld id="{07937F07-1250-4CCE-B198-1B2887014F41}" type="slidenum">
+              <a:rPr lang="en-US" smtClean="0"/>
+              <a:t>30</a:t>
+            </a:fld>
+            <a:endParaRPr lang="en-US"/>
+          </a:p>
+        </p:txBody>
+      </p:sp>
+    </p:spTree>
+    <p:extLst>
+      <p:ext uri="{BB962C8B-B14F-4D97-AF65-F5344CB8AC3E}">
+        <p14:creationId xmlns:p14="http://schemas.microsoft.com/office/powerpoint/2010/main" val="920744137"/>
       </p:ext>
     </p:extLst>
   </p:cSld>
@@ -4898,7 +5195,10 @@
           <a:bodyPr/>
           <a:lstStyle/>
           <a:p>
-            <a:endParaRPr lang="en-US" dirty="0"/>
+            <a:r>
+              <a:rPr lang="en-US" dirty="0"/>
+              <a:t>&lt;read slide&gt;</a:t>
+            </a:r>
           </a:p>
         </p:txBody>
       </p:sp>
@@ -4929,6 +5229,473 @@
     <p:extLst>
       <p:ext uri="{BB962C8B-B14F-4D97-AF65-F5344CB8AC3E}">
         <p14:creationId xmlns:p14="http://schemas.microsoft.com/office/powerpoint/2010/main" val="4276167392"/>
+      </p:ext>
+    </p:extLst>
+  </p:cSld>
+  <p:clrMapOvr>
+    <a:masterClrMapping/>
+  </p:clrMapOvr>
+</p:notes>
+</file>
+
+<file path=ppt/notesSlides/notesSlide30.xml><?xml version="1.0" encoding="utf-8"?>
+<p:notes xmlns:a="http://schemas.openxmlformats.org/drawingml/2006/main" xmlns:r="http://schemas.openxmlformats.org/officeDocument/2006/relationships" xmlns:p="http://schemas.openxmlformats.org/presentationml/2006/main">
+  <p:cSld>
+    <p:spTree>
+      <p:nvGrpSpPr>
+        <p:cNvPr id="1" name=""/>
+        <p:cNvGrpSpPr/>
+        <p:nvPr/>
+      </p:nvGrpSpPr>
+      <p:grpSpPr>
+        <a:xfrm>
+          <a:off x="0" y="0"/>
+          <a:ext cx="0" cy="0"/>
+          <a:chOff x="0" y="0"/>
+          <a:chExt cx="0" cy="0"/>
+        </a:xfrm>
+      </p:grpSpPr>
+      <p:sp>
+        <p:nvSpPr>
+          <p:cNvPr id="2" name="Slide Image Placeholder 1"/>
+          <p:cNvSpPr>
+            <a:spLocks noGrp="1" noRot="1" noChangeAspect="1"/>
+          </p:cNvSpPr>
+          <p:nvPr>
+            <p:ph type="sldImg"/>
+          </p:nvPr>
+        </p:nvSpPr>
+        <p:spPr/>
+      </p:sp>
+      <p:sp>
+        <p:nvSpPr>
+          <p:cNvPr id="3" name="Notes Placeholder 2"/>
+          <p:cNvSpPr>
+            <a:spLocks noGrp="1"/>
+          </p:cNvSpPr>
+          <p:nvPr>
+            <p:ph type="body" idx="1"/>
+          </p:nvPr>
+        </p:nvSpPr>
+        <p:spPr/>
+        <p:txBody>
+          <a:bodyPr/>
+          <a:lstStyle/>
+          <a:p>
+            <a:r>
+              <a:rPr lang="en-US" dirty="0"/>
+              <a:t>&lt;read slide&gt;</a:t>
+            </a:r>
+          </a:p>
+        </p:txBody>
+      </p:sp>
+      <p:sp>
+        <p:nvSpPr>
+          <p:cNvPr id="4" name="Slide Number Placeholder 3"/>
+          <p:cNvSpPr>
+            <a:spLocks noGrp="1"/>
+          </p:cNvSpPr>
+          <p:nvPr>
+            <p:ph type="sldNum" sz="quarter" idx="5"/>
+          </p:nvPr>
+        </p:nvSpPr>
+        <p:spPr/>
+        <p:txBody>
+          <a:bodyPr/>
+          <a:lstStyle/>
+          <a:p>
+            <a:fld id="{07937F07-1250-4CCE-B198-1B2887014F41}" type="slidenum">
+              <a:rPr lang="en-US" smtClean="0"/>
+              <a:t>31</a:t>
+            </a:fld>
+            <a:endParaRPr lang="en-US"/>
+          </a:p>
+        </p:txBody>
+      </p:sp>
+    </p:spTree>
+    <p:extLst>
+      <p:ext uri="{BB962C8B-B14F-4D97-AF65-F5344CB8AC3E}">
+        <p14:creationId xmlns:p14="http://schemas.microsoft.com/office/powerpoint/2010/main" val="1439674124"/>
+      </p:ext>
+    </p:extLst>
+  </p:cSld>
+  <p:clrMapOvr>
+    <a:masterClrMapping/>
+  </p:clrMapOvr>
+</p:notes>
+</file>
+
+<file path=ppt/notesSlides/notesSlide31.xml><?xml version="1.0" encoding="utf-8"?>
+<p:notes xmlns:a="http://schemas.openxmlformats.org/drawingml/2006/main" xmlns:r="http://schemas.openxmlformats.org/officeDocument/2006/relationships" xmlns:p="http://schemas.openxmlformats.org/presentationml/2006/main">
+  <p:cSld>
+    <p:spTree>
+      <p:nvGrpSpPr>
+        <p:cNvPr id="1" name=""/>
+        <p:cNvGrpSpPr/>
+        <p:nvPr/>
+      </p:nvGrpSpPr>
+      <p:grpSpPr>
+        <a:xfrm>
+          <a:off x="0" y="0"/>
+          <a:ext cx="0" cy="0"/>
+          <a:chOff x="0" y="0"/>
+          <a:chExt cx="0" cy="0"/>
+        </a:xfrm>
+      </p:grpSpPr>
+      <p:sp>
+        <p:nvSpPr>
+          <p:cNvPr id="2" name="Slide Image Placeholder 1"/>
+          <p:cNvSpPr>
+            <a:spLocks noGrp="1" noRot="1" noChangeAspect="1"/>
+          </p:cNvSpPr>
+          <p:nvPr>
+            <p:ph type="sldImg"/>
+          </p:nvPr>
+        </p:nvSpPr>
+        <p:spPr/>
+      </p:sp>
+      <p:sp>
+        <p:nvSpPr>
+          <p:cNvPr id="3" name="Notes Placeholder 2"/>
+          <p:cNvSpPr>
+            <a:spLocks noGrp="1"/>
+          </p:cNvSpPr>
+          <p:nvPr>
+            <p:ph type="body" idx="1"/>
+          </p:nvPr>
+        </p:nvSpPr>
+        <p:spPr/>
+        <p:txBody>
+          <a:bodyPr/>
+          <a:lstStyle/>
+          <a:p>
+            <a:r>
+              <a:rPr lang="en-US" dirty="0"/>
+              <a:t>&lt;read slide&gt;</a:t>
+            </a:r>
+          </a:p>
+        </p:txBody>
+      </p:sp>
+      <p:sp>
+        <p:nvSpPr>
+          <p:cNvPr id="4" name="Slide Number Placeholder 3"/>
+          <p:cNvSpPr>
+            <a:spLocks noGrp="1"/>
+          </p:cNvSpPr>
+          <p:nvPr>
+            <p:ph type="sldNum" sz="quarter" idx="5"/>
+          </p:nvPr>
+        </p:nvSpPr>
+        <p:spPr/>
+        <p:txBody>
+          <a:bodyPr/>
+          <a:lstStyle/>
+          <a:p>
+            <a:fld id="{07937F07-1250-4CCE-B198-1B2887014F41}" type="slidenum">
+              <a:rPr lang="en-US" smtClean="0"/>
+              <a:t>32</a:t>
+            </a:fld>
+            <a:endParaRPr lang="en-US"/>
+          </a:p>
+        </p:txBody>
+      </p:sp>
+    </p:spTree>
+    <p:extLst>
+      <p:ext uri="{BB962C8B-B14F-4D97-AF65-F5344CB8AC3E}">
+        <p14:creationId xmlns:p14="http://schemas.microsoft.com/office/powerpoint/2010/main" val="329651169"/>
+      </p:ext>
+    </p:extLst>
+  </p:cSld>
+  <p:clrMapOvr>
+    <a:masterClrMapping/>
+  </p:clrMapOvr>
+</p:notes>
+</file>
+
+<file path=ppt/notesSlides/notesSlide32.xml><?xml version="1.0" encoding="utf-8"?>
+<p:notes xmlns:a="http://schemas.openxmlformats.org/drawingml/2006/main" xmlns:r="http://schemas.openxmlformats.org/officeDocument/2006/relationships" xmlns:p="http://schemas.openxmlformats.org/presentationml/2006/main">
+  <p:cSld>
+    <p:spTree>
+      <p:nvGrpSpPr>
+        <p:cNvPr id="1" name=""/>
+        <p:cNvGrpSpPr/>
+        <p:nvPr/>
+      </p:nvGrpSpPr>
+      <p:grpSpPr>
+        <a:xfrm>
+          <a:off x="0" y="0"/>
+          <a:ext cx="0" cy="0"/>
+          <a:chOff x="0" y="0"/>
+          <a:chExt cx="0" cy="0"/>
+        </a:xfrm>
+      </p:grpSpPr>
+      <p:sp>
+        <p:nvSpPr>
+          <p:cNvPr id="2" name="Slide Image Placeholder 1"/>
+          <p:cNvSpPr>
+            <a:spLocks noGrp="1" noRot="1" noChangeAspect="1"/>
+          </p:cNvSpPr>
+          <p:nvPr>
+            <p:ph type="sldImg"/>
+          </p:nvPr>
+        </p:nvSpPr>
+        <p:spPr/>
+      </p:sp>
+      <p:sp>
+        <p:nvSpPr>
+          <p:cNvPr id="3" name="Notes Placeholder 2"/>
+          <p:cNvSpPr>
+            <a:spLocks noGrp="1"/>
+          </p:cNvSpPr>
+          <p:nvPr>
+            <p:ph type="body" idx="1"/>
+          </p:nvPr>
+        </p:nvSpPr>
+        <p:spPr/>
+        <p:txBody>
+          <a:bodyPr/>
+          <a:lstStyle/>
+          <a:p>
+            <a:r>
+              <a:rPr lang="en-US" dirty="0"/>
+              <a:t>&lt;read slide&gt;</a:t>
+            </a:r>
+          </a:p>
+        </p:txBody>
+      </p:sp>
+      <p:sp>
+        <p:nvSpPr>
+          <p:cNvPr id="4" name="Slide Number Placeholder 3"/>
+          <p:cNvSpPr>
+            <a:spLocks noGrp="1"/>
+          </p:cNvSpPr>
+          <p:nvPr>
+            <p:ph type="sldNum" sz="quarter" idx="5"/>
+          </p:nvPr>
+        </p:nvSpPr>
+        <p:spPr/>
+        <p:txBody>
+          <a:bodyPr/>
+          <a:lstStyle/>
+          <a:p>
+            <a:fld id="{07937F07-1250-4CCE-B198-1B2887014F41}" type="slidenum">
+              <a:rPr lang="en-US" smtClean="0"/>
+              <a:t>33</a:t>
+            </a:fld>
+            <a:endParaRPr lang="en-US"/>
+          </a:p>
+        </p:txBody>
+      </p:sp>
+    </p:spTree>
+    <p:extLst>
+      <p:ext uri="{BB962C8B-B14F-4D97-AF65-F5344CB8AC3E}">
+        <p14:creationId xmlns:p14="http://schemas.microsoft.com/office/powerpoint/2010/main" val="971139133"/>
+      </p:ext>
+    </p:extLst>
+  </p:cSld>
+  <p:clrMapOvr>
+    <a:masterClrMapping/>
+  </p:clrMapOvr>
+</p:notes>
+</file>
+
+<file path=ppt/notesSlides/notesSlide33.xml><?xml version="1.0" encoding="utf-8"?>
+<p:notes xmlns:a="http://schemas.openxmlformats.org/drawingml/2006/main" xmlns:r="http://schemas.openxmlformats.org/officeDocument/2006/relationships" xmlns:p="http://schemas.openxmlformats.org/presentationml/2006/main">
+  <p:cSld>
+    <p:spTree>
+      <p:nvGrpSpPr>
+        <p:cNvPr id="1" name=""/>
+        <p:cNvGrpSpPr/>
+        <p:nvPr/>
+      </p:nvGrpSpPr>
+      <p:grpSpPr>
+        <a:xfrm>
+          <a:off x="0" y="0"/>
+          <a:ext cx="0" cy="0"/>
+          <a:chOff x="0" y="0"/>
+          <a:chExt cx="0" cy="0"/>
+        </a:xfrm>
+      </p:grpSpPr>
+      <p:sp>
+        <p:nvSpPr>
+          <p:cNvPr id="2" name="Slide Image Placeholder 1"/>
+          <p:cNvSpPr>
+            <a:spLocks noGrp="1" noRot="1" noChangeAspect="1"/>
+          </p:cNvSpPr>
+          <p:nvPr>
+            <p:ph type="sldImg"/>
+          </p:nvPr>
+        </p:nvSpPr>
+        <p:spPr/>
+      </p:sp>
+      <p:sp>
+        <p:nvSpPr>
+          <p:cNvPr id="3" name="Notes Placeholder 2"/>
+          <p:cNvSpPr>
+            <a:spLocks noGrp="1"/>
+          </p:cNvSpPr>
+          <p:nvPr>
+            <p:ph type="body" idx="1"/>
+          </p:nvPr>
+        </p:nvSpPr>
+        <p:spPr/>
+        <p:txBody>
+          <a:bodyPr/>
+          <a:lstStyle/>
+          <a:p>
+            <a:pPr marL="0" indent="0">
+              <a:lnSpc>
+                <a:spcPct val="100000"/>
+              </a:lnSpc>
+              <a:buSzPct val="100000"/>
+              <a:buNone/>
+              <a:defRPr sz="1200">
+                <a:latin typeface="Helvetica"/>
+                <a:ea typeface="Helvetica"/>
+                <a:cs typeface="Helvetica"/>
+                <a:sym typeface="Helvetica"/>
+              </a:defRPr>
+            </a:pPr>
+            <a:r>
+              <a:rPr lang="en-US" dirty="0"/>
+              <a:t>The diagram relates to a principle coined by the Italian economist Vilfredo Pareto in the year 1896 that says “roughly 80% of consequences come from 20% of the causes” </a:t>
+            </a:r>
+          </a:p>
+          <a:p>
+            <a:pPr marL="0" indent="0">
+              <a:lnSpc>
+                <a:spcPct val="100000"/>
+              </a:lnSpc>
+              <a:buSzPct val="100000"/>
+              <a:buNone/>
+              <a:defRPr sz="1200">
+                <a:latin typeface="Helvetica"/>
+                <a:ea typeface="Helvetica"/>
+                <a:cs typeface="Helvetica"/>
+                <a:sym typeface="Helvetica"/>
+              </a:defRPr>
+            </a:pPr>
+            <a:r>
+              <a:rPr lang="en-US" dirty="0"/>
+              <a:t>In the scenario of software engineering, Pareto’s Law can be interpreted to say that approximately 80% of defects originates from 20% of modules</a:t>
+            </a:r>
+          </a:p>
+          <a:p>
+            <a:endParaRPr lang="en-US" dirty="0"/>
+          </a:p>
+        </p:txBody>
+      </p:sp>
+      <p:sp>
+        <p:nvSpPr>
+          <p:cNvPr id="4" name="Slide Number Placeholder 3"/>
+          <p:cNvSpPr>
+            <a:spLocks noGrp="1"/>
+          </p:cNvSpPr>
+          <p:nvPr>
+            <p:ph type="sldNum" sz="quarter" idx="5"/>
+          </p:nvPr>
+        </p:nvSpPr>
+        <p:spPr/>
+        <p:txBody>
+          <a:bodyPr/>
+          <a:lstStyle/>
+          <a:p>
+            <a:fld id="{07937F07-1250-4CCE-B198-1B2887014F41}" type="slidenum">
+              <a:rPr lang="en-US" smtClean="0"/>
+              <a:t>34</a:t>
+            </a:fld>
+            <a:endParaRPr lang="en-US"/>
+          </a:p>
+        </p:txBody>
+      </p:sp>
+    </p:spTree>
+    <p:extLst>
+      <p:ext uri="{BB962C8B-B14F-4D97-AF65-F5344CB8AC3E}">
+        <p14:creationId xmlns:p14="http://schemas.microsoft.com/office/powerpoint/2010/main" val="839338052"/>
+      </p:ext>
+    </p:extLst>
+  </p:cSld>
+  <p:clrMapOvr>
+    <a:masterClrMapping/>
+  </p:clrMapOvr>
+</p:notes>
+</file>
+
+<file path=ppt/notesSlides/notesSlide34.xml><?xml version="1.0" encoding="utf-8"?>
+<p:notes xmlns:a="http://schemas.openxmlformats.org/drawingml/2006/main" xmlns:r="http://schemas.openxmlformats.org/officeDocument/2006/relationships" xmlns:p="http://schemas.openxmlformats.org/presentationml/2006/main">
+  <p:cSld>
+    <p:spTree>
+      <p:nvGrpSpPr>
+        <p:cNvPr id="1" name=""/>
+        <p:cNvGrpSpPr/>
+        <p:nvPr/>
+      </p:nvGrpSpPr>
+      <p:grpSpPr>
+        <a:xfrm>
+          <a:off x="0" y="0"/>
+          <a:ext cx="0" cy="0"/>
+          <a:chOff x="0" y="0"/>
+          <a:chExt cx="0" cy="0"/>
+        </a:xfrm>
+      </p:grpSpPr>
+      <p:sp>
+        <p:nvSpPr>
+          <p:cNvPr id="2" name="Slide Image Placeholder 1"/>
+          <p:cNvSpPr>
+            <a:spLocks noGrp="1" noRot="1" noChangeAspect="1"/>
+          </p:cNvSpPr>
+          <p:nvPr>
+            <p:ph type="sldImg"/>
+          </p:nvPr>
+        </p:nvSpPr>
+        <p:spPr/>
+      </p:sp>
+      <p:sp>
+        <p:nvSpPr>
+          <p:cNvPr id="3" name="Notes Placeholder 2"/>
+          <p:cNvSpPr>
+            <a:spLocks noGrp="1"/>
+          </p:cNvSpPr>
+          <p:nvPr>
+            <p:ph type="body" idx="1"/>
+          </p:nvPr>
+        </p:nvSpPr>
+        <p:spPr/>
+        <p:txBody>
+          <a:bodyPr/>
+          <a:lstStyle/>
+          <a:p>
+            <a:endParaRPr lang="en-US"/>
+          </a:p>
+        </p:txBody>
+      </p:sp>
+      <p:sp>
+        <p:nvSpPr>
+          <p:cNvPr id="4" name="Slide Number Placeholder 3"/>
+          <p:cNvSpPr>
+            <a:spLocks noGrp="1"/>
+          </p:cNvSpPr>
+          <p:nvPr>
+            <p:ph type="sldNum" sz="quarter" idx="5"/>
+          </p:nvPr>
+        </p:nvSpPr>
+        <p:spPr/>
+        <p:txBody>
+          <a:bodyPr/>
+          <a:lstStyle/>
+          <a:p>
+            <a:fld id="{07937F07-1250-4CCE-B198-1B2887014F41}" type="slidenum">
+              <a:rPr lang="en-US" smtClean="0"/>
+              <a:t>35</a:t>
+            </a:fld>
+            <a:endParaRPr lang="en-US"/>
+          </a:p>
+        </p:txBody>
+      </p:sp>
+    </p:spTree>
+    <p:extLst>
+      <p:ext uri="{BB962C8B-B14F-4D97-AF65-F5344CB8AC3E}">
+        <p14:creationId xmlns:p14="http://schemas.microsoft.com/office/powerpoint/2010/main" val="3231362291"/>
       </p:ext>
     </p:extLst>
   </p:cSld>
@@ -4984,7 +5751,7 @@
           <a:p>
             <a:r>
               <a:rPr lang="en-US" dirty="0"/>
-              <a:t>There is a famous Dykstra's law which basically states that when you are testing your program, testing can be used to show the presence of bugs but it can never show the absence of those bugs. This comes from the fact that you cannot spend all your life on testing, you only have a finite amount of time for you to be able to test the program. So, every time you are going to provide a certain input to the system you are going to observe its behavior, and you only can do it a limited number of times. So that's why you can't run infinite tests.</a:t>
+              <a:t>&lt;read slide&gt;</a:t>
             </a:r>
           </a:p>
         </p:txBody>
@@ -5006,7 +5773,7 @@
           <a:p>
             <a:fld id="{07937F07-1250-4CCE-B198-1B2887014F41}" type="slidenum">
               <a:rPr lang="en-US" smtClean="0"/>
-              <a:t>11</a:t>
+              <a:t>5</a:t>
             </a:fld>
             <a:endParaRPr lang="en-US"/>
           </a:p>
@@ -5015,7 +5782,7 @@
     </p:spTree>
     <p:extLst>
       <p:ext uri="{BB962C8B-B14F-4D97-AF65-F5344CB8AC3E}">
-        <p14:creationId xmlns:p14="http://schemas.microsoft.com/office/powerpoint/2010/main" val="614742616"/>
+        <p14:creationId xmlns:p14="http://schemas.microsoft.com/office/powerpoint/2010/main" val="2080278467"/>
       </p:ext>
     </p:extLst>
   </p:cSld>
@@ -5069,29 +5836,10 @@
           <a:bodyPr/>
           <a:lstStyle/>
           <a:p>
-            <a:pPr marL="0" indent="0">
-              <a:buSzPct val="100000"/>
-              <a:buNone/>
-              <a:defRPr sz="1900"/>
-            </a:pPr>
             <a:r>
               <a:rPr lang="en-US" dirty="0"/>
-              <a:t>You can think of systematic testing as a smart way to find needles in a haystack.</a:t>
-            </a:r>
-          </a:p>
-          <a:p>
-            <a:pPr marL="0" indent="0">
-              <a:buSzPct val="100000"/>
-              <a:buNone/>
-              <a:defRPr sz="1900"/>
-            </a:pPr>
-            <a:r>
-              <a:rPr lang="en-US" dirty="0"/>
-              <a:t>We want to search systematically for needles, and to do that we need to understand what makes needles special</a:t>
-            </a:r>
-          </a:p>
-          <a:p>
-            <a:endParaRPr lang="en-US" dirty="0"/>
+              <a:t>If it fails, what does it say about the code?</a:t>
+            </a:r>
           </a:p>
         </p:txBody>
       </p:sp>
@@ -5112,7 +5860,7 @@
           <a:p>
             <a:fld id="{07937F07-1250-4CCE-B198-1B2887014F41}" type="slidenum">
               <a:rPr lang="en-US" smtClean="0"/>
-              <a:t>12</a:t>
+              <a:t>6</a:t>
             </a:fld>
             <a:endParaRPr lang="en-US"/>
           </a:p>
@@ -5121,7 +5869,7 @@
     </p:spTree>
     <p:extLst>
       <p:ext uri="{BB962C8B-B14F-4D97-AF65-F5344CB8AC3E}">
-        <p14:creationId xmlns:p14="http://schemas.microsoft.com/office/powerpoint/2010/main" val="330944183"/>
+        <p14:creationId xmlns:p14="http://schemas.microsoft.com/office/powerpoint/2010/main" val="3200592607"/>
       </p:ext>
     </p:extLst>
   </p:cSld>
@@ -5175,103 +5923,10 @@
           <a:bodyPr/>
           <a:lstStyle/>
           <a:p>
-            <a:pPr marL="0" indent="0">
-              <a:lnSpc>
-                <a:spcPct val="100000"/>
-              </a:lnSpc>
-              <a:buSzPct val="100000"/>
-              <a:buNone/>
-              <a:defRPr sz="1200">
-                <a:latin typeface="Helvetica"/>
-                <a:ea typeface="Helvetica"/>
-                <a:cs typeface="Helvetica"/>
-                <a:sym typeface="Helvetica"/>
-              </a:defRPr>
-            </a:pPr>
             <a:r>
               <a:rPr lang="en-US" dirty="0"/>
-              <a:t>So how do we choose equivalence classes?  The key is to identify </a:t>
-            </a:r>
-            <a:r>
-              <a:rPr lang="en-US" b="1" dirty="0"/>
-              <a:t>input conditions</a:t>
-            </a:r>
-            <a:r>
-              <a:rPr lang="en-US" dirty="0"/>
-              <a:t> from the spec.  Each input condition induces an equivalence class – valid and invalid inputs. </a:t>
-            </a:r>
-          </a:p>
-          <a:p>
-            <a:pPr marL="0" indent="0">
-              <a:lnSpc>
-                <a:spcPct val="100000"/>
-              </a:lnSpc>
-              <a:buSzPct val="100000"/>
-              <a:buNone/>
-              <a:defRPr sz="1200">
-                <a:latin typeface="Helvetica"/>
-                <a:ea typeface="Helvetica"/>
-                <a:cs typeface="Helvetica"/>
-                <a:sym typeface="Helvetica"/>
-              </a:defRPr>
-            </a:pPr>
-            <a:r>
-              <a:rPr lang="en-US" dirty="0"/>
-              <a:t>For example, an input condition that specifies a range of values induces three equivalence classes: one containing values smaller than the lower bound of the range, one with values within the range, and one containing values larger than the upper bound of the range</a:t>
-            </a:r>
-          </a:p>
-          <a:p>
-            <a:pPr marL="0" indent="0">
-              <a:lnSpc>
-                <a:spcPct val="100000"/>
-              </a:lnSpc>
-              <a:buSzPct val="100000"/>
-              <a:buNone/>
-              <a:defRPr sz="1200">
-                <a:latin typeface="Helvetica"/>
-                <a:ea typeface="Helvetica"/>
-                <a:cs typeface="Helvetica"/>
-                <a:sym typeface="Helvetica"/>
-              </a:defRPr>
-            </a:pPr>
-            <a:r>
-              <a:rPr lang="en-US" dirty="0"/>
-              <a:t>Similarly, an input condition that specifies a specific value, …</a:t>
-            </a:r>
-          </a:p>
-          <a:p>
-            <a:pPr marL="0" indent="0">
-              <a:lnSpc>
-                <a:spcPct val="100000"/>
-              </a:lnSpc>
-              <a:buSzPct val="100000"/>
-              <a:buNone/>
-              <a:defRPr sz="1200">
-                <a:latin typeface="Helvetica"/>
-                <a:ea typeface="Helvetica"/>
-                <a:cs typeface="Helvetica"/>
-                <a:sym typeface="Helvetica"/>
-              </a:defRPr>
-            </a:pPr>
-            <a:r>
-              <a:rPr lang="en-US" dirty="0"/>
-              <a:t>Likewise, set membership and conditions that correspond to </a:t>
-            </a:r>
-            <a:r>
-              <a:rPr lang="en-US" dirty="0" err="1"/>
-              <a:t>boolean</a:t>
-            </a:r>
-            <a:r>
-              <a:rPr lang="en-US" dirty="0"/>
-              <a:t> predicates can be represented using two equivalence classes</a:t>
-            </a:r>
-          </a:p>
-          <a:p>
-            <a:pPr marL="0" indent="0">
-              <a:buFont typeface="Arial" panose="020B0604020202020204" pitchFamily="34" charset="0"/>
-              <a:buNone/>
-            </a:pPr>
-            <a:endParaRPr lang="en-US" dirty="0"/>
+              <a:t>&lt;read slide&gt;</a:t>
+            </a:r>
           </a:p>
         </p:txBody>
       </p:sp>
@@ -5292,7 +5947,7 @@
           <a:p>
             <a:fld id="{07937F07-1250-4CCE-B198-1B2887014F41}" type="slidenum">
               <a:rPr lang="en-US" smtClean="0"/>
-              <a:t>13</a:t>
+              <a:t>7</a:t>
             </a:fld>
             <a:endParaRPr lang="en-US"/>
           </a:p>
@@ -5301,7 +5956,7 @@
     </p:spTree>
     <p:extLst>
       <p:ext uri="{BB962C8B-B14F-4D97-AF65-F5344CB8AC3E}">
-        <p14:creationId xmlns:p14="http://schemas.microsoft.com/office/powerpoint/2010/main" val="1175260848"/>
+        <p14:creationId xmlns:p14="http://schemas.microsoft.com/office/powerpoint/2010/main" val="3477240406"/>
       </p:ext>
     </p:extLst>
   </p:cSld>
@@ -5355,87 +6010,10 @@
           <a:bodyPr/>
           <a:lstStyle/>
           <a:p>
-            <a:pPr marL="0" indent="0" defTabSz="647700">
-              <a:lnSpc>
-                <a:spcPct val="100000"/>
-              </a:lnSpc>
-              <a:buSzPct val="100000"/>
-              <a:buNone/>
-              <a:defRPr sz="1600">
-                <a:latin typeface="Helvetica"/>
-                <a:ea typeface="Helvetica"/>
-                <a:cs typeface="Helvetica"/>
-                <a:sym typeface="Helvetica"/>
-              </a:defRPr>
-            </a:pPr>
             <a:r>
               <a:rPr lang="en-US" dirty="0"/>
-              <a:t>Typically, a greater number of errors occurs at the boundaries of an equivalence class rather than at the “center”.  </a:t>
-            </a:r>
-          </a:p>
-          <a:p>
-            <a:pPr marL="0" indent="0" defTabSz="647700">
-              <a:lnSpc>
-                <a:spcPct val="100000"/>
-              </a:lnSpc>
-              <a:buSzPct val="100000"/>
-              <a:buNone/>
-              <a:defRPr sz="1600">
-                <a:latin typeface="Helvetica"/>
-                <a:ea typeface="Helvetica"/>
-                <a:cs typeface="Helvetica"/>
-                <a:sym typeface="Helvetica"/>
-              </a:defRPr>
-            </a:pPr>
-            <a:r>
-              <a:rPr lang="en-US" dirty="0"/>
-              <a:t>Therefore, we specifically look for values that are at the boundaries. </a:t>
-            </a:r>
-          </a:p>
-          <a:p>
-            <a:pPr marL="0" indent="0" defTabSz="647700">
-              <a:lnSpc>
-                <a:spcPct val="100000"/>
-              </a:lnSpc>
-              <a:buSzPct val="100000"/>
-              <a:buNone/>
-              <a:defRPr sz="1600">
-                <a:latin typeface="Helvetica"/>
-                <a:ea typeface="Helvetica"/>
-                <a:cs typeface="Helvetica"/>
-                <a:sym typeface="Helvetica"/>
-              </a:defRPr>
-            </a:pPr>
-            <a:r>
-              <a:rPr lang="en-US" dirty="0"/>
-              <a:t>In the example you see here, we could select a value just outside of the lower end of the range, just inside the lower end of the range, …</a:t>
-            </a:r>
-          </a:p>
-          <a:p>
-            <a:pPr marL="0" indent="0" defTabSz="647700">
-              <a:lnSpc>
-                <a:spcPct val="100000"/>
-              </a:lnSpc>
-              <a:buSzPct val="100000"/>
-              <a:buNone/>
-              <a:defRPr sz="1600">
-                <a:latin typeface="Helvetica"/>
-                <a:ea typeface="Helvetica"/>
-                <a:cs typeface="Helvetica"/>
-                <a:sym typeface="Helvetica"/>
-              </a:defRPr>
-            </a:pPr>
-            <a:r>
-              <a:rPr lang="en-US" dirty="0"/>
-              <a:t>If your system has well-defined inputs and outputs, you can apply this technique both to the input domain and the output domain.</a:t>
-            </a:r>
-          </a:p>
-          <a:p>
-            <a:pPr marL="0" indent="0">
-              <a:buFont typeface="Arial" panose="020B0604020202020204" pitchFamily="34" charset="0"/>
-              <a:buNone/>
-            </a:pPr>
-            <a:endParaRPr lang="en-US" dirty="0"/>
+              <a:t>&lt;read slide&gt;</a:t>
+            </a:r>
           </a:p>
         </p:txBody>
       </p:sp>
@@ -5456,7 +6034,7 @@
           <a:p>
             <a:fld id="{07937F07-1250-4CCE-B198-1B2887014F41}" type="slidenum">
               <a:rPr lang="en-US" smtClean="0"/>
-              <a:t>14</a:t>
+              <a:t>8</a:t>
             </a:fld>
             <a:endParaRPr lang="en-US"/>
           </a:p>
@@ -5465,7 +6043,7 @@
     </p:spTree>
     <p:extLst>
       <p:ext uri="{BB962C8B-B14F-4D97-AF65-F5344CB8AC3E}">
-        <p14:creationId xmlns:p14="http://schemas.microsoft.com/office/powerpoint/2010/main" val="1233382233"/>
+        <p14:creationId xmlns:p14="http://schemas.microsoft.com/office/powerpoint/2010/main" val="2600291089"/>
       </p:ext>
     </p:extLst>
   </p:cSld>
@@ -5519,21 +6097,10 @@
           <a:bodyPr/>
           <a:lstStyle/>
           <a:p>
-            <a:pPr marL="0" indent="0">
-              <a:buFont typeface="Arial" panose="020B0604020202020204" pitchFamily="34" charset="0"/>
-              <a:buNone/>
-            </a:pPr>
             <a:r>
               <a:rPr lang="en-US" dirty="0"/>
               <a:t>&lt;read slide&gt;</a:t>
             </a:r>
-          </a:p>
-          <a:p>
-            <a:pPr marL="0" indent="0">
-              <a:buFont typeface="Arial" panose="020B0604020202020204" pitchFamily="34" charset="0"/>
-              <a:buNone/>
-            </a:pPr>
-            <a:endParaRPr lang="en-US" dirty="0"/>
           </a:p>
         </p:txBody>
       </p:sp>
@@ -5554,7 +6121,7 @@
           <a:p>
             <a:fld id="{07937F07-1250-4CCE-B198-1B2887014F41}" type="slidenum">
               <a:rPr lang="en-US" smtClean="0"/>
-              <a:t>15</a:t>
+              <a:t>9</a:t>
             </a:fld>
             <a:endParaRPr lang="en-US"/>
           </a:p>
@@ -5563,7 +6130,7 @@
     </p:spTree>
     <p:extLst>
       <p:ext uri="{BB962C8B-B14F-4D97-AF65-F5344CB8AC3E}">
-        <p14:creationId xmlns:p14="http://schemas.microsoft.com/office/powerpoint/2010/main" val="1308004607"/>
+        <p14:creationId xmlns:p14="http://schemas.microsoft.com/office/powerpoint/2010/main" val="2011579067"/>
       </p:ext>
     </p:extLst>
   </p:cSld>
@@ -5617,52 +6184,10 @@
           <a:bodyPr/>
           <a:lstStyle/>
           <a:p>
-            <a:pPr marL="0" indent="0">
-              <a:buSzPct val="100000"/>
-              <a:buNone/>
-              <a:defRPr sz="1700"/>
-            </a:pPr>
             <a:r>
               <a:rPr lang="en-US" dirty="0"/>
-              <a:t>Many forms of coverage can be computed automatically using automated tools</a:t>
-            </a:r>
-          </a:p>
-          <a:p>
-            <a:pPr marL="0" indent="0">
-              <a:buSzPct val="100000"/>
-              <a:buNone/>
-              <a:defRPr sz="1700"/>
-            </a:pPr>
-            <a:r>
-              <a:rPr lang="en-US" dirty="0"/>
-              <a:t>This is typically done by instrumenting the program so that whenever a statement/block is executed, a corresponding counter is updated.</a:t>
-            </a:r>
-          </a:p>
-          <a:p>
-            <a:pPr marL="0" indent="0">
-              <a:buSzPct val="100000"/>
-              <a:buNone/>
-              <a:defRPr sz="1700"/>
-            </a:pPr>
-            <a:r>
-              <a:rPr lang="en-US" dirty="0"/>
-              <a:t>For JS/TS, the </a:t>
-            </a:r>
-            <a:r>
-              <a:rPr lang="en-US" dirty="0" err="1"/>
-              <a:t>Instanbul</a:t>
-            </a:r>
-            <a:r>
-              <a:rPr lang="en-US" dirty="0"/>
-              <a:t>/NYC tool can be used to compute coverage</a:t>
-            </a:r>
-          </a:p>
-          <a:p>
-            <a:pPr marL="0" indent="0">
-              <a:buFont typeface="Arial" panose="020B0604020202020204" pitchFamily="34" charset="0"/>
-              <a:buNone/>
-            </a:pPr>
-            <a:endParaRPr lang="en-US" dirty="0"/>
+              <a:t>&lt;read slide&gt;</a:t>
+            </a:r>
           </a:p>
         </p:txBody>
       </p:sp>
@@ -5683,7 +6208,7 @@
           <a:p>
             <a:fld id="{07937F07-1250-4CCE-B198-1B2887014F41}" type="slidenum">
               <a:rPr lang="en-US" smtClean="0"/>
-              <a:t>16</a:t>
+              <a:t>10</a:t>
             </a:fld>
             <a:endParaRPr lang="en-US"/>
           </a:p>
@@ -5692,7 +6217,7 @@
     </p:spTree>
     <p:extLst>
       <p:ext uri="{BB962C8B-B14F-4D97-AF65-F5344CB8AC3E}">
-        <p14:creationId xmlns:p14="http://schemas.microsoft.com/office/powerpoint/2010/main" val="4220540279"/>
+        <p14:creationId xmlns:p14="http://schemas.microsoft.com/office/powerpoint/2010/main" val="2437225828"/>
       </p:ext>
     </p:extLst>
   </p:cSld>
@@ -12128,7 +12653,7 @@
           </a:ln>
           <a:extLst>
             <a:ext uri="{C572A759-6A51-4108-AA02-DFA0A04FC94B}">
-              <ma14:wrappingTextBoxFlag xmlns:ma14="http://schemas.microsoft.com/office/mac/drawingml/2011/main" xmlns:a14="http://schemas.microsoft.com/office/drawing/2010/main" xmlns:m="http://schemas.openxmlformats.org/officeDocument/2006/math" xmlns="" val="1"/>
+              <ma14:wrappingTextBoxFlag xmlns="" xmlns:m="http://schemas.openxmlformats.org/officeDocument/2006/math" xmlns:a14="http://schemas.microsoft.com/office/drawing/2010/main" xmlns:ma14="http://schemas.microsoft.com/office/mac/drawingml/2011/main" val="1"/>
             </a:ext>
           </a:extLst>
         </p:spPr>
@@ -12211,7 +12736,7 @@
           </a:ln>
           <a:extLst>
             <a:ext uri="{C572A759-6A51-4108-AA02-DFA0A04FC94B}">
-              <ma14:wrappingTextBoxFlag xmlns:ma14="http://schemas.microsoft.com/office/mac/drawingml/2011/main" xmlns:a14="http://schemas.microsoft.com/office/drawing/2010/main" xmlns:m="http://schemas.openxmlformats.org/officeDocument/2006/math" xmlns="" val="1"/>
+              <ma14:wrappingTextBoxFlag xmlns="" xmlns:m="http://schemas.openxmlformats.org/officeDocument/2006/math" xmlns:a14="http://schemas.microsoft.com/office/drawing/2010/main" xmlns:ma14="http://schemas.microsoft.com/office/mac/drawingml/2011/main" val="1"/>
             </a:ext>
           </a:extLst>
         </p:spPr>
@@ -15472,7 +15997,7 @@
           </a:ln>
           <a:extLst>
             <a:ext uri="{C572A759-6A51-4108-AA02-DFA0A04FC94B}">
-              <ma14:wrappingTextBoxFlag xmlns:ma14="http://schemas.microsoft.com/office/mac/drawingml/2011/main" xmlns:a14="http://schemas.microsoft.com/office/drawing/2010/main" xmlns:m="http://schemas.openxmlformats.org/officeDocument/2006/math" xmlns="" val="1"/>
+              <ma14:wrappingTextBoxFlag xmlns="" xmlns:m="http://schemas.openxmlformats.org/officeDocument/2006/math" xmlns:a14="http://schemas.microsoft.com/office/drawing/2010/main" xmlns:ma14="http://schemas.microsoft.com/office/mac/drawingml/2011/main" val="1"/>
             </a:ext>
           </a:extLst>
         </p:spPr>
@@ -16529,7 +17054,7 @@
           </a:effectLst>
           <a:extLst>
             <a:ext uri="{C572A759-6A51-4108-AA02-DFA0A04FC94B}">
-              <ma14:wrappingTextBoxFlag xmlns:ma14="http://schemas.microsoft.com/office/mac/drawingml/2011/main" xmlns:a14="http://schemas.microsoft.com/office/drawing/2010/main" xmlns:m="http://schemas.openxmlformats.org/officeDocument/2006/math" xmlns="" val="1"/>
+              <ma14:wrappingTextBoxFlag xmlns="" xmlns:m="http://schemas.openxmlformats.org/officeDocument/2006/math" xmlns:a14="http://schemas.microsoft.com/office/drawing/2010/main" xmlns:ma14="http://schemas.microsoft.com/office/mac/drawingml/2011/main" val="1"/>
             </a:ext>
           </a:extLst>
         </p:spPr>
@@ -16596,7 +17121,7 @@
           </a:effectLst>
           <a:extLst>
             <a:ext uri="{C572A759-6A51-4108-AA02-DFA0A04FC94B}">
-              <ma14:wrappingTextBoxFlag xmlns:ma14="http://schemas.microsoft.com/office/mac/drawingml/2011/main" xmlns:a14="http://schemas.microsoft.com/office/drawing/2010/main" xmlns:m="http://schemas.openxmlformats.org/officeDocument/2006/math" xmlns="" val="1"/>
+              <ma14:wrappingTextBoxFlag xmlns="" xmlns:m="http://schemas.openxmlformats.org/officeDocument/2006/math" xmlns:a14="http://schemas.microsoft.com/office/drawing/2010/main" xmlns:ma14="http://schemas.microsoft.com/office/mac/drawingml/2011/main" val="1"/>
             </a:ext>
           </a:extLst>
         </p:spPr>
@@ -16663,7 +17188,7 @@
           </a:effectLst>
           <a:extLst>
             <a:ext uri="{C572A759-6A51-4108-AA02-DFA0A04FC94B}">
-              <ma14:wrappingTextBoxFlag xmlns:ma14="http://schemas.microsoft.com/office/mac/drawingml/2011/main" xmlns:a14="http://schemas.microsoft.com/office/drawing/2010/main" xmlns:m="http://schemas.openxmlformats.org/officeDocument/2006/math" xmlns="" val="1"/>
+              <ma14:wrappingTextBoxFlag xmlns="" xmlns:m="http://schemas.openxmlformats.org/officeDocument/2006/math" xmlns:a14="http://schemas.microsoft.com/office/drawing/2010/main" xmlns:ma14="http://schemas.microsoft.com/office/mac/drawingml/2011/main" val="1"/>
             </a:ext>
           </a:extLst>
         </p:spPr>
@@ -16730,7 +17255,7 @@
           </a:effectLst>
           <a:extLst>
             <a:ext uri="{C572A759-6A51-4108-AA02-DFA0A04FC94B}">
-              <ma14:wrappingTextBoxFlag xmlns:ma14="http://schemas.microsoft.com/office/mac/drawingml/2011/main" xmlns:a14="http://schemas.microsoft.com/office/drawing/2010/main" xmlns:m="http://schemas.openxmlformats.org/officeDocument/2006/math" xmlns="" val="1"/>
+              <ma14:wrappingTextBoxFlag xmlns="" xmlns:m="http://schemas.openxmlformats.org/officeDocument/2006/math" xmlns:a14="http://schemas.microsoft.com/office/drawing/2010/main" xmlns:ma14="http://schemas.microsoft.com/office/mac/drawingml/2011/main" val="1"/>
             </a:ext>
           </a:extLst>
         </p:spPr>
@@ -16797,7 +17322,7 @@
           </a:effectLst>
           <a:extLst>
             <a:ext uri="{C572A759-6A51-4108-AA02-DFA0A04FC94B}">
-              <ma14:wrappingTextBoxFlag xmlns:ma14="http://schemas.microsoft.com/office/mac/drawingml/2011/main" xmlns:a14="http://schemas.microsoft.com/office/drawing/2010/main" xmlns:m="http://schemas.openxmlformats.org/officeDocument/2006/math" xmlns="" val="1"/>
+              <ma14:wrappingTextBoxFlag xmlns="" xmlns:m="http://schemas.openxmlformats.org/officeDocument/2006/math" xmlns:a14="http://schemas.microsoft.com/office/drawing/2010/main" xmlns:ma14="http://schemas.microsoft.com/office/mac/drawingml/2011/main" val="1"/>
             </a:ext>
           </a:extLst>
         </p:spPr>
@@ -16864,7 +17389,7 @@
           </a:effectLst>
           <a:extLst>
             <a:ext uri="{C572A759-6A51-4108-AA02-DFA0A04FC94B}">
-              <ma14:wrappingTextBoxFlag xmlns:ma14="http://schemas.microsoft.com/office/mac/drawingml/2011/main" xmlns:a14="http://schemas.microsoft.com/office/drawing/2010/main" xmlns:m="http://schemas.openxmlformats.org/officeDocument/2006/math" xmlns="" val="1"/>
+              <ma14:wrappingTextBoxFlag xmlns="" xmlns:m="http://schemas.openxmlformats.org/officeDocument/2006/math" xmlns:a14="http://schemas.microsoft.com/office/drawing/2010/main" xmlns:ma14="http://schemas.microsoft.com/office/mac/drawingml/2011/main" val="1"/>
             </a:ext>
           </a:extLst>
         </p:spPr>
@@ -16931,7 +17456,7 @@
           </a:effectLst>
           <a:extLst>
             <a:ext uri="{C572A759-6A51-4108-AA02-DFA0A04FC94B}">
-              <ma14:wrappingTextBoxFlag xmlns:ma14="http://schemas.microsoft.com/office/mac/drawingml/2011/main" xmlns:a14="http://schemas.microsoft.com/office/drawing/2010/main" xmlns:m="http://schemas.openxmlformats.org/officeDocument/2006/math" xmlns="" val="1"/>
+              <ma14:wrappingTextBoxFlag xmlns="" xmlns:m="http://schemas.openxmlformats.org/officeDocument/2006/math" xmlns:a14="http://schemas.microsoft.com/office/drawing/2010/main" xmlns:ma14="http://schemas.microsoft.com/office/mac/drawingml/2011/main" val="1"/>
             </a:ext>
           </a:extLst>
         </p:spPr>
@@ -16998,7 +17523,7 @@
           </a:effectLst>
           <a:extLst>
             <a:ext uri="{C572A759-6A51-4108-AA02-DFA0A04FC94B}">
-              <ma14:wrappingTextBoxFlag xmlns:ma14="http://schemas.microsoft.com/office/mac/drawingml/2011/main" xmlns:a14="http://schemas.microsoft.com/office/drawing/2010/main" xmlns:m="http://schemas.openxmlformats.org/officeDocument/2006/math" xmlns="" val="1"/>
+              <ma14:wrappingTextBoxFlag xmlns="" xmlns:m="http://schemas.openxmlformats.org/officeDocument/2006/math" xmlns:a14="http://schemas.microsoft.com/office/drawing/2010/main" xmlns:ma14="http://schemas.microsoft.com/office/mac/drawingml/2011/main" val="1"/>
             </a:ext>
           </a:extLst>
         </p:spPr>
@@ -17065,7 +17590,7 @@
           </a:effectLst>
           <a:extLst>
             <a:ext uri="{C572A759-6A51-4108-AA02-DFA0A04FC94B}">
-              <ma14:wrappingTextBoxFlag xmlns:ma14="http://schemas.microsoft.com/office/mac/drawingml/2011/main" xmlns:a14="http://schemas.microsoft.com/office/drawing/2010/main" xmlns:m="http://schemas.openxmlformats.org/officeDocument/2006/math" xmlns="" val="1"/>
+              <ma14:wrappingTextBoxFlag xmlns="" xmlns:m="http://schemas.openxmlformats.org/officeDocument/2006/math" xmlns:a14="http://schemas.microsoft.com/office/drawing/2010/main" xmlns:ma14="http://schemas.microsoft.com/office/mac/drawingml/2011/main" val="1"/>
             </a:ext>
           </a:extLst>
         </p:spPr>
@@ -17132,7 +17657,7 @@
           </a:effectLst>
           <a:extLst>
             <a:ext uri="{C572A759-6A51-4108-AA02-DFA0A04FC94B}">
-              <ma14:wrappingTextBoxFlag xmlns:ma14="http://schemas.microsoft.com/office/mac/drawingml/2011/main" xmlns:a14="http://schemas.microsoft.com/office/drawing/2010/main" xmlns:m="http://schemas.openxmlformats.org/officeDocument/2006/math" xmlns="" val="1"/>
+              <ma14:wrappingTextBoxFlag xmlns="" xmlns:m="http://schemas.openxmlformats.org/officeDocument/2006/math" xmlns:a14="http://schemas.microsoft.com/office/drawing/2010/main" xmlns:ma14="http://schemas.microsoft.com/office/mac/drawingml/2011/main" val="1"/>
             </a:ext>
           </a:extLst>
         </p:spPr>
@@ -17199,7 +17724,7 @@
           </a:effectLst>
           <a:extLst>
             <a:ext uri="{C572A759-6A51-4108-AA02-DFA0A04FC94B}">
-              <ma14:wrappingTextBoxFlag xmlns:ma14="http://schemas.microsoft.com/office/mac/drawingml/2011/main" xmlns:a14="http://schemas.microsoft.com/office/drawing/2010/main" xmlns:m="http://schemas.openxmlformats.org/officeDocument/2006/math" xmlns="" val="1"/>
+              <ma14:wrappingTextBoxFlag xmlns="" xmlns:m="http://schemas.openxmlformats.org/officeDocument/2006/math" xmlns:a14="http://schemas.microsoft.com/office/drawing/2010/main" xmlns:ma14="http://schemas.microsoft.com/office/mac/drawingml/2011/main" val="1"/>
             </a:ext>
           </a:extLst>
         </p:spPr>
@@ -17378,7 +17903,7 @@
           </a:effectLst>
           <a:extLst>
             <a:ext uri="{C572A759-6A51-4108-AA02-DFA0A04FC94B}">
-              <ma14:wrappingTextBoxFlag xmlns:ma14="http://schemas.microsoft.com/office/mac/drawingml/2011/main" xmlns:a14="http://schemas.microsoft.com/office/drawing/2010/main" xmlns:m="http://schemas.openxmlformats.org/officeDocument/2006/math" xmlns="" val="1"/>
+              <ma14:wrappingTextBoxFlag xmlns="" xmlns:m="http://schemas.openxmlformats.org/officeDocument/2006/math" xmlns:a14="http://schemas.microsoft.com/office/drawing/2010/main" xmlns:ma14="http://schemas.microsoft.com/office/mac/drawingml/2011/main" val="1"/>
             </a:ext>
           </a:extLst>
         </p:spPr>
@@ -17455,7 +17980,7 @@
           </a:effectLst>
           <a:extLst>
             <a:ext uri="{C572A759-6A51-4108-AA02-DFA0A04FC94B}">
-              <ma14:wrappingTextBoxFlag xmlns:ma14="http://schemas.microsoft.com/office/mac/drawingml/2011/main" xmlns:a14="http://schemas.microsoft.com/office/drawing/2010/main" xmlns:m="http://schemas.openxmlformats.org/officeDocument/2006/math" xmlns="" val="1"/>
+              <ma14:wrappingTextBoxFlag xmlns="" xmlns:m="http://schemas.openxmlformats.org/officeDocument/2006/math" xmlns:a14="http://schemas.microsoft.com/office/drawing/2010/main" xmlns:ma14="http://schemas.microsoft.com/office/mac/drawingml/2011/main" val="1"/>
             </a:ext>
           </a:extLst>
         </p:spPr>
@@ -17519,7 +18044,7 @@
           </a:effectLst>
           <a:extLst>
             <a:ext uri="{C572A759-6A51-4108-AA02-DFA0A04FC94B}">
-              <ma14:wrappingTextBoxFlag xmlns:ma14="http://schemas.microsoft.com/office/mac/drawingml/2011/main" xmlns:a14="http://schemas.microsoft.com/office/drawing/2010/main" xmlns:m="http://schemas.openxmlformats.org/officeDocument/2006/math" xmlns="" val="1"/>
+              <ma14:wrappingTextBoxFlag xmlns="" xmlns:m="http://schemas.openxmlformats.org/officeDocument/2006/math" xmlns:a14="http://schemas.microsoft.com/office/drawing/2010/main" xmlns:ma14="http://schemas.microsoft.com/office/mac/drawingml/2011/main" val="1"/>
             </a:ext>
           </a:extLst>
         </p:spPr>
@@ -17583,7 +18108,7 @@
           </a:effectLst>
           <a:extLst>
             <a:ext uri="{C572A759-6A51-4108-AA02-DFA0A04FC94B}">
-              <ma14:wrappingTextBoxFlag xmlns:ma14="http://schemas.microsoft.com/office/mac/drawingml/2011/main" xmlns:a14="http://schemas.microsoft.com/office/drawing/2010/main" xmlns:m="http://schemas.openxmlformats.org/officeDocument/2006/math" xmlns="" val="1"/>
+              <ma14:wrappingTextBoxFlag xmlns="" xmlns:m="http://schemas.openxmlformats.org/officeDocument/2006/math" xmlns:a14="http://schemas.microsoft.com/office/drawing/2010/main" xmlns:ma14="http://schemas.microsoft.com/office/mac/drawingml/2011/main" val="1"/>
             </a:ext>
           </a:extLst>
         </p:spPr>
@@ -17647,7 +18172,7 @@
           </a:effectLst>
           <a:extLst>
             <a:ext uri="{C572A759-6A51-4108-AA02-DFA0A04FC94B}">
-              <ma14:wrappingTextBoxFlag xmlns:ma14="http://schemas.microsoft.com/office/mac/drawingml/2011/main" xmlns:a14="http://schemas.microsoft.com/office/drawing/2010/main" xmlns:m="http://schemas.openxmlformats.org/officeDocument/2006/math" xmlns="" val="1"/>
+              <ma14:wrappingTextBoxFlag xmlns="" xmlns:m="http://schemas.openxmlformats.org/officeDocument/2006/math" xmlns:a14="http://schemas.microsoft.com/office/drawing/2010/main" xmlns:ma14="http://schemas.microsoft.com/office/mac/drawingml/2011/main" val="1"/>
             </a:ext>
           </a:extLst>
         </p:spPr>
@@ -17711,7 +18236,7 @@
           </a:effectLst>
           <a:extLst>
             <a:ext uri="{C572A759-6A51-4108-AA02-DFA0A04FC94B}">
-              <ma14:wrappingTextBoxFlag xmlns:ma14="http://schemas.microsoft.com/office/mac/drawingml/2011/main" xmlns:a14="http://schemas.microsoft.com/office/drawing/2010/main" xmlns:m="http://schemas.openxmlformats.org/officeDocument/2006/math" xmlns="" val="1"/>
+              <ma14:wrappingTextBoxFlag xmlns="" xmlns:m="http://schemas.openxmlformats.org/officeDocument/2006/math" xmlns:a14="http://schemas.microsoft.com/office/drawing/2010/main" xmlns:ma14="http://schemas.microsoft.com/office/mac/drawingml/2011/main" val="1"/>
             </a:ext>
           </a:extLst>
         </p:spPr>
@@ -17775,7 +18300,7 @@
           </a:effectLst>
           <a:extLst>
             <a:ext uri="{C572A759-6A51-4108-AA02-DFA0A04FC94B}">
-              <ma14:wrappingTextBoxFlag xmlns:ma14="http://schemas.microsoft.com/office/mac/drawingml/2011/main" xmlns:a14="http://schemas.microsoft.com/office/drawing/2010/main" xmlns:m="http://schemas.openxmlformats.org/officeDocument/2006/math" xmlns="" val="1"/>
+              <ma14:wrappingTextBoxFlag xmlns="" xmlns:m="http://schemas.openxmlformats.org/officeDocument/2006/math" xmlns:a14="http://schemas.microsoft.com/office/drawing/2010/main" xmlns:ma14="http://schemas.microsoft.com/office/mac/drawingml/2011/main" val="1"/>
             </a:ext>
           </a:extLst>
         </p:spPr>
@@ -17839,7 +18364,7 @@
           </a:effectLst>
           <a:extLst>
             <a:ext uri="{C572A759-6A51-4108-AA02-DFA0A04FC94B}">
-              <ma14:wrappingTextBoxFlag xmlns:ma14="http://schemas.microsoft.com/office/mac/drawingml/2011/main" xmlns:a14="http://schemas.microsoft.com/office/drawing/2010/main" xmlns:m="http://schemas.openxmlformats.org/officeDocument/2006/math" xmlns="" val="1"/>
+              <ma14:wrappingTextBoxFlag xmlns="" xmlns:m="http://schemas.openxmlformats.org/officeDocument/2006/math" xmlns:a14="http://schemas.microsoft.com/office/drawing/2010/main" xmlns:ma14="http://schemas.microsoft.com/office/mac/drawingml/2011/main" val="1"/>
             </a:ext>
           </a:extLst>
         </p:spPr>
@@ -18928,7 +19453,7 @@
           </a:effectLst>
           <a:extLst>
             <a:ext uri="{C572A759-6A51-4108-AA02-DFA0A04FC94B}">
-              <ma14:wrappingTextBoxFlag xmlns:ma14="http://schemas.microsoft.com/office/mac/drawingml/2011/main" xmlns:a14="http://schemas.microsoft.com/office/drawing/2010/main" xmlns:m="http://schemas.openxmlformats.org/officeDocument/2006/math" xmlns="" val="1"/>
+              <ma14:wrappingTextBoxFlag xmlns="" xmlns:m="http://schemas.openxmlformats.org/officeDocument/2006/math" xmlns:a14="http://schemas.microsoft.com/office/drawing/2010/main" xmlns:ma14="http://schemas.microsoft.com/office/mac/drawingml/2011/main" val="1"/>
             </a:ext>
           </a:extLst>
         </p:spPr>
@@ -18995,7 +19520,7 @@
           </a:effectLst>
           <a:extLst>
             <a:ext uri="{C572A759-6A51-4108-AA02-DFA0A04FC94B}">
-              <ma14:wrappingTextBoxFlag xmlns:ma14="http://schemas.microsoft.com/office/mac/drawingml/2011/main" xmlns:a14="http://schemas.microsoft.com/office/drawing/2010/main" xmlns:m="http://schemas.openxmlformats.org/officeDocument/2006/math" xmlns="" val="1"/>
+              <ma14:wrappingTextBoxFlag xmlns="" xmlns:m="http://schemas.openxmlformats.org/officeDocument/2006/math" xmlns:a14="http://schemas.microsoft.com/office/drawing/2010/main" xmlns:ma14="http://schemas.microsoft.com/office/mac/drawingml/2011/main" val="1"/>
             </a:ext>
           </a:extLst>
         </p:spPr>
@@ -19062,7 +19587,7 @@
           </a:effectLst>
           <a:extLst>
             <a:ext uri="{C572A759-6A51-4108-AA02-DFA0A04FC94B}">
-              <ma14:wrappingTextBoxFlag xmlns:ma14="http://schemas.microsoft.com/office/mac/drawingml/2011/main" xmlns:a14="http://schemas.microsoft.com/office/drawing/2010/main" xmlns:m="http://schemas.openxmlformats.org/officeDocument/2006/math" xmlns="" val="1"/>
+              <ma14:wrappingTextBoxFlag xmlns="" xmlns:m="http://schemas.openxmlformats.org/officeDocument/2006/math" xmlns:a14="http://schemas.microsoft.com/office/drawing/2010/main" xmlns:ma14="http://schemas.microsoft.com/office/mac/drawingml/2011/main" val="1"/>
             </a:ext>
           </a:extLst>
         </p:spPr>
@@ -19129,7 +19654,7 @@
           </a:effectLst>
           <a:extLst>
             <a:ext uri="{C572A759-6A51-4108-AA02-DFA0A04FC94B}">
-              <ma14:wrappingTextBoxFlag xmlns:ma14="http://schemas.microsoft.com/office/mac/drawingml/2011/main" xmlns:a14="http://schemas.microsoft.com/office/drawing/2010/main" xmlns:m="http://schemas.openxmlformats.org/officeDocument/2006/math" xmlns="" val="1"/>
+              <ma14:wrappingTextBoxFlag xmlns="" xmlns:m="http://schemas.openxmlformats.org/officeDocument/2006/math" xmlns:a14="http://schemas.microsoft.com/office/drawing/2010/main" xmlns:ma14="http://schemas.microsoft.com/office/mac/drawingml/2011/main" val="1"/>
             </a:ext>
           </a:extLst>
         </p:spPr>
@@ -19196,7 +19721,7 @@
           </a:effectLst>
           <a:extLst>
             <a:ext uri="{C572A759-6A51-4108-AA02-DFA0A04FC94B}">
-              <ma14:wrappingTextBoxFlag xmlns:ma14="http://schemas.microsoft.com/office/mac/drawingml/2011/main" xmlns:a14="http://schemas.microsoft.com/office/drawing/2010/main" xmlns:m="http://schemas.openxmlformats.org/officeDocument/2006/math" xmlns="" val="1"/>
+              <ma14:wrappingTextBoxFlag xmlns="" xmlns:m="http://schemas.openxmlformats.org/officeDocument/2006/math" xmlns:a14="http://schemas.microsoft.com/office/drawing/2010/main" xmlns:ma14="http://schemas.microsoft.com/office/mac/drawingml/2011/main" val="1"/>
             </a:ext>
           </a:extLst>
         </p:spPr>
@@ -19263,7 +19788,7 @@
           </a:effectLst>
           <a:extLst>
             <a:ext uri="{C572A759-6A51-4108-AA02-DFA0A04FC94B}">
-              <ma14:wrappingTextBoxFlag xmlns:ma14="http://schemas.microsoft.com/office/mac/drawingml/2011/main" xmlns:a14="http://schemas.microsoft.com/office/drawing/2010/main" xmlns:m="http://schemas.openxmlformats.org/officeDocument/2006/math" xmlns="" val="1"/>
+              <ma14:wrappingTextBoxFlag xmlns="" xmlns:m="http://schemas.openxmlformats.org/officeDocument/2006/math" xmlns:a14="http://schemas.microsoft.com/office/drawing/2010/main" xmlns:ma14="http://schemas.microsoft.com/office/mac/drawingml/2011/main" val="1"/>
             </a:ext>
           </a:extLst>
         </p:spPr>
@@ -19330,7 +19855,7 @@
           </a:effectLst>
           <a:extLst>
             <a:ext uri="{C572A759-6A51-4108-AA02-DFA0A04FC94B}">
-              <ma14:wrappingTextBoxFlag xmlns:ma14="http://schemas.microsoft.com/office/mac/drawingml/2011/main" xmlns:a14="http://schemas.microsoft.com/office/drawing/2010/main" xmlns:m="http://schemas.openxmlformats.org/officeDocument/2006/math" xmlns="" val="1"/>
+              <ma14:wrappingTextBoxFlag xmlns="" xmlns:m="http://schemas.openxmlformats.org/officeDocument/2006/math" xmlns:a14="http://schemas.microsoft.com/office/drawing/2010/main" xmlns:ma14="http://schemas.microsoft.com/office/mac/drawingml/2011/main" val="1"/>
             </a:ext>
           </a:extLst>
         </p:spPr>
@@ -19397,7 +19922,7 @@
           </a:effectLst>
           <a:extLst>
             <a:ext uri="{C572A759-6A51-4108-AA02-DFA0A04FC94B}">
-              <ma14:wrappingTextBoxFlag xmlns:ma14="http://schemas.microsoft.com/office/mac/drawingml/2011/main" xmlns:a14="http://schemas.microsoft.com/office/drawing/2010/main" xmlns:m="http://schemas.openxmlformats.org/officeDocument/2006/math" xmlns="" val="1"/>
+              <ma14:wrappingTextBoxFlag xmlns="" xmlns:m="http://schemas.openxmlformats.org/officeDocument/2006/math" xmlns:a14="http://schemas.microsoft.com/office/drawing/2010/main" xmlns:ma14="http://schemas.microsoft.com/office/mac/drawingml/2011/main" val="1"/>
             </a:ext>
           </a:extLst>
         </p:spPr>
@@ -19464,7 +19989,7 @@
           </a:effectLst>
           <a:extLst>
             <a:ext uri="{C572A759-6A51-4108-AA02-DFA0A04FC94B}">
-              <ma14:wrappingTextBoxFlag xmlns:ma14="http://schemas.microsoft.com/office/mac/drawingml/2011/main" xmlns:a14="http://schemas.microsoft.com/office/drawing/2010/main" xmlns:m="http://schemas.openxmlformats.org/officeDocument/2006/math" xmlns="" val="1"/>
+              <ma14:wrappingTextBoxFlag xmlns="" xmlns:m="http://schemas.openxmlformats.org/officeDocument/2006/math" xmlns:a14="http://schemas.microsoft.com/office/drawing/2010/main" xmlns:ma14="http://schemas.microsoft.com/office/mac/drawingml/2011/main" val="1"/>
             </a:ext>
           </a:extLst>
         </p:spPr>
@@ -19531,7 +20056,7 @@
           </a:effectLst>
           <a:extLst>
             <a:ext uri="{C572A759-6A51-4108-AA02-DFA0A04FC94B}">
-              <ma14:wrappingTextBoxFlag xmlns:ma14="http://schemas.microsoft.com/office/mac/drawingml/2011/main" xmlns:a14="http://schemas.microsoft.com/office/drawing/2010/main" xmlns:m="http://schemas.openxmlformats.org/officeDocument/2006/math" xmlns="" val="1"/>
+              <ma14:wrappingTextBoxFlag xmlns="" xmlns:m="http://schemas.openxmlformats.org/officeDocument/2006/math" xmlns:a14="http://schemas.microsoft.com/office/drawing/2010/main" xmlns:ma14="http://schemas.microsoft.com/office/mac/drawingml/2011/main" val="1"/>
             </a:ext>
           </a:extLst>
         </p:spPr>
@@ -19598,7 +20123,7 @@
           </a:effectLst>
           <a:extLst>
             <a:ext uri="{C572A759-6A51-4108-AA02-DFA0A04FC94B}">
-              <ma14:wrappingTextBoxFlag xmlns:ma14="http://schemas.microsoft.com/office/mac/drawingml/2011/main" xmlns:a14="http://schemas.microsoft.com/office/drawing/2010/main" xmlns:m="http://schemas.openxmlformats.org/officeDocument/2006/math" xmlns="" val="1"/>
+              <ma14:wrappingTextBoxFlag xmlns="" xmlns:m="http://schemas.openxmlformats.org/officeDocument/2006/math" xmlns:a14="http://schemas.microsoft.com/office/drawing/2010/main" xmlns:ma14="http://schemas.microsoft.com/office/mac/drawingml/2011/main" val="1"/>
             </a:ext>
           </a:extLst>
         </p:spPr>
@@ -19777,7 +20302,7 @@
           </a:effectLst>
           <a:extLst>
             <a:ext uri="{C572A759-6A51-4108-AA02-DFA0A04FC94B}">
-              <ma14:wrappingTextBoxFlag xmlns:ma14="http://schemas.microsoft.com/office/mac/drawingml/2011/main" xmlns:a14="http://schemas.microsoft.com/office/drawing/2010/main" xmlns:m="http://schemas.openxmlformats.org/officeDocument/2006/math" xmlns="" val="1"/>
+              <ma14:wrappingTextBoxFlag xmlns="" xmlns:m="http://schemas.openxmlformats.org/officeDocument/2006/math" xmlns:a14="http://schemas.microsoft.com/office/drawing/2010/main" xmlns:ma14="http://schemas.microsoft.com/office/mac/drawingml/2011/main" val="1"/>
             </a:ext>
           </a:extLst>
         </p:spPr>
@@ -19854,7 +20379,7 @@
           </a:effectLst>
           <a:extLst>
             <a:ext uri="{C572A759-6A51-4108-AA02-DFA0A04FC94B}">
-              <ma14:wrappingTextBoxFlag xmlns:ma14="http://schemas.microsoft.com/office/mac/drawingml/2011/main" xmlns:a14="http://schemas.microsoft.com/office/drawing/2010/main" xmlns:m="http://schemas.openxmlformats.org/officeDocument/2006/math" xmlns="" val="1"/>
+              <ma14:wrappingTextBoxFlag xmlns="" xmlns:m="http://schemas.openxmlformats.org/officeDocument/2006/math" xmlns:a14="http://schemas.microsoft.com/office/drawing/2010/main" xmlns:ma14="http://schemas.microsoft.com/office/mac/drawingml/2011/main" val="1"/>
             </a:ext>
           </a:extLst>
         </p:spPr>
@@ -19918,7 +20443,7 @@
           </a:effectLst>
           <a:extLst>
             <a:ext uri="{C572A759-6A51-4108-AA02-DFA0A04FC94B}">
-              <ma14:wrappingTextBoxFlag xmlns:ma14="http://schemas.microsoft.com/office/mac/drawingml/2011/main" xmlns:a14="http://schemas.microsoft.com/office/drawing/2010/main" xmlns:m="http://schemas.openxmlformats.org/officeDocument/2006/math" xmlns="" val="1"/>
+              <ma14:wrappingTextBoxFlag xmlns="" xmlns:m="http://schemas.openxmlformats.org/officeDocument/2006/math" xmlns:a14="http://schemas.microsoft.com/office/drawing/2010/main" xmlns:ma14="http://schemas.microsoft.com/office/mac/drawingml/2011/main" val="1"/>
             </a:ext>
           </a:extLst>
         </p:spPr>
@@ -19982,7 +20507,7 @@
           </a:effectLst>
           <a:extLst>
             <a:ext uri="{C572A759-6A51-4108-AA02-DFA0A04FC94B}">
-              <ma14:wrappingTextBoxFlag xmlns:ma14="http://schemas.microsoft.com/office/mac/drawingml/2011/main" xmlns:a14="http://schemas.microsoft.com/office/drawing/2010/main" xmlns:m="http://schemas.openxmlformats.org/officeDocument/2006/math" xmlns="" val="1"/>
+              <ma14:wrappingTextBoxFlag xmlns="" xmlns:m="http://schemas.openxmlformats.org/officeDocument/2006/math" xmlns:a14="http://schemas.microsoft.com/office/drawing/2010/main" xmlns:ma14="http://schemas.microsoft.com/office/mac/drawingml/2011/main" val="1"/>
             </a:ext>
           </a:extLst>
         </p:spPr>
@@ -20046,7 +20571,7 @@
           </a:effectLst>
           <a:extLst>
             <a:ext uri="{C572A759-6A51-4108-AA02-DFA0A04FC94B}">
-              <ma14:wrappingTextBoxFlag xmlns:ma14="http://schemas.microsoft.com/office/mac/drawingml/2011/main" xmlns:a14="http://schemas.microsoft.com/office/drawing/2010/main" xmlns:m="http://schemas.openxmlformats.org/officeDocument/2006/math" xmlns="" val="1"/>
+              <ma14:wrappingTextBoxFlag xmlns="" xmlns:m="http://schemas.openxmlformats.org/officeDocument/2006/math" xmlns:a14="http://schemas.microsoft.com/office/drawing/2010/main" xmlns:ma14="http://schemas.microsoft.com/office/mac/drawingml/2011/main" val="1"/>
             </a:ext>
           </a:extLst>
         </p:spPr>
@@ -20110,7 +20635,7 @@
           </a:effectLst>
           <a:extLst>
             <a:ext uri="{C572A759-6A51-4108-AA02-DFA0A04FC94B}">
-              <ma14:wrappingTextBoxFlag xmlns:ma14="http://schemas.microsoft.com/office/mac/drawingml/2011/main" xmlns:a14="http://schemas.microsoft.com/office/drawing/2010/main" xmlns:m="http://schemas.openxmlformats.org/officeDocument/2006/math" xmlns="" val="1"/>
+              <ma14:wrappingTextBoxFlag xmlns="" xmlns:m="http://schemas.openxmlformats.org/officeDocument/2006/math" xmlns:a14="http://schemas.microsoft.com/office/drawing/2010/main" xmlns:ma14="http://schemas.microsoft.com/office/mac/drawingml/2011/main" val="1"/>
             </a:ext>
           </a:extLst>
         </p:spPr>
@@ -20174,7 +20699,7 @@
           </a:effectLst>
           <a:extLst>
             <a:ext uri="{C572A759-6A51-4108-AA02-DFA0A04FC94B}">
-              <ma14:wrappingTextBoxFlag xmlns:ma14="http://schemas.microsoft.com/office/mac/drawingml/2011/main" xmlns:a14="http://schemas.microsoft.com/office/drawing/2010/main" xmlns:m="http://schemas.openxmlformats.org/officeDocument/2006/math" xmlns="" val="1"/>
+              <ma14:wrappingTextBoxFlag xmlns="" xmlns:m="http://schemas.openxmlformats.org/officeDocument/2006/math" xmlns:a14="http://schemas.microsoft.com/office/drawing/2010/main" xmlns:ma14="http://schemas.microsoft.com/office/mac/drawingml/2011/main" val="1"/>
             </a:ext>
           </a:extLst>
         </p:spPr>
@@ -20238,7 +20763,7 @@
           </a:effectLst>
           <a:extLst>
             <a:ext uri="{C572A759-6A51-4108-AA02-DFA0A04FC94B}">
-              <ma14:wrappingTextBoxFlag xmlns:ma14="http://schemas.microsoft.com/office/mac/drawingml/2011/main" xmlns:a14="http://schemas.microsoft.com/office/drawing/2010/main" xmlns:m="http://schemas.openxmlformats.org/officeDocument/2006/math" xmlns="" val="1"/>
+              <ma14:wrappingTextBoxFlag xmlns="" xmlns:m="http://schemas.openxmlformats.org/officeDocument/2006/math" xmlns:a14="http://schemas.microsoft.com/office/drawing/2010/main" xmlns:ma14="http://schemas.microsoft.com/office/mac/drawingml/2011/main" val="1"/>
             </a:ext>
           </a:extLst>
         </p:spPr>
@@ -20307,7 +20832,7 @@
           </a:effectLst>
           <a:extLst>
             <a:ext uri="{C572A759-6A51-4108-AA02-DFA0A04FC94B}">
-              <ma14:wrappingTextBoxFlag xmlns:ma14="http://schemas.microsoft.com/office/mac/drawingml/2011/main" xmlns:a14="http://schemas.microsoft.com/office/drawing/2010/main" xmlns:m="http://schemas.openxmlformats.org/officeDocument/2006/math" xmlns="" val="1"/>
+              <ma14:wrappingTextBoxFlag xmlns="" xmlns:m="http://schemas.openxmlformats.org/officeDocument/2006/math" xmlns:a14="http://schemas.microsoft.com/office/drawing/2010/main" xmlns:ma14="http://schemas.microsoft.com/office/mac/drawingml/2011/main" val="1"/>
             </a:ext>
           </a:extLst>
         </p:spPr>
@@ -20384,7 +20909,7 @@
           </a:effectLst>
           <a:extLst>
             <a:ext uri="{C572A759-6A51-4108-AA02-DFA0A04FC94B}">
-              <ma14:wrappingTextBoxFlag xmlns:ma14="http://schemas.microsoft.com/office/mac/drawingml/2011/main" xmlns:a14="http://schemas.microsoft.com/office/drawing/2010/main" xmlns:m="http://schemas.openxmlformats.org/officeDocument/2006/math" xmlns="" val="1"/>
+              <ma14:wrappingTextBoxFlag xmlns="" xmlns:m="http://schemas.openxmlformats.org/officeDocument/2006/math" xmlns:a14="http://schemas.microsoft.com/office/drawing/2010/main" xmlns:ma14="http://schemas.microsoft.com/office/mac/drawingml/2011/main" val="1"/>
             </a:ext>
           </a:extLst>
         </p:spPr>
@@ -20515,7 +21040,7 @@
         <p:wipe dir="u"/>
       </p:transition>
     </mc:Choice>
-    <mc:Fallback xmlns:a14="http://schemas.microsoft.com/office/drawing/2010/main" xmlns:m="http://schemas.openxmlformats.org/officeDocument/2006/math" xmlns="">
+    <mc:Fallback xmlns="" xmlns:m="http://schemas.openxmlformats.org/officeDocument/2006/math" xmlns:a14="http://schemas.microsoft.com/office/drawing/2010/main">
       <p:transition spd="med">
         <p:fade/>
       </p:transition>
@@ -21475,7 +22000,7 @@
           </a:effectLst>
           <a:extLst>
             <a:ext uri="{C572A759-6A51-4108-AA02-DFA0A04FC94B}">
-              <ma14:wrappingTextBoxFlag xmlns:ma14="http://schemas.microsoft.com/office/mac/drawingml/2011/main" xmlns:a14="http://schemas.microsoft.com/office/drawing/2010/main" xmlns:m="http://schemas.openxmlformats.org/officeDocument/2006/math" xmlns="" val="1"/>
+              <ma14:wrappingTextBoxFlag xmlns="" xmlns:m="http://schemas.openxmlformats.org/officeDocument/2006/math" xmlns:a14="http://schemas.microsoft.com/office/drawing/2010/main" xmlns:ma14="http://schemas.microsoft.com/office/mac/drawingml/2011/main" val="1"/>
             </a:ext>
           </a:extLst>
         </p:spPr>
@@ -21542,7 +22067,7 @@
           </a:effectLst>
           <a:extLst>
             <a:ext uri="{C572A759-6A51-4108-AA02-DFA0A04FC94B}">
-              <ma14:wrappingTextBoxFlag xmlns:ma14="http://schemas.microsoft.com/office/mac/drawingml/2011/main" xmlns:a14="http://schemas.microsoft.com/office/drawing/2010/main" xmlns:m="http://schemas.openxmlformats.org/officeDocument/2006/math" xmlns="" val="1"/>
+              <ma14:wrappingTextBoxFlag xmlns="" xmlns:m="http://schemas.openxmlformats.org/officeDocument/2006/math" xmlns:a14="http://schemas.microsoft.com/office/drawing/2010/main" xmlns:ma14="http://schemas.microsoft.com/office/mac/drawingml/2011/main" val="1"/>
             </a:ext>
           </a:extLst>
         </p:spPr>
@@ -21609,7 +22134,7 @@
           </a:effectLst>
           <a:extLst>
             <a:ext uri="{C572A759-6A51-4108-AA02-DFA0A04FC94B}">
-              <ma14:wrappingTextBoxFlag xmlns:ma14="http://schemas.microsoft.com/office/mac/drawingml/2011/main" xmlns:a14="http://schemas.microsoft.com/office/drawing/2010/main" xmlns:m="http://schemas.openxmlformats.org/officeDocument/2006/math" xmlns="" val="1"/>
+              <ma14:wrappingTextBoxFlag xmlns="" xmlns:m="http://schemas.openxmlformats.org/officeDocument/2006/math" xmlns:a14="http://schemas.microsoft.com/office/drawing/2010/main" xmlns:ma14="http://schemas.microsoft.com/office/mac/drawingml/2011/main" val="1"/>
             </a:ext>
           </a:extLst>
         </p:spPr>
@@ -21676,7 +22201,7 @@
           </a:effectLst>
           <a:extLst>
             <a:ext uri="{C572A759-6A51-4108-AA02-DFA0A04FC94B}">
-              <ma14:wrappingTextBoxFlag xmlns:ma14="http://schemas.microsoft.com/office/mac/drawingml/2011/main" xmlns:a14="http://schemas.microsoft.com/office/drawing/2010/main" xmlns:m="http://schemas.openxmlformats.org/officeDocument/2006/math" xmlns="" val="1"/>
+              <ma14:wrappingTextBoxFlag xmlns="" xmlns:m="http://schemas.openxmlformats.org/officeDocument/2006/math" xmlns:a14="http://schemas.microsoft.com/office/drawing/2010/main" xmlns:ma14="http://schemas.microsoft.com/office/mac/drawingml/2011/main" val="1"/>
             </a:ext>
           </a:extLst>
         </p:spPr>
@@ -21743,7 +22268,7 @@
           </a:effectLst>
           <a:extLst>
             <a:ext uri="{C572A759-6A51-4108-AA02-DFA0A04FC94B}">
-              <ma14:wrappingTextBoxFlag xmlns:ma14="http://schemas.microsoft.com/office/mac/drawingml/2011/main" xmlns:a14="http://schemas.microsoft.com/office/drawing/2010/main" xmlns:m="http://schemas.openxmlformats.org/officeDocument/2006/math" xmlns="" val="1"/>
+              <ma14:wrappingTextBoxFlag xmlns="" xmlns:m="http://schemas.openxmlformats.org/officeDocument/2006/math" xmlns:a14="http://schemas.microsoft.com/office/drawing/2010/main" xmlns:ma14="http://schemas.microsoft.com/office/mac/drawingml/2011/main" val="1"/>
             </a:ext>
           </a:extLst>
         </p:spPr>
@@ -21810,7 +22335,7 @@
           </a:effectLst>
           <a:extLst>
             <a:ext uri="{C572A759-6A51-4108-AA02-DFA0A04FC94B}">
-              <ma14:wrappingTextBoxFlag xmlns:ma14="http://schemas.microsoft.com/office/mac/drawingml/2011/main" xmlns:a14="http://schemas.microsoft.com/office/drawing/2010/main" xmlns:m="http://schemas.openxmlformats.org/officeDocument/2006/math" xmlns="" val="1"/>
+              <ma14:wrappingTextBoxFlag xmlns="" xmlns:m="http://schemas.openxmlformats.org/officeDocument/2006/math" xmlns:a14="http://schemas.microsoft.com/office/drawing/2010/main" xmlns:ma14="http://schemas.microsoft.com/office/mac/drawingml/2011/main" val="1"/>
             </a:ext>
           </a:extLst>
         </p:spPr>
@@ -21877,7 +22402,7 @@
           </a:effectLst>
           <a:extLst>
             <a:ext uri="{C572A759-6A51-4108-AA02-DFA0A04FC94B}">
-              <ma14:wrappingTextBoxFlag xmlns:ma14="http://schemas.microsoft.com/office/mac/drawingml/2011/main" xmlns:a14="http://schemas.microsoft.com/office/drawing/2010/main" xmlns:m="http://schemas.openxmlformats.org/officeDocument/2006/math" xmlns="" val="1"/>
+              <ma14:wrappingTextBoxFlag xmlns="" xmlns:m="http://schemas.openxmlformats.org/officeDocument/2006/math" xmlns:a14="http://schemas.microsoft.com/office/drawing/2010/main" xmlns:ma14="http://schemas.microsoft.com/office/mac/drawingml/2011/main" val="1"/>
             </a:ext>
           </a:extLst>
         </p:spPr>
@@ -21944,7 +22469,7 @@
           </a:effectLst>
           <a:extLst>
             <a:ext uri="{C572A759-6A51-4108-AA02-DFA0A04FC94B}">
-              <ma14:wrappingTextBoxFlag xmlns:ma14="http://schemas.microsoft.com/office/mac/drawingml/2011/main" xmlns:a14="http://schemas.microsoft.com/office/drawing/2010/main" xmlns:m="http://schemas.openxmlformats.org/officeDocument/2006/math" xmlns="" val="1"/>
+              <ma14:wrappingTextBoxFlag xmlns="" xmlns:m="http://schemas.openxmlformats.org/officeDocument/2006/math" xmlns:a14="http://schemas.microsoft.com/office/drawing/2010/main" xmlns:ma14="http://schemas.microsoft.com/office/mac/drawingml/2011/main" val="1"/>
             </a:ext>
           </a:extLst>
         </p:spPr>
@@ -22011,7 +22536,7 @@
           </a:effectLst>
           <a:extLst>
             <a:ext uri="{C572A759-6A51-4108-AA02-DFA0A04FC94B}">
-              <ma14:wrappingTextBoxFlag xmlns:ma14="http://schemas.microsoft.com/office/mac/drawingml/2011/main" xmlns:a14="http://schemas.microsoft.com/office/drawing/2010/main" xmlns:m="http://schemas.openxmlformats.org/officeDocument/2006/math" xmlns="" val="1"/>
+              <ma14:wrappingTextBoxFlag xmlns="" xmlns:m="http://schemas.openxmlformats.org/officeDocument/2006/math" xmlns:a14="http://schemas.microsoft.com/office/drawing/2010/main" xmlns:ma14="http://schemas.microsoft.com/office/mac/drawingml/2011/main" val="1"/>
             </a:ext>
           </a:extLst>
         </p:spPr>
@@ -22078,7 +22603,7 @@
           </a:effectLst>
           <a:extLst>
             <a:ext uri="{C572A759-6A51-4108-AA02-DFA0A04FC94B}">
-              <ma14:wrappingTextBoxFlag xmlns:ma14="http://schemas.microsoft.com/office/mac/drawingml/2011/main" xmlns:a14="http://schemas.microsoft.com/office/drawing/2010/main" xmlns:m="http://schemas.openxmlformats.org/officeDocument/2006/math" xmlns="" val="1"/>
+              <ma14:wrappingTextBoxFlag xmlns="" xmlns:m="http://schemas.openxmlformats.org/officeDocument/2006/math" xmlns:a14="http://schemas.microsoft.com/office/drawing/2010/main" xmlns:ma14="http://schemas.microsoft.com/office/mac/drawingml/2011/main" val="1"/>
             </a:ext>
           </a:extLst>
         </p:spPr>
@@ -22145,7 +22670,7 @@
           </a:effectLst>
           <a:extLst>
             <a:ext uri="{C572A759-6A51-4108-AA02-DFA0A04FC94B}">
-              <ma14:wrappingTextBoxFlag xmlns:ma14="http://schemas.microsoft.com/office/mac/drawingml/2011/main" xmlns:a14="http://schemas.microsoft.com/office/drawing/2010/main" xmlns:m="http://schemas.openxmlformats.org/officeDocument/2006/math" xmlns="" val="1"/>
+              <ma14:wrappingTextBoxFlag xmlns="" xmlns:m="http://schemas.openxmlformats.org/officeDocument/2006/math" xmlns:a14="http://schemas.microsoft.com/office/drawing/2010/main" xmlns:ma14="http://schemas.microsoft.com/office/mac/drawingml/2011/main" val="1"/>
             </a:ext>
           </a:extLst>
         </p:spPr>
@@ -22324,7 +22849,7 @@
           </a:effectLst>
           <a:extLst>
             <a:ext uri="{C572A759-6A51-4108-AA02-DFA0A04FC94B}">
-              <ma14:wrappingTextBoxFlag xmlns:ma14="http://schemas.microsoft.com/office/mac/drawingml/2011/main" xmlns:a14="http://schemas.microsoft.com/office/drawing/2010/main" xmlns:m="http://schemas.openxmlformats.org/officeDocument/2006/math" xmlns="" val="1"/>
+              <ma14:wrappingTextBoxFlag xmlns="" xmlns:m="http://schemas.openxmlformats.org/officeDocument/2006/math" xmlns:a14="http://schemas.microsoft.com/office/drawing/2010/main" xmlns:ma14="http://schemas.microsoft.com/office/mac/drawingml/2011/main" val="1"/>
             </a:ext>
           </a:extLst>
         </p:spPr>
@@ -22401,7 +22926,7 @@
           </a:effectLst>
           <a:extLst>
             <a:ext uri="{C572A759-6A51-4108-AA02-DFA0A04FC94B}">
-              <ma14:wrappingTextBoxFlag xmlns:ma14="http://schemas.microsoft.com/office/mac/drawingml/2011/main" xmlns:a14="http://schemas.microsoft.com/office/drawing/2010/main" xmlns:m="http://schemas.openxmlformats.org/officeDocument/2006/math" xmlns="" val="1"/>
+              <ma14:wrappingTextBoxFlag xmlns="" xmlns:m="http://schemas.openxmlformats.org/officeDocument/2006/math" xmlns:a14="http://schemas.microsoft.com/office/drawing/2010/main" xmlns:ma14="http://schemas.microsoft.com/office/mac/drawingml/2011/main" val="1"/>
             </a:ext>
           </a:extLst>
         </p:spPr>
@@ -22465,7 +22990,7 @@
           </a:effectLst>
           <a:extLst>
             <a:ext uri="{C572A759-6A51-4108-AA02-DFA0A04FC94B}">
-              <ma14:wrappingTextBoxFlag xmlns:ma14="http://schemas.microsoft.com/office/mac/drawingml/2011/main" xmlns:a14="http://schemas.microsoft.com/office/drawing/2010/main" xmlns:m="http://schemas.openxmlformats.org/officeDocument/2006/math" xmlns="" val="1"/>
+              <ma14:wrappingTextBoxFlag xmlns="" xmlns:m="http://schemas.openxmlformats.org/officeDocument/2006/math" xmlns:a14="http://schemas.microsoft.com/office/drawing/2010/main" xmlns:ma14="http://schemas.microsoft.com/office/mac/drawingml/2011/main" val="1"/>
             </a:ext>
           </a:extLst>
         </p:spPr>
@@ -22529,7 +23054,7 @@
           </a:effectLst>
           <a:extLst>
             <a:ext uri="{C572A759-6A51-4108-AA02-DFA0A04FC94B}">
-              <ma14:wrappingTextBoxFlag xmlns:ma14="http://schemas.microsoft.com/office/mac/drawingml/2011/main" xmlns:a14="http://schemas.microsoft.com/office/drawing/2010/main" xmlns:m="http://schemas.openxmlformats.org/officeDocument/2006/math" xmlns="" val="1"/>
+              <ma14:wrappingTextBoxFlag xmlns="" xmlns:m="http://schemas.openxmlformats.org/officeDocument/2006/math" xmlns:a14="http://schemas.microsoft.com/office/drawing/2010/main" xmlns:ma14="http://schemas.microsoft.com/office/mac/drawingml/2011/main" val="1"/>
             </a:ext>
           </a:extLst>
         </p:spPr>
@@ -22593,7 +23118,7 @@
           </a:effectLst>
           <a:extLst>
             <a:ext uri="{C572A759-6A51-4108-AA02-DFA0A04FC94B}">
-              <ma14:wrappingTextBoxFlag xmlns:ma14="http://schemas.microsoft.com/office/mac/drawingml/2011/main" xmlns:a14="http://schemas.microsoft.com/office/drawing/2010/main" xmlns:m="http://schemas.openxmlformats.org/officeDocument/2006/math" xmlns="" val="1"/>
+              <ma14:wrappingTextBoxFlag xmlns="" xmlns:m="http://schemas.openxmlformats.org/officeDocument/2006/math" xmlns:a14="http://schemas.microsoft.com/office/drawing/2010/main" xmlns:ma14="http://schemas.microsoft.com/office/mac/drawingml/2011/main" val="1"/>
             </a:ext>
           </a:extLst>
         </p:spPr>
@@ -22657,7 +23182,7 @@
           </a:effectLst>
           <a:extLst>
             <a:ext uri="{C572A759-6A51-4108-AA02-DFA0A04FC94B}">
-              <ma14:wrappingTextBoxFlag xmlns:ma14="http://schemas.microsoft.com/office/mac/drawingml/2011/main" xmlns:a14="http://schemas.microsoft.com/office/drawing/2010/main" xmlns:m="http://schemas.openxmlformats.org/officeDocument/2006/math" xmlns="" val="1"/>
+              <ma14:wrappingTextBoxFlag xmlns="" xmlns:m="http://schemas.openxmlformats.org/officeDocument/2006/math" xmlns:a14="http://schemas.microsoft.com/office/drawing/2010/main" xmlns:ma14="http://schemas.microsoft.com/office/mac/drawingml/2011/main" val="1"/>
             </a:ext>
           </a:extLst>
         </p:spPr>
@@ -22721,7 +23246,7 @@
           </a:effectLst>
           <a:extLst>
             <a:ext uri="{C572A759-6A51-4108-AA02-DFA0A04FC94B}">
-              <ma14:wrappingTextBoxFlag xmlns:ma14="http://schemas.microsoft.com/office/mac/drawingml/2011/main" xmlns:a14="http://schemas.microsoft.com/office/drawing/2010/main" xmlns:m="http://schemas.openxmlformats.org/officeDocument/2006/math" xmlns="" val="1"/>
+              <ma14:wrappingTextBoxFlag xmlns="" xmlns:m="http://schemas.openxmlformats.org/officeDocument/2006/math" xmlns:a14="http://schemas.microsoft.com/office/drawing/2010/main" xmlns:ma14="http://schemas.microsoft.com/office/mac/drawingml/2011/main" val="1"/>
             </a:ext>
           </a:extLst>
         </p:spPr>
@@ -22785,7 +23310,7 @@
           </a:effectLst>
           <a:extLst>
             <a:ext uri="{C572A759-6A51-4108-AA02-DFA0A04FC94B}">
-              <ma14:wrappingTextBoxFlag xmlns:ma14="http://schemas.microsoft.com/office/mac/drawingml/2011/main" xmlns:a14="http://schemas.microsoft.com/office/drawing/2010/main" xmlns:m="http://schemas.openxmlformats.org/officeDocument/2006/math" xmlns="" val="1"/>
+              <ma14:wrappingTextBoxFlag xmlns="" xmlns:m="http://schemas.openxmlformats.org/officeDocument/2006/math" xmlns:a14="http://schemas.microsoft.com/office/drawing/2010/main" xmlns:ma14="http://schemas.microsoft.com/office/mac/drawingml/2011/main" val="1"/>
             </a:ext>
           </a:extLst>
         </p:spPr>
@@ -22854,7 +23379,7 @@
           </a:effectLst>
           <a:extLst>
             <a:ext uri="{C572A759-6A51-4108-AA02-DFA0A04FC94B}">
-              <ma14:wrappingTextBoxFlag xmlns:ma14="http://schemas.microsoft.com/office/mac/drawingml/2011/main" xmlns:a14="http://schemas.microsoft.com/office/drawing/2010/main" xmlns:m="http://schemas.openxmlformats.org/officeDocument/2006/math" xmlns="" val="1"/>
+              <ma14:wrappingTextBoxFlag xmlns="" xmlns:m="http://schemas.openxmlformats.org/officeDocument/2006/math" xmlns:a14="http://schemas.microsoft.com/office/drawing/2010/main" xmlns:ma14="http://schemas.microsoft.com/office/mac/drawingml/2011/main" val="1"/>
             </a:ext>
           </a:extLst>
         </p:spPr>
@@ -22931,7 +23456,7 @@
           </a:effectLst>
           <a:extLst>
             <a:ext uri="{C572A759-6A51-4108-AA02-DFA0A04FC94B}">
-              <ma14:wrappingTextBoxFlag xmlns:ma14="http://schemas.microsoft.com/office/mac/drawingml/2011/main" xmlns:a14="http://schemas.microsoft.com/office/drawing/2010/main" xmlns:m="http://schemas.openxmlformats.org/officeDocument/2006/math" xmlns="" val="1"/>
+              <ma14:wrappingTextBoxFlag xmlns="" xmlns:m="http://schemas.openxmlformats.org/officeDocument/2006/math" xmlns:a14="http://schemas.microsoft.com/office/drawing/2010/main" xmlns:ma14="http://schemas.microsoft.com/office/mac/drawingml/2011/main" val="1"/>
             </a:ext>
           </a:extLst>
         </p:spPr>
@@ -23000,7 +23525,7 @@
           </a:effectLst>
           <a:extLst>
             <a:ext uri="{C572A759-6A51-4108-AA02-DFA0A04FC94B}">
-              <ma14:wrappingTextBoxFlag xmlns:ma14="http://schemas.microsoft.com/office/mac/drawingml/2011/main" xmlns:a14="http://schemas.microsoft.com/office/drawing/2010/main" xmlns:m="http://schemas.openxmlformats.org/officeDocument/2006/math" xmlns="" val="1"/>
+              <ma14:wrappingTextBoxFlag xmlns="" xmlns:m="http://schemas.openxmlformats.org/officeDocument/2006/math" xmlns:a14="http://schemas.microsoft.com/office/drawing/2010/main" xmlns:ma14="http://schemas.microsoft.com/office/mac/drawingml/2011/main" val="1"/>
             </a:ext>
           </a:extLst>
         </p:spPr>
@@ -23077,7 +23602,7 @@
           </a:effectLst>
           <a:extLst>
             <a:ext uri="{C572A759-6A51-4108-AA02-DFA0A04FC94B}">
-              <ma14:wrappingTextBoxFlag xmlns:ma14="http://schemas.microsoft.com/office/mac/drawingml/2011/main" xmlns:a14="http://schemas.microsoft.com/office/drawing/2010/main" xmlns:m="http://schemas.openxmlformats.org/officeDocument/2006/math" xmlns="" val="1"/>
+              <ma14:wrappingTextBoxFlag xmlns="" xmlns:m="http://schemas.openxmlformats.org/officeDocument/2006/math" xmlns:a14="http://schemas.microsoft.com/office/drawing/2010/main" xmlns:ma14="http://schemas.microsoft.com/office/mac/drawingml/2011/main" val="1"/>
             </a:ext>
           </a:extLst>
         </p:spPr>
@@ -23141,7 +23666,7 @@
           </a:effectLst>
           <a:extLst>
             <a:ext uri="{C572A759-6A51-4108-AA02-DFA0A04FC94B}">
-              <ma14:wrappingTextBoxFlag xmlns:ma14="http://schemas.microsoft.com/office/mac/drawingml/2011/main" xmlns:a14="http://schemas.microsoft.com/office/drawing/2010/main" xmlns:m="http://schemas.openxmlformats.org/officeDocument/2006/math" xmlns="" val="1"/>
+              <ma14:wrappingTextBoxFlag xmlns="" xmlns:m="http://schemas.openxmlformats.org/officeDocument/2006/math" xmlns:a14="http://schemas.microsoft.com/office/drawing/2010/main" xmlns:ma14="http://schemas.microsoft.com/office/mac/drawingml/2011/main" val="1"/>
             </a:ext>
           </a:extLst>
         </p:spPr>
@@ -23272,7 +23797,7 @@
         <p:wipe dir="u"/>
       </p:transition>
     </mc:Choice>
-    <mc:Fallback xmlns:a14="http://schemas.microsoft.com/office/drawing/2010/main" xmlns:m="http://schemas.openxmlformats.org/officeDocument/2006/math" xmlns="">
+    <mc:Fallback xmlns="" xmlns:m="http://schemas.openxmlformats.org/officeDocument/2006/math" xmlns:a14="http://schemas.microsoft.com/office/drawing/2010/main">
       <p:transition spd="med">
         <p:fade/>
       </p:transition>
@@ -24099,7 +24624,7 @@
           </a:effectLst>
           <a:extLst>
             <a:ext uri="{C572A759-6A51-4108-AA02-DFA0A04FC94B}">
-              <ma14:wrappingTextBoxFlag xmlns:ma14="http://schemas.microsoft.com/office/mac/drawingml/2011/main" xmlns:a14="http://schemas.microsoft.com/office/drawing/2010/main" xmlns:m="http://schemas.openxmlformats.org/officeDocument/2006/math" xmlns="" val="1"/>
+              <ma14:wrappingTextBoxFlag xmlns="" xmlns:m="http://schemas.openxmlformats.org/officeDocument/2006/math" xmlns:a14="http://schemas.microsoft.com/office/drawing/2010/main" xmlns:ma14="http://schemas.microsoft.com/office/mac/drawingml/2011/main" val="1"/>
             </a:ext>
           </a:extLst>
         </p:spPr>
@@ -24166,7 +24691,7 @@
           </a:effectLst>
           <a:extLst>
             <a:ext uri="{C572A759-6A51-4108-AA02-DFA0A04FC94B}">
-              <ma14:wrappingTextBoxFlag xmlns:ma14="http://schemas.microsoft.com/office/mac/drawingml/2011/main" xmlns:a14="http://schemas.microsoft.com/office/drawing/2010/main" xmlns:m="http://schemas.openxmlformats.org/officeDocument/2006/math" xmlns="" val="1"/>
+              <ma14:wrappingTextBoxFlag xmlns="" xmlns:m="http://schemas.openxmlformats.org/officeDocument/2006/math" xmlns:a14="http://schemas.microsoft.com/office/drawing/2010/main" xmlns:ma14="http://schemas.microsoft.com/office/mac/drawingml/2011/main" val="1"/>
             </a:ext>
           </a:extLst>
         </p:spPr>
@@ -24233,7 +24758,7 @@
           </a:effectLst>
           <a:extLst>
             <a:ext uri="{C572A759-6A51-4108-AA02-DFA0A04FC94B}">
-              <ma14:wrappingTextBoxFlag xmlns:ma14="http://schemas.microsoft.com/office/mac/drawingml/2011/main" xmlns:a14="http://schemas.microsoft.com/office/drawing/2010/main" xmlns:m="http://schemas.openxmlformats.org/officeDocument/2006/math" xmlns="" val="1"/>
+              <ma14:wrappingTextBoxFlag xmlns="" xmlns:m="http://schemas.openxmlformats.org/officeDocument/2006/math" xmlns:a14="http://schemas.microsoft.com/office/drawing/2010/main" xmlns:ma14="http://schemas.microsoft.com/office/mac/drawingml/2011/main" val="1"/>
             </a:ext>
           </a:extLst>
         </p:spPr>
@@ -24300,7 +24825,7 @@
           </a:effectLst>
           <a:extLst>
             <a:ext uri="{C572A759-6A51-4108-AA02-DFA0A04FC94B}">
-              <ma14:wrappingTextBoxFlag xmlns:ma14="http://schemas.microsoft.com/office/mac/drawingml/2011/main" xmlns:a14="http://schemas.microsoft.com/office/drawing/2010/main" xmlns:m="http://schemas.openxmlformats.org/officeDocument/2006/math" xmlns="" val="1"/>
+              <ma14:wrappingTextBoxFlag xmlns="" xmlns:m="http://schemas.openxmlformats.org/officeDocument/2006/math" xmlns:a14="http://schemas.microsoft.com/office/drawing/2010/main" xmlns:ma14="http://schemas.microsoft.com/office/mac/drawingml/2011/main" val="1"/>
             </a:ext>
           </a:extLst>
         </p:spPr>
@@ -24367,7 +24892,7 @@
           </a:effectLst>
           <a:extLst>
             <a:ext uri="{C572A759-6A51-4108-AA02-DFA0A04FC94B}">
-              <ma14:wrappingTextBoxFlag xmlns:ma14="http://schemas.microsoft.com/office/mac/drawingml/2011/main" xmlns:a14="http://schemas.microsoft.com/office/drawing/2010/main" xmlns:m="http://schemas.openxmlformats.org/officeDocument/2006/math" xmlns="" val="1"/>
+              <ma14:wrappingTextBoxFlag xmlns="" xmlns:m="http://schemas.openxmlformats.org/officeDocument/2006/math" xmlns:a14="http://schemas.microsoft.com/office/drawing/2010/main" xmlns:ma14="http://schemas.microsoft.com/office/mac/drawingml/2011/main" val="1"/>
             </a:ext>
           </a:extLst>
         </p:spPr>
@@ -24434,7 +24959,7 @@
           </a:effectLst>
           <a:extLst>
             <a:ext uri="{C572A759-6A51-4108-AA02-DFA0A04FC94B}">
-              <ma14:wrappingTextBoxFlag xmlns:ma14="http://schemas.microsoft.com/office/mac/drawingml/2011/main" xmlns:a14="http://schemas.microsoft.com/office/drawing/2010/main" xmlns:m="http://schemas.openxmlformats.org/officeDocument/2006/math" xmlns="" val="1"/>
+              <ma14:wrappingTextBoxFlag xmlns="" xmlns:m="http://schemas.openxmlformats.org/officeDocument/2006/math" xmlns:a14="http://schemas.microsoft.com/office/drawing/2010/main" xmlns:ma14="http://schemas.microsoft.com/office/mac/drawingml/2011/main" val="1"/>
             </a:ext>
           </a:extLst>
         </p:spPr>
@@ -24501,7 +25026,7 @@
           </a:effectLst>
           <a:extLst>
             <a:ext uri="{C572A759-6A51-4108-AA02-DFA0A04FC94B}">
-              <ma14:wrappingTextBoxFlag xmlns:ma14="http://schemas.microsoft.com/office/mac/drawingml/2011/main" xmlns:a14="http://schemas.microsoft.com/office/drawing/2010/main" xmlns:m="http://schemas.openxmlformats.org/officeDocument/2006/math" xmlns="" val="1"/>
+              <ma14:wrappingTextBoxFlag xmlns="" xmlns:m="http://schemas.openxmlformats.org/officeDocument/2006/math" xmlns:a14="http://schemas.microsoft.com/office/drawing/2010/main" xmlns:ma14="http://schemas.microsoft.com/office/mac/drawingml/2011/main" val="1"/>
             </a:ext>
           </a:extLst>
         </p:spPr>
@@ -24568,7 +25093,7 @@
           </a:effectLst>
           <a:extLst>
             <a:ext uri="{C572A759-6A51-4108-AA02-DFA0A04FC94B}">
-              <ma14:wrappingTextBoxFlag xmlns:ma14="http://schemas.microsoft.com/office/mac/drawingml/2011/main" xmlns:a14="http://schemas.microsoft.com/office/drawing/2010/main" xmlns:m="http://schemas.openxmlformats.org/officeDocument/2006/math" xmlns="" val="1"/>
+              <ma14:wrappingTextBoxFlag xmlns="" xmlns:m="http://schemas.openxmlformats.org/officeDocument/2006/math" xmlns:a14="http://schemas.microsoft.com/office/drawing/2010/main" xmlns:ma14="http://schemas.microsoft.com/office/mac/drawingml/2011/main" val="1"/>
             </a:ext>
           </a:extLst>
         </p:spPr>
@@ -24635,7 +25160,7 @@
           </a:effectLst>
           <a:extLst>
             <a:ext uri="{C572A759-6A51-4108-AA02-DFA0A04FC94B}">
-              <ma14:wrappingTextBoxFlag xmlns:ma14="http://schemas.microsoft.com/office/mac/drawingml/2011/main" xmlns:a14="http://schemas.microsoft.com/office/drawing/2010/main" xmlns:m="http://schemas.openxmlformats.org/officeDocument/2006/math" xmlns="" val="1"/>
+              <ma14:wrappingTextBoxFlag xmlns="" xmlns:m="http://schemas.openxmlformats.org/officeDocument/2006/math" xmlns:a14="http://schemas.microsoft.com/office/drawing/2010/main" xmlns:ma14="http://schemas.microsoft.com/office/mac/drawingml/2011/main" val="1"/>
             </a:ext>
           </a:extLst>
         </p:spPr>
@@ -24702,7 +25227,7 @@
           </a:effectLst>
           <a:extLst>
             <a:ext uri="{C572A759-6A51-4108-AA02-DFA0A04FC94B}">
-              <ma14:wrappingTextBoxFlag xmlns:ma14="http://schemas.microsoft.com/office/mac/drawingml/2011/main" xmlns:a14="http://schemas.microsoft.com/office/drawing/2010/main" xmlns:m="http://schemas.openxmlformats.org/officeDocument/2006/math" xmlns="" val="1"/>
+              <ma14:wrappingTextBoxFlag xmlns="" xmlns:m="http://schemas.openxmlformats.org/officeDocument/2006/math" xmlns:a14="http://schemas.microsoft.com/office/drawing/2010/main" xmlns:ma14="http://schemas.microsoft.com/office/mac/drawingml/2011/main" val="1"/>
             </a:ext>
           </a:extLst>
         </p:spPr>
@@ -24769,7 +25294,7 @@
           </a:effectLst>
           <a:extLst>
             <a:ext uri="{C572A759-6A51-4108-AA02-DFA0A04FC94B}">
-              <ma14:wrappingTextBoxFlag xmlns:ma14="http://schemas.microsoft.com/office/mac/drawingml/2011/main" xmlns:a14="http://schemas.microsoft.com/office/drawing/2010/main" xmlns:m="http://schemas.openxmlformats.org/officeDocument/2006/math" xmlns="" val="1"/>
+              <ma14:wrappingTextBoxFlag xmlns="" xmlns:m="http://schemas.openxmlformats.org/officeDocument/2006/math" xmlns:a14="http://schemas.microsoft.com/office/drawing/2010/main" xmlns:ma14="http://schemas.microsoft.com/office/mac/drawingml/2011/main" val="1"/>
             </a:ext>
           </a:extLst>
         </p:spPr>
@@ -24948,7 +25473,7 @@
           </a:effectLst>
           <a:extLst>
             <a:ext uri="{C572A759-6A51-4108-AA02-DFA0A04FC94B}">
-              <ma14:wrappingTextBoxFlag xmlns:ma14="http://schemas.microsoft.com/office/mac/drawingml/2011/main" xmlns:a14="http://schemas.microsoft.com/office/drawing/2010/main" xmlns:m="http://schemas.openxmlformats.org/officeDocument/2006/math" xmlns="" val="1"/>
+              <ma14:wrappingTextBoxFlag xmlns="" xmlns:m="http://schemas.openxmlformats.org/officeDocument/2006/math" xmlns:a14="http://schemas.microsoft.com/office/drawing/2010/main" xmlns:ma14="http://schemas.microsoft.com/office/mac/drawingml/2011/main" val="1"/>
             </a:ext>
           </a:extLst>
         </p:spPr>
@@ -25025,7 +25550,7 @@
           </a:effectLst>
           <a:extLst>
             <a:ext uri="{C572A759-6A51-4108-AA02-DFA0A04FC94B}">
-              <ma14:wrappingTextBoxFlag xmlns:ma14="http://schemas.microsoft.com/office/mac/drawingml/2011/main" xmlns:a14="http://schemas.microsoft.com/office/drawing/2010/main" xmlns:m="http://schemas.openxmlformats.org/officeDocument/2006/math" xmlns="" val="1"/>
+              <ma14:wrappingTextBoxFlag xmlns="" xmlns:m="http://schemas.openxmlformats.org/officeDocument/2006/math" xmlns:a14="http://schemas.microsoft.com/office/drawing/2010/main" xmlns:ma14="http://schemas.microsoft.com/office/mac/drawingml/2011/main" val="1"/>
             </a:ext>
           </a:extLst>
         </p:spPr>
@@ -25089,7 +25614,7 @@
           </a:effectLst>
           <a:extLst>
             <a:ext uri="{C572A759-6A51-4108-AA02-DFA0A04FC94B}">
-              <ma14:wrappingTextBoxFlag xmlns:ma14="http://schemas.microsoft.com/office/mac/drawingml/2011/main" xmlns:a14="http://schemas.microsoft.com/office/drawing/2010/main" xmlns:m="http://schemas.openxmlformats.org/officeDocument/2006/math" xmlns="" val="1"/>
+              <ma14:wrappingTextBoxFlag xmlns="" xmlns:m="http://schemas.openxmlformats.org/officeDocument/2006/math" xmlns:a14="http://schemas.microsoft.com/office/drawing/2010/main" xmlns:ma14="http://schemas.microsoft.com/office/mac/drawingml/2011/main" val="1"/>
             </a:ext>
           </a:extLst>
         </p:spPr>
@@ -25153,7 +25678,7 @@
           </a:effectLst>
           <a:extLst>
             <a:ext uri="{C572A759-6A51-4108-AA02-DFA0A04FC94B}">
-              <ma14:wrappingTextBoxFlag xmlns:ma14="http://schemas.microsoft.com/office/mac/drawingml/2011/main" xmlns:a14="http://schemas.microsoft.com/office/drawing/2010/main" xmlns:m="http://schemas.openxmlformats.org/officeDocument/2006/math" xmlns="" val="1"/>
+              <ma14:wrappingTextBoxFlag xmlns="" xmlns:m="http://schemas.openxmlformats.org/officeDocument/2006/math" xmlns:a14="http://schemas.microsoft.com/office/drawing/2010/main" xmlns:ma14="http://schemas.microsoft.com/office/mac/drawingml/2011/main" val="1"/>
             </a:ext>
           </a:extLst>
         </p:spPr>
@@ -25217,7 +25742,7 @@
           </a:effectLst>
           <a:extLst>
             <a:ext uri="{C572A759-6A51-4108-AA02-DFA0A04FC94B}">
-              <ma14:wrappingTextBoxFlag xmlns:ma14="http://schemas.microsoft.com/office/mac/drawingml/2011/main" xmlns:a14="http://schemas.microsoft.com/office/drawing/2010/main" xmlns:m="http://schemas.openxmlformats.org/officeDocument/2006/math" xmlns="" val="1"/>
+              <ma14:wrappingTextBoxFlag xmlns="" xmlns:m="http://schemas.openxmlformats.org/officeDocument/2006/math" xmlns:a14="http://schemas.microsoft.com/office/drawing/2010/main" xmlns:ma14="http://schemas.microsoft.com/office/mac/drawingml/2011/main" val="1"/>
             </a:ext>
           </a:extLst>
         </p:spPr>
@@ -25281,7 +25806,7 @@
           </a:effectLst>
           <a:extLst>
             <a:ext uri="{C572A759-6A51-4108-AA02-DFA0A04FC94B}">
-              <ma14:wrappingTextBoxFlag xmlns:ma14="http://schemas.microsoft.com/office/mac/drawingml/2011/main" xmlns:a14="http://schemas.microsoft.com/office/drawing/2010/main" xmlns:m="http://schemas.openxmlformats.org/officeDocument/2006/math" xmlns="" val="1"/>
+              <ma14:wrappingTextBoxFlag xmlns="" xmlns:m="http://schemas.openxmlformats.org/officeDocument/2006/math" xmlns:a14="http://schemas.microsoft.com/office/drawing/2010/main" xmlns:ma14="http://schemas.microsoft.com/office/mac/drawingml/2011/main" val="1"/>
             </a:ext>
           </a:extLst>
         </p:spPr>
@@ -25345,7 +25870,7 @@
           </a:effectLst>
           <a:extLst>
             <a:ext uri="{C572A759-6A51-4108-AA02-DFA0A04FC94B}">
-              <ma14:wrappingTextBoxFlag xmlns:ma14="http://schemas.microsoft.com/office/mac/drawingml/2011/main" xmlns:a14="http://schemas.microsoft.com/office/drawing/2010/main" xmlns:m="http://schemas.openxmlformats.org/officeDocument/2006/math" xmlns="" val="1"/>
+              <ma14:wrappingTextBoxFlag xmlns="" xmlns:m="http://schemas.openxmlformats.org/officeDocument/2006/math" xmlns:a14="http://schemas.microsoft.com/office/drawing/2010/main" xmlns:ma14="http://schemas.microsoft.com/office/mac/drawingml/2011/main" val="1"/>
             </a:ext>
           </a:extLst>
         </p:spPr>
@@ -25409,7 +25934,7 @@
           </a:effectLst>
           <a:extLst>
             <a:ext uri="{C572A759-6A51-4108-AA02-DFA0A04FC94B}">
-              <ma14:wrappingTextBoxFlag xmlns:ma14="http://schemas.microsoft.com/office/mac/drawingml/2011/main" xmlns:a14="http://schemas.microsoft.com/office/drawing/2010/main" xmlns:m="http://schemas.openxmlformats.org/officeDocument/2006/math" xmlns="" val="1"/>
+              <ma14:wrappingTextBoxFlag xmlns="" xmlns:m="http://schemas.openxmlformats.org/officeDocument/2006/math" xmlns:a14="http://schemas.microsoft.com/office/drawing/2010/main" xmlns:ma14="http://schemas.microsoft.com/office/mac/drawingml/2011/main" val="1"/>
             </a:ext>
           </a:extLst>
         </p:spPr>
@@ -25478,7 +26003,7 @@
           </a:effectLst>
           <a:extLst>
             <a:ext uri="{C572A759-6A51-4108-AA02-DFA0A04FC94B}">
-              <ma14:wrappingTextBoxFlag xmlns:ma14="http://schemas.microsoft.com/office/mac/drawingml/2011/main" xmlns:a14="http://schemas.microsoft.com/office/drawing/2010/main" xmlns:m="http://schemas.openxmlformats.org/officeDocument/2006/math" xmlns="" val="1"/>
+              <ma14:wrappingTextBoxFlag xmlns="" xmlns:m="http://schemas.openxmlformats.org/officeDocument/2006/math" xmlns:a14="http://schemas.microsoft.com/office/drawing/2010/main" xmlns:ma14="http://schemas.microsoft.com/office/mac/drawingml/2011/main" val="1"/>
             </a:ext>
           </a:extLst>
         </p:spPr>
@@ -25555,7 +26080,7 @@
           </a:effectLst>
           <a:extLst>
             <a:ext uri="{C572A759-6A51-4108-AA02-DFA0A04FC94B}">
-              <ma14:wrappingTextBoxFlag xmlns:ma14="http://schemas.microsoft.com/office/mac/drawingml/2011/main" xmlns:a14="http://schemas.microsoft.com/office/drawing/2010/main" xmlns:m="http://schemas.openxmlformats.org/officeDocument/2006/math" xmlns="" val="1"/>
+              <ma14:wrappingTextBoxFlag xmlns="" xmlns:m="http://schemas.openxmlformats.org/officeDocument/2006/math" xmlns:a14="http://schemas.microsoft.com/office/drawing/2010/main" xmlns:ma14="http://schemas.microsoft.com/office/mac/drawingml/2011/main" val="1"/>
             </a:ext>
           </a:extLst>
         </p:spPr>
@@ -25624,7 +26149,7 @@
           </a:effectLst>
           <a:extLst>
             <a:ext uri="{C572A759-6A51-4108-AA02-DFA0A04FC94B}">
-              <ma14:wrappingTextBoxFlag xmlns:ma14="http://schemas.microsoft.com/office/mac/drawingml/2011/main" xmlns:a14="http://schemas.microsoft.com/office/drawing/2010/main" xmlns:m="http://schemas.openxmlformats.org/officeDocument/2006/math" xmlns="" val="1"/>
+              <ma14:wrappingTextBoxFlag xmlns="" xmlns:m="http://schemas.openxmlformats.org/officeDocument/2006/math" xmlns:a14="http://schemas.microsoft.com/office/drawing/2010/main" xmlns:ma14="http://schemas.microsoft.com/office/mac/drawingml/2011/main" val="1"/>
             </a:ext>
           </a:extLst>
         </p:spPr>
@@ -25701,7 +26226,7 @@
           </a:effectLst>
           <a:extLst>
             <a:ext uri="{C572A759-6A51-4108-AA02-DFA0A04FC94B}">
-              <ma14:wrappingTextBoxFlag xmlns:ma14="http://schemas.microsoft.com/office/mac/drawingml/2011/main" xmlns:a14="http://schemas.microsoft.com/office/drawing/2010/main" xmlns:m="http://schemas.openxmlformats.org/officeDocument/2006/math" xmlns="" val="1"/>
+              <ma14:wrappingTextBoxFlag xmlns="" xmlns:m="http://schemas.openxmlformats.org/officeDocument/2006/math" xmlns:a14="http://schemas.microsoft.com/office/drawing/2010/main" xmlns:ma14="http://schemas.microsoft.com/office/mac/drawingml/2011/main" val="1"/>
             </a:ext>
           </a:extLst>
         </p:spPr>
@@ -25765,7 +26290,7 @@
           </a:effectLst>
           <a:extLst>
             <a:ext uri="{C572A759-6A51-4108-AA02-DFA0A04FC94B}">
-              <ma14:wrappingTextBoxFlag xmlns:ma14="http://schemas.microsoft.com/office/mac/drawingml/2011/main" xmlns:a14="http://schemas.microsoft.com/office/drawing/2010/main" xmlns:m="http://schemas.openxmlformats.org/officeDocument/2006/math" xmlns="" val="1"/>
+              <ma14:wrappingTextBoxFlag xmlns="" xmlns:m="http://schemas.openxmlformats.org/officeDocument/2006/math" xmlns:a14="http://schemas.microsoft.com/office/drawing/2010/main" xmlns:ma14="http://schemas.microsoft.com/office/mac/drawingml/2011/main" val="1"/>
             </a:ext>
           </a:extLst>
         </p:spPr>
@@ -25834,7 +26359,7 @@
           </a:effectLst>
           <a:extLst>
             <a:ext uri="{C572A759-6A51-4108-AA02-DFA0A04FC94B}">
-              <ma14:wrappingTextBoxFlag xmlns:ma14="http://schemas.microsoft.com/office/mac/drawingml/2011/main" xmlns:a14="http://schemas.microsoft.com/office/drawing/2010/main" xmlns:m="http://schemas.openxmlformats.org/officeDocument/2006/math" xmlns="" val="1"/>
+              <ma14:wrappingTextBoxFlag xmlns="" xmlns:m="http://schemas.openxmlformats.org/officeDocument/2006/math" xmlns:a14="http://schemas.microsoft.com/office/drawing/2010/main" xmlns:ma14="http://schemas.microsoft.com/office/mac/drawingml/2011/main" val="1"/>
             </a:ext>
           </a:extLst>
         </p:spPr>
@@ -25911,7 +26436,7 @@
           </a:effectLst>
           <a:extLst>
             <a:ext uri="{C572A759-6A51-4108-AA02-DFA0A04FC94B}">
-              <ma14:wrappingTextBoxFlag xmlns:ma14="http://schemas.microsoft.com/office/mac/drawingml/2011/main" xmlns:a14="http://schemas.microsoft.com/office/drawing/2010/main" xmlns:m="http://schemas.openxmlformats.org/officeDocument/2006/math" xmlns="" val="1"/>
+              <ma14:wrappingTextBoxFlag xmlns="" xmlns:m="http://schemas.openxmlformats.org/officeDocument/2006/math" xmlns:a14="http://schemas.microsoft.com/office/drawing/2010/main" xmlns:ma14="http://schemas.microsoft.com/office/mac/drawingml/2011/main" val="1"/>
             </a:ext>
           </a:extLst>
         </p:spPr>
@@ -26060,7 +26585,7 @@
           </a:effectLst>
           <a:extLst>
             <a:ext uri="{C572A759-6A51-4108-AA02-DFA0A04FC94B}">
-              <ma14:wrappingTextBoxFlag xmlns:ma14="http://schemas.microsoft.com/office/mac/drawingml/2011/main" xmlns:a14="http://schemas.microsoft.com/office/drawing/2010/main" xmlns:m="http://schemas.openxmlformats.org/officeDocument/2006/math" xmlns="" val="1"/>
+              <ma14:wrappingTextBoxFlag xmlns="" xmlns:m="http://schemas.openxmlformats.org/officeDocument/2006/math" xmlns:a14="http://schemas.microsoft.com/office/drawing/2010/main" xmlns:ma14="http://schemas.microsoft.com/office/mac/drawingml/2011/main" val="1"/>
             </a:ext>
           </a:extLst>
         </p:spPr>
@@ -26106,7 +26631,7 @@
         <p:wipe dir="u"/>
       </p:transition>
     </mc:Choice>
-    <mc:Fallback xmlns:a14="http://schemas.microsoft.com/office/drawing/2010/main" xmlns:m="http://schemas.openxmlformats.org/officeDocument/2006/math" xmlns="">
+    <mc:Fallback xmlns="" xmlns:m="http://schemas.openxmlformats.org/officeDocument/2006/math" xmlns:a14="http://schemas.microsoft.com/office/drawing/2010/main">
       <p:transition spd="med">
         <p:fade/>
       </p:transition>
@@ -27174,7 +27699,7 @@
           </a:effectLst>
           <a:extLst>
             <a:ext uri="{C572A759-6A51-4108-AA02-DFA0A04FC94B}">
-              <ma14:wrappingTextBoxFlag xmlns:ma14="http://schemas.microsoft.com/office/mac/drawingml/2011/main" xmlns:a14="http://schemas.microsoft.com/office/drawing/2010/main" xmlns:m="http://schemas.openxmlformats.org/officeDocument/2006/math" xmlns="" val="1"/>
+              <ma14:wrappingTextBoxFlag xmlns="" xmlns:m="http://schemas.openxmlformats.org/officeDocument/2006/math" xmlns:a14="http://schemas.microsoft.com/office/drawing/2010/main" xmlns:ma14="http://schemas.microsoft.com/office/mac/drawingml/2011/main" val="1"/>
             </a:ext>
           </a:extLst>
         </p:spPr>
@@ -27243,7 +27768,7 @@
           </a:effectLst>
           <a:extLst>
             <a:ext uri="{C572A759-6A51-4108-AA02-DFA0A04FC94B}">
-              <ma14:wrappingTextBoxFlag xmlns:ma14="http://schemas.microsoft.com/office/mac/drawingml/2011/main" xmlns:a14="http://schemas.microsoft.com/office/drawing/2010/main" xmlns:m="http://schemas.openxmlformats.org/officeDocument/2006/math" xmlns="" val="1"/>
+              <ma14:wrappingTextBoxFlag xmlns="" xmlns:m="http://schemas.openxmlformats.org/officeDocument/2006/math" xmlns:a14="http://schemas.microsoft.com/office/drawing/2010/main" xmlns:ma14="http://schemas.microsoft.com/office/mac/drawingml/2011/main" val="1"/>
             </a:ext>
           </a:extLst>
         </p:spPr>
@@ -27312,7 +27837,7 @@
           </a:effectLst>
           <a:extLst>
             <a:ext uri="{C572A759-6A51-4108-AA02-DFA0A04FC94B}">
-              <ma14:wrappingTextBoxFlag xmlns:ma14="http://schemas.microsoft.com/office/mac/drawingml/2011/main" xmlns:a14="http://schemas.microsoft.com/office/drawing/2010/main" xmlns:m="http://schemas.openxmlformats.org/officeDocument/2006/math" xmlns="" val="1"/>
+              <ma14:wrappingTextBoxFlag xmlns="" xmlns:m="http://schemas.openxmlformats.org/officeDocument/2006/math" xmlns:a14="http://schemas.microsoft.com/office/drawing/2010/main" xmlns:ma14="http://schemas.microsoft.com/office/mac/drawingml/2011/main" val="1"/>
             </a:ext>
           </a:extLst>
         </p:spPr>
@@ -27381,7 +27906,7 @@
           </a:effectLst>
           <a:extLst>
             <a:ext uri="{C572A759-6A51-4108-AA02-DFA0A04FC94B}">
-              <ma14:wrappingTextBoxFlag xmlns:ma14="http://schemas.microsoft.com/office/mac/drawingml/2011/main" xmlns:a14="http://schemas.microsoft.com/office/drawing/2010/main" xmlns:m="http://schemas.openxmlformats.org/officeDocument/2006/math" xmlns="" val="1"/>
+              <ma14:wrappingTextBoxFlag xmlns="" xmlns:m="http://schemas.openxmlformats.org/officeDocument/2006/math" xmlns:a14="http://schemas.microsoft.com/office/drawing/2010/main" xmlns:ma14="http://schemas.microsoft.com/office/mac/drawingml/2011/main" val="1"/>
             </a:ext>
           </a:extLst>
         </p:spPr>
@@ -27450,7 +27975,7 @@
           </a:effectLst>
           <a:extLst>
             <a:ext uri="{C572A759-6A51-4108-AA02-DFA0A04FC94B}">
-              <ma14:wrappingTextBoxFlag xmlns:ma14="http://schemas.microsoft.com/office/mac/drawingml/2011/main" xmlns:a14="http://schemas.microsoft.com/office/drawing/2010/main" xmlns:m="http://schemas.openxmlformats.org/officeDocument/2006/math" xmlns="" val="1"/>
+              <ma14:wrappingTextBoxFlag xmlns="" xmlns:m="http://schemas.openxmlformats.org/officeDocument/2006/math" xmlns:a14="http://schemas.microsoft.com/office/drawing/2010/main" xmlns:ma14="http://schemas.microsoft.com/office/mac/drawingml/2011/main" val="1"/>
             </a:ext>
           </a:extLst>
         </p:spPr>
@@ -27519,7 +28044,7 @@
           </a:effectLst>
           <a:extLst>
             <a:ext uri="{C572A759-6A51-4108-AA02-DFA0A04FC94B}">
-              <ma14:wrappingTextBoxFlag xmlns:ma14="http://schemas.microsoft.com/office/mac/drawingml/2011/main" xmlns:a14="http://schemas.microsoft.com/office/drawing/2010/main" xmlns:m="http://schemas.openxmlformats.org/officeDocument/2006/math" xmlns="" val="1"/>
+              <ma14:wrappingTextBoxFlag xmlns="" xmlns:m="http://schemas.openxmlformats.org/officeDocument/2006/math" xmlns:a14="http://schemas.microsoft.com/office/drawing/2010/main" xmlns:ma14="http://schemas.microsoft.com/office/mac/drawingml/2011/main" val="1"/>
             </a:ext>
           </a:extLst>
         </p:spPr>
@@ -27588,7 +28113,7 @@
           </a:effectLst>
           <a:extLst>
             <a:ext uri="{C572A759-6A51-4108-AA02-DFA0A04FC94B}">
-              <ma14:wrappingTextBoxFlag xmlns:ma14="http://schemas.microsoft.com/office/mac/drawingml/2011/main" xmlns:a14="http://schemas.microsoft.com/office/drawing/2010/main" xmlns:m="http://schemas.openxmlformats.org/officeDocument/2006/math" xmlns="" val="1"/>
+              <ma14:wrappingTextBoxFlag xmlns="" xmlns:m="http://schemas.openxmlformats.org/officeDocument/2006/math" xmlns:a14="http://schemas.microsoft.com/office/drawing/2010/main" xmlns:ma14="http://schemas.microsoft.com/office/mac/drawingml/2011/main" val="1"/>
             </a:ext>
           </a:extLst>
         </p:spPr>
@@ -27657,7 +28182,7 @@
           </a:effectLst>
           <a:extLst>
             <a:ext uri="{C572A759-6A51-4108-AA02-DFA0A04FC94B}">
-              <ma14:wrappingTextBoxFlag xmlns:ma14="http://schemas.microsoft.com/office/mac/drawingml/2011/main" xmlns:a14="http://schemas.microsoft.com/office/drawing/2010/main" xmlns:m="http://schemas.openxmlformats.org/officeDocument/2006/math" xmlns="" val="1"/>
+              <ma14:wrappingTextBoxFlag xmlns="" xmlns:m="http://schemas.openxmlformats.org/officeDocument/2006/math" xmlns:a14="http://schemas.microsoft.com/office/drawing/2010/main" xmlns:ma14="http://schemas.microsoft.com/office/mac/drawingml/2011/main" val="1"/>
             </a:ext>
           </a:extLst>
         </p:spPr>
@@ -27726,7 +28251,7 @@
           </a:effectLst>
           <a:extLst>
             <a:ext uri="{C572A759-6A51-4108-AA02-DFA0A04FC94B}">
-              <ma14:wrappingTextBoxFlag xmlns:ma14="http://schemas.microsoft.com/office/mac/drawingml/2011/main" xmlns:a14="http://schemas.microsoft.com/office/drawing/2010/main" xmlns:m="http://schemas.openxmlformats.org/officeDocument/2006/math" xmlns="" val="1"/>
+              <ma14:wrappingTextBoxFlag xmlns="" xmlns:m="http://schemas.openxmlformats.org/officeDocument/2006/math" xmlns:a14="http://schemas.microsoft.com/office/drawing/2010/main" xmlns:ma14="http://schemas.microsoft.com/office/mac/drawingml/2011/main" val="1"/>
             </a:ext>
           </a:extLst>
         </p:spPr>
@@ -27795,7 +28320,7 @@
           </a:effectLst>
           <a:extLst>
             <a:ext uri="{C572A759-6A51-4108-AA02-DFA0A04FC94B}">
-              <ma14:wrappingTextBoxFlag xmlns:ma14="http://schemas.microsoft.com/office/mac/drawingml/2011/main" xmlns:a14="http://schemas.microsoft.com/office/drawing/2010/main" xmlns:m="http://schemas.openxmlformats.org/officeDocument/2006/math" xmlns="" val="1"/>
+              <ma14:wrappingTextBoxFlag xmlns="" xmlns:m="http://schemas.openxmlformats.org/officeDocument/2006/math" xmlns:a14="http://schemas.microsoft.com/office/drawing/2010/main" xmlns:ma14="http://schemas.microsoft.com/office/mac/drawingml/2011/main" val="1"/>
             </a:ext>
           </a:extLst>
         </p:spPr>
@@ -27864,7 +28389,7 @@
           </a:effectLst>
           <a:extLst>
             <a:ext uri="{C572A759-6A51-4108-AA02-DFA0A04FC94B}">
-              <ma14:wrappingTextBoxFlag xmlns:ma14="http://schemas.microsoft.com/office/mac/drawingml/2011/main" xmlns:a14="http://schemas.microsoft.com/office/drawing/2010/main" xmlns:m="http://schemas.openxmlformats.org/officeDocument/2006/math" xmlns="" val="1"/>
+              <ma14:wrappingTextBoxFlag xmlns="" xmlns:m="http://schemas.openxmlformats.org/officeDocument/2006/math" xmlns:a14="http://schemas.microsoft.com/office/drawing/2010/main" xmlns:ma14="http://schemas.microsoft.com/office/mac/drawingml/2011/main" val="1"/>
             </a:ext>
           </a:extLst>
         </p:spPr>
@@ -28040,7 +28565,7 @@
           </a:effectLst>
           <a:extLst>
             <a:ext uri="{C572A759-6A51-4108-AA02-DFA0A04FC94B}">
-              <ma14:wrappingTextBoxFlag xmlns:ma14="http://schemas.microsoft.com/office/mac/drawingml/2011/main" xmlns:a14="http://schemas.microsoft.com/office/drawing/2010/main" xmlns:m="http://schemas.openxmlformats.org/officeDocument/2006/math" xmlns="" val="1"/>
+              <ma14:wrappingTextBoxFlag xmlns="" xmlns:m="http://schemas.openxmlformats.org/officeDocument/2006/math" xmlns:a14="http://schemas.microsoft.com/office/drawing/2010/main" xmlns:ma14="http://schemas.microsoft.com/office/mac/drawingml/2011/main" val="1"/>
             </a:ext>
           </a:extLst>
         </p:spPr>
@@ -28106,7 +28631,7 @@
           </a:effectLst>
           <a:extLst>
             <a:ext uri="{C572A759-6A51-4108-AA02-DFA0A04FC94B}">
-              <ma14:wrappingTextBoxFlag xmlns:ma14="http://schemas.microsoft.com/office/mac/drawingml/2011/main" xmlns:a14="http://schemas.microsoft.com/office/drawing/2010/main" xmlns:m="http://schemas.openxmlformats.org/officeDocument/2006/math" xmlns="" val="1"/>
+              <ma14:wrappingTextBoxFlag xmlns="" xmlns:m="http://schemas.openxmlformats.org/officeDocument/2006/math" xmlns:a14="http://schemas.microsoft.com/office/drawing/2010/main" xmlns:ma14="http://schemas.microsoft.com/office/mac/drawingml/2011/main" val="1"/>
             </a:ext>
           </a:extLst>
         </p:spPr>
@@ -28172,7 +28697,7 @@
           </a:effectLst>
           <a:extLst>
             <a:ext uri="{C572A759-6A51-4108-AA02-DFA0A04FC94B}">
-              <ma14:wrappingTextBoxFlag xmlns:ma14="http://schemas.microsoft.com/office/mac/drawingml/2011/main" xmlns:a14="http://schemas.microsoft.com/office/drawing/2010/main" xmlns:m="http://schemas.openxmlformats.org/officeDocument/2006/math" xmlns="" val="1"/>
+              <ma14:wrappingTextBoxFlag xmlns="" xmlns:m="http://schemas.openxmlformats.org/officeDocument/2006/math" xmlns:a14="http://schemas.microsoft.com/office/drawing/2010/main" xmlns:ma14="http://schemas.microsoft.com/office/mac/drawingml/2011/main" val="1"/>
             </a:ext>
           </a:extLst>
         </p:spPr>
@@ -28238,7 +28763,7 @@
           </a:effectLst>
           <a:extLst>
             <a:ext uri="{C572A759-6A51-4108-AA02-DFA0A04FC94B}">
-              <ma14:wrappingTextBoxFlag xmlns:ma14="http://schemas.microsoft.com/office/mac/drawingml/2011/main" xmlns:a14="http://schemas.microsoft.com/office/drawing/2010/main" xmlns:m="http://schemas.openxmlformats.org/officeDocument/2006/math" xmlns="" val="1"/>
+              <ma14:wrappingTextBoxFlag xmlns="" xmlns:m="http://schemas.openxmlformats.org/officeDocument/2006/math" xmlns:a14="http://schemas.microsoft.com/office/drawing/2010/main" xmlns:ma14="http://schemas.microsoft.com/office/mac/drawingml/2011/main" val="1"/>
             </a:ext>
           </a:extLst>
         </p:spPr>
@@ -28304,7 +28829,7 @@
           </a:effectLst>
           <a:extLst>
             <a:ext uri="{C572A759-6A51-4108-AA02-DFA0A04FC94B}">
-              <ma14:wrappingTextBoxFlag xmlns:ma14="http://schemas.microsoft.com/office/mac/drawingml/2011/main" xmlns:a14="http://schemas.microsoft.com/office/drawing/2010/main" xmlns:m="http://schemas.openxmlformats.org/officeDocument/2006/math" xmlns="" val="1"/>
+              <ma14:wrappingTextBoxFlag xmlns="" xmlns:m="http://schemas.openxmlformats.org/officeDocument/2006/math" xmlns:a14="http://schemas.microsoft.com/office/drawing/2010/main" xmlns:ma14="http://schemas.microsoft.com/office/mac/drawingml/2011/main" val="1"/>
             </a:ext>
           </a:extLst>
         </p:spPr>
@@ -28370,7 +28895,7 @@
           </a:effectLst>
           <a:extLst>
             <a:ext uri="{C572A759-6A51-4108-AA02-DFA0A04FC94B}">
-              <ma14:wrappingTextBoxFlag xmlns:ma14="http://schemas.microsoft.com/office/mac/drawingml/2011/main" xmlns:a14="http://schemas.microsoft.com/office/drawing/2010/main" xmlns:m="http://schemas.openxmlformats.org/officeDocument/2006/math" xmlns="" val="1"/>
+              <ma14:wrappingTextBoxFlag xmlns="" xmlns:m="http://schemas.openxmlformats.org/officeDocument/2006/math" xmlns:a14="http://schemas.microsoft.com/office/drawing/2010/main" xmlns:ma14="http://schemas.microsoft.com/office/mac/drawingml/2011/main" val="1"/>
             </a:ext>
           </a:extLst>
         </p:spPr>
@@ -28436,7 +28961,7 @@
           </a:effectLst>
           <a:extLst>
             <a:ext uri="{C572A759-6A51-4108-AA02-DFA0A04FC94B}">
-              <ma14:wrappingTextBoxFlag xmlns:ma14="http://schemas.microsoft.com/office/mac/drawingml/2011/main" xmlns:a14="http://schemas.microsoft.com/office/drawing/2010/main" xmlns:m="http://schemas.openxmlformats.org/officeDocument/2006/math" xmlns="" val="1"/>
+              <ma14:wrappingTextBoxFlag xmlns="" xmlns:m="http://schemas.openxmlformats.org/officeDocument/2006/math" xmlns:a14="http://schemas.microsoft.com/office/drawing/2010/main" xmlns:ma14="http://schemas.microsoft.com/office/mac/drawingml/2011/main" val="1"/>
             </a:ext>
           </a:extLst>
         </p:spPr>
@@ -28502,7 +29027,7 @@
           </a:effectLst>
           <a:extLst>
             <a:ext uri="{C572A759-6A51-4108-AA02-DFA0A04FC94B}">
-              <ma14:wrappingTextBoxFlag xmlns:ma14="http://schemas.microsoft.com/office/mac/drawingml/2011/main" xmlns:a14="http://schemas.microsoft.com/office/drawing/2010/main" xmlns:m="http://schemas.openxmlformats.org/officeDocument/2006/math" xmlns="" val="1"/>
+              <ma14:wrappingTextBoxFlag xmlns="" xmlns:m="http://schemas.openxmlformats.org/officeDocument/2006/math" xmlns:a14="http://schemas.microsoft.com/office/drawing/2010/main" xmlns:ma14="http://schemas.microsoft.com/office/mac/drawingml/2011/main" val="1"/>
             </a:ext>
           </a:extLst>
         </p:spPr>
@@ -28568,7 +29093,7 @@
           </a:effectLst>
           <a:extLst>
             <a:ext uri="{C572A759-6A51-4108-AA02-DFA0A04FC94B}">
-              <ma14:wrappingTextBoxFlag xmlns:ma14="http://schemas.microsoft.com/office/mac/drawingml/2011/main" xmlns:a14="http://schemas.microsoft.com/office/drawing/2010/main" xmlns:m="http://schemas.openxmlformats.org/officeDocument/2006/math" xmlns="" val="1"/>
+              <ma14:wrappingTextBoxFlag xmlns="" xmlns:m="http://schemas.openxmlformats.org/officeDocument/2006/math" xmlns:a14="http://schemas.microsoft.com/office/drawing/2010/main" xmlns:ma14="http://schemas.microsoft.com/office/mac/drawingml/2011/main" val="1"/>
             </a:ext>
           </a:extLst>
         </p:spPr>
@@ -28634,7 +29159,7 @@
           </a:effectLst>
           <a:extLst>
             <a:ext uri="{C572A759-6A51-4108-AA02-DFA0A04FC94B}">
-              <ma14:wrappingTextBoxFlag xmlns:ma14="http://schemas.microsoft.com/office/mac/drawingml/2011/main" xmlns:a14="http://schemas.microsoft.com/office/drawing/2010/main" xmlns:m="http://schemas.openxmlformats.org/officeDocument/2006/math" xmlns="" val="1"/>
+              <ma14:wrappingTextBoxFlag xmlns="" xmlns:m="http://schemas.openxmlformats.org/officeDocument/2006/math" xmlns:a14="http://schemas.microsoft.com/office/drawing/2010/main" xmlns:ma14="http://schemas.microsoft.com/office/mac/drawingml/2011/main" val="1"/>
             </a:ext>
           </a:extLst>
         </p:spPr>
@@ -28934,7 +29459,7 @@
           </a:effectLst>
           <a:extLst>
             <a:ext uri="{C572A759-6A51-4108-AA02-DFA0A04FC94B}">
-              <ma14:wrappingTextBoxFlag xmlns:ma14="http://schemas.microsoft.com/office/mac/drawingml/2011/main" xmlns:a14="http://schemas.microsoft.com/office/drawing/2010/main" xmlns:m="http://schemas.openxmlformats.org/officeDocument/2006/math" xmlns="" val="1"/>
+              <ma14:wrappingTextBoxFlag xmlns="" xmlns:m="http://schemas.openxmlformats.org/officeDocument/2006/math" xmlns:a14="http://schemas.microsoft.com/office/drawing/2010/main" xmlns:ma14="http://schemas.microsoft.com/office/mac/drawingml/2011/main" val="1"/>
             </a:ext>
           </a:extLst>
         </p:spPr>
@@ -29095,7 +29620,7 @@
               <a:effectLst/>
               <a:extLst>
                 <a:ext uri="{C572A759-6A51-4108-AA02-DFA0A04FC94B}">
-                  <ma14:wrappingTextBoxFlag xmlns:ma14="http://schemas.microsoft.com/office/mac/drawingml/2011/main" xmlns:a14="http://schemas.microsoft.com/office/drawing/2010/main" xmlns:m="http://schemas.openxmlformats.org/officeDocument/2006/math" xmlns="" val="1"/>
+                  <ma14:wrappingTextBoxFlag xmlns="" xmlns:m="http://schemas.openxmlformats.org/officeDocument/2006/math" xmlns:a14="http://schemas.microsoft.com/office/drawing/2010/main" xmlns:ma14="http://schemas.microsoft.com/office/mac/drawingml/2011/main" val="1"/>
                 </a:ext>
               </a:extLst>
             </p:spPr>
@@ -29208,7 +29733,7 @@
           </a:prstGeom>
           <a:extLst>
             <a:ext uri="{C572A759-6A51-4108-AA02-DFA0A04FC94B}">
-              <ma14:wrappingTextBoxFlag xmlns:ma14="http://schemas.microsoft.com/office/mac/drawingml/2011/main" xmlns:a14="http://schemas.microsoft.com/office/drawing/2010/main" xmlns:m="http://schemas.openxmlformats.org/officeDocument/2006/math" xmlns="" val="1"/>
+              <ma14:wrappingTextBoxFlag xmlns="" xmlns:m="http://schemas.openxmlformats.org/officeDocument/2006/math" xmlns:a14="http://schemas.microsoft.com/office/drawing/2010/main" xmlns:ma14="http://schemas.microsoft.com/office/mac/drawingml/2011/main" val="1"/>
             </a:ext>
           </a:extLst>
         </p:spPr>
@@ -31217,7 +31742,7 @@
           </a:effectLst>
           <a:extLst>
             <a:ext uri="{C572A759-6A51-4108-AA02-DFA0A04FC94B}">
-              <ma14:wrappingTextBoxFlag xmlns:ma14="http://schemas.microsoft.com/office/mac/drawingml/2011/main" xmlns:a14="http://schemas.microsoft.com/office/drawing/2010/main" xmlns:m="http://schemas.openxmlformats.org/officeDocument/2006/math" xmlns="" val="1"/>
+              <ma14:wrappingTextBoxFlag xmlns="" xmlns:m="http://schemas.openxmlformats.org/officeDocument/2006/math" xmlns:a14="http://schemas.microsoft.com/office/drawing/2010/main" xmlns:ma14="http://schemas.microsoft.com/office/mac/drawingml/2011/main" val="1"/>
             </a:ext>
           </a:extLst>
         </p:spPr>
@@ -31290,7 +31815,7 @@
           </a:effectLst>
           <a:extLst>
             <a:ext uri="{C572A759-6A51-4108-AA02-DFA0A04FC94B}">
-              <ma14:wrappingTextBoxFlag xmlns:ma14="http://schemas.microsoft.com/office/mac/drawingml/2011/main" xmlns:a14="http://schemas.microsoft.com/office/drawing/2010/main" xmlns:m="http://schemas.openxmlformats.org/officeDocument/2006/math" xmlns="" val="1"/>
+              <ma14:wrappingTextBoxFlag xmlns="" xmlns:m="http://schemas.openxmlformats.org/officeDocument/2006/math" xmlns:a14="http://schemas.microsoft.com/office/drawing/2010/main" xmlns:ma14="http://schemas.microsoft.com/office/mac/drawingml/2011/main" val="1"/>
             </a:ext>
           </a:extLst>
         </p:spPr>
@@ -31363,7 +31888,7 @@
           </a:effectLst>
           <a:extLst>
             <a:ext uri="{C572A759-6A51-4108-AA02-DFA0A04FC94B}">
-              <ma14:wrappingTextBoxFlag xmlns:ma14="http://schemas.microsoft.com/office/mac/drawingml/2011/main" xmlns:a14="http://schemas.microsoft.com/office/drawing/2010/main" xmlns:m="http://schemas.openxmlformats.org/officeDocument/2006/math" xmlns="" val="1"/>
+              <ma14:wrappingTextBoxFlag xmlns="" xmlns:m="http://schemas.openxmlformats.org/officeDocument/2006/math" xmlns:a14="http://schemas.microsoft.com/office/drawing/2010/main" xmlns:ma14="http://schemas.microsoft.com/office/mac/drawingml/2011/main" val="1"/>
             </a:ext>
           </a:extLst>
         </p:spPr>
@@ -31436,7 +31961,7 @@
           </a:effectLst>
           <a:extLst>
             <a:ext uri="{C572A759-6A51-4108-AA02-DFA0A04FC94B}">
-              <ma14:wrappingTextBoxFlag xmlns:ma14="http://schemas.microsoft.com/office/mac/drawingml/2011/main" xmlns:a14="http://schemas.microsoft.com/office/drawing/2010/main" xmlns:m="http://schemas.openxmlformats.org/officeDocument/2006/math" xmlns="" val="1"/>
+              <ma14:wrappingTextBoxFlag xmlns="" xmlns:m="http://schemas.openxmlformats.org/officeDocument/2006/math" xmlns:a14="http://schemas.microsoft.com/office/drawing/2010/main" xmlns:ma14="http://schemas.microsoft.com/office/mac/drawingml/2011/main" val="1"/>
             </a:ext>
           </a:extLst>
         </p:spPr>
@@ -31509,7 +32034,7 @@
           </a:effectLst>
           <a:extLst>
             <a:ext uri="{C572A759-6A51-4108-AA02-DFA0A04FC94B}">
-              <ma14:wrappingTextBoxFlag xmlns:ma14="http://schemas.microsoft.com/office/mac/drawingml/2011/main" xmlns:a14="http://schemas.microsoft.com/office/drawing/2010/main" xmlns:m="http://schemas.openxmlformats.org/officeDocument/2006/math" xmlns="" val="1"/>
+              <ma14:wrappingTextBoxFlag xmlns="" xmlns:m="http://schemas.openxmlformats.org/officeDocument/2006/math" xmlns:a14="http://schemas.microsoft.com/office/drawing/2010/main" xmlns:ma14="http://schemas.microsoft.com/office/mac/drawingml/2011/main" val="1"/>
             </a:ext>
           </a:extLst>
         </p:spPr>
@@ -31582,7 +32107,7 @@
           </a:effectLst>
           <a:extLst>
             <a:ext uri="{C572A759-6A51-4108-AA02-DFA0A04FC94B}">
-              <ma14:wrappingTextBoxFlag xmlns:ma14="http://schemas.microsoft.com/office/mac/drawingml/2011/main" xmlns:a14="http://schemas.microsoft.com/office/drawing/2010/main" xmlns:m="http://schemas.openxmlformats.org/officeDocument/2006/math" xmlns="" val="1"/>
+              <ma14:wrappingTextBoxFlag xmlns="" xmlns:m="http://schemas.openxmlformats.org/officeDocument/2006/math" xmlns:a14="http://schemas.microsoft.com/office/drawing/2010/main" xmlns:ma14="http://schemas.microsoft.com/office/mac/drawingml/2011/main" val="1"/>
             </a:ext>
           </a:extLst>
         </p:spPr>
@@ -31655,7 +32180,7 @@
           </a:effectLst>
           <a:extLst>
             <a:ext uri="{C572A759-6A51-4108-AA02-DFA0A04FC94B}">
-              <ma14:wrappingTextBoxFlag xmlns:ma14="http://schemas.microsoft.com/office/mac/drawingml/2011/main" xmlns:a14="http://schemas.microsoft.com/office/drawing/2010/main" xmlns:m="http://schemas.openxmlformats.org/officeDocument/2006/math" xmlns="" val="1"/>
+              <ma14:wrappingTextBoxFlag xmlns="" xmlns:m="http://schemas.openxmlformats.org/officeDocument/2006/math" xmlns:a14="http://schemas.microsoft.com/office/drawing/2010/main" xmlns:ma14="http://schemas.microsoft.com/office/mac/drawingml/2011/main" val="1"/>
             </a:ext>
           </a:extLst>
         </p:spPr>
@@ -31728,7 +32253,7 @@
           </a:effectLst>
           <a:extLst>
             <a:ext uri="{C572A759-6A51-4108-AA02-DFA0A04FC94B}">
-              <ma14:wrappingTextBoxFlag xmlns:ma14="http://schemas.microsoft.com/office/mac/drawingml/2011/main" xmlns:a14="http://schemas.microsoft.com/office/drawing/2010/main" xmlns:m="http://schemas.openxmlformats.org/officeDocument/2006/math" xmlns="" val="1"/>
+              <ma14:wrappingTextBoxFlag xmlns="" xmlns:m="http://schemas.openxmlformats.org/officeDocument/2006/math" xmlns:a14="http://schemas.microsoft.com/office/drawing/2010/main" xmlns:ma14="http://schemas.microsoft.com/office/mac/drawingml/2011/main" val="1"/>
             </a:ext>
           </a:extLst>
         </p:spPr>
@@ -31801,7 +32326,7 @@
           </a:effectLst>
           <a:extLst>
             <a:ext uri="{C572A759-6A51-4108-AA02-DFA0A04FC94B}">
-              <ma14:wrappingTextBoxFlag xmlns:ma14="http://schemas.microsoft.com/office/mac/drawingml/2011/main" xmlns:a14="http://schemas.microsoft.com/office/drawing/2010/main" xmlns:m="http://schemas.openxmlformats.org/officeDocument/2006/math" xmlns="" val="1"/>
+              <ma14:wrappingTextBoxFlag xmlns="" xmlns:m="http://schemas.openxmlformats.org/officeDocument/2006/math" xmlns:a14="http://schemas.microsoft.com/office/drawing/2010/main" xmlns:ma14="http://schemas.microsoft.com/office/mac/drawingml/2011/main" val="1"/>
             </a:ext>
           </a:extLst>
         </p:spPr>
@@ -31874,7 +32399,7 @@
           </a:effectLst>
           <a:extLst>
             <a:ext uri="{C572A759-6A51-4108-AA02-DFA0A04FC94B}">
-              <ma14:wrappingTextBoxFlag xmlns:ma14="http://schemas.microsoft.com/office/mac/drawingml/2011/main" xmlns:a14="http://schemas.microsoft.com/office/drawing/2010/main" xmlns:m="http://schemas.openxmlformats.org/officeDocument/2006/math" xmlns="" val="1"/>
+              <ma14:wrappingTextBoxFlag xmlns="" xmlns:m="http://schemas.openxmlformats.org/officeDocument/2006/math" xmlns:a14="http://schemas.microsoft.com/office/drawing/2010/main" xmlns:ma14="http://schemas.microsoft.com/office/mac/drawingml/2011/main" val="1"/>
             </a:ext>
           </a:extLst>
         </p:spPr>
@@ -31947,7 +32472,7 @@
           </a:effectLst>
           <a:extLst>
             <a:ext uri="{C572A759-6A51-4108-AA02-DFA0A04FC94B}">
-              <ma14:wrappingTextBoxFlag xmlns:ma14="http://schemas.microsoft.com/office/mac/drawingml/2011/main" xmlns:a14="http://schemas.microsoft.com/office/drawing/2010/main" xmlns:m="http://schemas.openxmlformats.org/officeDocument/2006/math" xmlns="" val="1"/>
+              <ma14:wrappingTextBoxFlag xmlns="" xmlns:m="http://schemas.openxmlformats.org/officeDocument/2006/math" xmlns:a14="http://schemas.microsoft.com/office/drawing/2010/main" xmlns:ma14="http://schemas.microsoft.com/office/mac/drawingml/2011/main" val="1"/>
             </a:ext>
           </a:extLst>
         </p:spPr>
@@ -32255,7 +32780,7 @@
           </a:effectLst>
           <a:extLst>
             <a:ext uri="{C572A759-6A51-4108-AA02-DFA0A04FC94B}">
-              <ma14:wrappingTextBoxFlag xmlns:ma14="http://schemas.microsoft.com/office/mac/drawingml/2011/main" xmlns:a14="http://schemas.microsoft.com/office/drawing/2010/main" xmlns:m="http://schemas.openxmlformats.org/officeDocument/2006/math" xmlns="" val="1"/>
+              <ma14:wrappingTextBoxFlag xmlns="" xmlns:m="http://schemas.openxmlformats.org/officeDocument/2006/math" xmlns:a14="http://schemas.microsoft.com/office/drawing/2010/main" xmlns:ma14="http://schemas.microsoft.com/office/mac/drawingml/2011/main" val="1"/>
             </a:ext>
           </a:extLst>
         </p:spPr>
@@ -32900,7 +33425,7 @@
           </a:prstGeom>
           <a:extLst>
             <a:ext uri="{C572A759-6A51-4108-AA02-DFA0A04FC94B}">
-              <ma14:wrappingTextBoxFlag xmlns:ma14="http://schemas.microsoft.com/office/mac/drawingml/2011/main" xmlns:a14="http://schemas.microsoft.com/office/drawing/2010/main" xmlns:m="http://schemas.openxmlformats.org/officeDocument/2006/math" xmlns="" val="1"/>
+              <ma14:wrappingTextBoxFlag xmlns="" xmlns:m="http://schemas.openxmlformats.org/officeDocument/2006/math" xmlns:a14="http://schemas.microsoft.com/office/drawing/2010/main" xmlns:ma14="http://schemas.microsoft.com/office/mac/drawingml/2011/main" val="1"/>
             </a:ext>
           </a:extLst>
         </p:spPr>
@@ -34465,7 +34990,7 @@
           </a:effectLst>
           <a:extLst>
             <a:ext uri="{C572A759-6A51-4108-AA02-DFA0A04FC94B}">
-              <ma14:wrappingTextBoxFlag xmlns:ma14="http://schemas.microsoft.com/office/mac/drawingml/2011/main" xmlns:a14="http://schemas.microsoft.com/office/drawing/2010/main" xmlns:m="http://schemas.openxmlformats.org/officeDocument/2006/math" xmlns="" val="1"/>
+              <ma14:wrappingTextBoxFlag xmlns="" xmlns:m="http://schemas.openxmlformats.org/officeDocument/2006/math" xmlns:a14="http://schemas.microsoft.com/office/drawing/2010/main" xmlns:ma14="http://schemas.microsoft.com/office/mac/drawingml/2011/main" val="1"/>
             </a:ext>
           </a:extLst>
         </p:spPr>
@@ -34538,7 +35063,7 @@
           </a:effectLst>
           <a:extLst>
             <a:ext uri="{C572A759-6A51-4108-AA02-DFA0A04FC94B}">
-              <ma14:wrappingTextBoxFlag xmlns:ma14="http://schemas.microsoft.com/office/mac/drawingml/2011/main" xmlns:a14="http://schemas.microsoft.com/office/drawing/2010/main" xmlns:m="http://schemas.openxmlformats.org/officeDocument/2006/math" xmlns="" val="1"/>
+              <ma14:wrappingTextBoxFlag xmlns="" xmlns:m="http://schemas.openxmlformats.org/officeDocument/2006/math" xmlns:a14="http://schemas.microsoft.com/office/drawing/2010/main" xmlns:ma14="http://schemas.microsoft.com/office/mac/drawingml/2011/main" val="1"/>
             </a:ext>
           </a:extLst>
         </p:spPr>
@@ -34611,7 +35136,7 @@
           </a:effectLst>
           <a:extLst>
             <a:ext uri="{C572A759-6A51-4108-AA02-DFA0A04FC94B}">
-              <ma14:wrappingTextBoxFlag xmlns:ma14="http://schemas.microsoft.com/office/mac/drawingml/2011/main" xmlns:a14="http://schemas.microsoft.com/office/drawing/2010/main" xmlns:m="http://schemas.openxmlformats.org/officeDocument/2006/math" xmlns="" val="1"/>
+              <ma14:wrappingTextBoxFlag xmlns="" xmlns:m="http://schemas.openxmlformats.org/officeDocument/2006/math" xmlns:a14="http://schemas.microsoft.com/office/drawing/2010/main" xmlns:ma14="http://schemas.microsoft.com/office/mac/drawingml/2011/main" val="1"/>
             </a:ext>
           </a:extLst>
         </p:spPr>
@@ -34684,7 +35209,7 @@
           </a:effectLst>
           <a:extLst>
             <a:ext uri="{C572A759-6A51-4108-AA02-DFA0A04FC94B}">
-              <ma14:wrappingTextBoxFlag xmlns:ma14="http://schemas.microsoft.com/office/mac/drawingml/2011/main" xmlns:a14="http://schemas.microsoft.com/office/drawing/2010/main" xmlns:m="http://schemas.openxmlformats.org/officeDocument/2006/math" xmlns="" val="1"/>
+              <ma14:wrappingTextBoxFlag xmlns="" xmlns:m="http://schemas.openxmlformats.org/officeDocument/2006/math" xmlns:a14="http://schemas.microsoft.com/office/drawing/2010/main" xmlns:ma14="http://schemas.microsoft.com/office/mac/drawingml/2011/main" val="1"/>
             </a:ext>
           </a:extLst>
         </p:spPr>
@@ -34757,7 +35282,7 @@
           </a:effectLst>
           <a:extLst>
             <a:ext uri="{C572A759-6A51-4108-AA02-DFA0A04FC94B}">
-              <ma14:wrappingTextBoxFlag xmlns:ma14="http://schemas.microsoft.com/office/mac/drawingml/2011/main" xmlns:a14="http://schemas.microsoft.com/office/drawing/2010/main" xmlns:m="http://schemas.openxmlformats.org/officeDocument/2006/math" xmlns="" val="1"/>
+              <ma14:wrappingTextBoxFlag xmlns="" xmlns:m="http://schemas.openxmlformats.org/officeDocument/2006/math" xmlns:a14="http://schemas.microsoft.com/office/drawing/2010/main" xmlns:ma14="http://schemas.microsoft.com/office/mac/drawingml/2011/main" val="1"/>
             </a:ext>
           </a:extLst>
         </p:spPr>
@@ -34830,7 +35355,7 @@
           </a:effectLst>
           <a:extLst>
             <a:ext uri="{C572A759-6A51-4108-AA02-DFA0A04FC94B}">
-              <ma14:wrappingTextBoxFlag xmlns:ma14="http://schemas.microsoft.com/office/mac/drawingml/2011/main" xmlns:a14="http://schemas.microsoft.com/office/drawing/2010/main" xmlns:m="http://schemas.openxmlformats.org/officeDocument/2006/math" xmlns="" val="1"/>
+              <ma14:wrappingTextBoxFlag xmlns="" xmlns:m="http://schemas.openxmlformats.org/officeDocument/2006/math" xmlns:a14="http://schemas.microsoft.com/office/drawing/2010/main" xmlns:ma14="http://schemas.microsoft.com/office/mac/drawingml/2011/main" val="1"/>
             </a:ext>
           </a:extLst>
         </p:spPr>
@@ -34903,7 +35428,7 @@
           </a:effectLst>
           <a:extLst>
             <a:ext uri="{C572A759-6A51-4108-AA02-DFA0A04FC94B}">
-              <ma14:wrappingTextBoxFlag xmlns:ma14="http://schemas.microsoft.com/office/mac/drawingml/2011/main" xmlns:a14="http://schemas.microsoft.com/office/drawing/2010/main" xmlns:m="http://schemas.openxmlformats.org/officeDocument/2006/math" xmlns="" val="1"/>
+              <ma14:wrappingTextBoxFlag xmlns="" xmlns:m="http://schemas.openxmlformats.org/officeDocument/2006/math" xmlns:a14="http://schemas.microsoft.com/office/drawing/2010/main" xmlns:ma14="http://schemas.microsoft.com/office/mac/drawingml/2011/main" val="1"/>
             </a:ext>
           </a:extLst>
         </p:spPr>
@@ -34976,7 +35501,7 @@
           </a:effectLst>
           <a:extLst>
             <a:ext uri="{C572A759-6A51-4108-AA02-DFA0A04FC94B}">
-              <ma14:wrappingTextBoxFlag xmlns:ma14="http://schemas.microsoft.com/office/mac/drawingml/2011/main" xmlns:a14="http://schemas.microsoft.com/office/drawing/2010/main" xmlns:m="http://schemas.openxmlformats.org/officeDocument/2006/math" xmlns="" val="1"/>
+              <ma14:wrappingTextBoxFlag xmlns="" xmlns:m="http://schemas.openxmlformats.org/officeDocument/2006/math" xmlns:a14="http://schemas.microsoft.com/office/drawing/2010/main" xmlns:ma14="http://schemas.microsoft.com/office/mac/drawingml/2011/main" val="1"/>
             </a:ext>
           </a:extLst>
         </p:spPr>
@@ -35049,7 +35574,7 @@
           </a:effectLst>
           <a:extLst>
             <a:ext uri="{C572A759-6A51-4108-AA02-DFA0A04FC94B}">
-              <ma14:wrappingTextBoxFlag xmlns:ma14="http://schemas.microsoft.com/office/mac/drawingml/2011/main" xmlns:a14="http://schemas.microsoft.com/office/drawing/2010/main" xmlns:m="http://schemas.openxmlformats.org/officeDocument/2006/math" xmlns="" val="1"/>
+              <ma14:wrappingTextBoxFlag xmlns="" xmlns:m="http://schemas.openxmlformats.org/officeDocument/2006/math" xmlns:a14="http://schemas.microsoft.com/office/drawing/2010/main" xmlns:ma14="http://schemas.microsoft.com/office/mac/drawingml/2011/main" val="1"/>
             </a:ext>
           </a:extLst>
         </p:spPr>
@@ -35122,7 +35647,7 @@
           </a:effectLst>
           <a:extLst>
             <a:ext uri="{C572A759-6A51-4108-AA02-DFA0A04FC94B}">
-              <ma14:wrappingTextBoxFlag xmlns:ma14="http://schemas.microsoft.com/office/mac/drawingml/2011/main" xmlns:a14="http://schemas.microsoft.com/office/drawing/2010/main" xmlns:m="http://schemas.openxmlformats.org/officeDocument/2006/math" xmlns="" val="1"/>
+              <ma14:wrappingTextBoxFlag xmlns="" xmlns:m="http://schemas.openxmlformats.org/officeDocument/2006/math" xmlns:a14="http://schemas.microsoft.com/office/drawing/2010/main" xmlns:ma14="http://schemas.microsoft.com/office/mac/drawingml/2011/main" val="1"/>
             </a:ext>
           </a:extLst>
         </p:spPr>
@@ -35195,7 +35720,7 @@
           </a:effectLst>
           <a:extLst>
             <a:ext uri="{C572A759-6A51-4108-AA02-DFA0A04FC94B}">
-              <ma14:wrappingTextBoxFlag xmlns:ma14="http://schemas.microsoft.com/office/mac/drawingml/2011/main" xmlns:a14="http://schemas.microsoft.com/office/drawing/2010/main" xmlns:m="http://schemas.openxmlformats.org/officeDocument/2006/math" xmlns="" val="1"/>
+              <ma14:wrappingTextBoxFlag xmlns="" xmlns:m="http://schemas.openxmlformats.org/officeDocument/2006/math" xmlns:a14="http://schemas.microsoft.com/office/drawing/2010/main" xmlns:ma14="http://schemas.microsoft.com/office/mac/drawingml/2011/main" val="1"/>
             </a:ext>
           </a:extLst>
         </p:spPr>
@@ -35601,7 +36126,7 @@
           </a:effectLst>
           <a:extLst>
             <a:ext uri="{C572A759-6A51-4108-AA02-DFA0A04FC94B}">
-              <ma14:wrappingTextBoxFlag xmlns:ma14="http://schemas.microsoft.com/office/mac/drawingml/2011/main" xmlns:a14="http://schemas.microsoft.com/office/drawing/2010/main" xmlns:m="http://schemas.openxmlformats.org/officeDocument/2006/math" xmlns="" val="1"/>
+              <ma14:wrappingTextBoxFlag xmlns="" xmlns:m="http://schemas.openxmlformats.org/officeDocument/2006/math" xmlns:a14="http://schemas.microsoft.com/office/drawing/2010/main" xmlns:ma14="http://schemas.microsoft.com/office/mac/drawingml/2011/main" val="1"/>
             </a:ext>
           </a:extLst>
         </p:spPr>
@@ -36318,7 +36843,7 @@
             <a:effectLst/>
             <a:extLst>
               <a:ext uri="{C572A759-6A51-4108-AA02-DFA0A04FC94B}">
-                <ma14:wrappingTextBoxFlag xmlns:ma14="http://schemas.microsoft.com/office/mac/drawingml/2011/main" xmlns:a14="http://schemas.microsoft.com/office/drawing/2010/main" xmlns:m="http://schemas.openxmlformats.org/officeDocument/2006/math" xmlns="" val="1"/>
+                <ma14:wrappingTextBoxFlag xmlns="" xmlns:m="http://schemas.openxmlformats.org/officeDocument/2006/math" xmlns:a14="http://schemas.microsoft.com/office/drawing/2010/main" xmlns:ma14="http://schemas.microsoft.com/office/mac/drawingml/2011/main" val="1"/>
               </a:ext>
             </a:extLst>
           </p:spPr>
@@ -36443,7 +36968,7 @@
             <a:effectLst/>
             <a:extLst>
               <a:ext uri="{C572A759-6A51-4108-AA02-DFA0A04FC94B}">
-                <ma14:wrappingTextBoxFlag xmlns:ma14="http://schemas.microsoft.com/office/mac/drawingml/2011/main" xmlns:a14="http://schemas.microsoft.com/office/drawing/2010/main" xmlns:m="http://schemas.openxmlformats.org/officeDocument/2006/math" xmlns="" val="1"/>
+                <ma14:wrappingTextBoxFlag xmlns="" xmlns:m="http://schemas.openxmlformats.org/officeDocument/2006/math" xmlns:a14="http://schemas.microsoft.com/office/drawing/2010/main" xmlns:ma14="http://schemas.microsoft.com/office/mac/drawingml/2011/main" val="1"/>
               </a:ext>
             </a:extLst>
           </p:spPr>
@@ -36568,7 +37093,7 @@
             <a:effectLst/>
             <a:extLst>
               <a:ext uri="{C572A759-6A51-4108-AA02-DFA0A04FC94B}">
-                <ma14:wrappingTextBoxFlag xmlns:ma14="http://schemas.microsoft.com/office/mac/drawingml/2011/main" xmlns:a14="http://schemas.microsoft.com/office/drawing/2010/main" xmlns:m="http://schemas.openxmlformats.org/officeDocument/2006/math" xmlns="" val="1"/>
+                <ma14:wrappingTextBoxFlag xmlns="" xmlns:m="http://schemas.openxmlformats.org/officeDocument/2006/math" xmlns:a14="http://schemas.microsoft.com/office/drawing/2010/main" xmlns:ma14="http://schemas.microsoft.com/office/mac/drawingml/2011/main" val="1"/>
               </a:ext>
             </a:extLst>
           </p:spPr>
@@ -36693,7 +37218,7 @@
             <a:effectLst/>
             <a:extLst>
               <a:ext uri="{C572A759-6A51-4108-AA02-DFA0A04FC94B}">
-                <ma14:wrappingTextBoxFlag xmlns:ma14="http://schemas.microsoft.com/office/mac/drawingml/2011/main" xmlns:a14="http://schemas.microsoft.com/office/drawing/2010/main" xmlns:m="http://schemas.openxmlformats.org/officeDocument/2006/math" xmlns="" val="1"/>
+                <ma14:wrappingTextBoxFlag xmlns="" xmlns:m="http://schemas.openxmlformats.org/officeDocument/2006/math" xmlns:a14="http://schemas.microsoft.com/office/drawing/2010/main" xmlns:ma14="http://schemas.microsoft.com/office/mac/drawingml/2011/main" val="1"/>
               </a:ext>
             </a:extLst>
           </p:spPr>
@@ -36818,7 +37343,7 @@
             <a:effectLst/>
             <a:extLst>
               <a:ext uri="{C572A759-6A51-4108-AA02-DFA0A04FC94B}">
-                <ma14:wrappingTextBoxFlag xmlns:ma14="http://schemas.microsoft.com/office/mac/drawingml/2011/main" xmlns:a14="http://schemas.microsoft.com/office/drawing/2010/main" xmlns:m="http://schemas.openxmlformats.org/officeDocument/2006/math" xmlns="" val="1"/>
+                <ma14:wrappingTextBoxFlag xmlns="" xmlns:m="http://schemas.openxmlformats.org/officeDocument/2006/math" xmlns:a14="http://schemas.microsoft.com/office/drawing/2010/main" xmlns:ma14="http://schemas.microsoft.com/office/mac/drawingml/2011/main" val="1"/>
               </a:ext>
             </a:extLst>
           </p:spPr>
@@ -36943,7 +37468,7 @@
             <a:effectLst/>
             <a:extLst>
               <a:ext uri="{C572A759-6A51-4108-AA02-DFA0A04FC94B}">
-                <ma14:wrappingTextBoxFlag xmlns:ma14="http://schemas.microsoft.com/office/mac/drawingml/2011/main" xmlns:a14="http://schemas.microsoft.com/office/drawing/2010/main" xmlns:m="http://schemas.openxmlformats.org/officeDocument/2006/math" xmlns="" val="1"/>
+                <ma14:wrappingTextBoxFlag xmlns="" xmlns:m="http://schemas.openxmlformats.org/officeDocument/2006/math" xmlns:a14="http://schemas.microsoft.com/office/drawing/2010/main" xmlns:ma14="http://schemas.microsoft.com/office/mac/drawingml/2011/main" val="1"/>
               </a:ext>
             </a:extLst>
           </p:spPr>
@@ -37068,7 +37593,7 @@
             <a:effectLst/>
             <a:extLst>
               <a:ext uri="{C572A759-6A51-4108-AA02-DFA0A04FC94B}">
-                <ma14:wrappingTextBoxFlag xmlns:ma14="http://schemas.microsoft.com/office/mac/drawingml/2011/main" xmlns:a14="http://schemas.microsoft.com/office/drawing/2010/main" xmlns:m="http://schemas.openxmlformats.org/officeDocument/2006/math" xmlns="" val="1"/>
+                <ma14:wrappingTextBoxFlag xmlns="" xmlns:m="http://schemas.openxmlformats.org/officeDocument/2006/math" xmlns:a14="http://schemas.microsoft.com/office/drawing/2010/main" xmlns:ma14="http://schemas.microsoft.com/office/mac/drawingml/2011/main" val="1"/>
               </a:ext>
             </a:extLst>
           </p:spPr>
@@ -37121,7 +37646,7 @@
           </a:prstGeom>
           <a:extLst>
             <a:ext uri="{C572A759-6A51-4108-AA02-DFA0A04FC94B}">
-              <ma14:wrappingTextBoxFlag xmlns:ma14="http://schemas.microsoft.com/office/mac/drawingml/2011/main" xmlns:a14="http://schemas.microsoft.com/office/drawing/2010/main" xmlns:m="http://schemas.openxmlformats.org/officeDocument/2006/math" xmlns="" val="1"/>
+              <ma14:wrappingTextBoxFlag xmlns="" xmlns:m="http://schemas.openxmlformats.org/officeDocument/2006/math" xmlns:a14="http://schemas.microsoft.com/office/drawing/2010/main" xmlns:ma14="http://schemas.microsoft.com/office/mac/drawingml/2011/main" val="1"/>
             </a:ext>
           </a:extLst>
         </p:spPr>
@@ -38698,7 +39223,7 @@
           </a:effectLst>
           <a:extLst>
             <a:ext uri="{C572A759-6A51-4108-AA02-DFA0A04FC94B}">
-              <ma14:wrappingTextBoxFlag xmlns:ma14="http://schemas.microsoft.com/office/mac/drawingml/2011/main" xmlns:a14="http://schemas.microsoft.com/office/drawing/2010/main" xmlns:m="http://schemas.openxmlformats.org/officeDocument/2006/math" xmlns="" val="1"/>
+              <ma14:wrappingTextBoxFlag xmlns="" xmlns:m="http://schemas.openxmlformats.org/officeDocument/2006/math" xmlns:a14="http://schemas.microsoft.com/office/drawing/2010/main" xmlns:ma14="http://schemas.microsoft.com/office/mac/drawingml/2011/main" val="1"/>
             </a:ext>
           </a:extLst>
         </p:spPr>
@@ -38771,7 +39296,7 @@
           </a:effectLst>
           <a:extLst>
             <a:ext uri="{C572A759-6A51-4108-AA02-DFA0A04FC94B}">
-              <ma14:wrappingTextBoxFlag xmlns:ma14="http://schemas.microsoft.com/office/mac/drawingml/2011/main" xmlns:a14="http://schemas.microsoft.com/office/drawing/2010/main" xmlns:m="http://schemas.openxmlformats.org/officeDocument/2006/math" xmlns="" val="1"/>
+              <ma14:wrappingTextBoxFlag xmlns="" xmlns:m="http://schemas.openxmlformats.org/officeDocument/2006/math" xmlns:a14="http://schemas.microsoft.com/office/drawing/2010/main" xmlns:ma14="http://schemas.microsoft.com/office/mac/drawingml/2011/main" val="1"/>
             </a:ext>
           </a:extLst>
         </p:spPr>
@@ -38844,7 +39369,7 @@
           </a:effectLst>
           <a:extLst>
             <a:ext uri="{C572A759-6A51-4108-AA02-DFA0A04FC94B}">
-              <ma14:wrappingTextBoxFlag xmlns:ma14="http://schemas.microsoft.com/office/mac/drawingml/2011/main" xmlns:a14="http://schemas.microsoft.com/office/drawing/2010/main" xmlns:m="http://schemas.openxmlformats.org/officeDocument/2006/math" xmlns="" val="1"/>
+              <ma14:wrappingTextBoxFlag xmlns="" xmlns:m="http://schemas.openxmlformats.org/officeDocument/2006/math" xmlns:a14="http://schemas.microsoft.com/office/drawing/2010/main" xmlns:ma14="http://schemas.microsoft.com/office/mac/drawingml/2011/main" val="1"/>
             </a:ext>
           </a:extLst>
         </p:spPr>
@@ -38917,7 +39442,7 @@
           </a:effectLst>
           <a:extLst>
             <a:ext uri="{C572A759-6A51-4108-AA02-DFA0A04FC94B}">
-              <ma14:wrappingTextBoxFlag xmlns:ma14="http://schemas.microsoft.com/office/mac/drawingml/2011/main" xmlns:a14="http://schemas.microsoft.com/office/drawing/2010/main" xmlns:m="http://schemas.openxmlformats.org/officeDocument/2006/math" xmlns="" val="1"/>
+              <ma14:wrappingTextBoxFlag xmlns="" xmlns:m="http://schemas.openxmlformats.org/officeDocument/2006/math" xmlns:a14="http://schemas.microsoft.com/office/drawing/2010/main" xmlns:ma14="http://schemas.microsoft.com/office/mac/drawingml/2011/main" val="1"/>
             </a:ext>
           </a:extLst>
         </p:spPr>
@@ -38990,7 +39515,7 @@
           </a:effectLst>
           <a:extLst>
             <a:ext uri="{C572A759-6A51-4108-AA02-DFA0A04FC94B}">
-              <ma14:wrappingTextBoxFlag xmlns:ma14="http://schemas.microsoft.com/office/mac/drawingml/2011/main" xmlns:a14="http://schemas.microsoft.com/office/drawing/2010/main" xmlns:m="http://schemas.openxmlformats.org/officeDocument/2006/math" xmlns="" val="1"/>
+              <ma14:wrappingTextBoxFlag xmlns="" xmlns:m="http://schemas.openxmlformats.org/officeDocument/2006/math" xmlns:a14="http://schemas.microsoft.com/office/drawing/2010/main" xmlns:ma14="http://schemas.microsoft.com/office/mac/drawingml/2011/main" val="1"/>
             </a:ext>
           </a:extLst>
         </p:spPr>
@@ -39063,7 +39588,7 @@
           </a:effectLst>
           <a:extLst>
             <a:ext uri="{C572A759-6A51-4108-AA02-DFA0A04FC94B}">
-              <ma14:wrappingTextBoxFlag xmlns:ma14="http://schemas.microsoft.com/office/mac/drawingml/2011/main" xmlns:a14="http://schemas.microsoft.com/office/drawing/2010/main" xmlns:m="http://schemas.openxmlformats.org/officeDocument/2006/math" xmlns="" val="1"/>
+              <ma14:wrappingTextBoxFlag xmlns="" xmlns:m="http://schemas.openxmlformats.org/officeDocument/2006/math" xmlns:a14="http://schemas.microsoft.com/office/drawing/2010/main" xmlns:ma14="http://schemas.microsoft.com/office/mac/drawingml/2011/main" val="1"/>
             </a:ext>
           </a:extLst>
         </p:spPr>
@@ -39136,7 +39661,7 @@
           </a:effectLst>
           <a:extLst>
             <a:ext uri="{C572A759-6A51-4108-AA02-DFA0A04FC94B}">
-              <ma14:wrappingTextBoxFlag xmlns:ma14="http://schemas.microsoft.com/office/mac/drawingml/2011/main" xmlns:a14="http://schemas.microsoft.com/office/drawing/2010/main" xmlns:m="http://schemas.openxmlformats.org/officeDocument/2006/math" xmlns="" val="1"/>
+              <ma14:wrappingTextBoxFlag xmlns="" xmlns:m="http://schemas.openxmlformats.org/officeDocument/2006/math" xmlns:a14="http://schemas.microsoft.com/office/drawing/2010/main" xmlns:ma14="http://schemas.microsoft.com/office/mac/drawingml/2011/main" val="1"/>
             </a:ext>
           </a:extLst>
         </p:spPr>
@@ -39209,7 +39734,7 @@
           </a:effectLst>
           <a:extLst>
             <a:ext uri="{C572A759-6A51-4108-AA02-DFA0A04FC94B}">
-              <ma14:wrappingTextBoxFlag xmlns:ma14="http://schemas.microsoft.com/office/mac/drawingml/2011/main" xmlns:a14="http://schemas.microsoft.com/office/drawing/2010/main" xmlns:m="http://schemas.openxmlformats.org/officeDocument/2006/math" xmlns="" val="1"/>
+              <ma14:wrappingTextBoxFlag xmlns="" xmlns:m="http://schemas.openxmlformats.org/officeDocument/2006/math" xmlns:a14="http://schemas.microsoft.com/office/drawing/2010/main" xmlns:ma14="http://schemas.microsoft.com/office/mac/drawingml/2011/main" val="1"/>
             </a:ext>
           </a:extLst>
         </p:spPr>
@@ -39282,7 +39807,7 @@
           </a:effectLst>
           <a:extLst>
             <a:ext uri="{C572A759-6A51-4108-AA02-DFA0A04FC94B}">
-              <ma14:wrappingTextBoxFlag xmlns:ma14="http://schemas.microsoft.com/office/mac/drawingml/2011/main" xmlns:a14="http://schemas.microsoft.com/office/drawing/2010/main" xmlns:m="http://schemas.openxmlformats.org/officeDocument/2006/math" xmlns="" val="1"/>
+              <ma14:wrappingTextBoxFlag xmlns="" xmlns:m="http://schemas.openxmlformats.org/officeDocument/2006/math" xmlns:a14="http://schemas.microsoft.com/office/drawing/2010/main" xmlns:ma14="http://schemas.microsoft.com/office/mac/drawingml/2011/main" val="1"/>
             </a:ext>
           </a:extLst>
         </p:spPr>
@@ -39355,7 +39880,7 @@
           </a:effectLst>
           <a:extLst>
             <a:ext uri="{C572A759-6A51-4108-AA02-DFA0A04FC94B}">
-              <ma14:wrappingTextBoxFlag xmlns:ma14="http://schemas.microsoft.com/office/mac/drawingml/2011/main" xmlns:a14="http://schemas.microsoft.com/office/drawing/2010/main" xmlns:m="http://schemas.openxmlformats.org/officeDocument/2006/math" xmlns="" val="1"/>
+              <ma14:wrappingTextBoxFlag xmlns="" xmlns:m="http://schemas.openxmlformats.org/officeDocument/2006/math" xmlns:a14="http://schemas.microsoft.com/office/drawing/2010/main" xmlns:ma14="http://schemas.microsoft.com/office/mac/drawingml/2011/main" val="1"/>
             </a:ext>
           </a:extLst>
         </p:spPr>
@@ -39428,7 +39953,7 @@
           </a:effectLst>
           <a:extLst>
             <a:ext uri="{C572A759-6A51-4108-AA02-DFA0A04FC94B}">
-              <ma14:wrappingTextBoxFlag xmlns:ma14="http://schemas.microsoft.com/office/mac/drawingml/2011/main" xmlns:a14="http://schemas.microsoft.com/office/drawing/2010/main" xmlns:m="http://schemas.openxmlformats.org/officeDocument/2006/math" xmlns="" val="1"/>
+              <ma14:wrappingTextBoxFlag xmlns="" xmlns:m="http://schemas.openxmlformats.org/officeDocument/2006/math" xmlns:a14="http://schemas.microsoft.com/office/drawing/2010/main" xmlns:ma14="http://schemas.microsoft.com/office/mac/drawingml/2011/main" val="1"/>
             </a:ext>
           </a:extLst>
         </p:spPr>
@@ -39736,7 +40261,7 @@
           </a:effectLst>
           <a:extLst>
             <a:ext uri="{C572A759-6A51-4108-AA02-DFA0A04FC94B}">
-              <ma14:wrappingTextBoxFlag xmlns:ma14="http://schemas.microsoft.com/office/mac/drawingml/2011/main" xmlns:a14="http://schemas.microsoft.com/office/drawing/2010/main" xmlns:m="http://schemas.openxmlformats.org/officeDocument/2006/math" xmlns="" val="1"/>
+              <ma14:wrappingTextBoxFlag xmlns="" xmlns:m="http://schemas.openxmlformats.org/officeDocument/2006/math" xmlns:a14="http://schemas.microsoft.com/office/drawing/2010/main" xmlns:ma14="http://schemas.microsoft.com/office/mac/drawingml/2011/main" val="1"/>
             </a:ext>
           </a:extLst>
         </p:spPr>
@@ -40453,7 +40978,7 @@
             <a:effectLst/>
             <a:extLst>
               <a:ext uri="{C572A759-6A51-4108-AA02-DFA0A04FC94B}">
-                <ma14:wrappingTextBoxFlag xmlns:ma14="http://schemas.microsoft.com/office/mac/drawingml/2011/main" xmlns:a14="http://schemas.microsoft.com/office/drawing/2010/main" xmlns:m="http://schemas.openxmlformats.org/officeDocument/2006/math" xmlns="" val="1"/>
+                <ma14:wrappingTextBoxFlag xmlns="" xmlns:m="http://schemas.openxmlformats.org/officeDocument/2006/math" xmlns:a14="http://schemas.microsoft.com/office/drawing/2010/main" xmlns:ma14="http://schemas.microsoft.com/office/mac/drawingml/2011/main" val="1"/>
               </a:ext>
             </a:extLst>
           </p:spPr>
@@ -40578,7 +41103,7 @@
             <a:effectLst/>
             <a:extLst>
               <a:ext uri="{C572A759-6A51-4108-AA02-DFA0A04FC94B}">
-                <ma14:wrappingTextBoxFlag xmlns:ma14="http://schemas.microsoft.com/office/mac/drawingml/2011/main" xmlns:a14="http://schemas.microsoft.com/office/drawing/2010/main" xmlns:m="http://schemas.openxmlformats.org/officeDocument/2006/math" xmlns="" val="1"/>
+                <ma14:wrappingTextBoxFlag xmlns="" xmlns:m="http://schemas.openxmlformats.org/officeDocument/2006/math" xmlns:a14="http://schemas.microsoft.com/office/drawing/2010/main" xmlns:ma14="http://schemas.microsoft.com/office/mac/drawingml/2011/main" val="1"/>
               </a:ext>
             </a:extLst>
           </p:spPr>
@@ -40703,7 +41228,7 @@
             <a:effectLst/>
             <a:extLst>
               <a:ext uri="{C572A759-6A51-4108-AA02-DFA0A04FC94B}">
-                <ma14:wrappingTextBoxFlag xmlns:ma14="http://schemas.microsoft.com/office/mac/drawingml/2011/main" xmlns:a14="http://schemas.microsoft.com/office/drawing/2010/main" xmlns:m="http://schemas.openxmlformats.org/officeDocument/2006/math" xmlns="" val="1"/>
+                <ma14:wrappingTextBoxFlag xmlns="" xmlns:m="http://schemas.openxmlformats.org/officeDocument/2006/math" xmlns:a14="http://schemas.microsoft.com/office/drawing/2010/main" xmlns:ma14="http://schemas.microsoft.com/office/mac/drawingml/2011/main" val="1"/>
               </a:ext>
             </a:extLst>
           </p:spPr>
@@ -40828,7 +41353,7 @@
             <a:effectLst/>
             <a:extLst>
               <a:ext uri="{C572A759-6A51-4108-AA02-DFA0A04FC94B}">
-                <ma14:wrappingTextBoxFlag xmlns:ma14="http://schemas.microsoft.com/office/mac/drawingml/2011/main" xmlns:a14="http://schemas.microsoft.com/office/drawing/2010/main" xmlns:m="http://schemas.openxmlformats.org/officeDocument/2006/math" xmlns="" val="1"/>
+                <ma14:wrappingTextBoxFlag xmlns="" xmlns:m="http://schemas.openxmlformats.org/officeDocument/2006/math" xmlns:a14="http://schemas.microsoft.com/office/drawing/2010/main" xmlns:ma14="http://schemas.microsoft.com/office/mac/drawingml/2011/main" val="1"/>
               </a:ext>
             </a:extLst>
           </p:spPr>
@@ -40953,7 +41478,7 @@
             <a:effectLst/>
             <a:extLst>
               <a:ext uri="{C572A759-6A51-4108-AA02-DFA0A04FC94B}">
-                <ma14:wrappingTextBoxFlag xmlns:ma14="http://schemas.microsoft.com/office/mac/drawingml/2011/main" xmlns:a14="http://schemas.microsoft.com/office/drawing/2010/main" xmlns:m="http://schemas.openxmlformats.org/officeDocument/2006/math" xmlns="" val="1"/>
+                <ma14:wrappingTextBoxFlag xmlns="" xmlns:m="http://schemas.openxmlformats.org/officeDocument/2006/math" xmlns:a14="http://schemas.microsoft.com/office/drawing/2010/main" xmlns:ma14="http://schemas.microsoft.com/office/mac/drawingml/2011/main" val="1"/>
               </a:ext>
             </a:extLst>
           </p:spPr>
@@ -41078,7 +41603,7 @@
             <a:effectLst/>
             <a:extLst>
               <a:ext uri="{C572A759-6A51-4108-AA02-DFA0A04FC94B}">
-                <ma14:wrappingTextBoxFlag xmlns:ma14="http://schemas.microsoft.com/office/mac/drawingml/2011/main" xmlns:a14="http://schemas.microsoft.com/office/drawing/2010/main" xmlns:m="http://schemas.openxmlformats.org/officeDocument/2006/math" xmlns="" val="1"/>
+                <ma14:wrappingTextBoxFlag xmlns="" xmlns:m="http://schemas.openxmlformats.org/officeDocument/2006/math" xmlns:a14="http://schemas.microsoft.com/office/drawing/2010/main" xmlns:ma14="http://schemas.microsoft.com/office/mac/drawingml/2011/main" val="1"/>
               </a:ext>
             </a:extLst>
           </p:spPr>
@@ -41203,7 +41728,7 @@
             <a:effectLst/>
             <a:extLst>
               <a:ext uri="{C572A759-6A51-4108-AA02-DFA0A04FC94B}">
-                <ma14:wrappingTextBoxFlag xmlns:ma14="http://schemas.microsoft.com/office/mac/drawingml/2011/main" xmlns:a14="http://schemas.microsoft.com/office/drawing/2010/main" xmlns:m="http://schemas.openxmlformats.org/officeDocument/2006/math" xmlns="" val="1"/>
+                <ma14:wrappingTextBoxFlag xmlns="" xmlns:m="http://schemas.openxmlformats.org/officeDocument/2006/math" xmlns:a14="http://schemas.microsoft.com/office/drawing/2010/main" xmlns:ma14="http://schemas.microsoft.com/office/mac/drawingml/2011/main" val="1"/>
               </a:ext>
             </a:extLst>
           </p:spPr>
@@ -41270,7 +41795,7 @@
           </a:effectLst>
           <a:extLst>
             <a:ext uri="{C572A759-6A51-4108-AA02-DFA0A04FC94B}">
-              <ma14:wrappingTextBoxFlag xmlns:ma14="http://schemas.microsoft.com/office/mac/drawingml/2011/main" xmlns:a14="http://schemas.microsoft.com/office/drawing/2010/main" xmlns:m="http://schemas.openxmlformats.org/officeDocument/2006/math" xmlns="" val="1"/>
+              <ma14:wrappingTextBoxFlag xmlns="" xmlns:m="http://schemas.openxmlformats.org/officeDocument/2006/math" xmlns:a14="http://schemas.microsoft.com/office/drawing/2010/main" xmlns:ma14="http://schemas.microsoft.com/office/mac/drawingml/2011/main" val="1"/>
             </a:ext>
           </a:extLst>
         </p:spPr>
@@ -41411,7 +41936,7 @@
             <a:effectLst/>
             <a:extLst>
               <a:ext uri="{C572A759-6A51-4108-AA02-DFA0A04FC94B}">
-                <ma14:wrappingTextBoxFlag xmlns:ma14="http://schemas.microsoft.com/office/mac/drawingml/2011/main" xmlns:a14="http://schemas.microsoft.com/office/drawing/2010/main" xmlns:m="http://schemas.openxmlformats.org/officeDocument/2006/math" xmlns="" val="1"/>
+                <ma14:wrappingTextBoxFlag xmlns="" xmlns:m="http://schemas.openxmlformats.org/officeDocument/2006/math" xmlns:a14="http://schemas.microsoft.com/office/drawing/2010/main" xmlns:ma14="http://schemas.microsoft.com/office/mac/drawingml/2011/main" val="1"/>
               </a:ext>
             </a:extLst>
           </p:spPr>
@@ -41666,7 +42191,7 @@
           </a:prstGeom>
           <a:extLst>
             <a:ext uri="{C572A759-6A51-4108-AA02-DFA0A04FC94B}">
-              <ma14:wrappingTextBoxFlag xmlns:ma14="http://schemas.microsoft.com/office/mac/drawingml/2011/main" xmlns:a14="http://schemas.microsoft.com/office/drawing/2010/main" xmlns:m="http://schemas.openxmlformats.org/officeDocument/2006/math" xmlns="" val="1"/>
+              <ma14:wrappingTextBoxFlag xmlns="" xmlns:m="http://schemas.openxmlformats.org/officeDocument/2006/math" xmlns:a14="http://schemas.microsoft.com/office/drawing/2010/main" xmlns:ma14="http://schemas.microsoft.com/office/mac/drawingml/2011/main" val="1"/>
             </a:ext>
           </a:extLst>
         </p:spPr>
@@ -44006,7 +44531,7 @@
             <a:effectLst/>
             <a:extLst>
               <a:ext uri="{C572A759-6A51-4108-AA02-DFA0A04FC94B}">
-                <ma14:wrappingTextBoxFlag xmlns="" xmlns:m="http://schemas.openxmlformats.org/officeDocument/2006/math" xmlns:a14="http://schemas.microsoft.com/office/drawing/2010/main" xmlns:ma14="http://schemas.microsoft.com/office/mac/drawingml/2011/main" val="1"/>
+                <ma14:wrappingTextBoxFlag xmlns:ma14="http://schemas.microsoft.com/office/mac/drawingml/2011/main" xmlns:a14="http://schemas.microsoft.com/office/drawing/2010/main" xmlns:m="http://schemas.openxmlformats.org/officeDocument/2006/math" xmlns="" val="1"/>
               </a:ext>
             </a:extLst>
           </p:spPr>

--- a/Slides/Lesson 5.2 Evaluating Tests.pptx
+++ b/Slides/Lesson 5.2 Evaluating Tests.pptx
@@ -2411,7 +2411,7 @@
           <a:p>
             <a:fld id="{7C7E5181-6CF5-45F7-A87A-E0E0B1FD7549}" type="datetimeFigureOut">
               <a:rPr lang="en-US" smtClean="0"/>
-              <a:t>2/14/2022</a:t>
+              <a:t>2/16/2022</a:t>
             </a:fld>
             <a:endParaRPr lang="en-US"/>
           </a:p>
@@ -3403,7 +3403,7 @@
             </a:pPr>
             <a:r>
               <a:rPr lang="en-US" dirty="0"/>
-              <a:t>&lt;read slide&gt;</a:t>
+              <a:t>When you talk about code coverage, there are a lot of different kinds of coverages that we often talk about. The list is long but here are few important ones.</a:t>
             </a:r>
           </a:p>
           <a:p>
@@ -3411,7 +3411,10 @@
               <a:buFont typeface="Arial" panose="020B0604020202020204" pitchFamily="34" charset="0"/>
               <a:buNone/>
             </a:pPr>
-            <a:endParaRPr lang="en-US" dirty="0"/>
+            <a:r>
+              <a:rPr lang="en-US" dirty="0"/>
+              <a:t>&lt;read slide&gt;</a:t>
+            </a:r>
           </a:p>
         </p:txBody>
       </p:sp>
@@ -3774,8 +3777,22 @@
               </a:defRPr>
             </a:pPr>
             <a:r>
-              <a:t>Let’s apply this to the cgi_decode example</a:t>
-            </a:r>
+              <a:rPr dirty="0"/>
+              <a:t>Let’s apply this to the </a:t>
+            </a:r>
+            <a:r>
+              <a:rPr dirty="0" err="1"/>
+              <a:t>cgi_decode</a:t>
+            </a:r>
+            <a:r>
+              <a:rPr dirty="0"/>
+              <a:t> example</a:t>
+            </a:r>
+            <a:r>
+              <a:rPr lang="en-US" dirty="0"/>
+              <a:t>. Here block is code is highlighted in a rectangle (or a node in a tree) and then paths are liked edges of the tree</a:t>
+            </a:r>
+            <a:endParaRPr dirty="0"/>
           </a:p>
           <a:p>
             <a:pPr marL="228600" indent="-228600">
@@ -3792,6 +3809,7 @@
               </a:defRPr>
             </a:pPr>
             <a:r>
+              <a:rPr dirty="0"/>
               <a:t>The initial coverage is 7/11 blocks = 63%.  </a:t>
             </a:r>
           </a:p>
@@ -3810,6 +3828,7 @@
               </a:defRPr>
             </a:pPr>
             <a:r>
+              <a:rPr dirty="0"/>
               <a:t>(We could also count the statements instead (here: 14/20 = 70%), but conceptually, this makes no difference)</a:t>
             </a:r>
           </a:p>
@@ -4846,7 +4865,96 @@
             </a:pPr>
             <a:r>
               <a:rPr lang="en-US" dirty="0"/>
+              <a:t>Discuss: How do you path independent paths of the graph?</a:t>
+            </a:r>
+          </a:p>
+          <a:p>
+            <a:pPr marL="0" marR="0" lvl="0" indent="0" algn="l" defTabSz="914400" rtl="0" eaLnBrk="1" fontAlgn="auto" latinLnBrk="0" hangingPunct="1">
+              <a:lnSpc>
+                <a:spcPct val="100000"/>
+              </a:lnSpc>
+              <a:spcBef>
+                <a:spcPts val="0"/>
+              </a:spcBef>
+              <a:spcAft>
+                <a:spcPts val="0"/>
+              </a:spcAft>
+              <a:buClrTx/>
+              <a:buSzTx/>
+              <a:buFontTx/>
+              <a:buNone/>
+              <a:tabLst/>
+              <a:defRPr/>
+            </a:pPr>
+            <a:r>
+              <a:rPr lang="en-US" dirty="0"/>
               <a:t>Cyclomatic Complexity can be used to limit the number of paths to cover. It measures the number of linearly-independent paths.</a:t>
+            </a:r>
+          </a:p>
+          <a:p>
+            <a:pPr marL="0" marR="0" lvl="0" indent="0" algn="l" defTabSz="914400" rtl="0" eaLnBrk="1" fontAlgn="auto" latinLnBrk="0" hangingPunct="1">
+              <a:lnSpc>
+                <a:spcPct val="100000"/>
+              </a:lnSpc>
+              <a:spcBef>
+                <a:spcPts val="0"/>
+              </a:spcBef>
+              <a:spcAft>
+                <a:spcPts val="0"/>
+              </a:spcAft>
+              <a:buClrTx/>
+              <a:buSzTx/>
+              <a:buFontTx/>
+              <a:buNone/>
+              <a:tabLst/>
+              <a:defRPr/>
+            </a:pPr>
+            <a:endParaRPr lang="en-US" dirty="0"/>
+          </a:p>
+          <a:p>
+            <a:pPr marL="0" marR="0" lvl="0" indent="0" algn="l" defTabSz="914400" rtl="0" eaLnBrk="1" fontAlgn="auto" latinLnBrk="0" hangingPunct="1">
+              <a:lnSpc>
+                <a:spcPct val="100000"/>
+              </a:lnSpc>
+              <a:spcBef>
+                <a:spcPts val="0"/>
+              </a:spcBef>
+              <a:spcAft>
+                <a:spcPts val="0"/>
+              </a:spcAft>
+              <a:buClrTx/>
+              <a:buSzTx/>
+              <a:buFontTx/>
+              <a:buNone/>
+              <a:tabLst/>
+              <a:defRPr/>
+            </a:pPr>
+            <a:r>
+              <a:rPr lang="en-US" dirty="0"/>
+              <a:t>Discuss: How would you test the code with loops in it?</a:t>
+            </a:r>
+          </a:p>
+          <a:p>
+            <a:pPr marL="0" marR="0" lvl="0" indent="0" algn="l" defTabSz="914400" rtl="0" eaLnBrk="1" fontAlgn="auto" latinLnBrk="0" hangingPunct="1">
+              <a:lnSpc>
+                <a:spcPct val="100000"/>
+              </a:lnSpc>
+              <a:spcBef>
+                <a:spcPts val="0"/>
+              </a:spcBef>
+              <a:spcAft>
+                <a:spcPts val="0"/>
+              </a:spcAft>
+              <a:buClrTx/>
+              <a:buSzTx/>
+              <a:buFontTx/>
+              <a:buNone/>
+              <a:tabLst/>
+              <a:defRPr/>
+            </a:pPr>
+            <a:r>
+              <a:rPr lang="en-US" dirty="0"/>
+              <a:t>We typically test by running the loops, 0, 1, 2, n-1, n and n+1 times. </a:t>
             </a:r>
           </a:p>
           <a:p>
@@ -5113,6 +5221,12 @@
               <a:t>&lt;read slide&gt;</a:t>
             </a:r>
           </a:p>
+          <a:p>
+            <a:r>
+              <a:rPr lang="en-US" dirty="0"/>
+              <a:t>Encourage students to explore the link and see what else is out there</a:t>
+            </a:r>
+          </a:p>
         </p:txBody>
       </p:sp>
       <p:sp>
@@ -5200,6 +5314,32 @@
               <a:t>&lt;read slide&gt;</a:t>
             </a:r>
           </a:p>
+          <a:p>
+            <a:pPr marL="0" marR="0" lvl="0" indent="0" algn="l" defTabSz="914400" rtl="0" eaLnBrk="1" fontAlgn="auto" latinLnBrk="0" hangingPunct="1">
+              <a:lnSpc>
+                <a:spcPct val="100000"/>
+              </a:lnSpc>
+              <a:spcBef>
+                <a:spcPts val="0"/>
+              </a:spcBef>
+              <a:spcAft>
+                <a:spcPts val="0"/>
+              </a:spcAft>
+              <a:buClrTx/>
+              <a:buSzTx/>
+              <a:buFontTx/>
+              <a:buNone/>
+              <a:tabLst/>
+              <a:defRPr/>
+            </a:pPr>
+            <a:r>
+              <a:rPr lang="en-US" dirty="0"/>
+              <a:t>Discuss: Are there any other qualities for a “good” test?</a:t>
+            </a:r>
+          </a:p>
+          <a:p>
+            <a:endParaRPr lang="en-US" dirty="0"/>
+          </a:p>
         </p:txBody>
       </p:sp>
       <p:sp>
@@ -5287,6 +5427,35 @@
               <a:t>&lt;read slide&gt;</a:t>
             </a:r>
           </a:p>
+          <a:p>
+            <a:r>
+              <a:rPr lang="en-US" dirty="0"/>
+              <a:t>An interface should theoretically provide a clear separation between consumers of a system and its implementers. In practice, this theory breaks down as the use of a system grows and its users start to rely upon implementation details intentionally exposed through the interface, or which they divine through regular use. </a:t>
+            </a:r>
+            <a:r>
+              <a:rPr lang="en-US" dirty="0" err="1"/>
+              <a:t>Spolsky’s</a:t>
+            </a:r>
+            <a:r>
+              <a:rPr lang="en-US" dirty="0"/>
+              <a:t> “Law of Leaky Abstractions” embodies consumers’ reliance upon internal implementation details.</a:t>
+            </a:r>
+          </a:p>
+          <a:p>
+            <a:endParaRPr lang="en-US" dirty="0"/>
+          </a:p>
+          <a:p>
+            <a:r>
+              <a:rPr lang="en-US" dirty="0"/>
+              <a:t>Hyrum law basically says that, if an interface has enough consumers, they will collectively depend on every aspect of the implementation, intentionally or not. This effect serves to constrain changes to the implementation, which must now conform to both the explicitly documented interface, as well as the implicit interface captured by usage. We often refer to this phenomenon as "bug-for-bug compatibility.“</a:t>
+            </a:r>
+          </a:p>
+          <a:p>
+            <a:r>
+              <a:rPr lang="en-US" dirty="0"/>
+              <a:t>https://www.hyrumslaw.com/</a:t>
+            </a:r>
+          </a:p>
         </p:txBody>
       </p:sp>
       <p:sp>
@@ -5754,6 +5923,32 @@
               <a:t>&lt;read slide&gt;</a:t>
             </a:r>
           </a:p>
+          <a:p>
+            <a:pPr marL="0" marR="0" lvl="0" indent="0" algn="l" defTabSz="914400" rtl="0" eaLnBrk="1" fontAlgn="auto" latinLnBrk="0" hangingPunct="1">
+              <a:lnSpc>
+                <a:spcPct val="100000"/>
+              </a:lnSpc>
+              <a:spcBef>
+                <a:spcPts val="0"/>
+              </a:spcBef>
+              <a:spcAft>
+                <a:spcPts val="0"/>
+              </a:spcAft>
+              <a:buClrTx/>
+              <a:buSzTx/>
+              <a:buFontTx/>
+              <a:buNone/>
+              <a:tabLst/>
+              <a:defRPr/>
+            </a:pPr>
+            <a:r>
+              <a:rPr lang="en-US" dirty="0"/>
+              <a:t>Discuss: Are there any other qualities for a “bad” test? Yes, talk about test smells!</a:t>
+            </a:r>
+          </a:p>
+          <a:p>
+            <a:endParaRPr lang="en-US" dirty="0"/>
+          </a:p>
         </p:txBody>
       </p:sp>
       <p:sp>
@@ -5841,6 +6036,21 @@
               <a:t>If it fails, what does it say about the code?</a:t>
             </a:r>
           </a:p>
+          <a:p>
+            <a:r>
+              <a:rPr lang="en-US" dirty="0"/>
+              <a:t>Discuss: What else is wrong: can’t understand what the test means if it fails, unclear description – Mystery test</a:t>
+            </a:r>
+          </a:p>
+          <a:p>
+            <a:r>
+              <a:rPr lang="en-US" dirty="0"/>
+              <a:t>A test can be bad in many ways, at the same time.</a:t>
+            </a:r>
+          </a:p>
+          <a:p>
+            <a:endParaRPr lang="en-US" dirty="0"/>
+          </a:p>
         </p:txBody>
       </p:sp>
       <p:sp>
@@ -5928,6 +6138,32 @@
               <a:t>&lt;read slide&gt;</a:t>
             </a:r>
           </a:p>
+          <a:p>
+            <a:pPr marL="0" marR="0" lvl="0" indent="0" algn="l" defTabSz="914400" rtl="0" eaLnBrk="1" fontAlgn="auto" latinLnBrk="0" hangingPunct="1">
+              <a:lnSpc>
+                <a:spcPct val="100000"/>
+              </a:lnSpc>
+              <a:spcBef>
+                <a:spcPts val="0"/>
+              </a:spcBef>
+              <a:spcAft>
+                <a:spcPts val="0"/>
+              </a:spcAft>
+              <a:buClrTx/>
+              <a:buSzTx/>
+              <a:buFontTx/>
+              <a:buNone/>
+              <a:tabLst/>
+              <a:defRPr/>
+            </a:pPr>
+            <a:r>
+              <a:rPr lang="en-US" dirty="0"/>
+              <a:t>Difficult to understand, unclear, hardcoded</a:t>
+            </a:r>
+          </a:p>
+          <a:p>
+            <a:endParaRPr lang="en-US" dirty="0"/>
+          </a:p>
         </p:txBody>
       </p:sp>
       <p:sp>
@@ -6014,6 +6250,32 @@
               <a:rPr lang="en-US" dirty="0"/>
               <a:t>&lt;read slide&gt;</a:t>
             </a:r>
+          </a:p>
+          <a:p>
+            <a:pPr marL="0" marR="0" lvl="0" indent="0" algn="l" defTabSz="914400" rtl="0" eaLnBrk="1" fontAlgn="auto" latinLnBrk="0" hangingPunct="1">
+              <a:lnSpc>
+                <a:spcPct val="100000"/>
+              </a:lnSpc>
+              <a:spcBef>
+                <a:spcPts val="0"/>
+              </a:spcBef>
+              <a:spcAft>
+                <a:spcPts val="0"/>
+              </a:spcAft>
+              <a:buClrTx/>
+              <a:buSzTx/>
+              <a:buFontTx/>
+              <a:buNone/>
+              <a:tabLst/>
+              <a:defRPr/>
+            </a:pPr>
+            <a:r>
+              <a:rPr lang="en-US" dirty="0"/>
+              <a:t>Your test was written with the knowledge of what was in the tree. If you update the tree with new nodes, your max may not be max any more.</a:t>
+            </a:r>
+          </a:p>
+          <a:p>
+            <a:endParaRPr lang="en-US" dirty="0"/>
           </a:p>
         </p:txBody>
       </p:sp>
@@ -6383,7 +6645,7 @@
           <a:p>
             <a:fld id="{5D2A64DE-480B-420F-9649-4F8E696E08E0}" type="datetime1">
               <a:rPr lang="en-US" smtClean="0"/>
-              <a:t>2/14/2022</a:t>
+              <a:t>2/16/2022</a:t>
             </a:fld>
             <a:endParaRPr lang="en-US"/>
           </a:p>
@@ -6617,7 +6879,7 @@
           <a:p>
             <a:fld id="{0D3616D0-8311-4107-9726-6B805E7D05BA}" type="datetime1">
               <a:rPr lang="en-US" smtClean="0"/>
-              <a:t>2/14/2022</a:t>
+              <a:t>2/16/2022</a:t>
             </a:fld>
             <a:endParaRPr lang="en-US"/>
           </a:p>
@@ -6825,7 +7087,7 @@
           <a:p>
             <a:fld id="{3BC2557A-5C88-417A-A763-5AC779462A5F}" type="datetime1">
               <a:rPr lang="en-US" smtClean="0"/>
-              <a:t>2/14/2022</a:t>
+              <a:t>2/16/2022</a:t>
             </a:fld>
             <a:endParaRPr lang="en-US"/>
           </a:p>
@@ -8511,7 +8773,7 @@
           <a:p>
             <a:fld id="{07C7BFD4-467E-4EDE-93EA-052F5B39A4E5}" type="datetime1">
               <a:rPr lang="en-US" smtClean="0"/>
-              <a:t>2/14/2022</a:t>
+              <a:t>2/16/2022</a:t>
             </a:fld>
             <a:endParaRPr lang="en-US"/>
           </a:p>
@@ -10273,7 +10535,7 @@
           <a:p>
             <a:fld id="{A533CBE2-D5BE-47AC-ADC2-9CDFC1D0CF90}" type="datetime1">
               <a:rPr lang="en-US" smtClean="0"/>
-              <a:t>2/14/2022</a:t>
+              <a:t>2/16/2022</a:t>
             </a:fld>
             <a:endParaRPr lang="en-US"/>
           </a:p>
@@ -10576,7 +10838,7 @@
           <a:p>
             <a:fld id="{39B7EDB1-CE74-4951-85A2-0B01C2128E28}" type="datetime1">
               <a:rPr lang="en-US" smtClean="0"/>
-              <a:t>2/14/2022</a:t>
+              <a:t>2/16/2022</a:t>
             </a:fld>
             <a:endParaRPr lang="en-US"/>
           </a:p>
@@ -11025,7 +11287,7 @@
           <a:p>
             <a:fld id="{2BC7EB92-A5C2-4807-A9DC-9EDE6CBFB241}" type="datetime1">
               <a:rPr lang="en-US" smtClean="0"/>
-              <a:t>2/14/2022</a:t>
+              <a:t>2/16/2022</a:t>
             </a:fld>
             <a:endParaRPr lang="en-US"/>
           </a:p>
@@ -11172,7 +11434,7 @@
           <a:p>
             <a:fld id="{109E55A0-C911-4F03-82FC-7E5926047D46}" type="datetime1">
               <a:rPr lang="en-US" smtClean="0"/>
-              <a:t>2/14/2022</a:t>
+              <a:t>2/16/2022</a:t>
             </a:fld>
             <a:endParaRPr lang="en-US"/>
           </a:p>
@@ -11321,7 +11583,7 @@
           <a:p>
             <a:fld id="{2B7B7EE0-7771-4CD5-9B2B-3550753A54A1}" type="datetime1">
               <a:rPr lang="en-US" smtClean="0"/>
-              <a:t>2/14/2022</a:t>
+              <a:t>2/16/2022</a:t>
             </a:fld>
             <a:endParaRPr lang="en-US"/>
           </a:p>
@@ -11632,7 +11894,7 @@
           <a:p>
             <a:fld id="{F8B318B3-0E87-4416-A9B8-D891968C2727}" type="datetime1">
               <a:rPr lang="en-US" smtClean="0"/>
-              <a:t>2/14/2022</a:t>
+              <a:t>2/16/2022</a:t>
             </a:fld>
             <a:endParaRPr lang="en-US"/>
           </a:p>
@@ -11923,7 +12185,7 @@
           <a:p>
             <a:fld id="{EA476A42-A091-4468-A075-64A31BE59948}" type="datetime1">
               <a:rPr lang="en-US" smtClean="0"/>
-              <a:t>2/14/2022</a:t>
+              <a:t>2/16/2022</a:t>
             </a:fld>
             <a:endParaRPr lang="en-US"/>
           </a:p>
@@ -12166,7 +12428,7 @@
           <a:p>
             <a:fld id="{54D997E8-DDEE-43F1-8D9B-F8A1E11DE488}" type="datetime1">
               <a:rPr lang="en-US" smtClean="0"/>
-              <a:t>2/14/2022</a:t>
+              <a:t>2/16/2022</a:t>
             </a:fld>
             <a:endParaRPr lang="en-US"/>
           </a:p>
@@ -15600,7 +15862,7 @@
             <a:pPr lvl="1"/>
             <a:r>
               <a:rPr lang="en-US" sz="2800" dirty="0"/>
-              <a:t>Statement coverage</a:t>
+              <a:t>Statement or Block coverage</a:t>
             </a:r>
           </a:p>
           <a:p>
@@ -15681,7 +15943,7 @@
         </p:nvSpPr>
         <p:spPr>
           <a:xfrm>
-            <a:off x="5915075" y="2639654"/>
+            <a:off x="7527975" y="2639654"/>
             <a:ext cx="3715943" cy="584775"/>
           </a:xfrm>
           <a:prstGeom prst="rect">
@@ -15728,7 +15990,7 @@
         </p:nvSpPr>
         <p:spPr>
           <a:xfrm>
-            <a:off x="4860235" y="2117033"/>
+            <a:off x="6473135" y="2117033"/>
             <a:ext cx="596348" cy="1630019"/>
           </a:xfrm>
           <a:prstGeom prst="rightBrace">
@@ -43772,8 +44034,16 @@
           <a:p>
             <a:pPr lvl="2"/>
             <a:r>
+              <a:rPr lang="en-US" dirty="0">
+                <a:solidFill>
+                  <a:srgbClr val="FF0000"/>
+                </a:solidFill>
+              </a:rPr>
+              <a:t>Hyrum’s law</a:t>
+            </a:r>
+            <a:r>
               <a:rPr lang="en-US" dirty="0"/>
-              <a:t>Hyrum’s law: any visible behavior may have dependents.</a:t>
+              <a:t>: any visible behavior may have dependents.</a:t>
             </a:r>
           </a:p>
           <a:p>
@@ -47499,7 +47769,15 @@
             <a:pPr lvl="1"/>
             <a:r>
               <a:rPr lang="en-US" dirty="0"/>
-              <a:t>Does the SUT satisfy its specification? (“functional testing”)</a:t>
+              <a:t>Does the SUT satisfy its specification? (“</a:t>
+            </a:r>
+            <a:r>
+              <a:rPr lang="en-US" b="1" dirty="0"/>
+              <a:t>functional testing</a:t>
+            </a:r>
+            <a:r>
+              <a:rPr lang="en-US" dirty="0"/>
+              <a:t>”)</a:t>
             </a:r>
           </a:p>
           <a:p>
@@ -47532,7 +47810,15 @@
             <a:pPr lvl="1"/>
             <a:r>
               <a:rPr lang="en-US" dirty="0"/>
-              <a:t>Does the SUT satisfy the customer (requirement testing)</a:t>
+              <a:t>Does the SUT satisfy the customer (</a:t>
+            </a:r>
+            <a:r>
+              <a:rPr lang="en-US" b="1" dirty="0"/>
+              <a:t>requirement testing</a:t>
+            </a:r>
+            <a:r>
+              <a:rPr lang="en-US" dirty="0"/>
+              <a:t>)</a:t>
             </a:r>
           </a:p>
           <a:p>
